--- a/Презентация_КП_3703.pptx
+++ b/Презентация_КП_3703.pptx
@@ -5,10 +5,10 @@
     <p:sldMasterId id="2147483648" r:id="rId5"/>
   </p:sldMasterIdLst>
   <p:notesMasterIdLst>
-    <p:notesMasterId r:id="rId15"/>
+    <p:notesMasterId r:id="rId17"/>
   </p:notesMasterIdLst>
   <p:handoutMasterIdLst>
-    <p:handoutMasterId r:id="rId16"/>
+    <p:handoutMasterId r:id="rId18"/>
   </p:handoutMasterIdLst>
   <p:sldIdLst>
     <p:sldId id="316" r:id="rId6"/>
@@ -18,8 +18,10 @@
     <p:sldId id="291" r:id="rId10"/>
     <p:sldId id="312" r:id="rId11"/>
     <p:sldId id="292" r:id="rId12"/>
-    <p:sldId id="313" r:id="rId13"/>
-    <p:sldId id="315" r:id="rId14"/>
+    <p:sldId id="317" r:id="rId13"/>
+    <p:sldId id="313" r:id="rId14"/>
+    <p:sldId id="319" r:id="rId15"/>
+    <p:sldId id="320" r:id="rId16"/>
   </p:sldIdLst>
   <p:sldSz cx="9144000" cy="6858000" type="screen4x3"/>
   <p:notesSz cx="6858000" cy="9144000"/>
@@ -130,8 +132,10 @@
             <p14:sldId id="291"/>
             <p14:sldId id="312"/>
             <p14:sldId id="292"/>
+            <p14:sldId id="317"/>
             <p14:sldId id="313"/>
-            <p14:sldId id="315"/>
+            <p14:sldId id="319"/>
+            <p14:sldId id="320"/>
           </p14:sldIdLst>
         </p14:section>
       </p14:sectionLst>
@@ -157,6 +161,749 @@
 </p:presentation>
 </file>
 
+<file path=ppt/charts/chart1.xml><?xml version="1.0" encoding="utf-8"?>
+<c:chartSpace xmlns:c="http://schemas.openxmlformats.org/drawingml/2006/chart" xmlns:a="http://schemas.openxmlformats.org/drawingml/2006/main" xmlns:r="http://schemas.openxmlformats.org/officeDocument/2006/relationships" xmlns:c16r2="http://schemas.microsoft.com/office/drawing/2015/06/chart">
+  <c:date1904 val="0"/>
+  <c:lang val="ru-RU"/>
+  <c:roundedCorners val="0"/>
+  <mc:AlternateContent xmlns:mc="http://schemas.openxmlformats.org/markup-compatibility/2006">
+    <mc:Choice xmlns:c14="http://schemas.microsoft.com/office/drawing/2007/8/2/chart" Requires="c14">
+      <c14:style val="107"/>
+    </mc:Choice>
+    <mc:Fallback>
+      <c:style val="7"/>
+    </mc:Fallback>
+  </mc:AlternateContent>
+  <c:chart>
+    <c:autoTitleDeleted val="1"/>
+    <c:plotArea>
+      <c:layout/>
+      <c:pieChart>
+        <c:varyColors val="1"/>
+        <c:ser>
+          <c:idx val="0"/>
+          <c:order val="0"/>
+          <c:tx>
+            <c:strRef>
+              <c:f>Лист1!$B$1</c:f>
+              <c:strCache>
+                <c:ptCount val="1"/>
+                <c:pt idx="0">
+                  <c:v>Столбец1</c:v>
+                </c:pt>
+              </c:strCache>
+            </c:strRef>
+          </c:tx>
+          <c:dPt>
+            <c:idx val="0"/>
+            <c:bubble3D val="0"/>
+            <c:spPr>
+              <a:gradFill rotWithShape="1">
+                <a:gsLst>
+                  <a:gs pos="0">
+                    <a:schemeClr val="accent5">
+                      <a:shade val="65000"/>
+                      <a:shade val="51000"/>
+                      <a:satMod val="130000"/>
+                    </a:schemeClr>
+                  </a:gs>
+                  <a:gs pos="80000">
+                    <a:schemeClr val="accent5">
+                      <a:shade val="65000"/>
+                      <a:shade val="93000"/>
+                      <a:satMod val="130000"/>
+                    </a:schemeClr>
+                  </a:gs>
+                  <a:gs pos="100000">
+                    <a:schemeClr val="accent5">
+                      <a:shade val="65000"/>
+                      <a:shade val="94000"/>
+                      <a:satMod val="135000"/>
+                    </a:schemeClr>
+                  </a:gs>
+                </a:gsLst>
+                <a:lin ang="16200000" scaled="0"/>
+              </a:gradFill>
+              <a:ln>
+                <a:noFill/>
+              </a:ln>
+              <a:effectLst>
+                <a:outerShdw blurRad="40000" dist="23000" dir="5400000" rotWithShape="0">
+                  <a:srgbClr val="000000">
+                    <a:alpha val="35000"/>
+                  </a:srgbClr>
+                </a:outerShdw>
+              </a:effectLst>
+            </c:spPr>
+            <c:extLst>
+              <c:ext xmlns:c16="http://schemas.microsoft.com/office/drawing/2014/chart" uri="{C3380CC4-5D6E-409C-BE32-E72D297353CC}">
+                <c16:uniqueId val="{00000001-4028-4886-A195-D241FA094FEE}"/>
+              </c:ext>
+            </c:extLst>
+          </c:dPt>
+          <c:dPt>
+            <c:idx val="1"/>
+            <c:bubble3D val="0"/>
+            <c:spPr>
+              <a:gradFill rotWithShape="1">
+                <a:gsLst>
+                  <a:gs pos="0">
+                    <a:schemeClr val="accent5">
+                      <a:shade val="51000"/>
+                      <a:satMod val="130000"/>
+                    </a:schemeClr>
+                  </a:gs>
+                  <a:gs pos="80000">
+                    <a:schemeClr val="accent5">
+                      <a:shade val="93000"/>
+                      <a:satMod val="130000"/>
+                    </a:schemeClr>
+                  </a:gs>
+                  <a:gs pos="100000">
+                    <a:schemeClr val="accent5">
+                      <a:shade val="94000"/>
+                      <a:satMod val="135000"/>
+                    </a:schemeClr>
+                  </a:gs>
+                </a:gsLst>
+                <a:lin ang="16200000" scaled="0"/>
+              </a:gradFill>
+              <a:ln>
+                <a:noFill/>
+              </a:ln>
+              <a:effectLst>
+                <a:outerShdw blurRad="40000" dist="23000" dir="5400000" rotWithShape="0">
+                  <a:srgbClr val="000000">
+                    <a:alpha val="35000"/>
+                  </a:srgbClr>
+                </a:outerShdw>
+              </a:effectLst>
+            </c:spPr>
+            <c:extLst>
+              <c:ext xmlns:c16="http://schemas.microsoft.com/office/drawing/2014/chart" uri="{C3380CC4-5D6E-409C-BE32-E72D297353CC}">
+                <c16:uniqueId val="{00000003-4028-4886-A195-D241FA094FEE}"/>
+              </c:ext>
+            </c:extLst>
+          </c:dPt>
+          <c:dPt>
+            <c:idx val="2"/>
+            <c:bubble3D val="0"/>
+            <c:spPr>
+              <a:gradFill rotWithShape="1">
+                <a:gsLst>
+                  <a:gs pos="0">
+                    <a:schemeClr val="accent5">
+                      <a:tint val="65000"/>
+                      <a:shade val="51000"/>
+                      <a:satMod val="130000"/>
+                    </a:schemeClr>
+                  </a:gs>
+                  <a:gs pos="80000">
+                    <a:schemeClr val="accent5">
+                      <a:tint val="65000"/>
+                      <a:shade val="93000"/>
+                      <a:satMod val="130000"/>
+                    </a:schemeClr>
+                  </a:gs>
+                  <a:gs pos="100000">
+                    <a:schemeClr val="accent5">
+                      <a:tint val="65000"/>
+                      <a:shade val="94000"/>
+                      <a:satMod val="135000"/>
+                    </a:schemeClr>
+                  </a:gs>
+                </a:gsLst>
+                <a:lin ang="16200000" scaled="0"/>
+              </a:gradFill>
+              <a:ln>
+                <a:noFill/>
+              </a:ln>
+              <a:effectLst>
+                <a:outerShdw blurRad="40000" dist="23000" dir="5400000" rotWithShape="0">
+                  <a:srgbClr val="000000">
+                    <a:alpha val="35000"/>
+                  </a:srgbClr>
+                </a:outerShdw>
+              </a:effectLst>
+            </c:spPr>
+            <c:extLst>
+              <c:ext xmlns:c16="http://schemas.microsoft.com/office/drawing/2014/chart" uri="{C3380CC4-5D6E-409C-BE32-E72D297353CC}">
+                <c16:uniqueId val="{00000005-4028-4886-A195-D241FA094FEE}"/>
+              </c:ext>
+            </c:extLst>
+          </c:dPt>
+          <c:dLbls>
+            <c:delete val="1"/>
+          </c:dLbls>
+          <c:cat>
+            <c:strRef>
+              <c:f>Лист1!$A$2:$A$4</c:f>
+              <c:strCache>
+                <c:ptCount val="3"/>
+                <c:pt idx="0">
+                  <c:v>Кв. 1</c:v>
+                </c:pt>
+                <c:pt idx="1">
+                  <c:v>Кв. 2</c:v>
+                </c:pt>
+                <c:pt idx="2">
+                  <c:v>Кв. 3</c:v>
+                </c:pt>
+              </c:strCache>
+            </c:strRef>
+          </c:cat>
+          <c:val>
+            <c:numRef>
+              <c:f>Лист1!$B$2:$B$4</c:f>
+              <c:numCache>
+                <c:formatCode>General</c:formatCode>
+                <c:ptCount val="3"/>
+                <c:pt idx="0">
+                  <c:v>1</c:v>
+                </c:pt>
+                <c:pt idx="1">
+                  <c:v>1</c:v>
+                </c:pt>
+                <c:pt idx="2">
+                  <c:v>1</c:v>
+                </c:pt>
+              </c:numCache>
+            </c:numRef>
+          </c:val>
+          <c:extLst>
+            <c:ext xmlns:c16="http://schemas.microsoft.com/office/drawing/2014/chart" uri="{C3380CC4-5D6E-409C-BE32-E72D297353CC}">
+              <c16:uniqueId val="{00000000-0216-4287-A1EF-688259C5DDCA}"/>
+            </c:ext>
+          </c:extLst>
+        </c:ser>
+        <c:dLbls>
+          <c:dLblPos val="inEnd"/>
+          <c:showLegendKey val="0"/>
+          <c:showVal val="0"/>
+          <c:showCatName val="1"/>
+          <c:showSerName val="0"/>
+          <c:showPercent val="1"/>
+          <c:showBubbleSize val="0"/>
+          <c:showLeaderLines val="1"/>
+        </c:dLbls>
+        <c:firstSliceAng val="0"/>
+      </c:pieChart>
+      <c:spPr>
+        <a:noFill/>
+        <a:ln>
+          <a:noFill/>
+        </a:ln>
+        <a:effectLst/>
+      </c:spPr>
+    </c:plotArea>
+    <c:plotVisOnly val="1"/>
+    <c:dispBlanksAs val="gap"/>
+    <c:extLst>
+      <c:ext xmlns:c16r3="http://schemas.microsoft.com/office/drawing/2017/03/chart" uri="{56B9EC1D-385E-4148-901F-78D8002777C0}">
+        <c16r3:dataDisplayOptions16>
+          <c16r3:dispNaAsBlank val="1"/>
+        </c16r3:dataDisplayOptions16>
+      </c:ext>
+    </c:extLst>
+    <c:showDLblsOverMax val="0"/>
+  </c:chart>
+  <c:spPr>
+    <a:noFill/>
+    <a:ln>
+      <a:noFill/>
+    </a:ln>
+    <a:effectLst/>
+  </c:spPr>
+  <c:txPr>
+    <a:bodyPr/>
+    <a:lstStyle/>
+    <a:p>
+      <a:pPr>
+        <a:defRPr/>
+      </a:pPr>
+      <a:endParaRPr lang="en-US"/>
+    </a:p>
+  </c:txPr>
+  <c:externalData r:id="rId3">
+    <c:autoUpdate val="0"/>
+  </c:externalData>
+</c:chartSpace>
+</file>
+
+<file path=ppt/charts/colors1.xml><?xml version="1.0" encoding="utf-8"?>
+<cs:colorStyle xmlns:cs="http://schemas.microsoft.com/office/drawing/2012/chartStyle" xmlns:a="http://schemas.openxmlformats.org/drawingml/2006/main" meth="withinLinear" id="18">
+  <a:schemeClr val="accent5"/>
+</cs:colorStyle>
+</file>
+
+<file path=ppt/charts/style1.xml><?xml version="1.0" encoding="utf-8"?>
+<cs:chartStyle xmlns:cs="http://schemas.microsoft.com/office/drawing/2012/chartStyle" xmlns:a="http://schemas.openxmlformats.org/drawingml/2006/main" id="255">
+  <cs:axisTitle>
+    <cs:lnRef idx="0"/>
+    <cs:fillRef idx="0"/>
+    <cs:effectRef idx="0"/>
+    <cs:fontRef idx="minor">
+      <a:schemeClr val="tx2"/>
+    </cs:fontRef>
+    <cs:defRPr sz="1197" b="1" kern="1200"/>
+  </cs:axisTitle>
+  <cs:categoryAxis>
+    <cs:lnRef idx="0"/>
+    <cs:fillRef idx="0"/>
+    <cs:effectRef idx="0"/>
+    <cs:fontRef idx="minor">
+      <a:schemeClr val="tx2"/>
+    </cs:fontRef>
+    <cs:spPr>
+      <a:ln w="9525" cap="flat" cmpd="sng" algn="ctr">
+        <a:solidFill>
+          <a:schemeClr val="tx2">
+            <a:lumMod val="15000"/>
+            <a:lumOff val="85000"/>
+          </a:schemeClr>
+        </a:solidFill>
+        <a:round/>
+      </a:ln>
+    </cs:spPr>
+    <cs:defRPr sz="1197" kern="1200"/>
+  </cs:categoryAxis>
+  <cs:chartArea mods="allowNoFillOverride allowNoLineOverride">
+    <cs:lnRef idx="0"/>
+    <cs:fillRef idx="0"/>
+    <cs:effectRef idx="0"/>
+    <cs:fontRef idx="minor">
+      <a:schemeClr val="tx2"/>
+    </cs:fontRef>
+    <cs:spPr>
+      <a:solidFill>
+        <a:schemeClr val="bg1"/>
+      </a:solidFill>
+      <a:ln w="9525" cap="flat" cmpd="sng" algn="ctr">
+        <a:solidFill>
+          <a:schemeClr val="tx2">
+            <a:lumMod val="15000"/>
+            <a:lumOff val="85000"/>
+          </a:schemeClr>
+        </a:solidFill>
+        <a:round/>
+      </a:ln>
+    </cs:spPr>
+    <cs:defRPr sz="1197" kern="1200"/>
+  </cs:chartArea>
+  <cs:dataLabel>
+    <cs:lnRef idx="0"/>
+    <cs:fillRef idx="0"/>
+    <cs:effectRef idx="0"/>
+    <cs:fontRef idx="minor">
+      <a:schemeClr val="tx2"/>
+    </cs:fontRef>
+    <cs:defRPr sz="1197" kern="1200"/>
+  </cs:dataLabel>
+  <cs:dataLabelCallout>
+    <cs:lnRef idx="0"/>
+    <cs:fillRef idx="0"/>
+    <cs:effectRef idx="0"/>
+    <cs:fontRef idx="minor">
+      <a:schemeClr val="dk2">
+        <a:lumMod val="75000"/>
+      </a:schemeClr>
+    </cs:fontRef>
+    <cs:spPr>
+      <a:solidFill>
+        <a:schemeClr val="lt1"/>
+      </a:solidFill>
+      <a:ln>
+        <a:solidFill>
+          <a:schemeClr val="dk1">
+            <a:lumMod val="25000"/>
+            <a:lumOff val="75000"/>
+          </a:schemeClr>
+        </a:solidFill>
+      </a:ln>
+    </cs:spPr>
+    <cs:defRPr sz="1197" kern="1200"/>
+    <cs:bodyPr rot="0" spcFirstLastPara="1" vertOverflow="clip" horzOverflow="clip" vert="horz" wrap="square" lIns="36576" tIns="18288" rIns="36576" bIns="18288" anchor="ctr" anchorCtr="1">
+      <a:spAutoFit/>
+    </cs:bodyPr>
+  </cs:dataLabelCallout>
+  <cs:dataPoint>
+    <cs:lnRef idx="0"/>
+    <cs:fillRef idx="3">
+      <cs:styleClr val="auto"/>
+    </cs:fillRef>
+    <cs:effectRef idx="2"/>
+    <cs:fontRef idx="minor">
+      <a:schemeClr val="tx2"/>
+    </cs:fontRef>
+  </cs:dataPoint>
+  <cs:dataPoint3D>
+    <cs:lnRef idx="0"/>
+    <cs:fillRef idx="3">
+      <cs:styleClr val="auto"/>
+    </cs:fillRef>
+    <cs:effectRef idx="2"/>
+    <cs:fontRef idx="minor">
+      <a:schemeClr val="tx2"/>
+    </cs:fontRef>
+  </cs:dataPoint3D>
+  <cs:dataPointLine>
+    <cs:lnRef idx="0">
+      <cs:styleClr val="auto"/>
+    </cs:lnRef>
+    <cs:fillRef idx="3"/>
+    <cs:effectRef idx="2"/>
+    <cs:fontRef idx="minor">
+      <a:schemeClr val="tx2"/>
+    </cs:fontRef>
+    <cs:spPr>
+      <a:ln w="31750" cap="rnd">
+        <a:solidFill>
+          <a:schemeClr val="phClr"/>
+        </a:solidFill>
+        <a:round/>
+      </a:ln>
+    </cs:spPr>
+  </cs:dataPointLine>
+  <cs:dataPointMarker>
+    <cs:lnRef idx="0"/>
+    <cs:fillRef idx="3">
+      <cs:styleClr val="auto"/>
+    </cs:fillRef>
+    <cs:effectRef idx="2"/>
+    <cs:fontRef idx="minor">
+      <a:schemeClr val="tx2"/>
+    </cs:fontRef>
+    <cs:spPr>
+      <a:ln w="12700">
+        <a:solidFill>
+          <a:schemeClr val="lt2"/>
+        </a:solidFill>
+        <a:round/>
+      </a:ln>
+    </cs:spPr>
+  </cs:dataPointMarker>
+  <cs:dataPointMarkerLayout symbol="circle" size="6"/>
+  <cs:dataPointWireframe>
+    <cs:lnRef idx="0">
+      <cs:styleClr val="auto"/>
+    </cs:lnRef>
+    <cs:fillRef idx="3"/>
+    <cs:effectRef idx="2"/>
+    <cs:fontRef idx="minor">
+      <a:schemeClr val="tx2"/>
+    </cs:fontRef>
+    <cs:spPr>
+      <a:ln w="9525" cap="rnd">
+        <a:solidFill>
+          <a:schemeClr val="phClr"/>
+        </a:solidFill>
+        <a:round/>
+      </a:ln>
+    </cs:spPr>
+  </cs:dataPointWireframe>
+  <cs:dataTable>
+    <cs:lnRef idx="0"/>
+    <cs:fillRef idx="0"/>
+    <cs:effectRef idx="0"/>
+    <cs:fontRef idx="minor">
+      <a:schemeClr val="tx2"/>
+    </cs:fontRef>
+    <cs:spPr>
+      <a:ln w="9525">
+        <a:solidFill>
+          <a:schemeClr val="tx2">
+            <a:lumMod val="15000"/>
+            <a:lumOff val="85000"/>
+          </a:schemeClr>
+        </a:solidFill>
+      </a:ln>
+    </cs:spPr>
+    <cs:defRPr sz="1197" kern="1200"/>
+  </cs:dataTable>
+  <cs:downBar>
+    <cs:lnRef idx="0"/>
+    <cs:fillRef idx="0"/>
+    <cs:effectRef idx="0"/>
+    <cs:fontRef idx="minor">
+      <a:schemeClr val="dk1"/>
+    </cs:fontRef>
+    <cs:spPr>
+      <a:solidFill>
+        <a:schemeClr val="dk1">
+          <a:lumMod val="65000"/>
+          <a:lumOff val="35000"/>
+        </a:schemeClr>
+      </a:solidFill>
+      <a:ln w="9525">
+        <a:solidFill>
+          <a:schemeClr val="tx1">
+            <a:lumMod val="65000"/>
+            <a:lumOff val="35000"/>
+          </a:schemeClr>
+        </a:solidFill>
+      </a:ln>
+    </cs:spPr>
+  </cs:downBar>
+  <cs:dropLine>
+    <cs:lnRef idx="0"/>
+    <cs:fillRef idx="0"/>
+    <cs:effectRef idx="0"/>
+    <cs:fontRef idx="minor">
+      <a:schemeClr val="tx2"/>
+    </cs:fontRef>
+    <cs:spPr>
+      <a:ln w="9525">
+        <a:solidFill>
+          <a:schemeClr val="tx2">
+            <a:lumMod val="60000"/>
+            <a:lumOff val="40000"/>
+          </a:schemeClr>
+        </a:solidFill>
+        <a:prstDash val="dash"/>
+      </a:ln>
+    </cs:spPr>
+  </cs:dropLine>
+  <cs:errorBar>
+    <cs:lnRef idx="0"/>
+    <cs:fillRef idx="0"/>
+    <cs:effectRef idx="0"/>
+    <cs:fontRef idx="minor">
+      <a:schemeClr val="tx2"/>
+    </cs:fontRef>
+    <cs:spPr>
+      <a:ln w="9525">
+        <a:solidFill>
+          <a:schemeClr val="tx2">
+            <a:lumMod val="75000"/>
+          </a:schemeClr>
+        </a:solidFill>
+        <a:round/>
+      </a:ln>
+    </cs:spPr>
+  </cs:errorBar>
+  <cs:floor>
+    <cs:lnRef idx="0"/>
+    <cs:fillRef idx="0"/>
+    <cs:effectRef idx="0"/>
+    <cs:fontRef idx="minor">
+      <a:schemeClr val="tx2"/>
+    </cs:fontRef>
+  </cs:floor>
+  <cs:gridlineMajor>
+    <cs:lnRef idx="0"/>
+    <cs:fillRef idx="0"/>
+    <cs:effectRef idx="0"/>
+    <cs:fontRef idx="minor">
+      <a:schemeClr val="tx2"/>
+    </cs:fontRef>
+    <cs:spPr>
+      <a:ln w="9525" cap="flat" cmpd="sng" algn="ctr">
+        <a:solidFill>
+          <a:schemeClr val="tx2">
+            <a:lumMod val="15000"/>
+            <a:lumOff val="85000"/>
+          </a:schemeClr>
+        </a:solidFill>
+        <a:round/>
+      </a:ln>
+    </cs:spPr>
+  </cs:gridlineMajor>
+  <cs:gridlineMinor>
+    <cs:lnRef idx="0"/>
+    <cs:fillRef idx="0"/>
+    <cs:effectRef idx="0"/>
+    <cs:fontRef idx="minor">
+      <a:schemeClr val="tx2"/>
+    </cs:fontRef>
+    <cs:spPr>
+      <a:ln>
+        <a:solidFill>
+          <a:schemeClr val="tx2">
+            <a:lumMod val="5000"/>
+            <a:lumOff val="95000"/>
+          </a:schemeClr>
+        </a:solidFill>
+      </a:ln>
+    </cs:spPr>
+  </cs:gridlineMinor>
+  <cs:hiLoLine>
+    <cs:lnRef idx="0"/>
+    <cs:fillRef idx="0"/>
+    <cs:effectRef idx="0"/>
+    <cs:fontRef idx="minor">
+      <a:schemeClr val="tx2"/>
+    </cs:fontRef>
+    <cs:spPr>
+      <a:ln w="9525">
+        <a:solidFill>
+          <a:schemeClr val="tx2">
+            <a:lumMod val="60000"/>
+            <a:lumOff val="40000"/>
+          </a:schemeClr>
+        </a:solidFill>
+        <a:prstDash val="dash"/>
+      </a:ln>
+    </cs:spPr>
+  </cs:hiLoLine>
+  <cs:leaderLine>
+    <cs:lnRef idx="0"/>
+    <cs:fillRef idx="0"/>
+    <cs:effectRef idx="0"/>
+    <cs:fontRef idx="minor">
+      <a:schemeClr val="tx2"/>
+    </cs:fontRef>
+    <cs:spPr>
+      <a:ln w="9525">
+        <a:solidFill>
+          <a:schemeClr val="tx2">
+            <a:lumMod val="35000"/>
+            <a:lumOff val="65000"/>
+          </a:schemeClr>
+        </a:solidFill>
+      </a:ln>
+    </cs:spPr>
+  </cs:leaderLine>
+  <cs:legend>
+    <cs:lnRef idx="0"/>
+    <cs:fillRef idx="0"/>
+    <cs:effectRef idx="0"/>
+    <cs:fontRef idx="minor">
+      <a:schemeClr val="tx2"/>
+    </cs:fontRef>
+    <cs:defRPr sz="1197" kern="1200"/>
+  </cs:legend>
+  <cs:plotArea>
+    <cs:lnRef idx="0"/>
+    <cs:fillRef idx="0"/>
+    <cs:effectRef idx="0"/>
+    <cs:fontRef idx="minor">
+      <a:schemeClr val="tx2"/>
+    </cs:fontRef>
+  </cs:plotArea>
+  <cs:plotArea3D>
+    <cs:lnRef idx="0"/>
+    <cs:fillRef idx="0"/>
+    <cs:effectRef idx="0"/>
+    <cs:fontRef idx="minor">
+      <a:schemeClr val="tx2"/>
+    </cs:fontRef>
+  </cs:plotArea3D>
+  <cs:seriesAxis>
+    <cs:lnRef idx="0"/>
+    <cs:fillRef idx="0"/>
+    <cs:effectRef idx="0"/>
+    <cs:fontRef idx="minor">
+      <a:schemeClr val="tx2"/>
+    </cs:fontRef>
+    <cs:spPr>
+      <a:ln w="9525" cap="flat" cmpd="sng" algn="ctr">
+        <a:solidFill>
+          <a:schemeClr val="tx2">
+            <a:lumMod val="15000"/>
+            <a:lumOff val="85000"/>
+          </a:schemeClr>
+        </a:solidFill>
+        <a:round/>
+      </a:ln>
+    </cs:spPr>
+    <cs:defRPr sz="1197" kern="1200"/>
+  </cs:seriesAxis>
+  <cs:seriesLine>
+    <cs:lnRef idx="0"/>
+    <cs:fillRef idx="0"/>
+    <cs:effectRef idx="0"/>
+    <cs:fontRef idx="minor">
+      <a:schemeClr val="tx2"/>
+    </cs:fontRef>
+    <cs:spPr>
+      <a:ln w="9525">
+        <a:solidFill>
+          <a:schemeClr val="tx2">
+            <a:lumMod val="60000"/>
+            <a:lumOff val="40000"/>
+          </a:schemeClr>
+        </a:solidFill>
+        <a:prstDash val="dash"/>
+      </a:ln>
+    </cs:spPr>
+  </cs:seriesLine>
+  <cs:title>
+    <cs:lnRef idx="0"/>
+    <cs:fillRef idx="0"/>
+    <cs:effectRef idx="0"/>
+    <cs:fontRef idx="minor">
+      <a:schemeClr val="tx2"/>
+    </cs:fontRef>
+    <cs:defRPr sz="2128" b="1" kern="1200"/>
+  </cs:title>
+  <cs:trendline>
+    <cs:lnRef idx="0">
+      <cs:styleClr val="auto"/>
+    </cs:lnRef>
+    <cs:fillRef idx="0"/>
+    <cs:effectRef idx="0"/>
+    <cs:fontRef idx="minor">
+      <a:schemeClr val="tx2"/>
+    </cs:fontRef>
+    <cs:spPr>
+      <a:ln w="19050" cap="rnd">
+        <a:solidFill>
+          <a:schemeClr val="phClr"/>
+        </a:solidFill>
+        <a:prstDash val="sysDash"/>
+      </a:ln>
+    </cs:spPr>
+  </cs:trendline>
+  <cs:trendlineLabel>
+    <cs:lnRef idx="0"/>
+    <cs:fillRef idx="0"/>
+    <cs:effectRef idx="0"/>
+    <cs:fontRef idx="minor">
+      <a:schemeClr val="tx2"/>
+    </cs:fontRef>
+    <cs:defRPr sz="1197" kern="1200"/>
+  </cs:trendlineLabel>
+  <cs:upBar>
+    <cs:lnRef idx="0"/>
+    <cs:fillRef idx="0"/>
+    <cs:effectRef idx="0"/>
+    <cs:fontRef idx="minor">
+      <a:schemeClr val="tx2"/>
+    </cs:fontRef>
+    <cs:spPr>
+      <a:solidFill>
+        <a:schemeClr val="lt1"/>
+      </a:solidFill>
+      <a:ln w="9525">
+        <a:solidFill>
+          <a:schemeClr val="tx1">
+            <a:lumMod val="15000"/>
+            <a:lumOff val="85000"/>
+          </a:schemeClr>
+        </a:solidFill>
+      </a:ln>
+    </cs:spPr>
+  </cs:upBar>
+  <cs:valueAxis>
+    <cs:lnRef idx="0"/>
+    <cs:fillRef idx="0"/>
+    <cs:effectRef idx="0"/>
+    <cs:fontRef idx="minor">
+      <a:schemeClr val="tx2"/>
+    </cs:fontRef>
+    <cs:defRPr sz="1197" kern="1200"/>
+  </cs:valueAxis>
+  <cs:wall>
+    <cs:lnRef idx="0"/>
+    <cs:fillRef idx="0"/>
+    <cs:effectRef idx="0"/>
+    <cs:fontRef idx="minor">
+      <a:schemeClr val="tx2"/>
+    </cs:fontRef>
+  </cs:wall>
+</cs:chartStyle>
+</file>
+
 <file path=ppt/handoutMasters/handoutMaster1.xml><?xml version="1.0" encoding="utf-8"?>
 <p:handoutMaster xmlns:a="http://schemas.openxmlformats.org/drawingml/2006/main" xmlns:r="http://schemas.openxmlformats.org/officeDocument/2006/relationships" xmlns:p="http://schemas.openxmlformats.org/presentationml/2006/main">
   <p:cSld>
@@ -240,7 +987,7 @@
             <a:fld id="{DE8C415B-D586-4617-A7CD-C505B94DB98C}" type="datetimeFigureOut">
               <a:rPr lang="ru-RU" smtClean="0"/>
               <a:pPr/>
-              <a:t>25.01.2021</a:t>
+              <a:t>03.02.2021</a:t>
             </a:fld>
             <a:endParaRPr lang="ru-RU"/>
           </a:p>
@@ -407,7 +1154,7 @@
             <a:fld id="{AD96DD18-BCE0-4A3E-88A7-83470DD3C30C}" type="datetimeFigureOut">
               <a:rPr lang="ru-RU" smtClean="0"/>
               <a:pPr/>
-              <a:t>25.01.2021</a:t>
+              <a:t>03.02.2021</a:t>
             </a:fld>
             <a:endParaRPr lang="ru-RU"/>
           </a:p>
@@ -804,7 +1551,11 @@
           <a:bodyPr/>
           <a:lstStyle/>
           <a:p>
-            <a:endParaRPr lang="ru-RU"/>
+            <a:r>
+              <a:rPr lang="ru-RU" dirty="0"/>
+              <a:t>После анализа игровой индустрии в 2020 году, было выявлено, что компьютерные игры входят в тройку самых востребованных игр на планете.</a:t>
+            </a:r>
+            <a:endParaRPr lang="en-GB" dirty="0"/>
           </a:p>
         </p:txBody>
       </p:sp>
@@ -826,7 +1577,7 @@
             <a:fld id="{BECF2865-D604-4CFC-B113-76ADD451E787}" type="slidenum">
               <a:rPr lang="ru-RU" smtClean="0"/>
               <a:pPr/>
-              <a:t>9</a:t>
+              <a:t>3</a:t>
             </a:fld>
             <a:endParaRPr lang="ru-RU"/>
           </a:p>
@@ -835,7 +1586,302 @@
     </p:spTree>
     <p:extLst>
       <p:ext uri="{BB962C8B-B14F-4D97-AF65-F5344CB8AC3E}">
-        <p14:creationId xmlns:p14="http://schemas.microsoft.com/office/powerpoint/2010/main" val="504971464"/>
+        <p14:creationId xmlns:p14="http://schemas.microsoft.com/office/powerpoint/2010/main" val="2587032185"/>
+      </p:ext>
+    </p:extLst>
+  </p:cSld>
+  <p:clrMapOvr>
+    <a:masterClrMapping/>
+  </p:clrMapOvr>
+</p:notes>
+</file>
+
+<file path=ppt/notesSlides/notesSlide3.xml><?xml version="1.0" encoding="utf-8"?>
+<p:notes xmlns:a="http://schemas.openxmlformats.org/drawingml/2006/main" xmlns:r="http://schemas.openxmlformats.org/officeDocument/2006/relationships" xmlns:p="http://schemas.openxmlformats.org/presentationml/2006/main">
+  <p:cSld>
+    <p:spTree>
+      <p:nvGrpSpPr>
+        <p:cNvPr id="1" name=""/>
+        <p:cNvGrpSpPr/>
+        <p:nvPr/>
+      </p:nvGrpSpPr>
+      <p:grpSpPr>
+        <a:xfrm>
+          <a:off x="0" y="0"/>
+          <a:ext cx="0" cy="0"/>
+          <a:chOff x="0" y="0"/>
+          <a:chExt cx="0" cy="0"/>
+        </a:xfrm>
+      </p:grpSpPr>
+      <p:sp>
+        <p:nvSpPr>
+          <p:cNvPr id="2" name="Образ слайда 1"/>
+          <p:cNvSpPr>
+            <a:spLocks noGrp="1" noRot="1" noChangeAspect="1"/>
+          </p:cNvSpPr>
+          <p:nvPr>
+            <p:ph type="sldImg"/>
+          </p:nvPr>
+        </p:nvSpPr>
+        <p:spPr/>
+      </p:sp>
+      <p:sp>
+        <p:nvSpPr>
+          <p:cNvPr id="3" name="Заметки 2"/>
+          <p:cNvSpPr>
+            <a:spLocks noGrp="1"/>
+          </p:cNvSpPr>
+          <p:nvPr>
+            <p:ph type="body" idx="1"/>
+          </p:nvPr>
+        </p:nvSpPr>
+        <p:spPr/>
+        <p:txBody>
+          <a:bodyPr/>
+          <a:lstStyle/>
+          <a:p>
+            <a:pPr marL="0" marR="0" lvl="0" indent="0" algn="l" defTabSz="914400" rtl="0" eaLnBrk="1" fontAlgn="auto" latinLnBrk="0" hangingPunct="1">
+              <a:lnSpc>
+                <a:spcPct val="100000"/>
+              </a:lnSpc>
+              <a:spcBef>
+                <a:spcPts val="0"/>
+              </a:spcBef>
+              <a:spcAft>
+                <a:spcPts val="0"/>
+              </a:spcAft>
+              <a:buClrTx/>
+              <a:buSzTx/>
+              <a:buFontTx/>
+              <a:buNone/>
+              <a:tabLst/>
+              <a:defRPr/>
+            </a:pPr>
+            <a:r>
+              <a:rPr lang="ru-RU" dirty="0"/>
+              <a:t>Игровое приложение </a:t>
+            </a:r>
+          </a:p>
+        </p:txBody>
+      </p:sp>
+      <p:sp>
+        <p:nvSpPr>
+          <p:cNvPr id="4" name="Номер слайда 3"/>
+          <p:cNvSpPr>
+            <a:spLocks noGrp="1"/>
+          </p:cNvSpPr>
+          <p:nvPr>
+            <p:ph type="sldNum" sz="quarter" idx="5"/>
+          </p:nvPr>
+        </p:nvSpPr>
+        <p:spPr/>
+        <p:txBody>
+          <a:bodyPr/>
+          <a:lstStyle/>
+          <a:p>
+            <a:fld id="{BECF2865-D604-4CFC-B113-76ADD451E787}" type="slidenum">
+              <a:rPr lang="ru-RU" smtClean="0"/>
+              <a:pPr/>
+              <a:t>5</a:t>
+            </a:fld>
+            <a:endParaRPr lang="ru-RU"/>
+          </a:p>
+        </p:txBody>
+      </p:sp>
+    </p:spTree>
+    <p:extLst>
+      <p:ext uri="{BB962C8B-B14F-4D97-AF65-F5344CB8AC3E}">
+        <p14:creationId xmlns:p14="http://schemas.microsoft.com/office/powerpoint/2010/main" val="154437457"/>
+      </p:ext>
+    </p:extLst>
+  </p:cSld>
+  <p:clrMapOvr>
+    <a:masterClrMapping/>
+  </p:clrMapOvr>
+</p:notes>
+</file>
+
+<file path=ppt/notesSlides/notesSlide4.xml><?xml version="1.0" encoding="utf-8"?>
+<p:notes xmlns:a="http://schemas.openxmlformats.org/drawingml/2006/main" xmlns:r="http://schemas.openxmlformats.org/officeDocument/2006/relationships" xmlns:p="http://schemas.openxmlformats.org/presentationml/2006/main">
+  <p:cSld>
+    <p:spTree>
+      <p:nvGrpSpPr>
+        <p:cNvPr id="1" name=""/>
+        <p:cNvGrpSpPr/>
+        <p:nvPr/>
+      </p:nvGrpSpPr>
+      <p:grpSpPr>
+        <a:xfrm>
+          <a:off x="0" y="0"/>
+          <a:ext cx="0" cy="0"/>
+          <a:chOff x="0" y="0"/>
+          <a:chExt cx="0" cy="0"/>
+        </a:xfrm>
+      </p:grpSpPr>
+      <p:sp>
+        <p:nvSpPr>
+          <p:cNvPr id="2" name="Образ слайда 1"/>
+          <p:cNvSpPr>
+            <a:spLocks noGrp="1" noRot="1" noChangeAspect="1"/>
+          </p:cNvSpPr>
+          <p:nvPr>
+            <p:ph type="sldImg"/>
+          </p:nvPr>
+        </p:nvSpPr>
+        <p:spPr/>
+      </p:sp>
+      <p:sp>
+        <p:nvSpPr>
+          <p:cNvPr id="3" name="Заметки 2"/>
+          <p:cNvSpPr>
+            <a:spLocks noGrp="1"/>
+          </p:cNvSpPr>
+          <p:nvPr>
+            <p:ph type="body" idx="1"/>
+          </p:nvPr>
+        </p:nvSpPr>
+        <p:spPr/>
+        <p:txBody>
+          <a:bodyPr/>
+          <a:lstStyle/>
+          <a:p>
+            <a:pPr marL="0" marR="0" lvl="0" indent="0" algn="l" defTabSz="914400" rtl="0" eaLnBrk="1" fontAlgn="auto" latinLnBrk="0" hangingPunct="1">
+              <a:lnSpc>
+                <a:spcPct val="100000"/>
+              </a:lnSpc>
+              <a:spcBef>
+                <a:spcPts val="0"/>
+              </a:spcBef>
+              <a:spcAft>
+                <a:spcPts val="0"/>
+              </a:spcAft>
+              <a:buClrTx/>
+              <a:buSzTx/>
+              <a:buFontTx/>
+              <a:buNone/>
+              <a:tabLst/>
+              <a:defRPr/>
+            </a:pPr>
+            <a:r>
+              <a:rPr lang="ru-RU" dirty="0"/>
+              <a:t>Главными конкурентными являются такие игры как, </a:t>
+            </a:r>
+          </a:p>
+        </p:txBody>
+      </p:sp>
+      <p:sp>
+        <p:nvSpPr>
+          <p:cNvPr id="4" name="Номер слайда 3"/>
+          <p:cNvSpPr>
+            <a:spLocks noGrp="1"/>
+          </p:cNvSpPr>
+          <p:nvPr>
+            <p:ph type="sldNum" sz="quarter" idx="5"/>
+          </p:nvPr>
+        </p:nvSpPr>
+        <p:spPr/>
+        <p:txBody>
+          <a:bodyPr/>
+          <a:lstStyle/>
+          <a:p>
+            <a:fld id="{BECF2865-D604-4CFC-B113-76ADD451E787}" type="slidenum">
+              <a:rPr lang="ru-RU" smtClean="0"/>
+              <a:pPr/>
+              <a:t>6</a:t>
+            </a:fld>
+            <a:endParaRPr lang="ru-RU"/>
+          </a:p>
+        </p:txBody>
+      </p:sp>
+    </p:spTree>
+    <p:extLst>
+      <p:ext uri="{BB962C8B-B14F-4D97-AF65-F5344CB8AC3E}">
+        <p14:creationId xmlns:p14="http://schemas.microsoft.com/office/powerpoint/2010/main" val="4178897952"/>
+      </p:ext>
+    </p:extLst>
+  </p:cSld>
+  <p:clrMapOvr>
+    <a:masterClrMapping/>
+  </p:clrMapOvr>
+</p:notes>
+</file>
+
+<file path=ppt/notesSlides/notesSlide5.xml><?xml version="1.0" encoding="utf-8"?>
+<p:notes xmlns:a="http://schemas.openxmlformats.org/drawingml/2006/main" xmlns:r="http://schemas.openxmlformats.org/officeDocument/2006/relationships" xmlns:p="http://schemas.openxmlformats.org/presentationml/2006/main">
+  <p:cSld>
+    <p:spTree>
+      <p:nvGrpSpPr>
+        <p:cNvPr id="1" name=""/>
+        <p:cNvGrpSpPr/>
+        <p:nvPr/>
+      </p:nvGrpSpPr>
+      <p:grpSpPr>
+        <a:xfrm>
+          <a:off x="0" y="0"/>
+          <a:ext cx="0" cy="0"/>
+          <a:chOff x="0" y="0"/>
+          <a:chExt cx="0" cy="0"/>
+        </a:xfrm>
+      </p:grpSpPr>
+      <p:sp>
+        <p:nvSpPr>
+          <p:cNvPr id="2" name="Образ слайда 1"/>
+          <p:cNvSpPr>
+            <a:spLocks noGrp="1" noRot="1" noChangeAspect="1"/>
+          </p:cNvSpPr>
+          <p:nvPr>
+            <p:ph type="sldImg"/>
+          </p:nvPr>
+        </p:nvSpPr>
+        <p:spPr/>
+      </p:sp>
+      <p:sp>
+        <p:nvSpPr>
+          <p:cNvPr id="3" name="Заметки 2"/>
+          <p:cNvSpPr>
+            <a:spLocks noGrp="1"/>
+          </p:cNvSpPr>
+          <p:nvPr>
+            <p:ph type="body" idx="1"/>
+          </p:nvPr>
+        </p:nvSpPr>
+        <p:spPr/>
+        <p:txBody>
+          <a:bodyPr/>
+          <a:lstStyle/>
+          <a:p>
+            <a:endParaRPr lang="ru-RU"/>
+          </a:p>
+        </p:txBody>
+      </p:sp>
+      <p:sp>
+        <p:nvSpPr>
+          <p:cNvPr id="4" name="Номер слайда 3"/>
+          <p:cNvSpPr>
+            <a:spLocks noGrp="1"/>
+          </p:cNvSpPr>
+          <p:nvPr>
+            <p:ph type="sldNum" sz="quarter" idx="5"/>
+          </p:nvPr>
+        </p:nvSpPr>
+        <p:spPr/>
+        <p:txBody>
+          <a:bodyPr/>
+          <a:lstStyle/>
+          <a:p>
+            <a:fld id="{BECF2865-D604-4CFC-B113-76ADD451E787}" type="slidenum">
+              <a:rPr lang="ru-RU" smtClean="0"/>
+              <a:pPr/>
+              <a:t>11</a:t>
+            </a:fld>
+            <a:endParaRPr lang="ru-RU"/>
+          </a:p>
+        </p:txBody>
+      </p:sp>
+    </p:spTree>
+    <p:extLst>
+      <p:ext uri="{BB962C8B-B14F-4D97-AF65-F5344CB8AC3E}">
+        <p14:creationId xmlns:p14="http://schemas.microsoft.com/office/powerpoint/2010/main" val="1423657535"/>
       </p:ext>
     </p:extLst>
   </p:cSld>
@@ -1025,7 +2071,7 @@
             <a:fld id="{9CCAB8F6-30EC-4352-A0EB-8808E33D58FE}" type="datetime1">
               <a:rPr lang="ru-RU" smtClean="0"/>
               <a:pPr/>
-              <a:t>25.01.2021</a:t>
+              <a:t>03.02.2021</a:t>
             </a:fld>
             <a:endParaRPr lang="ru-RU"/>
           </a:p>
@@ -1190,7 +2236,7 @@
             <a:fld id="{E21A05FE-0B33-4F78-AB7A-D99B19E23029}" type="datetime1">
               <a:rPr lang="ru-RU" smtClean="0"/>
               <a:pPr/>
-              <a:t>25.01.2021</a:t>
+              <a:t>03.02.2021</a:t>
             </a:fld>
             <a:endParaRPr lang="ru-RU"/>
           </a:p>
@@ -1365,7 +2411,7 @@
             <a:fld id="{D61B8A9C-BB22-462E-BF5D-4AE82610FA1F}" type="datetime1">
               <a:rPr lang="ru-RU" smtClean="0"/>
               <a:pPr/>
-              <a:t>25.01.2021</a:t>
+              <a:t>03.02.2021</a:t>
             </a:fld>
             <a:endParaRPr lang="ru-RU"/>
           </a:p>
@@ -1565,7 +2611,7 @@
             <a:fld id="{C7646B43-18C7-4E3B-A952-F7004B58246B}" type="datetime1">
               <a:rPr lang="ru-RU" smtClean="0"/>
               <a:pPr/>
-              <a:t>25.01.2021</a:t>
+              <a:t>03.02.2021</a:t>
             </a:fld>
             <a:endParaRPr lang="ru-RU"/>
           </a:p>
@@ -1816,7 +2862,7 @@
             <a:fld id="{3E0D06DB-A410-407F-944C-FB7F9E734F89}" type="datetime1">
               <a:rPr lang="ru-RU" smtClean="0"/>
               <a:pPr/>
-              <a:t>25.01.2021</a:t>
+              <a:t>03.02.2021</a:t>
             </a:fld>
             <a:endParaRPr lang="ru-RU"/>
           </a:p>
@@ -2098,7 +3144,7 @@
             <a:fld id="{4A274A88-F6BE-4E53-A077-8CD5B6A52E76}" type="datetime1">
               <a:rPr lang="ru-RU" smtClean="0"/>
               <a:pPr/>
-              <a:t>25.01.2021</a:t>
+              <a:t>03.02.2021</a:t>
             </a:fld>
             <a:endParaRPr lang="ru-RU"/>
           </a:p>
@@ -2514,7 +3560,7 @@
             <a:fld id="{45BE5B3D-5B6B-4ED7-9610-8CD1C9F72AD5}" type="datetime1">
               <a:rPr lang="ru-RU" smtClean="0"/>
               <a:pPr/>
-              <a:t>25.01.2021</a:t>
+              <a:t>03.02.2021</a:t>
             </a:fld>
             <a:endParaRPr lang="ru-RU"/>
           </a:p>
@@ -2628,7 +3674,7 @@
             <a:fld id="{4F458F28-CEB2-4BCF-B84A-AFE3CDBB760A}" type="datetime1">
               <a:rPr lang="ru-RU" smtClean="0"/>
               <a:pPr/>
-              <a:t>25.01.2021</a:t>
+              <a:t>03.02.2021</a:t>
             </a:fld>
             <a:endParaRPr lang="ru-RU"/>
           </a:p>
@@ -2720,7 +3766,7 @@
             <a:fld id="{6ADDAF7D-84B2-479A-8117-8F4952C3F13A}" type="datetime1">
               <a:rPr lang="ru-RU" smtClean="0"/>
               <a:pPr/>
-              <a:t>25.01.2021</a:t>
+              <a:t>03.02.2021</a:t>
             </a:fld>
             <a:endParaRPr lang="ru-RU"/>
           </a:p>
@@ -2992,7 +4038,7 @@
             <a:fld id="{DFF9433C-6AF1-46A7-99DE-D9F631D61764}" type="datetime1">
               <a:rPr lang="ru-RU" smtClean="0"/>
               <a:pPr/>
-              <a:t>25.01.2021</a:t>
+              <a:t>03.02.2021</a:t>
             </a:fld>
             <a:endParaRPr lang="ru-RU"/>
           </a:p>
@@ -3244,7 +4290,7 @@
             <a:fld id="{694F8DC1-D5E6-46A9-B8B8-49B16F8F3AD3}" type="datetime1">
               <a:rPr lang="ru-RU" smtClean="0"/>
               <a:pPr/>
-              <a:t>25.01.2021</a:t>
+              <a:t>03.02.2021</a:t>
             </a:fld>
             <a:endParaRPr lang="ru-RU"/>
           </a:p>
@@ -3504,7 +4550,7 @@
             <a:fld id="{58DCF173-78FE-474C-A588-52E452BE4892}" type="datetime1">
               <a:rPr lang="ru-RU" smtClean="0"/>
               <a:pPr/>
-              <a:t>25.01.2021</a:t>
+              <a:t>03.02.2021</a:t>
             </a:fld>
             <a:endParaRPr lang="ru-RU"/>
           </a:p>
@@ -4013,27 +5059,7 @@
                 </a:solidFill>
                 <a:latin typeface="-apple-system"/>
               </a:rPr>
-              <a:t>Battle</a:t>
-            </a:r>
-            <a:r>
-              <a:rPr lang="ru-RU" sz="2800" b="0" i="0" dirty="0">
-                <a:solidFill>
-                  <a:srgbClr val="000000"/>
-                </a:solidFill>
-                <a:effectLst/>
-                <a:latin typeface="-apple-system"/>
-              </a:rPr>
-              <a:t> </a:t>
-            </a:r>
-            <a:r>
-              <a:rPr lang="en-GB" sz="2800" b="0" i="0" dirty="0">
-                <a:solidFill>
-                  <a:srgbClr val="000000"/>
-                </a:solidFill>
-                <a:effectLst/>
-                <a:latin typeface="-apple-system"/>
-              </a:rPr>
-              <a:t>royal</a:t>
+              <a:t>CCG</a:t>
             </a:r>
             <a:r>
               <a:rPr lang="ru-RU" sz="2800" b="0" i="0" dirty="0">
@@ -4157,6 +5183,849 @@
     <p:extLst>
       <p:ext uri="{BB962C8B-B14F-4D97-AF65-F5344CB8AC3E}">
         <p14:creationId xmlns:p14="http://schemas.microsoft.com/office/powerpoint/2010/main" val="2828458323"/>
+      </p:ext>
+    </p:extLst>
+  </p:cSld>
+  <p:clrMapOvr>
+    <a:masterClrMapping/>
+  </p:clrMapOvr>
+  <mc:AlternateContent xmlns:mc="http://schemas.openxmlformats.org/markup-compatibility/2006" xmlns:p14="http://schemas.microsoft.com/office/powerpoint/2010/main">
+    <mc:Choice Requires="p14">
+      <p:transition spd="med" p14:dur="700">
+        <p:fade/>
+      </p:transition>
+    </mc:Choice>
+    <mc:Fallback xmlns="">
+      <p:transition spd="med">
+        <p:fade/>
+      </p:transition>
+    </mc:Fallback>
+  </mc:AlternateContent>
+</p:sld>
+</file>
+
+<file path=ppt/slides/slide10.xml><?xml version="1.0" encoding="utf-8"?>
+<p:sld xmlns:a="http://schemas.openxmlformats.org/drawingml/2006/main" xmlns:r="http://schemas.openxmlformats.org/officeDocument/2006/relationships" xmlns:p="http://schemas.openxmlformats.org/presentationml/2006/main">
+  <p:cSld>
+    <p:spTree>
+      <p:nvGrpSpPr>
+        <p:cNvPr id="1" name=""/>
+        <p:cNvGrpSpPr/>
+        <p:nvPr/>
+      </p:nvGrpSpPr>
+      <p:grpSpPr>
+        <a:xfrm>
+          <a:off x="0" y="0"/>
+          <a:ext cx="0" cy="0"/>
+          <a:chOff x="0" y="0"/>
+          <a:chExt cx="0" cy="0"/>
+        </a:xfrm>
+      </p:grpSpPr>
+      <p:sp>
+        <p:nvSpPr>
+          <p:cNvPr id="2" name="Заголовок 1"/>
+          <p:cNvSpPr>
+            <a:spLocks noGrp="1"/>
+          </p:cNvSpPr>
+          <p:nvPr>
+            <p:ph type="title"/>
+          </p:nvPr>
+        </p:nvSpPr>
+        <p:spPr/>
+        <p:txBody>
+          <a:bodyPr>
+            <a:normAutofit/>
+          </a:bodyPr>
+          <a:lstStyle/>
+          <a:p>
+            <a:r>
+              <a:rPr lang="ru-RU" dirty="0"/>
+              <a:t>Инструменты для разработки</a:t>
+            </a:r>
+          </a:p>
+        </p:txBody>
+      </p:sp>
+      <p:sp>
+        <p:nvSpPr>
+          <p:cNvPr id="4" name="Номер слайда 3"/>
+          <p:cNvSpPr>
+            <a:spLocks noGrp="1"/>
+          </p:cNvSpPr>
+          <p:nvPr>
+            <p:ph type="sldNum" sz="quarter" idx="12"/>
+          </p:nvPr>
+        </p:nvSpPr>
+        <p:spPr/>
+        <p:txBody>
+          <a:bodyPr/>
+          <a:lstStyle/>
+          <a:p>
+            <a:fld id="{0E98351F-33E5-4A3B-A99F-441E7915B955}" type="slidenum">
+              <a:rPr lang="ru-RU" smtClean="0"/>
+              <a:pPr/>
+              <a:t>10</a:t>
+            </a:fld>
+            <a:endParaRPr lang="ru-RU"/>
+          </a:p>
+        </p:txBody>
+      </p:sp>
+      <p:sp>
+        <p:nvSpPr>
+          <p:cNvPr id="5" name="Прямоугольник 4">
+            <a:extLst>
+              <a:ext uri="{FF2B5EF4-FFF2-40B4-BE49-F238E27FC236}">
+                <a16:creationId xmlns:a16="http://schemas.microsoft.com/office/drawing/2014/main" id="{830B413A-E1BC-4778-BC68-19D4F94E91AB}"/>
+              </a:ext>
+            </a:extLst>
+          </p:cNvPr>
+          <p:cNvSpPr/>
+          <p:nvPr/>
+        </p:nvSpPr>
+        <p:spPr>
+          <a:xfrm>
+            <a:off x="1789007" y="1498268"/>
+            <a:ext cx="5843674" cy="369332"/>
+          </a:xfrm>
+          <a:prstGeom prst="rect">
+            <a:avLst/>
+          </a:prstGeom>
+        </p:spPr>
+        <p:txBody>
+          <a:bodyPr wrap="square">
+            <a:spAutoFit/>
+          </a:bodyPr>
+          <a:lstStyle/>
+          <a:p>
+            <a:pPr algn="ctr"/>
+            <a:r>
+              <a:rPr lang="ru-RU" dirty="0">
+                <a:latin typeface="Times New Roman" panose="02020603050405020304" pitchFamily="18" charset="0"/>
+              </a:rPr>
+              <a:t>База данных</a:t>
+            </a:r>
+            <a:endParaRPr lang="ru-RU" dirty="0"/>
+          </a:p>
+        </p:txBody>
+      </p:sp>
+      <p:graphicFrame>
+        <p:nvGraphicFramePr>
+          <p:cNvPr id="8" name="Таблица 8">
+            <a:extLst>
+              <a:ext uri="{FF2B5EF4-FFF2-40B4-BE49-F238E27FC236}">
+                <a16:creationId xmlns:a16="http://schemas.microsoft.com/office/drawing/2014/main" id="{28D45C93-D541-4B31-B2EB-50091923C594}"/>
+              </a:ext>
+            </a:extLst>
+          </p:cNvPr>
+          <p:cNvGraphicFramePr>
+            <a:graphicFrameLocks noGrp="1"/>
+          </p:cNvGraphicFramePr>
+          <p:nvPr>
+            <p:ph idx="1"/>
+            <p:extLst>
+              <p:ext uri="{D42A27DB-BD31-4B8C-83A1-F6EECF244321}">
+                <p14:modId xmlns:p14="http://schemas.microsoft.com/office/powerpoint/2010/main" val="1118483289"/>
+              </p:ext>
+            </p:extLst>
+          </p:nvPr>
+        </p:nvGraphicFramePr>
+        <p:xfrm>
+          <a:off x="181928" y="2106236"/>
+          <a:ext cx="8785224" cy="1010920"/>
+        </p:xfrm>
+        <a:graphic>
+          <a:graphicData uri="http://schemas.openxmlformats.org/drawingml/2006/table">
+            <a:tbl>
+              <a:tblPr firstRow="1" bandRow="1">
+                <a:tableStyleId>{5C22544A-7EE6-4342-B048-85BDC9FD1C3A}</a:tableStyleId>
+              </a:tblPr>
+              <a:tblGrid>
+                <a:gridCol w="2196306">
+                  <a:extLst>
+                    <a:ext uri="{9D8B030D-6E8A-4147-A177-3AD203B41FA5}">
+                      <a16:colId xmlns:a16="http://schemas.microsoft.com/office/drawing/2014/main" val="1968145598"/>
+                    </a:ext>
+                  </a:extLst>
+                </a:gridCol>
+                <a:gridCol w="2196306">
+                  <a:extLst>
+                    <a:ext uri="{9D8B030D-6E8A-4147-A177-3AD203B41FA5}">
+                      <a16:colId xmlns:a16="http://schemas.microsoft.com/office/drawing/2014/main" val="1725846784"/>
+                    </a:ext>
+                  </a:extLst>
+                </a:gridCol>
+                <a:gridCol w="2196306">
+                  <a:extLst>
+                    <a:ext uri="{9D8B030D-6E8A-4147-A177-3AD203B41FA5}">
+                      <a16:colId xmlns:a16="http://schemas.microsoft.com/office/drawing/2014/main" val="167513744"/>
+                    </a:ext>
+                  </a:extLst>
+                </a:gridCol>
+                <a:gridCol w="2196306">
+                  <a:extLst>
+                    <a:ext uri="{9D8B030D-6E8A-4147-A177-3AD203B41FA5}">
+                      <a16:colId xmlns:a16="http://schemas.microsoft.com/office/drawing/2014/main" val="1581799980"/>
+                    </a:ext>
+                  </a:extLst>
+                </a:gridCol>
+              </a:tblGrid>
+              <a:tr h="370840">
+                <a:tc>
+                  <a:txBody>
+                    <a:bodyPr/>
+                    <a:lstStyle/>
+                    <a:p>
+                      <a:r>
+                        <a:rPr lang="ru-RU" dirty="0"/>
+                        <a:t>Характеристики</a:t>
+                      </a:r>
+                      <a:endParaRPr lang="en-GB" dirty="0"/>
+                    </a:p>
+                  </a:txBody>
+                  <a:tcPr/>
+                </a:tc>
+                <a:tc>
+                  <a:txBody>
+                    <a:bodyPr/>
+                    <a:lstStyle/>
+                    <a:p>
+                      <a:r>
+                        <a:rPr lang="en-GB" dirty="0"/>
+                        <a:t>PostgreSQL</a:t>
+                      </a:r>
+                    </a:p>
+                  </a:txBody>
+                  <a:tcPr/>
+                </a:tc>
+                <a:tc>
+                  <a:txBody>
+                    <a:bodyPr/>
+                    <a:lstStyle/>
+                    <a:p>
+                      <a:r>
+                        <a:rPr lang="en-GB" dirty="0"/>
+                        <a:t>Oracle</a:t>
+                      </a:r>
+                    </a:p>
+                  </a:txBody>
+                  <a:tcPr/>
+                </a:tc>
+                <a:tc>
+                  <a:txBody>
+                    <a:bodyPr/>
+                    <a:lstStyle/>
+                    <a:p>
+                      <a:r>
+                        <a:rPr lang="en-GB" dirty="0"/>
+                        <a:t>Microsoft</a:t>
+                      </a:r>
+                    </a:p>
+                  </a:txBody>
+                  <a:tcPr/>
+                </a:tc>
+                <a:extLst>
+                  <a:ext uri="{0D108BD9-81ED-4DB2-BD59-A6C34878D82A}">
+                    <a16:rowId xmlns:a16="http://schemas.microsoft.com/office/drawing/2014/main" val="1437535377"/>
+                  </a:ext>
+                </a:extLst>
+              </a:tr>
+              <a:tr h="370840">
+                <a:tc>
+                  <a:txBody>
+                    <a:bodyPr/>
+                    <a:lstStyle/>
+                    <a:p>
+                      <a:r>
+                        <a:rPr lang="ru-RU" dirty="0"/>
+                        <a:t>Лицензия</a:t>
+                      </a:r>
+                      <a:endParaRPr lang="en-GB" dirty="0"/>
+                    </a:p>
+                  </a:txBody>
+                  <a:tcPr/>
+                </a:tc>
+                <a:tc>
+                  <a:txBody>
+                    <a:bodyPr/>
+                    <a:lstStyle/>
+                    <a:p>
+                      <a:r>
+                        <a:rPr lang="ru-RU" dirty="0"/>
+                        <a:t>Открытый исходный код</a:t>
+                      </a:r>
+                      <a:endParaRPr lang="en-GB" dirty="0"/>
+                    </a:p>
+                  </a:txBody>
+                  <a:tcPr/>
+                </a:tc>
+                <a:tc>
+                  <a:txBody>
+                    <a:bodyPr/>
+                    <a:lstStyle/>
+                    <a:p>
+                      <a:r>
+                        <a:rPr lang="ru-RU" dirty="0"/>
+                        <a:t>Коммерческая</a:t>
+                      </a:r>
+                      <a:endParaRPr lang="en-GB" dirty="0"/>
+                    </a:p>
+                  </a:txBody>
+                  <a:tcPr/>
+                </a:tc>
+                <a:tc>
+                  <a:txBody>
+                    <a:bodyPr/>
+                    <a:lstStyle/>
+                    <a:p>
+                      <a:r>
+                        <a:rPr lang="ru-RU" dirty="0"/>
+                        <a:t>Коммерческая</a:t>
+                      </a:r>
+                      <a:endParaRPr lang="en-GB" dirty="0"/>
+                    </a:p>
+                  </a:txBody>
+                  <a:tcPr/>
+                </a:tc>
+                <a:extLst>
+                  <a:ext uri="{0D108BD9-81ED-4DB2-BD59-A6C34878D82A}">
+                    <a16:rowId xmlns:a16="http://schemas.microsoft.com/office/drawing/2014/main" val="3871631936"/>
+                  </a:ext>
+                </a:extLst>
+              </a:tr>
+            </a:tbl>
+          </a:graphicData>
+        </a:graphic>
+      </p:graphicFrame>
+      <p:sp>
+        <p:nvSpPr>
+          <p:cNvPr id="9" name="Прямоугольник 8">
+            <a:extLst>
+              <a:ext uri="{FF2B5EF4-FFF2-40B4-BE49-F238E27FC236}">
+                <a16:creationId xmlns:a16="http://schemas.microsoft.com/office/drawing/2014/main" id="{2B59DB10-7CFA-42B5-AE41-538568F5C951}"/>
+              </a:ext>
+            </a:extLst>
+          </p:cNvPr>
+          <p:cNvSpPr/>
+          <p:nvPr/>
+        </p:nvSpPr>
+        <p:spPr>
+          <a:xfrm>
+            <a:off x="1785951" y="3353272"/>
+            <a:ext cx="5843674" cy="369332"/>
+          </a:xfrm>
+          <a:prstGeom prst="rect">
+            <a:avLst/>
+          </a:prstGeom>
+        </p:spPr>
+        <p:txBody>
+          <a:bodyPr wrap="square">
+            <a:spAutoFit/>
+          </a:bodyPr>
+          <a:lstStyle/>
+          <a:p>
+            <a:pPr algn="ctr"/>
+            <a:r>
+              <a:rPr lang="ru-RU" dirty="0">
+                <a:latin typeface="Times New Roman" panose="02020603050405020304" pitchFamily="18" charset="0"/>
+              </a:rPr>
+              <a:t>Сервер</a:t>
+            </a:r>
+            <a:endParaRPr lang="ru-RU" dirty="0"/>
+          </a:p>
+        </p:txBody>
+      </p:sp>
+      <p:graphicFrame>
+        <p:nvGraphicFramePr>
+          <p:cNvPr id="10" name="Таблица 10">
+            <a:extLst>
+              <a:ext uri="{FF2B5EF4-FFF2-40B4-BE49-F238E27FC236}">
+                <a16:creationId xmlns:a16="http://schemas.microsoft.com/office/drawing/2014/main" id="{D43A242F-019F-48B4-8FF9-2227D00B7796}"/>
+              </a:ext>
+            </a:extLst>
+          </p:cNvPr>
+          <p:cNvGraphicFramePr>
+            <a:graphicFrameLocks noGrp="1"/>
+          </p:cNvGraphicFramePr>
+          <p:nvPr>
+            <p:extLst>
+              <p:ext uri="{D42A27DB-BD31-4B8C-83A1-F6EECF244321}">
+                <p14:modId xmlns:p14="http://schemas.microsoft.com/office/powerpoint/2010/main" val="2540225783"/>
+              </p:ext>
+            </p:extLst>
+          </p:nvPr>
+        </p:nvGraphicFramePr>
+        <p:xfrm>
+          <a:off x="1659788" y="3740845"/>
+          <a:ext cx="6096000" cy="1112520"/>
+        </p:xfrm>
+        <a:graphic>
+          <a:graphicData uri="http://schemas.openxmlformats.org/drawingml/2006/table">
+            <a:tbl>
+              <a:tblPr firstRow="1" bandRow="1">
+                <a:tableStyleId>{5C22544A-7EE6-4342-B048-85BDC9FD1C3A}</a:tableStyleId>
+              </a:tblPr>
+              <a:tblGrid>
+                <a:gridCol w="2032000">
+                  <a:extLst>
+                    <a:ext uri="{9D8B030D-6E8A-4147-A177-3AD203B41FA5}">
+                      <a16:colId xmlns:a16="http://schemas.microsoft.com/office/drawing/2014/main" val="835256909"/>
+                    </a:ext>
+                  </a:extLst>
+                </a:gridCol>
+                <a:gridCol w="2032000">
+                  <a:extLst>
+                    <a:ext uri="{9D8B030D-6E8A-4147-A177-3AD203B41FA5}">
+                      <a16:colId xmlns:a16="http://schemas.microsoft.com/office/drawing/2014/main" val="3837963760"/>
+                    </a:ext>
+                  </a:extLst>
+                </a:gridCol>
+                <a:gridCol w="2032000">
+                  <a:extLst>
+                    <a:ext uri="{9D8B030D-6E8A-4147-A177-3AD203B41FA5}">
+                      <a16:colId xmlns:a16="http://schemas.microsoft.com/office/drawing/2014/main" val="3696243352"/>
+                    </a:ext>
+                  </a:extLst>
+                </a:gridCol>
+              </a:tblGrid>
+              <a:tr h="370840">
+                <a:tc>
+                  <a:txBody>
+                    <a:bodyPr/>
+                    <a:lstStyle/>
+                    <a:p>
+                      <a:r>
+                        <a:rPr lang="ru-RU" dirty="0"/>
+                        <a:t>Характеристики</a:t>
+                      </a:r>
+                      <a:endParaRPr lang="en-GB" dirty="0"/>
+                    </a:p>
+                  </a:txBody>
+                  <a:tcPr/>
+                </a:tc>
+                <a:tc>
+                  <a:txBody>
+                    <a:bodyPr/>
+                    <a:lstStyle/>
+                    <a:p>
+                      <a:r>
+                        <a:rPr lang="en-GB" dirty="0"/>
+                        <a:t>Java</a:t>
+                      </a:r>
+                    </a:p>
+                  </a:txBody>
+                  <a:tcPr/>
+                </a:tc>
+                <a:tc>
+                  <a:txBody>
+                    <a:bodyPr/>
+                    <a:lstStyle/>
+                    <a:p>
+                      <a:r>
+                        <a:rPr lang="en-GB" dirty="0"/>
+                        <a:t>C++</a:t>
+                      </a:r>
+                    </a:p>
+                  </a:txBody>
+                  <a:tcPr/>
+                </a:tc>
+                <a:extLst>
+                  <a:ext uri="{0D108BD9-81ED-4DB2-BD59-A6C34878D82A}">
+                    <a16:rowId xmlns:a16="http://schemas.microsoft.com/office/drawing/2014/main" val="315577870"/>
+                  </a:ext>
+                </a:extLst>
+              </a:tr>
+              <a:tr h="370840">
+                <a:tc>
+                  <a:txBody>
+                    <a:bodyPr/>
+                    <a:lstStyle/>
+                    <a:p>
+                      <a:r>
+                        <a:rPr lang="ru-RU" dirty="0"/>
+                        <a:t>Сборка мусора</a:t>
+                      </a:r>
+                      <a:endParaRPr lang="en-GB" dirty="0"/>
+                    </a:p>
+                  </a:txBody>
+                  <a:tcPr/>
+                </a:tc>
+                <a:tc>
+                  <a:txBody>
+                    <a:bodyPr/>
+                    <a:lstStyle/>
+                    <a:p>
+                      <a:r>
+                        <a:rPr lang="ru-RU" dirty="0"/>
+                        <a:t>Есть</a:t>
+                      </a:r>
+                      <a:endParaRPr lang="en-GB" dirty="0"/>
+                    </a:p>
+                  </a:txBody>
+                  <a:tcPr/>
+                </a:tc>
+                <a:tc>
+                  <a:txBody>
+                    <a:bodyPr/>
+                    <a:lstStyle/>
+                    <a:p>
+                      <a:r>
+                        <a:rPr lang="ru-RU" dirty="0"/>
+                        <a:t>Нет</a:t>
+                      </a:r>
+                      <a:endParaRPr lang="en-GB" dirty="0"/>
+                    </a:p>
+                  </a:txBody>
+                  <a:tcPr/>
+                </a:tc>
+                <a:extLst>
+                  <a:ext uri="{0D108BD9-81ED-4DB2-BD59-A6C34878D82A}">
+                    <a16:rowId xmlns:a16="http://schemas.microsoft.com/office/drawing/2014/main" val="4241078653"/>
+                  </a:ext>
+                </a:extLst>
+              </a:tr>
+              <a:tr h="370840">
+                <a:tc>
+                  <a:txBody>
+                    <a:bodyPr/>
+                    <a:lstStyle/>
+                    <a:p>
+                      <a:r>
+                        <a:rPr lang="ru-RU" dirty="0"/>
+                        <a:t>Безопасность</a:t>
+                      </a:r>
+                      <a:endParaRPr lang="en-GB" dirty="0"/>
+                    </a:p>
+                  </a:txBody>
+                  <a:tcPr/>
+                </a:tc>
+                <a:tc>
+                  <a:txBody>
+                    <a:bodyPr/>
+                    <a:lstStyle/>
+                    <a:p>
+                      <a:r>
+                        <a:rPr lang="ru-RU" dirty="0"/>
+                        <a:t>Высокий уровень</a:t>
+                      </a:r>
+                      <a:endParaRPr lang="en-GB" dirty="0"/>
+                    </a:p>
+                  </a:txBody>
+                  <a:tcPr/>
+                </a:tc>
+                <a:tc>
+                  <a:txBody>
+                    <a:bodyPr/>
+                    <a:lstStyle/>
+                    <a:p>
+                      <a:r>
+                        <a:rPr lang="ru-RU" dirty="0"/>
+                        <a:t>Средний уровень</a:t>
+                      </a:r>
+                      <a:endParaRPr lang="en-GB" dirty="0"/>
+                    </a:p>
+                  </a:txBody>
+                  <a:tcPr/>
+                </a:tc>
+                <a:extLst>
+                  <a:ext uri="{0D108BD9-81ED-4DB2-BD59-A6C34878D82A}">
+                    <a16:rowId xmlns:a16="http://schemas.microsoft.com/office/drawing/2014/main" val="680714314"/>
+                  </a:ext>
+                </a:extLst>
+              </a:tr>
+            </a:tbl>
+          </a:graphicData>
+        </a:graphic>
+      </p:graphicFrame>
+    </p:spTree>
+    <p:extLst>
+      <p:ext uri="{BB962C8B-B14F-4D97-AF65-F5344CB8AC3E}">
+        <p14:creationId xmlns:p14="http://schemas.microsoft.com/office/powerpoint/2010/main" val="3104210044"/>
+      </p:ext>
+    </p:extLst>
+  </p:cSld>
+  <p:clrMapOvr>
+    <a:masterClrMapping/>
+  </p:clrMapOvr>
+</p:sld>
+</file>
+
+<file path=ppt/slides/slide11.xml><?xml version="1.0" encoding="utf-8"?>
+<p:sld xmlns:a="http://schemas.openxmlformats.org/drawingml/2006/main" xmlns:r="http://schemas.openxmlformats.org/officeDocument/2006/relationships" xmlns:p="http://schemas.openxmlformats.org/presentationml/2006/main">
+  <p:cSld>
+    <p:spTree>
+      <p:nvGrpSpPr>
+        <p:cNvPr id="1" name=""/>
+        <p:cNvGrpSpPr/>
+        <p:nvPr/>
+      </p:nvGrpSpPr>
+      <p:grpSpPr>
+        <a:xfrm>
+          <a:off x="0" y="0"/>
+          <a:ext cx="0" cy="0"/>
+          <a:chOff x="0" y="0"/>
+          <a:chExt cx="0" cy="0"/>
+        </a:xfrm>
+      </p:grpSpPr>
+      <p:sp>
+        <p:nvSpPr>
+          <p:cNvPr id="3" name="Прямоугольник 2">
+            <a:extLst>
+              <a:ext uri="{FF2B5EF4-FFF2-40B4-BE49-F238E27FC236}">
+                <a16:creationId xmlns:a16="http://schemas.microsoft.com/office/drawing/2014/main" id="{FF1E0016-A8EB-45E4-93CC-99BE5FD0AA86}"/>
+              </a:ext>
+            </a:extLst>
+          </p:cNvPr>
+          <p:cNvSpPr/>
+          <p:nvPr/>
+        </p:nvSpPr>
+        <p:spPr>
+          <a:xfrm>
+            <a:off x="1907704" y="25740"/>
+            <a:ext cx="6048672" cy="2308324"/>
+          </a:xfrm>
+          <a:prstGeom prst="rect">
+            <a:avLst/>
+          </a:prstGeom>
+        </p:spPr>
+        <p:txBody>
+          <a:bodyPr wrap="square">
+            <a:spAutoFit/>
+          </a:bodyPr>
+          <a:lstStyle/>
+          <a:p>
+            <a:pPr algn="ctr"/>
+            <a:r>
+              <a:rPr lang="ru-RU" sz="1600" dirty="0"/>
+              <a:t>ПРАВИТЕЛЬСТВО САНКТ-ПЕТЕРБУРГА</a:t>
+            </a:r>
+          </a:p>
+          <a:p>
+            <a:pPr algn="ctr"/>
+            <a:r>
+              <a:rPr lang="ru-RU" sz="1600" dirty="0"/>
+              <a:t>КОМИТЕТ ПО НАУКЕ И ВЫСШЕЙ ШКОЛЕ</a:t>
+            </a:r>
+          </a:p>
+          <a:p>
+            <a:pPr algn="ctr"/>
+            <a:endParaRPr lang="ru-RU" sz="1600" dirty="0"/>
+          </a:p>
+          <a:p>
+            <a:pPr algn="ctr"/>
+            <a:r>
+              <a:rPr lang="ru-RU" sz="1600" dirty="0"/>
+              <a:t>Санкт-Петербургское государственное бюджетное</a:t>
+            </a:r>
+          </a:p>
+          <a:p>
+            <a:pPr algn="ctr"/>
+            <a:r>
+              <a:rPr lang="ru-RU" sz="1600" dirty="0"/>
+              <a:t>профессиональное образовательное учреждение</a:t>
+            </a:r>
+          </a:p>
+          <a:p>
+            <a:pPr algn="ctr"/>
+            <a:r>
+              <a:rPr lang="ru-RU" sz="1600" dirty="0"/>
+              <a:t>«ПЕТРОВСКИЙ КОЛЛЕДЖ»</a:t>
+            </a:r>
+          </a:p>
+          <a:p>
+            <a:pPr algn="ctr"/>
+            <a:r>
+              <a:rPr lang="ru-RU" sz="1600" dirty="0"/>
+              <a:t>(СПб ГБПОУ «Петровский колледж»)</a:t>
+            </a:r>
+          </a:p>
+          <a:p>
+            <a:pPr algn="ctr"/>
+            <a:endParaRPr lang="ru-RU" sz="1600" dirty="0"/>
+          </a:p>
+          <a:p>
+            <a:pPr algn="ctr"/>
+            <a:r>
+              <a:rPr lang="ru-RU" sz="1600" dirty="0"/>
+              <a:t>Отделение информационных технологий</a:t>
+            </a:r>
+          </a:p>
+        </p:txBody>
+      </p:sp>
+      <p:sp>
+        <p:nvSpPr>
+          <p:cNvPr id="6" name="Прямоугольник 5">
+            <a:extLst>
+              <a:ext uri="{FF2B5EF4-FFF2-40B4-BE49-F238E27FC236}">
+                <a16:creationId xmlns:a16="http://schemas.microsoft.com/office/drawing/2014/main" id="{08E413D5-8196-4F72-AFC9-EAF6F4839DC3}"/>
+              </a:ext>
+            </a:extLst>
+          </p:cNvPr>
+          <p:cNvSpPr/>
+          <p:nvPr/>
+        </p:nvSpPr>
+        <p:spPr>
+          <a:xfrm>
+            <a:off x="1075093" y="2854694"/>
+            <a:ext cx="7704856" cy="954107"/>
+          </a:xfrm>
+          <a:prstGeom prst="rect">
+            <a:avLst/>
+          </a:prstGeom>
+        </p:spPr>
+        <p:txBody>
+          <a:bodyPr wrap="square">
+            <a:spAutoFit/>
+          </a:bodyPr>
+          <a:lstStyle/>
+          <a:p>
+            <a:pPr algn="ctr"/>
+            <a:r>
+              <a:rPr lang="ru-RU" sz="2800" dirty="0"/>
+              <a:t>ТЕМА КУРСОВОГО ПРОЕКТА</a:t>
+            </a:r>
+            <a:br>
+              <a:rPr lang="ru-RU" sz="2800" dirty="0"/>
+            </a:br>
+            <a:r>
+              <a:rPr lang="ru-RU" sz="2800" b="0" i="0" dirty="0">
+                <a:solidFill>
+                  <a:srgbClr val="000000"/>
+                </a:solidFill>
+                <a:effectLst/>
+                <a:latin typeface="-apple-system"/>
+              </a:rPr>
+              <a:t>РАЗРАБОТКА ОНЛАЙН ИГРЫ ЖАНРА «</a:t>
+            </a:r>
+            <a:r>
+              <a:rPr lang="en-GB" sz="2800" dirty="0">
+                <a:solidFill>
+                  <a:srgbClr val="000000"/>
+                </a:solidFill>
+                <a:latin typeface="-apple-system"/>
+              </a:rPr>
+              <a:t>CCG</a:t>
+            </a:r>
+            <a:r>
+              <a:rPr lang="ru-RU" sz="2800" b="0" i="0" dirty="0">
+                <a:solidFill>
+                  <a:srgbClr val="000000"/>
+                </a:solidFill>
+                <a:effectLst/>
+                <a:latin typeface="-apple-system"/>
+              </a:rPr>
+              <a:t>»</a:t>
+            </a:r>
+            <a:endParaRPr lang="ru-RU" sz="2800" dirty="0"/>
+          </a:p>
+        </p:txBody>
+      </p:sp>
+      <p:sp>
+        <p:nvSpPr>
+          <p:cNvPr id="7" name="TextBox 6">
+            <a:extLst>
+              <a:ext uri="{FF2B5EF4-FFF2-40B4-BE49-F238E27FC236}">
+                <a16:creationId xmlns:a16="http://schemas.microsoft.com/office/drawing/2014/main" id="{0BBD2F56-40FF-4D2D-B4C6-ED4233D7DE16}"/>
+              </a:ext>
+            </a:extLst>
+          </p:cNvPr>
+          <p:cNvSpPr txBox="1"/>
+          <p:nvPr/>
+        </p:nvSpPr>
+        <p:spPr>
+          <a:xfrm>
+            <a:off x="4716016" y="4232122"/>
+            <a:ext cx="4063933" cy="1477328"/>
+          </a:xfrm>
+          <a:prstGeom prst="rect">
+            <a:avLst/>
+          </a:prstGeom>
+          <a:noFill/>
+        </p:spPr>
+        <p:txBody>
+          <a:bodyPr wrap="square" rtlCol="0" anchor="ctr">
+            <a:spAutoFit/>
+          </a:bodyPr>
+          <a:lstStyle/>
+          <a:p>
+            <a:pPr algn="r"/>
+            <a:r>
+              <a:rPr lang="ru-RU" dirty="0"/>
+              <a:t>Выполнил:  Газман Алексей</a:t>
+            </a:r>
+          </a:p>
+          <a:p>
+            <a:pPr algn="r"/>
+            <a:r>
+              <a:rPr lang="ru-RU" dirty="0"/>
+              <a:t>Михайлович </a:t>
+            </a:r>
+          </a:p>
+          <a:p>
+            <a:pPr algn="r"/>
+            <a:r>
+              <a:rPr lang="ru-RU" dirty="0"/>
+              <a:t>Студент группы 3703</a:t>
+            </a:r>
+          </a:p>
+          <a:p>
+            <a:pPr algn="r"/>
+            <a:endParaRPr lang="ru-RU" dirty="0"/>
+          </a:p>
+          <a:p>
+            <a:pPr algn="r"/>
+            <a:r>
+              <a:rPr lang="ru-RU" dirty="0"/>
+              <a:t>Руководитель: Ерина М.А.</a:t>
+            </a:r>
+          </a:p>
+        </p:txBody>
+      </p:sp>
+      <p:sp>
+        <p:nvSpPr>
+          <p:cNvPr id="8" name="TextBox 7">
+            <a:extLst>
+              <a:ext uri="{FF2B5EF4-FFF2-40B4-BE49-F238E27FC236}">
+                <a16:creationId xmlns:a16="http://schemas.microsoft.com/office/drawing/2014/main" id="{E0683B0C-3F1D-4BD8-AC93-2FEB17A17B25}"/>
+              </a:ext>
+            </a:extLst>
+          </p:cNvPr>
+          <p:cNvSpPr txBox="1"/>
+          <p:nvPr/>
+        </p:nvSpPr>
+        <p:spPr>
+          <a:xfrm>
+            <a:off x="3707904" y="6516052"/>
+            <a:ext cx="2448272" cy="369332"/>
+          </a:xfrm>
+          <a:prstGeom prst="rect">
+            <a:avLst/>
+          </a:prstGeom>
+          <a:noFill/>
+        </p:spPr>
+        <p:txBody>
+          <a:bodyPr wrap="square" rtlCol="0">
+            <a:spAutoFit/>
+          </a:bodyPr>
+          <a:lstStyle/>
+          <a:p>
+            <a:r>
+              <a:rPr lang="ru-RU" dirty="0"/>
+              <a:t>Санкт-Петербург, 20</a:t>
+            </a:r>
+            <a:r>
+              <a:rPr lang="en-HK" dirty="0"/>
+              <a:t>2</a:t>
+            </a:r>
+            <a:r>
+              <a:rPr lang="ru-RU" dirty="0"/>
+              <a:t>1</a:t>
+            </a:r>
+          </a:p>
+        </p:txBody>
+      </p:sp>
+    </p:spTree>
+    <p:extLst>
+      <p:ext uri="{BB962C8B-B14F-4D97-AF65-F5344CB8AC3E}">
+        <p14:creationId xmlns:p14="http://schemas.microsoft.com/office/powerpoint/2010/main" val="3600835427"/>
       </p:ext>
     </p:extLst>
   </p:cSld>
@@ -4237,11 +6106,11 @@
           <a:p>
             <a:r>
               <a:rPr lang="ru-RU" dirty="0"/>
-              <a:t>Цель курсового проекта – разработать многопользовательское игровое приложение для </a:t>
+              <a:t>Цель курсового проекта – разработать многопользовательское компьютерное игровое приложение</a:t>
             </a:r>
             <a:r>
               <a:rPr lang="en-GB" dirty="0"/>
-              <a:t>Windows.</a:t>
+              <a:t>.</a:t>
             </a:r>
             <a:endParaRPr lang="ru-RU" dirty="0"/>
           </a:p>
@@ -4374,7 +6243,7 @@
           <p:nvPr/>
         </p:nvPicPr>
         <p:blipFill>
-          <a:blip r:embed="rId2"/>
+          <a:blip r:embed="rId3"/>
           <a:stretch>
             <a:fillRect/>
           </a:stretch>
@@ -4567,17 +6436,86 @@
           <a:lstStyle/>
           <a:p>
             <a:r>
-              <a:rPr lang="ru-RU" b="0" i="1" dirty="0" err="1">
+              <a:rPr lang="ru-RU" sz="2000" i="0" dirty="0">
                 <a:solidFill>
                   <a:srgbClr val="202122"/>
                 </a:solidFill>
                 <a:effectLst/>
                 <a:latin typeface="Arial" panose="020B0604020202020204" pitchFamily="34" charset="0"/>
               </a:rPr>
-              <a:t>Battle</a:t>
-            </a:r>
-            <a:r>
-              <a:rPr lang="ru-RU" b="0" i="1" dirty="0">
+              <a:t>CCG (</a:t>
+            </a:r>
+            <a:r>
+              <a:rPr lang="en-GB" sz="2000" dirty="0" err="1">
+                <a:solidFill>
+                  <a:srgbClr val="202122"/>
+                </a:solidFill>
+                <a:latin typeface="Arial" panose="020B0604020202020204" pitchFamily="34" charset="0"/>
+              </a:rPr>
+              <a:t>Collectuion</a:t>
+            </a:r>
+            <a:r>
+              <a:rPr lang="ru-RU" sz="2000" i="0" dirty="0">
+                <a:solidFill>
+                  <a:srgbClr val="202122"/>
+                </a:solidFill>
+                <a:effectLst/>
+                <a:latin typeface="Arial" panose="020B0604020202020204" pitchFamily="34" charset="0"/>
+              </a:rPr>
+              <a:t>) - Коллекционная карточная игра (CCG), также называемая торговой карточной игрой (TCG), среди других названий,</a:t>
+            </a:r>
+            <a:r>
+              <a:rPr lang="en-GB" sz="2000" i="0" dirty="0">
+                <a:solidFill>
+                  <a:srgbClr val="202122"/>
+                </a:solidFill>
+                <a:effectLst/>
+                <a:latin typeface="Arial" panose="020B0604020202020204" pitchFamily="34" charset="0"/>
+              </a:rPr>
+              <a:t> -</a:t>
+            </a:r>
+            <a:r>
+              <a:rPr lang="ru-RU" sz="2000" i="0" dirty="0">
+                <a:solidFill>
+                  <a:srgbClr val="202122"/>
+                </a:solidFill>
+                <a:effectLst/>
+                <a:latin typeface="Arial" panose="020B0604020202020204" pitchFamily="34" charset="0"/>
+              </a:rPr>
+              <a:t> это тип карточной игры, который смешивает стратегические элементы построения колоды с особенностями торговых карт, введенный с </a:t>
+            </a:r>
+            <a:r>
+              <a:rPr lang="ru-RU" sz="2000" i="0" dirty="0" err="1">
+                <a:solidFill>
+                  <a:srgbClr val="202122"/>
+                </a:solidFill>
+                <a:effectLst/>
+                <a:latin typeface="Arial" panose="020B0604020202020204" pitchFamily="34" charset="0"/>
+              </a:rPr>
+              <a:t>Magic</a:t>
+            </a:r>
+            <a:r>
+              <a:rPr lang="ru-RU" sz="2000" i="0" dirty="0">
+                <a:solidFill>
+                  <a:srgbClr val="202122"/>
+                </a:solidFill>
+                <a:effectLst/>
+                <a:latin typeface="Arial" panose="020B0604020202020204" pitchFamily="34" charset="0"/>
+              </a:rPr>
+              <a:t>: </a:t>
+            </a:r>
+            <a:r>
+              <a:rPr lang="ru-RU" sz="2000" i="0" dirty="0" err="1">
+                <a:solidFill>
+                  <a:srgbClr val="202122"/>
+                </a:solidFill>
+                <a:effectLst/>
+                <a:latin typeface="Arial" panose="020B0604020202020204" pitchFamily="34" charset="0"/>
+              </a:rPr>
+              <a:t>The</a:t>
+            </a:r>
+            <a:r>
+              <a:rPr lang="ru-RU" sz="2000" i="0" dirty="0">
                 <a:solidFill>
                   <a:srgbClr val="202122"/>
                 </a:solidFill>
@@ -4587,72 +6525,33 @@
               <a:t> </a:t>
             </a:r>
             <a:r>
-              <a:rPr lang="ru-RU" b="0" i="1" dirty="0" err="1">
+              <a:rPr lang="ru-RU" sz="2000" i="0" dirty="0" err="1">
                 <a:solidFill>
                   <a:srgbClr val="202122"/>
                 </a:solidFill>
                 <a:effectLst/>
                 <a:latin typeface="Arial" panose="020B0604020202020204" pitchFamily="34" charset="0"/>
               </a:rPr>
-              <a:t>Royale</a:t>
-            </a:r>
-            <a:r>
-              <a:rPr lang="ru-RU" b="0" i="0" dirty="0">
+              <a:t>Gathering</a:t>
+            </a:r>
+            <a:r>
+              <a:rPr lang="en-GB" sz="2000" dirty="0">
+                <a:solidFill>
+                  <a:srgbClr val="202122"/>
+                </a:solidFill>
+                <a:latin typeface="Arial" panose="020B0604020202020204" pitchFamily="34" charset="0"/>
+              </a:rPr>
+              <a:t> </a:t>
+            </a:r>
+            <a:r>
+              <a:rPr lang="ru-RU" sz="2000" i="0" dirty="0">
                 <a:solidFill>
                   <a:srgbClr val="202122"/>
                 </a:solidFill>
                 <a:effectLst/>
                 <a:latin typeface="Arial" panose="020B0604020202020204" pitchFamily="34" charset="0"/>
               </a:rPr>
-              <a:t> — один из жанров </a:t>
-            </a:r>
-            <a:r>
-              <a:rPr lang="ru-RU" b="0" i="0" u="none" strike="noStrike" dirty="0">
-                <a:effectLst/>
-                <a:latin typeface="Arial" panose="020B0604020202020204" pitchFamily="34" charset="0"/>
-              </a:rPr>
-              <a:t>массовых многопользовательских онлайн-игр</a:t>
-            </a:r>
-            <a:r>
-              <a:rPr lang="ru-RU" b="0" i="0" dirty="0">
-                <a:solidFill>
-                  <a:srgbClr val="202122"/>
-                </a:solidFill>
-                <a:effectLst/>
-                <a:latin typeface="Arial" panose="020B0604020202020204" pitchFamily="34" charset="0"/>
-              </a:rPr>
-              <a:t>, совмещающий в себе элементы </a:t>
-            </a:r>
-            <a:r>
-              <a:rPr lang="ru-RU" b="0" i="0" u="none" strike="noStrike" dirty="0">
-                <a:effectLst/>
-                <a:latin typeface="Arial" panose="020B0604020202020204" pitchFamily="34" charset="0"/>
-              </a:rPr>
-              <a:t>симулятора выживания</a:t>
-            </a:r>
-            <a:r>
-              <a:rPr lang="en-GB" b="0" i="0" u="none" strike="noStrike" dirty="0">
-                <a:effectLst/>
-                <a:latin typeface="Arial" panose="020B0604020202020204" pitchFamily="34" charset="0"/>
-              </a:rPr>
-              <a:t> </a:t>
-            </a:r>
-            <a:r>
-              <a:rPr lang="ru-RU" b="0" i="0" dirty="0">
-                <a:solidFill>
-                  <a:srgbClr val="202122"/>
-                </a:solidFill>
-                <a:effectLst/>
-                <a:latin typeface="Arial" panose="020B0604020202020204" pitchFamily="34" charset="0"/>
-              </a:rPr>
-              <a:t>с режимом </a:t>
-            </a:r>
-            <a:r>
-              <a:rPr lang="en-GB" b="0" i="0" u="none" strike="noStrike" dirty="0">
-                <a:effectLst/>
-                <a:latin typeface="Arial" panose="020B0604020202020204" pitchFamily="34" charset="0"/>
-              </a:rPr>
-              <a:t>last man standing.</a:t>
+              <a:t>в 1993 году.</a:t>
             </a:r>
             <a:endParaRPr lang="ru-RU" dirty="0"/>
           </a:p>
@@ -4660,10 +6559,10 @@
       </p:sp>
       <p:pic>
         <p:nvPicPr>
-          <p:cNvPr id="1026" name="Picture 2">
+          <p:cNvPr id="1030" name="Picture 6">
             <a:extLst>
               <a:ext uri="{FF2B5EF4-FFF2-40B4-BE49-F238E27FC236}">
-                <a16:creationId xmlns:a16="http://schemas.microsoft.com/office/drawing/2014/main" id="{9417995B-ACCE-4D9F-AAD0-57625A3A315A}"/>
+                <a16:creationId xmlns:a16="http://schemas.microsoft.com/office/drawing/2014/main" id="{0597D3E8-6548-4663-A61B-C3B229FB3A52}"/>
               </a:ext>
             </a:extLst>
           </p:cNvPr>
@@ -4687,8 +6586,8 @@
         </p:blipFill>
         <p:spPr bwMode="auto">
           <a:xfrm>
-            <a:off x="191635" y="3463475"/>
-            <a:ext cx="4349789" cy="2446756"/>
+            <a:off x="323528" y="3645024"/>
+            <a:ext cx="4059943" cy="2283718"/>
           </a:xfrm>
           <a:prstGeom prst="rect">
             <a:avLst/>
@@ -4707,10 +6606,10 @@
       </p:pic>
       <p:pic>
         <p:nvPicPr>
-          <p:cNvPr id="1028" name="Picture 4">
+          <p:cNvPr id="1032" name="Picture 8">
             <a:extLst>
               <a:ext uri="{FF2B5EF4-FFF2-40B4-BE49-F238E27FC236}">
-                <a16:creationId xmlns:a16="http://schemas.microsoft.com/office/drawing/2014/main" id="{F2539C3D-9FBE-4480-AA81-420B4E01E5AB}"/>
+                <a16:creationId xmlns:a16="http://schemas.microsoft.com/office/drawing/2014/main" id="{D2DA8557-E947-4EBD-9004-E0CFD9E6B057}"/>
               </a:ext>
             </a:extLst>
           </p:cNvPr>
@@ -4734,8 +6633,8 @@
         </p:blipFill>
         <p:spPr bwMode="auto">
           <a:xfrm>
-            <a:off x="4651336" y="3463475"/>
-            <a:ext cx="4349789" cy="2446756"/>
+            <a:off x="4760531" y="3645024"/>
+            <a:ext cx="4059943" cy="2283718"/>
           </a:xfrm>
           <a:prstGeom prst="rect">
             <a:avLst/>
@@ -4821,10 +6720,9 @@
           <a:lstStyle/>
           <a:p>
             <a:r>
-              <a:rPr lang="ru-RU"/>
-              <a:t>Игровое приложение </a:t>
-            </a:r>
-            <a:endParaRPr lang="ru-RU" dirty="0"/>
+              <a:rPr lang="ru-RU" dirty="0"/>
+              <a:t>Игровое приложение, суть которого - добыча ресурсов игроком и сражение с противником добытыми ресурсами.</a:t>
+            </a:r>
           </a:p>
         </p:txBody>
       </p:sp>
@@ -4906,28 +6804,6 @@
       </p:sp>
       <p:sp>
         <p:nvSpPr>
-          <p:cNvPr id="9" name="Объект 8"/>
-          <p:cNvSpPr>
-            <a:spLocks noGrp="1"/>
-          </p:cNvSpPr>
-          <p:nvPr>
-            <p:ph idx="1"/>
-          </p:nvPr>
-        </p:nvSpPr>
-        <p:spPr/>
-        <p:txBody>
-          <a:bodyPr/>
-          <a:lstStyle/>
-          <a:p>
-            <a:r>
-              <a:rPr lang="ru-RU" dirty="0"/>
-              <a:t>Главными конкурентными являются такие игры как, </a:t>
-            </a:r>
-          </a:p>
-        </p:txBody>
-      </p:sp>
-      <p:sp>
-        <p:nvSpPr>
           <p:cNvPr id="4" name="Номер слайда 3"/>
           <p:cNvSpPr>
             <a:spLocks noGrp="1"/>
@@ -4947,6 +6823,51 @@
               <a:t>6</a:t>
             </a:fld>
             <a:endParaRPr lang="ru-RU"/>
+          </a:p>
+        </p:txBody>
+      </p:sp>
+      <p:sp>
+        <p:nvSpPr>
+          <p:cNvPr id="6" name="Объект 7">
+            <a:extLst>
+              <a:ext uri="{FF2B5EF4-FFF2-40B4-BE49-F238E27FC236}">
+                <a16:creationId xmlns:a16="http://schemas.microsoft.com/office/drawing/2014/main" id="{32564CF9-8DEE-4D3F-AD3E-28FF35070E00}"/>
+              </a:ext>
+            </a:extLst>
+          </p:cNvPr>
+          <p:cNvSpPr>
+            <a:spLocks noGrp="1"/>
+          </p:cNvSpPr>
+          <p:nvPr>
+            <p:ph idx="1"/>
+          </p:nvPr>
+        </p:nvSpPr>
+        <p:spPr>
+          <a:xfrm>
+            <a:off x="179512" y="1340768"/>
+            <a:ext cx="8784976" cy="4896544"/>
+          </a:xfrm>
+        </p:spPr>
+        <p:txBody>
+          <a:bodyPr/>
+          <a:lstStyle/>
+          <a:p>
+            <a:r>
+              <a:rPr lang="ru-RU" dirty="0"/>
+              <a:t>В приложении в отличие от уже созданных игр, перед боем будет проходить раунд </a:t>
+            </a:r>
+            <a:r>
+              <a:rPr lang="ru-RU" dirty="0">
+                <a:highlight>
+                  <a:srgbClr val="FFFF00"/>
+                </a:highlight>
+              </a:rPr>
+              <a:t>подбора снаряжений</a:t>
+            </a:r>
+            <a:r>
+              <a:rPr lang="ru-RU" dirty="0"/>
+              <a:t>. Также приложение имеет хорошую оптимизацию под компьютеры с ограниченными ресурсами.</a:t>
+            </a:r>
           </a:p>
         </p:txBody>
       </p:sp>
@@ -5080,6 +7001,301 @@
           <a:chExt cx="0" cy="0"/>
         </a:xfrm>
       </p:grpSpPr>
+      <p:graphicFrame>
+        <p:nvGraphicFramePr>
+          <p:cNvPr id="12" name="Диаграмма 11">
+            <a:extLst>
+              <a:ext uri="{FF2B5EF4-FFF2-40B4-BE49-F238E27FC236}">
+                <a16:creationId xmlns:a16="http://schemas.microsoft.com/office/drawing/2014/main" id="{604308E0-2662-4495-82D9-EA2F7C6F43B5}"/>
+              </a:ext>
+            </a:extLst>
+          </p:cNvPr>
+          <p:cNvGraphicFramePr/>
+          <p:nvPr>
+            <p:extLst>
+              <p:ext uri="{D42A27DB-BD31-4B8C-83A1-F6EECF244321}">
+                <p14:modId xmlns:p14="http://schemas.microsoft.com/office/powerpoint/2010/main" val="4142342982"/>
+              </p:ext>
+            </p:extLst>
+          </p:nvPr>
+        </p:nvGraphicFramePr>
+        <p:xfrm>
+          <a:off x="1454287" y="1703444"/>
+          <a:ext cx="6955944" cy="4656022"/>
+        </p:xfrm>
+        <a:graphic>
+          <a:graphicData uri="http://schemas.openxmlformats.org/drawingml/2006/chart">
+            <c:chart xmlns:c="http://schemas.openxmlformats.org/drawingml/2006/chart" xmlns:r="http://schemas.openxmlformats.org/officeDocument/2006/relationships" r:id="rId2"/>
+          </a:graphicData>
+        </a:graphic>
+      </p:graphicFrame>
+      <p:sp>
+        <p:nvSpPr>
+          <p:cNvPr id="2" name="Заголовок 1"/>
+          <p:cNvSpPr>
+            <a:spLocks noGrp="1"/>
+          </p:cNvSpPr>
+          <p:nvPr>
+            <p:ph type="title"/>
+          </p:nvPr>
+        </p:nvSpPr>
+        <p:spPr/>
+        <p:txBody>
+          <a:bodyPr>
+            <a:normAutofit/>
+          </a:bodyPr>
+          <a:lstStyle/>
+          <a:p>
+            <a:r>
+              <a:rPr lang="ru-RU" dirty="0"/>
+              <a:t>Инструменты для разработки</a:t>
+            </a:r>
+          </a:p>
+        </p:txBody>
+      </p:sp>
+      <p:sp>
+        <p:nvSpPr>
+          <p:cNvPr id="4" name="Номер слайда 3"/>
+          <p:cNvSpPr>
+            <a:spLocks noGrp="1"/>
+          </p:cNvSpPr>
+          <p:nvPr>
+            <p:ph type="sldNum" sz="quarter" idx="12"/>
+          </p:nvPr>
+        </p:nvSpPr>
+        <p:spPr/>
+        <p:txBody>
+          <a:bodyPr/>
+          <a:lstStyle/>
+          <a:p>
+            <a:fld id="{0E98351F-33E5-4A3B-A99F-441E7915B955}" type="slidenum">
+              <a:rPr lang="ru-RU" smtClean="0"/>
+              <a:pPr/>
+              <a:t>8</a:t>
+            </a:fld>
+            <a:endParaRPr lang="ru-RU"/>
+          </a:p>
+        </p:txBody>
+      </p:sp>
+      <p:pic>
+        <p:nvPicPr>
+          <p:cNvPr id="1032" name="Picture 8">
+            <a:extLst>
+              <a:ext uri="{FF2B5EF4-FFF2-40B4-BE49-F238E27FC236}">
+                <a16:creationId xmlns:a16="http://schemas.microsoft.com/office/drawing/2014/main" id="{DEF59D09-DDA0-443A-826E-36E8080CF6F5}"/>
+              </a:ext>
+            </a:extLst>
+          </p:cNvPr>
+          <p:cNvPicPr>
+            <a:picLocks noChangeAspect="1" noChangeArrowheads="1"/>
+          </p:cNvPicPr>
+          <p:nvPr/>
+        </p:nvPicPr>
+        <p:blipFill>
+          <a:blip r:embed="rId3" cstate="print">
+            <a:biLevel thresh="75000"/>
+            <a:extLst>
+              <a:ext uri="{28A0092B-C50C-407E-A947-70E740481C1C}">
+                <a14:useLocalDpi xmlns:a14="http://schemas.microsoft.com/office/drawing/2010/main" val="0"/>
+              </a:ext>
+            </a:extLst>
+          </a:blip>
+          <a:srcRect/>
+          <a:stretch>
+            <a:fillRect/>
+          </a:stretch>
+        </p:blipFill>
+        <p:spPr bwMode="auto">
+          <a:xfrm>
+            <a:off x="2590696" y="2252500"/>
+            <a:ext cx="2032143" cy="2032143"/>
+          </a:xfrm>
+          <a:prstGeom prst="rect">
+            <a:avLst/>
+          </a:prstGeom>
+          <a:noFill/>
+          <a:extLst>
+            <a:ext uri="{909E8E84-426E-40DD-AFC4-6F175D3DCCD1}">
+              <a14:hiddenFill xmlns:a14="http://schemas.microsoft.com/office/drawing/2010/main">
+                <a:solidFill>
+                  <a:srgbClr val="FFFFFF"/>
+                </a:solidFill>
+              </a14:hiddenFill>
+            </a:ext>
+          </a:extLst>
+        </p:spPr>
+      </p:pic>
+      <p:pic>
+        <p:nvPicPr>
+          <p:cNvPr id="1034" name="Picture 10">
+            <a:extLst>
+              <a:ext uri="{FF2B5EF4-FFF2-40B4-BE49-F238E27FC236}">
+                <a16:creationId xmlns:a16="http://schemas.microsoft.com/office/drawing/2014/main" id="{17292EE5-7033-4851-9103-5286A69DB1CC}"/>
+              </a:ext>
+            </a:extLst>
+          </p:cNvPr>
+          <p:cNvPicPr>
+            <a:picLocks noChangeAspect="1" noChangeArrowheads="1"/>
+          </p:cNvPicPr>
+          <p:nvPr/>
+        </p:nvPicPr>
+        <p:blipFill>
+          <a:blip r:embed="rId4" cstate="print">
+            <a:biLevel thresh="75000"/>
+            <a:extLst>
+              <a:ext uri="{28A0092B-C50C-407E-A947-70E740481C1C}">
+                <a14:useLocalDpi xmlns:a14="http://schemas.microsoft.com/office/drawing/2010/main" val="0"/>
+              </a:ext>
+            </a:extLst>
+          </a:blip>
+          <a:srcRect/>
+          <a:stretch>
+            <a:fillRect/>
+          </a:stretch>
+        </p:blipFill>
+        <p:spPr bwMode="auto">
+          <a:xfrm>
+            <a:off x="5631395" y="1528436"/>
+            <a:ext cx="1518943" cy="2785159"/>
+          </a:xfrm>
+          <a:prstGeom prst="rect">
+            <a:avLst/>
+          </a:prstGeom>
+          <a:noFill/>
+          <a:extLst>
+            <a:ext uri="{909E8E84-426E-40DD-AFC4-6F175D3DCCD1}">
+              <a14:hiddenFill xmlns:a14="http://schemas.microsoft.com/office/drawing/2010/main">
+                <a:solidFill>
+                  <a:srgbClr val="FFFFFF"/>
+                </a:solidFill>
+              </a14:hiddenFill>
+            </a:ext>
+          </a:extLst>
+        </p:spPr>
+      </p:pic>
+      <p:sp>
+        <p:nvSpPr>
+          <p:cNvPr id="13" name="AutoShape 12">
+            <a:extLst>
+              <a:ext uri="{FF2B5EF4-FFF2-40B4-BE49-F238E27FC236}">
+                <a16:creationId xmlns:a16="http://schemas.microsoft.com/office/drawing/2014/main" id="{2603E3A5-B180-4A47-8322-AC6ACB1AFDEE}"/>
+              </a:ext>
+            </a:extLst>
+          </p:cNvPr>
+          <p:cNvSpPr>
+            <a:spLocks noChangeAspect="1" noChangeArrowheads="1"/>
+          </p:cNvSpPr>
+          <p:nvPr/>
+        </p:nvSpPr>
+        <p:spPr bwMode="auto">
+          <a:xfrm>
+            <a:off x="4419600" y="3276600"/>
+            <a:ext cx="304800" cy="304800"/>
+          </a:xfrm>
+          <a:prstGeom prst="rect">
+            <a:avLst/>
+          </a:prstGeom>
+          <a:noFill/>
+          <a:extLst>
+            <a:ext uri="{909E8E84-426E-40DD-AFC4-6F175D3DCCD1}">
+              <a14:hiddenFill xmlns:a14="http://schemas.microsoft.com/office/drawing/2010/main">
+                <a:solidFill>
+                  <a:srgbClr val="FFFFFF"/>
+                </a:solidFill>
+              </a14:hiddenFill>
+            </a:ext>
+          </a:extLst>
+        </p:spPr>
+        <p:txBody>
+          <a:bodyPr vert="horz" wrap="square" lIns="91440" tIns="45720" rIns="91440" bIns="45720" numCol="1" anchor="t" anchorCtr="0" compatLnSpc="1">
+            <a:prstTxWarp prst="textNoShape">
+              <a:avLst/>
+            </a:prstTxWarp>
+          </a:bodyPr>
+          <a:lstStyle/>
+          <a:p>
+            <a:endParaRPr lang="en-GB"/>
+          </a:p>
+        </p:txBody>
+      </p:sp>
+      <p:pic>
+        <p:nvPicPr>
+          <p:cNvPr id="1040" name="Picture 16">
+            <a:extLst>
+              <a:ext uri="{FF2B5EF4-FFF2-40B4-BE49-F238E27FC236}">
+                <a16:creationId xmlns:a16="http://schemas.microsoft.com/office/drawing/2014/main" id="{73E9552D-4C37-4D22-BDC9-4E13CBBEECDD}"/>
+              </a:ext>
+            </a:extLst>
+          </p:cNvPr>
+          <p:cNvPicPr>
+            <a:picLocks noChangeAspect="1" noChangeArrowheads="1"/>
+          </p:cNvPicPr>
+          <p:nvPr/>
+        </p:nvPicPr>
+        <p:blipFill>
+          <a:blip r:embed="rId5" cstate="print">
+            <a:biLevel thresh="75000"/>
+            <a:extLst>
+              <a:ext uri="{28A0092B-C50C-407E-A947-70E740481C1C}">
+                <a14:useLocalDpi xmlns:a14="http://schemas.microsoft.com/office/drawing/2010/main" val="0"/>
+              </a:ext>
+            </a:extLst>
+          </a:blip>
+          <a:srcRect/>
+          <a:stretch>
+            <a:fillRect/>
+          </a:stretch>
+        </p:blipFill>
+        <p:spPr bwMode="auto">
+          <a:xfrm>
+            <a:off x="3923928" y="4628836"/>
+            <a:ext cx="2256237" cy="1772816"/>
+          </a:xfrm>
+          <a:prstGeom prst="rect">
+            <a:avLst/>
+          </a:prstGeom>
+          <a:noFill/>
+          <a:extLst>
+            <a:ext uri="{909E8E84-426E-40DD-AFC4-6F175D3DCCD1}">
+              <a14:hiddenFill xmlns:a14="http://schemas.microsoft.com/office/drawing/2010/main">
+                <a:solidFill>
+                  <a:srgbClr val="FFFFFF"/>
+                </a:solidFill>
+              </a14:hiddenFill>
+            </a:ext>
+          </a:extLst>
+        </p:spPr>
+      </p:pic>
+    </p:spTree>
+    <p:extLst>
+      <p:ext uri="{BB962C8B-B14F-4D97-AF65-F5344CB8AC3E}">
+        <p14:creationId xmlns:p14="http://schemas.microsoft.com/office/powerpoint/2010/main" val="3207483193"/>
+      </p:ext>
+    </p:extLst>
+  </p:cSld>
+  <p:clrMapOvr>
+    <a:masterClrMapping/>
+  </p:clrMapOvr>
+</p:sld>
+</file>
+
+<file path=ppt/slides/slide9.xml><?xml version="1.0" encoding="utf-8"?>
+<p:sld xmlns:a="http://schemas.openxmlformats.org/drawingml/2006/main" xmlns:r="http://schemas.openxmlformats.org/officeDocument/2006/relationships" xmlns:p="http://schemas.openxmlformats.org/presentationml/2006/main">
+  <p:cSld>
+    <p:spTree>
+      <p:nvGrpSpPr>
+        <p:cNvPr id="1" name=""/>
+        <p:cNvGrpSpPr/>
+        <p:nvPr/>
+      </p:nvGrpSpPr>
+      <p:grpSpPr>
+        <a:xfrm>
+          <a:off x="0" y="0"/>
+          <a:ext cx="0" cy="0"/>
+          <a:chOff x="0" y="0"/>
+          <a:chExt cx="0" cy="0"/>
+        </a:xfrm>
+      </p:grpSpPr>
       <p:sp>
         <p:nvSpPr>
           <p:cNvPr id="2" name="Заголовок 1"/>
@@ -5120,13 +7336,13 @@
             <p:ph idx="1"/>
             <p:extLst>
               <p:ext uri="{D42A27DB-BD31-4B8C-83A1-F6EECF244321}">
-                <p14:modId xmlns:p14="http://schemas.microsoft.com/office/powerpoint/2010/main" val="989430338"/>
+                <p14:modId xmlns:p14="http://schemas.microsoft.com/office/powerpoint/2010/main" val="4251274938"/>
               </p:ext>
             </p:extLst>
           </p:nvPr>
         </p:nvGraphicFramePr>
         <p:xfrm>
-          <a:off x="179388" y="2060848"/>
+          <a:off x="179264" y="2181860"/>
           <a:ext cx="8785224" cy="2494280"/>
         </p:xfrm>
         <a:graphic>
@@ -5473,9 +7689,47 @@
             <a:fld id="{0E98351F-33E5-4A3B-A99F-441E7915B955}" type="slidenum">
               <a:rPr lang="ru-RU" smtClean="0"/>
               <a:pPr/>
-              <a:t>8</a:t>
+              <a:t>9</a:t>
             </a:fld>
             <a:endParaRPr lang="ru-RU"/>
+          </a:p>
+        </p:txBody>
+      </p:sp>
+      <p:sp>
+        <p:nvSpPr>
+          <p:cNvPr id="5" name="Прямоугольник 4">
+            <a:extLst>
+              <a:ext uri="{FF2B5EF4-FFF2-40B4-BE49-F238E27FC236}">
+                <a16:creationId xmlns:a16="http://schemas.microsoft.com/office/drawing/2014/main" id="{830B413A-E1BC-4778-BC68-19D4F94E91AB}"/>
+              </a:ext>
+            </a:extLst>
+          </p:cNvPr>
+          <p:cNvSpPr/>
+          <p:nvPr/>
+        </p:nvSpPr>
+        <p:spPr>
+          <a:xfrm>
+            <a:off x="1789007" y="1498268"/>
+            <a:ext cx="5843674" cy="369332"/>
+          </a:xfrm>
+          <a:prstGeom prst="rect">
+            <a:avLst/>
+          </a:prstGeom>
+        </p:spPr>
+        <p:txBody>
+          <a:bodyPr wrap="square">
+            <a:spAutoFit/>
+          </a:bodyPr>
+          <a:lstStyle/>
+          <a:p>
+            <a:pPr algn="ctr"/>
+            <a:r>
+              <a:rPr lang="ru-RU" dirty="0">
+                <a:latin typeface="Times New Roman" panose="02020603050405020304" pitchFamily="18" charset="0"/>
+              </a:rPr>
+              <a:t>Клиентская часть</a:t>
+            </a:r>
+            <a:endParaRPr lang="ru-RU" dirty="0"/>
           </a:p>
         </p:txBody>
       </p:sp>
@@ -5489,325 +7743,6 @@
   <p:clrMapOvr>
     <a:masterClrMapping/>
   </p:clrMapOvr>
-</p:sld>
-</file>
-
-<file path=ppt/slides/slide9.xml><?xml version="1.0" encoding="utf-8"?>
-<p:sld xmlns:a="http://schemas.openxmlformats.org/drawingml/2006/main" xmlns:r="http://schemas.openxmlformats.org/officeDocument/2006/relationships" xmlns:p="http://schemas.openxmlformats.org/presentationml/2006/main">
-  <p:cSld>
-    <p:spTree>
-      <p:nvGrpSpPr>
-        <p:cNvPr id="1" name=""/>
-        <p:cNvGrpSpPr/>
-        <p:nvPr/>
-      </p:nvGrpSpPr>
-      <p:grpSpPr>
-        <a:xfrm>
-          <a:off x="0" y="0"/>
-          <a:ext cx="0" cy="0"/>
-          <a:chOff x="0" y="0"/>
-          <a:chExt cx="0" cy="0"/>
-        </a:xfrm>
-      </p:grpSpPr>
-      <p:sp>
-        <p:nvSpPr>
-          <p:cNvPr id="3" name="Прямоугольник 2">
-            <a:extLst>
-              <a:ext uri="{FF2B5EF4-FFF2-40B4-BE49-F238E27FC236}">
-                <a16:creationId xmlns:a16="http://schemas.microsoft.com/office/drawing/2014/main" id="{FF1E0016-A8EB-45E4-93CC-99BE5FD0AA86}"/>
-              </a:ext>
-            </a:extLst>
-          </p:cNvPr>
-          <p:cNvSpPr/>
-          <p:nvPr/>
-        </p:nvSpPr>
-        <p:spPr>
-          <a:xfrm>
-            <a:off x="1907704" y="25740"/>
-            <a:ext cx="6048672" cy="2308324"/>
-          </a:xfrm>
-          <a:prstGeom prst="rect">
-            <a:avLst/>
-          </a:prstGeom>
-        </p:spPr>
-        <p:txBody>
-          <a:bodyPr wrap="square">
-            <a:spAutoFit/>
-          </a:bodyPr>
-          <a:lstStyle/>
-          <a:p>
-            <a:pPr algn="ctr"/>
-            <a:r>
-              <a:rPr lang="ru-RU" sz="1600" dirty="0"/>
-              <a:t>ПРАВИТЕЛЬСТВО САНКТ-ПЕТЕРБУРГА</a:t>
-            </a:r>
-          </a:p>
-          <a:p>
-            <a:pPr algn="ctr"/>
-            <a:r>
-              <a:rPr lang="ru-RU" sz="1600" dirty="0"/>
-              <a:t>КОМИТЕТ ПО НАУКЕ И ВЫСШЕЙ ШКОЛЕ</a:t>
-            </a:r>
-          </a:p>
-          <a:p>
-            <a:pPr algn="ctr"/>
-            <a:endParaRPr lang="ru-RU" sz="1600" dirty="0"/>
-          </a:p>
-          <a:p>
-            <a:pPr algn="ctr"/>
-            <a:r>
-              <a:rPr lang="ru-RU" sz="1600" dirty="0"/>
-              <a:t>Санкт-Петербургское государственное бюджетное</a:t>
-            </a:r>
-          </a:p>
-          <a:p>
-            <a:pPr algn="ctr"/>
-            <a:r>
-              <a:rPr lang="ru-RU" sz="1600" dirty="0"/>
-              <a:t>профессиональное образовательное учреждение</a:t>
-            </a:r>
-          </a:p>
-          <a:p>
-            <a:pPr algn="ctr"/>
-            <a:r>
-              <a:rPr lang="ru-RU" sz="1600" dirty="0"/>
-              <a:t>«ПЕТРОВСКИЙ КОЛЛЕДЖ»</a:t>
-            </a:r>
-          </a:p>
-          <a:p>
-            <a:pPr algn="ctr"/>
-            <a:r>
-              <a:rPr lang="ru-RU" sz="1600" dirty="0"/>
-              <a:t>(СПб ГБПОУ «Петровский колледж»)</a:t>
-            </a:r>
-          </a:p>
-          <a:p>
-            <a:pPr algn="ctr"/>
-            <a:endParaRPr lang="ru-RU" sz="1600" dirty="0"/>
-          </a:p>
-          <a:p>
-            <a:pPr algn="ctr"/>
-            <a:r>
-              <a:rPr lang="ru-RU" sz="1600" dirty="0"/>
-              <a:t>Отделение информационных технологий</a:t>
-            </a:r>
-          </a:p>
-        </p:txBody>
-      </p:sp>
-      <p:sp>
-        <p:nvSpPr>
-          <p:cNvPr id="6" name="Прямоугольник 5">
-            <a:extLst>
-              <a:ext uri="{FF2B5EF4-FFF2-40B4-BE49-F238E27FC236}">
-                <a16:creationId xmlns:a16="http://schemas.microsoft.com/office/drawing/2014/main" id="{08E413D5-8196-4F72-AFC9-EAF6F4839DC3}"/>
-              </a:ext>
-            </a:extLst>
-          </p:cNvPr>
-          <p:cNvSpPr/>
-          <p:nvPr/>
-        </p:nvSpPr>
-        <p:spPr>
-          <a:xfrm>
-            <a:off x="1075093" y="2854694"/>
-            <a:ext cx="7704856" cy="954107"/>
-          </a:xfrm>
-          <a:prstGeom prst="rect">
-            <a:avLst/>
-          </a:prstGeom>
-        </p:spPr>
-        <p:txBody>
-          <a:bodyPr wrap="square">
-            <a:spAutoFit/>
-          </a:bodyPr>
-          <a:lstStyle/>
-          <a:p>
-            <a:pPr algn="ctr"/>
-            <a:r>
-              <a:rPr lang="ru-RU" sz="2800" dirty="0"/>
-              <a:t>ТЕМА КУРСОВОГО ПРОЕКТА</a:t>
-            </a:r>
-            <a:br>
-              <a:rPr lang="ru-RU" sz="2800" dirty="0"/>
-            </a:br>
-            <a:r>
-              <a:rPr lang="ru-RU" sz="2800" b="0" i="0" dirty="0">
-                <a:solidFill>
-                  <a:srgbClr val="000000"/>
-                </a:solidFill>
-                <a:effectLst/>
-                <a:latin typeface="-apple-system"/>
-              </a:rPr>
-              <a:t>РАЗРАБОТКА ОНЛАЙН ИГРЫ ЖАНРА «</a:t>
-            </a:r>
-            <a:r>
-              <a:rPr lang="en-GB" sz="2800" dirty="0">
-                <a:solidFill>
-                  <a:srgbClr val="000000"/>
-                </a:solidFill>
-                <a:latin typeface="-apple-system"/>
-              </a:rPr>
-              <a:t>Battle</a:t>
-            </a:r>
-            <a:r>
-              <a:rPr lang="ru-RU" sz="2800" b="0" i="0" dirty="0">
-                <a:solidFill>
-                  <a:srgbClr val="000000"/>
-                </a:solidFill>
-                <a:effectLst/>
-                <a:latin typeface="-apple-system"/>
-              </a:rPr>
-              <a:t> </a:t>
-            </a:r>
-            <a:r>
-              <a:rPr lang="en-GB" sz="2800" b="0" i="0" dirty="0">
-                <a:solidFill>
-                  <a:srgbClr val="000000"/>
-                </a:solidFill>
-                <a:effectLst/>
-                <a:latin typeface="-apple-system"/>
-              </a:rPr>
-              <a:t>royal</a:t>
-            </a:r>
-            <a:r>
-              <a:rPr lang="ru-RU" sz="2800" b="0" i="0" dirty="0">
-                <a:solidFill>
-                  <a:srgbClr val="000000"/>
-                </a:solidFill>
-                <a:effectLst/>
-                <a:latin typeface="-apple-system"/>
-              </a:rPr>
-              <a:t>»</a:t>
-            </a:r>
-            <a:endParaRPr lang="ru-RU" sz="2800" dirty="0"/>
-          </a:p>
-        </p:txBody>
-      </p:sp>
-      <p:sp>
-        <p:nvSpPr>
-          <p:cNvPr id="7" name="TextBox 6">
-            <a:extLst>
-              <a:ext uri="{FF2B5EF4-FFF2-40B4-BE49-F238E27FC236}">
-                <a16:creationId xmlns:a16="http://schemas.microsoft.com/office/drawing/2014/main" id="{0BBD2F56-40FF-4D2D-B4C6-ED4233D7DE16}"/>
-              </a:ext>
-            </a:extLst>
-          </p:cNvPr>
-          <p:cNvSpPr txBox="1"/>
-          <p:nvPr/>
-        </p:nvSpPr>
-        <p:spPr>
-          <a:xfrm>
-            <a:off x="4716016" y="4232122"/>
-            <a:ext cx="4063933" cy="1477328"/>
-          </a:xfrm>
-          <a:prstGeom prst="rect">
-            <a:avLst/>
-          </a:prstGeom>
-          <a:noFill/>
-        </p:spPr>
-        <p:txBody>
-          <a:bodyPr wrap="square" rtlCol="0" anchor="ctr">
-            <a:spAutoFit/>
-          </a:bodyPr>
-          <a:lstStyle/>
-          <a:p>
-            <a:pPr algn="r"/>
-            <a:r>
-              <a:rPr lang="ru-RU" dirty="0"/>
-              <a:t>Выполнил:  Газман Алексей</a:t>
-            </a:r>
-          </a:p>
-          <a:p>
-            <a:pPr algn="r"/>
-            <a:r>
-              <a:rPr lang="ru-RU" dirty="0"/>
-              <a:t>Михайлович </a:t>
-            </a:r>
-          </a:p>
-          <a:p>
-            <a:pPr algn="r"/>
-            <a:r>
-              <a:rPr lang="ru-RU" dirty="0"/>
-              <a:t>Студент группы 3703</a:t>
-            </a:r>
-          </a:p>
-          <a:p>
-            <a:pPr algn="r"/>
-            <a:endParaRPr lang="ru-RU" dirty="0"/>
-          </a:p>
-          <a:p>
-            <a:pPr algn="r"/>
-            <a:r>
-              <a:rPr lang="ru-RU" dirty="0"/>
-              <a:t>Руководитель: Ерина М.А.</a:t>
-            </a:r>
-          </a:p>
-        </p:txBody>
-      </p:sp>
-      <p:sp>
-        <p:nvSpPr>
-          <p:cNvPr id="8" name="TextBox 7">
-            <a:extLst>
-              <a:ext uri="{FF2B5EF4-FFF2-40B4-BE49-F238E27FC236}">
-                <a16:creationId xmlns:a16="http://schemas.microsoft.com/office/drawing/2014/main" id="{E0683B0C-3F1D-4BD8-AC93-2FEB17A17B25}"/>
-              </a:ext>
-            </a:extLst>
-          </p:cNvPr>
-          <p:cNvSpPr txBox="1"/>
-          <p:nvPr/>
-        </p:nvSpPr>
-        <p:spPr>
-          <a:xfrm>
-            <a:off x="3707904" y="6516052"/>
-            <a:ext cx="2448272" cy="369332"/>
-          </a:xfrm>
-          <a:prstGeom prst="rect">
-            <a:avLst/>
-          </a:prstGeom>
-          <a:noFill/>
-        </p:spPr>
-        <p:txBody>
-          <a:bodyPr wrap="square" rtlCol="0">
-            <a:spAutoFit/>
-          </a:bodyPr>
-          <a:lstStyle/>
-          <a:p>
-            <a:r>
-              <a:rPr lang="ru-RU" dirty="0"/>
-              <a:t>Санкт-Петербург, 20</a:t>
-            </a:r>
-            <a:r>
-              <a:rPr lang="en-HK" dirty="0"/>
-              <a:t>2</a:t>
-            </a:r>
-            <a:r>
-              <a:rPr lang="ru-RU" dirty="0"/>
-              <a:t>1</a:t>
-            </a:r>
-          </a:p>
-        </p:txBody>
-      </p:sp>
-    </p:spTree>
-    <p:extLst>
-      <p:ext uri="{BB962C8B-B14F-4D97-AF65-F5344CB8AC3E}">
-        <p14:creationId xmlns:p14="http://schemas.microsoft.com/office/powerpoint/2010/main" val="262099898"/>
-      </p:ext>
-    </p:extLst>
-  </p:cSld>
-  <p:clrMapOvr>
-    <a:masterClrMapping/>
-  </p:clrMapOvr>
-  <mc:AlternateContent xmlns:mc="http://schemas.openxmlformats.org/markup-compatibility/2006" xmlns:p14="http://schemas.microsoft.com/office/powerpoint/2010/main">
-    <mc:Choice Requires="p14">
-      <p:transition spd="med" p14:dur="700">
-        <p:fade/>
-      </p:transition>
-    </mc:Choice>
-    <mc:Fallback xmlns="">
-      <p:transition spd="med">
-        <p:fade/>
-      </p:transition>
-    </mc:Fallback>
-  </mc:AlternateContent>
 </p:sld>
 </file>
 
@@ -6640,68 +8575,6 @@
 
 <file path=customXml/item1.xml><?xml version="1.0" encoding="utf-8"?>
 <?mso-contentType ?>
-<spe:Receivers xmlns:spe="http://schemas.microsoft.com/sharepoint/events">
-  <Receiver>
-    <Name>Document ID Generator</Name>
-    <Synchronization>Synchronous</Synchronization>
-    <Type>10001</Type>
-    <SequenceNumber>1000</SequenceNumber>
-    <Url/>
-    <Assembly>Microsoft.Office.DocumentManagement, Version=15.0.0.0, Culture=neutral, PublicKeyToken=71e9bce111e9429c</Assembly>
-    <Class>Microsoft.Office.DocumentManagement.Internal.DocIdHandler</Class>
-    <Data/>
-    <Filter/>
-  </Receiver>
-  <Receiver>
-    <Name>Document ID Generator</Name>
-    <Synchronization>Synchronous</Synchronization>
-    <Type>10002</Type>
-    <SequenceNumber>1001</SequenceNumber>
-    <Url/>
-    <Assembly>Microsoft.Office.DocumentManagement, Version=15.0.0.0, Culture=neutral, PublicKeyToken=71e9bce111e9429c</Assembly>
-    <Class>Microsoft.Office.DocumentManagement.Internal.DocIdHandler</Class>
-    <Data/>
-    <Filter/>
-  </Receiver>
-  <Receiver>
-    <Name>Document ID Generator</Name>
-    <Synchronization>Synchronous</Synchronization>
-    <Type>10004</Type>
-    <SequenceNumber>1002</SequenceNumber>
-    <Url/>
-    <Assembly>Microsoft.Office.DocumentManagement, Version=15.0.0.0, Culture=neutral, PublicKeyToken=71e9bce111e9429c</Assembly>
-    <Class>Microsoft.Office.DocumentManagement.Internal.DocIdHandler</Class>
-    <Data/>
-    <Filter/>
-  </Receiver>
-  <Receiver>
-    <Name>Document ID Generator</Name>
-    <Synchronization>Synchronous</Synchronization>
-    <Type>10006</Type>
-    <SequenceNumber>1003</SequenceNumber>
-    <Url/>
-    <Assembly>Microsoft.Office.DocumentManagement, Version=15.0.0.0, Culture=neutral, PublicKeyToken=71e9bce111e9429c</Assembly>
-    <Class>Microsoft.Office.DocumentManagement.Internal.DocIdHandler</Class>
-    <Data/>
-    <Filter/>
-  </Receiver>
-</spe:Receivers>
-</file>
-
-<file path=customXml/item2.xml><?xml version="1.0" encoding="utf-8"?>
-<p:properties xmlns:p="http://schemas.microsoft.com/office/2006/metadata/properties" xmlns:xsi="http://www.w3.org/2001/XMLSchema-instance" xmlns:pc="http://schemas.microsoft.com/office/infopath/2007/PartnerControls">
-  <documentManagement>
-    <_dlc_DocId xmlns="df41ab4a-b7e2-4865-b9a3-291840acfe6f">7VF5KMQTPTXY-6-2</_dlc_DocId>
-    <_dlc_DocIdUrl xmlns="df41ab4a-b7e2-4865-b9a3-291840acfe6f">
-      <Url>https://portal.petrocollege.ru/_layouts/15/DocIdRedir.aspx?ID=7VF5KMQTPTXY-6-2</Url>
-      <Description>7VF5KMQTPTXY-6-2</Description>
-    </_dlc_DocIdUrl>
-  </documentManagement>
-</p:properties>
-</file>
-
-<file path=customXml/item3.xml><?xml version="1.0" encoding="utf-8"?>
-<?mso-contentType ?>
 <FormTemplates xmlns="http://schemas.microsoft.com/sharepoint/v3/contenttype/forms">
   <Display>DocumentLibraryForm</Display>
   <Edit>DocumentLibraryForm</Edit>
@@ -6709,7 +8582,7 @@
 </FormTemplates>
 </file>
 
-<file path=customXml/item4.xml><?xml version="1.0" encoding="utf-8"?>
+<file path=customXml/item2.xml><?xml version="1.0" encoding="utf-8"?>
 <ct:contentTypeSchema xmlns:ct="http://schemas.microsoft.com/office/2006/metadata/contentType" xmlns:ma="http://schemas.microsoft.com/office/2006/metadata/properties/metaAttributes" ct:_="" ma:_="" ma:contentTypeName="Документ" ma:contentTypeID="0x010100A9DECAF42DF4C1448C93826D92A1631D" ma:contentTypeVersion="2" ma:contentTypeDescription="Создание документа." ma:contentTypeScope="" ma:versionID="3af4159342cf4ebf59299f419a4f4a66">
   <xsd:schema xmlns:xsd="http://www.w3.org/2001/XMLSchema" xmlns:xs="http://www.w3.org/2001/XMLSchema" xmlns:p="http://schemas.microsoft.com/office/2006/metadata/properties" xmlns:ns2="df41ab4a-b7e2-4865-b9a3-291840acfe6f" targetNamespace="http://schemas.microsoft.com/office/2006/metadata/properties" ma:root="true" ma:fieldsID="477a2e5a6968d71f865c2ee3fd8432b2" ns2:_="">
     <xsd:import namespace="df41ab4a-b7e2-4865-b9a3-291840acfe6f"/>
@@ -6854,31 +8727,69 @@
 </ct:contentTypeSchema>
 </file>
 
-<file path=customXml/itemProps1.xml><?xml version="1.0" encoding="utf-8"?>
-<ds:datastoreItem xmlns:ds="http://schemas.openxmlformats.org/officeDocument/2006/customXml" ds:itemID="{4C40D707-170D-4583-9BC4-8BAD4042035F}">
-  <ds:schemaRefs>
-    <ds:schemaRef ds:uri="http://schemas.microsoft.com/sharepoint/events"/>
-  </ds:schemaRefs>
-</ds:datastoreItem>
+<file path=customXml/item3.xml><?xml version="1.0" encoding="utf-8"?>
+<?mso-contentType ?>
+<spe:Receivers xmlns:spe="http://schemas.microsoft.com/sharepoint/events">
+  <Receiver>
+    <Name>Document ID Generator</Name>
+    <Synchronization>Synchronous</Synchronization>
+    <Type>10001</Type>
+    <SequenceNumber>1000</SequenceNumber>
+    <Url/>
+    <Assembly>Microsoft.Office.DocumentManagement, Version=15.0.0.0, Culture=neutral, PublicKeyToken=71e9bce111e9429c</Assembly>
+    <Class>Microsoft.Office.DocumentManagement.Internal.DocIdHandler</Class>
+    <Data/>
+    <Filter/>
+  </Receiver>
+  <Receiver>
+    <Name>Document ID Generator</Name>
+    <Synchronization>Synchronous</Synchronization>
+    <Type>10002</Type>
+    <SequenceNumber>1001</SequenceNumber>
+    <Url/>
+    <Assembly>Microsoft.Office.DocumentManagement, Version=15.0.0.0, Culture=neutral, PublicKeyToken=71e9bce111e9429c</Assembly>
+    <Class>Microsoft.Office.DocumentManagement.Internal.DocIdHandler</Class>
+    <Data/>
+    <Filter/>
+  </Receiver>
+  <Receiver>
+    <Name>Document ID Generator</Name>
+    <Synchronization>Synchronous</Synchronization>
+    <Type>10004</Type>
+    <SequenceNumber>1002</SequenceNumber>
+    <Url/>
+    <Assembly>Microsoft.Office.DocumentManagement, Version=15.0.0.0, Culture=neutral, PublicKeyToken=71e9bce111e9429c</Assembly>
+    <Class>Microsoft.Office.DocumentManagement.Internal.DocIdHandler</Class>
+    <Data/>
+    <Filter/>
+  </Receiver>
+  <Receiver>
+    <Name>Document ID Generator</Name>
+    <Synchronization>Synchronous</Synchronization>
+    <Type>10006</Type>
+    <SequenceNumber>1003</SequenceNumber>
+    <Url/>
+    <Assembly>Microsoft.Office.DocumentManagement, Version=15.0.0.0, Culture=neutral, PublicKeyToken=71e9bce111e9429c</Assembly>
+    <Class>Microsoft.Office.DocumentManagement.Internal.DocIdHandler</Class>
+    <Data/>
+    <Filter/>
+  </Receiver>
+</spe:Receivers>
 </file>
 
-<file path=customXml/itemProps2.xml><?xml version="1.0" encoding="utf-8"?>
-<ds:datastoreItem xmlns:ds="http://schemas.openxmlformats.org/officeDocument/2006/customXml" ds:itemID="{0B62F19D-F597-4593-B760-DD0007729E5B}">
-  <ds:schemaRefs>
-    <ds:schemaRef ds:uri="http://schemas.microsoft.com/office/2006/documentManagement/types"/>
-    <ds:schemaRef ds:uri="http://purl.org/dc/elements/1.1/"/>
-    <ds:schemaRef ds:uri="http://purl.org/dc/terms/"/>
-    <ds:schemaRef ds:uri="http://schemas.microsoft.com/office/2006/metadata/properties"/>
-    <ds:schemaRef ds:uri="http://schemas.microsoft.com/office/infopath/2007/PartnerControls"/>
-    <ds:schemaRef ds:uri="http://www.w3.org/XML/1998/namespace"/>
-    <ds:schemaRef ds:uri="http://schemas.openxmlformats.org/package/2006/metadata/core-properties"/>
-    <ds:schemaRef ds:uri="df41ab4a-b7e2-4865-b9a3-291840acfe6f"/>
-    <ds:schemaRef ds:uri="http://purl.org/dc/dcmitype/"/>
-  </ds:schemaRefs>
-</ds:datastoreItem>
+<file path=customXml/item4.xml><?xml version="1.0" encoding="utf-8"?>
+<p:properties xmlns:p="http://schemas.microsoft.com/office/2006/metadata/properties" xmlns:xsi="http://www.w3.org/2001/XMLSchema-instance" xmlns:pc="http://schemas.microsoft.com/office/infopath/2007/PartnerControls">
+  <documentManagement>
+    <_dlc_DocId xmlns="df41ab4a-b7e2-4865-b9a3-291840acfe6f">7VF5KMQTPTXY-6-2</_dlc_DocId>
+    <_dlc_DocIdUrl xmlns="df41ab4a-b7e2-4865-b9a3-291840acfe6f">
+      <Url>https://portal.petrocollege.ru/_layouts/15/DocIdRedir.aspx?ID=7VF5KMQTPTXY-6-2</Url>
+      <Description>7VF5KMQTPTXY-6-2</Description>
+    </_dlc_DocIdUrl>
+  </documentManagement>
+</p:properties>
 </file>
 
-<file path=customXml/itemProps3.xml><?xml version="1.0" encoding="utf-8"?>
+<file path=customXml/itemProps1.xml><?xml version="1.0" encoding="utf-8"?>
 <ds:datastoreItem xmlns:ds="http://schemas.openxmlformats.org/officeDocument/2006/customXml" ds:itemID="{5CC2C6A2-194A-4318-9983-705E098F29EB}">
   <ds:schemaRefs>
     <ds:schemaRef ds:uri="http://schemas.microsoft.com/sharepoint/v3/contenttype/forms"/>
@@ -6886,7 +8797,7 @@
 </ds:datastoreItem>
 </file>
 
-<file path=customXml/itemProps4.xml><?xml version="1.0" encoding="utf-8"?>
+<file path=customXml/itemProps2.xml><?xml version="1.0" encoding="utf-8"?>
 <ds:datastoreItem xmlns:ds="http://schemas.openxmlformats.org/officeDocument/2006/customXml" ds:itemID="{7BD44AB9-9713-4396-9527-2BD4E42BD2B5}">
   <ds:schemaRefs>
     <ds:schemaRef ds:uri="http://schemas.microsoft.com/office/2006/metadata/contentType"/>
@@ -6902,4 +8813,28 @@
     <ds:schemaRef ds:uri="http://schemas.microsoft.com/internal/obd"/>
   </ds:schemaRefs>
 </ds:datastoreItem>
+</file>
+
+<file path=customXml/itemProps3.xml><?xml version="1.0" encoding="utf-8"?>
+<ds:datastoreItem xmlns:ds="http://schemas.openxmlformats.org/officeDocument/2006/customXml" ds:itemID="{4C40D707-170D-4583-9BC4-8BAD4042035F}">
+  <ds:schemaRefs>
+    <ds:schemaRef ds:uri="http://schemas.microsoft.com/sharepoint/events"/>
+  </ds:schemaRefs>
+</ds:datastoreItem>
+</file>
+
+<file path=customXml/itemProps4.xml><?xml version="1.0" encoding="utf-8"?>
+<ds:datastoreItem xmlns:ds="http://schemas.openxmlformats.org/officeDocument/2006/customXml" ds:itemID="{0B62F19D-F597-4593-B760-DD0007729E5B}">
+  <ds:schemaRefs>
+    <ds:schemaRef ds:uri="http://schemas.microsoft.com/office/2006/documentManagement/types"/>
+    <ds:schemaRef ds:uri="http://purl.org/dc/elements/1.1/"/>
+    <ds:schemaRef ds:uri="http://purl.org/dc/terms/"/>
+    <ds:schemaRef ds:uri="http://schemas.microsoft.com/office/2006/metadata/properties"/>
+    <ds:schemaRef ds:uri="http://schemas.microsoft.com/office/infopath/2007/PartnerControls"/>
+    <ds:schemaRef ds:uri="http://www.w3.org/XML/1998/namespace"/>
+    <ds:schemaRef ds:uri="http://schemas.openxmlformats.org/package/2006/metadata/core-properties"/>
+    <ds:schemaRef ds:uri="df41ab4a-b7e2-4865-b9a3-291840acfe6f"/>
+    <ds:schemaRef ds:uri="http://purl.org/dc/dcmitype/"/>
+  </ds:schemaRefs>
+</ds:datastoreItem>
 </file>
--- a/Презентация_КП_3703.pptx
+++ b/Презентация_КП_3703.pptx
@@ -20,7 +20,7 @@
     <p:sldId id="292" r:id="rId12"/>
     <p:sldId id="317" r:id="rId13"/>
     <p:sldId id="313" r:id="rId14"/>
-    <p:sldId id="319" r:id="rId15"/>
+    <p:sldId id="321" r:id="rId15"/>
     <p:sldId id="320" r:id="rId16"/>
   </p:sldIdLst>
   <p:sldSz cx="9144000" cy="6858000" type="screen4x3"/>
@@ -134,7 +134,7 @@
             <p14:sldId id="292"/>
             <p14:sldId id="317"/>
             <p14:sldId id="313"/>
-            <p14:sldId id="319"/>
+            <p14:sldId id="321"/>
             <p14:sldId id="320"/>
           </p14:sldIdLst>
         </p14:section>
@@ -987,7 +987,7 @@
             <a:fld id="{DE8C415B-D586-4617-A7CD-C505B94DB98C}" type="datetimeFigureOut">
               <a:rPr lang="ru-RU" smtClean="0"/>
               <a:pPr/>
-              <a:t>03.02.2021</a:t>
+              <a:t>07.02.2021</a:t>
             </a:fld>
             <a:endParaRPr lang="ru-RU"/>
           </a:p>
@@ -1154,7 +1154,7 @@
             <a:fld id="{AD96DD18-BCE0-4A3E-88A7-83470DD3C30C}" type="datetimeFigureOut">
               <a:rPr lang="ru-RU" smtClean="0"/>
               <a:pPr/>
-              <a:t>03.02.2021</a:t>
+              <a:t>07.02.2021</a:t>
             </a:fld>
             <a:endParaRPr lang="ru-RU"/>
           </a:p>
@@ -1553,7 +1553,15 @@
           <a:p>
             <a:r>
               <a:rPr lang="ru-RU" dirty="0"/>
-              <a:t>После анализа игровой индустрии в 2020 году, было выявлено, что компьютерные игры входят в тройку самых востребованных игр на планете.</a:t>
+              <a:t>Уже многие годы люди используют компьютерное устройство как средство досуга. Таким образом многие </a:t>
+            </a:r>
+            <a:r>
+              <a:rPr lang="en-GB" dirty="0"/>
+              <a:t>IT</a:t>
+            </a:r>
+            <a:r>
+              <a:rPr lang="ru-RU" dirty="0"/>
+              <a:t> компании стали разрабатывать игры. Исходя из этого целью курсового проекта стала разработка многопользовательского игрового приложения.</a:t>
             </a:r>
             <a:endParaRPr lang="en-GB" dirty="0"/>
           </a:p>
@@ -1577,7 +1585,7 @@
             <a:fld id="{BECF2865-D604-4CFC-B113-76ADD451E787}" type="slidenum">
               <a:rPr lang="ru-RU" smtClean="0"/>
               <a:pPr/>
-              <a:t>3</a:t>
+              <a:t>2</a:t>
             </a:fld>
             <a:endParaRPr lang="ru-RU"/>
           </a:p>
@@ -1586,7 +1594,7 @@
     </p:spTree>
     <p:extLst>
       <p:ext uri="{BB962C8B-B14F-4D97-AF65-F5344CB8AC3E}">
-        <p14:creationId xmlns:p14="http://schemas.microsoft.com/office/powerpoint/2010/main" val="2587032185"/>
+        <p14:creationId xmlns:p14="http://schemas.microsoft.com/office/powerpoint/2010/main" val="2448186263"/>
       </p:ext>
     </p:extLst>
   </p:cSld>
@@ -1640,27 +1648,11 @@
           <a:bodyPr/>
           <a:lstStyle/>
           <a:p>
-            <a:pPr marL="0" marR="0" lvl="0" indent="0" algn="l" defTabSz="914400" rtl="0" eaLnBrk="1" fontAlgn="auto" latinLnBrk="0" hangingPunct="1">
-              <a:lnSpc>
-                <a:spcPct val="100000"/>
-              </a:lnSpc>
-              <a:spcBef>
-                <a:spcPts val="0"/>
-              </a:spcBef>
-              <a:spcAft>
-                <a:spcPts val="0"/>
-              </a:spcAft>
-              <a:buClrTx/>
-              <a:buSzTx/>
-              <a:buFontTx/>
-              <a:buNone/>
-              <a:tabLst/>
-              <a:defRPr/>
-            </a:pPr>
             <a:r>
               <a:rPr lang="ru-RU" dirty="0"/>
-              <a:t>Игровое приложение </a:t>
-            </a:r>
+              <a:t>После анализа игровой индустрии в 2020 году, было выявлено, что компьютерные игры входят в тройку самых востребованных игр на планете.</a:t>
+            </a:r>
+            <a:endParaRPr lang="en-GB" dirty="0"/>
           </a:p>
         </p:txBody>
       </p:sp>
@@ -1682,7 +1674,7 @@
             <a:fld id="{BECF2865-D604-4CFC-B113-76ADD451E787}" type="slidenum">
               <a:rPr lang="ru-RU" smtClean="0"/>
               <a:pPr/>
-              <a:t>5</a:t>
+              <a:t>3</a:t>
             </a:fld>
             <a:endParaRPr lang="ru-RU"/>
           </a:p>
@@ -1691,7 +1683,7 @@
     </p:spTree>
     <p:extLst>
       <p:ext uri="{BB962C8B-B14F-4D97-AF65-F5344CB8AC3E}">
-        <p14:creationId xmlns:p14="http://schemas.microsoft.com/office/powerpoint/2010/main" val="154437457"/>
+        <p14:creationId xmlns:p14="http://schemas.microsoft.com/office/powerpoint/2010/main" val="2587032185"/>
       </p:ext>
     </p:extLst>
   </p:cSld>
@@ -1745,6 +1737,191 @@
           <a:bodyPr/>
           <a:lstStyle/>
           <a:p>
+            <a:r>
+              <a:rPr lang="ru-RU" dirty="0"/>
+              <a:t>При выборе жанра необходимо было учитывать максимально простой и несложный интерфейс. Одним из таких жанров является жанр </a:t>
+            </a:r>
+            <a:r>
+              <a:rPr lang="en-GB" dirty="0"/>
+              <a:t>CCG</a:t>
+            </a:r>
+            <a:r>
+              <a:rPr lang="ru-RU" dirty="0"/>
+              <a:t>. Это жанр в котором игроку необходимо победить противника, сражаясь с помощью имеющихся у него колоды карт. Выкладывая карты с различными героями и заклинаниями игрок должен атаковать ими противника.</a:t>
+            </a:r>
+            <a:endParaRPr lang="en-GB" dirty="0"/>
+          </a:p>
+        </p:txBody>
+      </p:sp>
+      <p:sp>
+        <p:nvSpPr>
+          <p:cNvPr id="4" name="Номер слайда 3"/>
+          <p:cNvSpPr>
+            <a:spLocks noGrp="1"/>
+          </p:cNvSpPr>
+          <p:nvPr>
+            <p:ph type="sldNum" sz="quarter" idx="5"/>
+          </p:nvPr>
+        </p:nvSpPr>
+        <p:spPr/>
+        <p:txBody>
+          <a:bodyPr/>
+          <a:lstStyle/>
+          <a:p>
+            <a:fld id="{BECF2865-D604-4CFC-B113-76ADD451E787}" type="slidenum">
+              <a:rPr lang="ru-RU" smtClean="0"/>
+              <a:pPr/>
+              <a:t>4</a:t>
+            </a:fld>
+            <a:endParaRPr lang="ru-RU"/>
+          </a:p>
+        </p:txBody>
+      </p:sp>
+    </p:spTree>
+    <p:extLst>
+      <p:ext uri="{BB962C8B-B14F-4D97-AF65-F5344CB8AC3E}">
+        <p14:creationId xmlns:p14="http://schemas.microsoft.com/office/powerpoint/2010/main" val="1367606842"/>
+      </p:ext>
+    </p:extLst>
+  </p:cSld>
+  <p:clrMapOvr>
+    <a:masterClrMapping/>
+  </p:clrMapOvr>
+</p:notes>
+</file>
+
+<file path=ppt/notesSlides/notesSlide5.xml><?xml version="1.0" encoding="utf-8"?>
+<p:notes xmlns:a="http://schemas.openxmlformats.org/drawingml/2006/main" xmlns:r="http://schemas.openxmlformats.org/officeDocument/2006/relationships" xmlns:p="http://schemas.openxmlformats.org/presentationml/2006/main">
+  <p:cSld>
+    <p:spTree>
+      <p:nvGrpSpPr>
+        <p:cNvPr id="1" name=""/>
+        <p:cNvGrpSpPr/>
+        <p:nvPr/>
+      </p:nvGrpSpPr>
+      <p:grpSpPr>
+        <a:xfrm>
+          <a:off x="0" y="0"/>
+          <a:ext cx="0" cy="0"/>
+          <a:chOff x="0" y="0"/>
+          <a:chExt cx="0" cy="0"/>
+        </a:xfrm>
+      </p:grpSpPr>
+      <p:sp>
+        <p:nvSpPr>
+          <p:cNvPr id="2" name="Образ слайда 1"/>
+          <p:cNvSpPr>
+            <a:spLocks noGrp="1" noRot="1" noChangeAspect="1"/>
+          </p:cNvSpPr>
+          <p:nvPr>
+            <p:ph type="sldImg"/>
+          </p:nvPr>
+        </p:nvSpPr>
+        <p:spPr/>
+      </p:sp>
+      <p:sp>
+        <p:nvSpPr>
+          <p:cNvPr id="3" name="Заметки 2"/>
+          <p:cNvSpPr>
+            <a:spLocks noGrp="1"/>
+          </p:cNvSpPr>
+          <p:nvPr>
+            <p:ph type="body" idx="1"/>
+          </p:nvPr>
+        </p:nvSpPr>
+        <p:spPr/>
+        <p:txBody>
+          <a:bodyPr/>
+          <a:lstStyle/>
+          <a:p>
+            <a:r>
+              <a:rPr lang="ru-RU" dirty="0"/>
+              <a:t>Игровое приложение, суть которого - добыча ресурсов игроком и сражение с противником добытыми ресурсами.</a:t>
+            </a:r>
+          </a:p>
+        </p:txBody>
+      </p:sp>
+      <p:sp>
+        <p:nvSpPr>
+          <p:cNvPr id="4" name="Номер слайда 3"/>
+          <p:cNvSpPr>
+            <a:spLocks noGrp="1"/>
+          </p:cNvSpPr>
+          <p:nvPr>
+            <p:ph type="sldNum" sz="quarter" idx="5"/>
+          </p:nvPr>
+        </p:nvSpPr>
+        <p:spPr/>
+        <p:txBody>
+          <a:bodyPr/>
+          <a:lstStyle/>
+          <a:p>
+            <a:fld id="{BECF2865-D604-4CFC-B113-76ADD451E787}" type="slidenum">
+              <a:rPr lang="ru-RU" smtClean="0"/>
+              <a:pPr/>
+              <a:t>5</a:t>
+            </a:fld>
+            <a:endParaRPr lang="ru-RU"/>
+          </a:p>
+        </p:txBody>
+      </p:sp>
+    </p:spTree>
+    <p:extLst>
+      <p:ext uri="{BB962C8B-B14F-4D97-AF65-F5344CB8AC3E}">
+        <p14:creationId xmlns:p14="http://schemas.microsoft.com/office/powerpoint/2010/main" val="154437457"/>
+      </p:ext>
+    </p:extLst>
+  </p:cSld>
+  <p:clrMapOvr>
+    <a:masterClrMapping/>
+  </p:clrMapOvr>
+</p:notes>
+</file>
+
+<file path=ppt/notesSlides/notesSlide6.xml><?xml version="1.0" encoding="utf-8"?>
+<p:notes xmlns:a="http://schemas.openxmlformats.org/drawingml/2006/main" xmlns:r="http://schemas.openxmlformats.org/officeDocument/2006/relationships" xmlns:p="http://schemas.openxmlformats.org/presentationml/2006/main">
+  <p:cSld>
+    <p:spTree>
+      <p:nvGrpSpPr>
+        <p:cNvPr id="1" name=""/>
+        <p:cNvGrpSpPr/>
+        <p:nvPr/>
+      </p:nvGrpSpPr>
+      <p:grpSpPr>
+        <a:xfrm>
+          <a:off x="0" y="0"/>
+          <a:ext cx="0" cy="0"/>
+          <a:chOff x="0" y="0"/>
+          <a:chExt cx="0" cy="0"/>
+        </a:xfrm>
+      </p:grpSpPr>
+      <p:sp>
+        <p:nvSpPr>
+          <p:cNvPr id="2" name="Образ слайда 1"/>
+          <p:cNvSpPr>
+            <a:spLocks noGrp="1" noRot="1" noChangeAspect="1"/>
+          </p:cNvSpPr>
+          <p:nvPr>
+            <p:ph type="sldImg"/>
+          </p:nvPr>
+        </p:nvSpPr>
+        <p:spPr/>
+      </p:sp>
+      <p:sp>
+        <p:nvSpPr>
+          <p:cNvPr id="3" name="Заметки 2"/>
+          <p:cNvSpPr>
+            <a:spLocks noGrp="1"/>
+          </p:cNvSpPr>
+          <p:nvPr>
+            <p:ph type="body" idx="1"/>
+          </p:nvPr>
+        </p:nvSpPr>
+        <p:spPr/>
+        <p:txBody>
+          <a:bodyPr/>
+          <a:lstStyle/>
+          <a:p>
             <a:pPr marL="0" marR="0" lvl="0" indent="0" algn="l" defTabSz="914400" rtl="0" eaLnBrk="1" fontAlgn="auto" latinLnBrk="0" hangingPunct="1">
               <a:lnSpc>
                 <a:spcPct val="100000"/>
@@ -1766,6 +1943,26 @@
               <a:rPr lang="ru-RU" dirty="0"/>
               <a:t>Главными конкурентными являются такие игры как, </a:t>
             </a:r>
+            <a:r>
+              <a:rPr lang="en-GB" dirty="0"/>
+              <a:t>Gwent </a:t>
+            </a:r>
+            <a:r>
+              <a:rPr lang="ru-RU" dirty="0"/>
+              <a:t>и </a:t>
+            </a:r>
+            <a:r>
+              <a:rPr lang="en-GB" dirty="0" err="1"/>
+              <a:t>HeartStone</a:t>
+            </a:r>
+            <a:r>
+              <a:rPr lang="en-GB" dirty="0"/>
+              <a:t>. </a:t>
+            </a:r>
+            <a:r>
+              <a:rPr lang="ru-RU" dirty="0"/>
+              <a:t>Но, в этих играх используется один вид боя. У игрока постоянно стандартная собранная им колода карт, из-за недостатка креативности разработчиков, аудитория стала резко снижаться. Поэтому было принято решение создать игру, в которой игроку будет необходимо добыть карты перед сражением. Также приложение имеет хорошую оптимизацию под компьютеры с ограниченными ресурсами в отличие от вышеупомянутых игр.</a:t>
+            </a:r>
           </a:p>
         </p:txBody>
       </p:sp>
@@ -1806,7 +2003,7 @@
 </p:notes>
 </file>
 
-<file path=ppt/notesSlides/notesSlide5.xml><?xml version="1.0" encoding="utf-8"?>
+<file path=ppt/notesSlides/notesSlide7.xml><?xml version="1.0" encoding="utf-8"?>
 <p:notes xmlns:a="http://schemas.openxmlformats.org/drawingml/2006/main" xmlns:r="http://schemas.openxmlformats.org/officeDocument/2006/relationships" xmlns:p="http://schemas.openxmlformats.org/presentationml/2006/main">
   <p:cSld>
     <p:spTree>
@@ -2071,7 +2268,7 @@
             <a:fld id="{9CCAB8F6-30EC-4352-A0EB-8808E33D58FE}" type="datetime1">
               <a:rPr lang="ru-RU" smtClean="0"/>
               <a:pPr/>
-              <a:t>03.02.2021</a:t>
+              <a:t>07.02.2021</a:t>
             </a:fld>
             <a:endParaRPr lang="ru-RU"/>
           </a:p>
@@ -2236,7 +2433,7 @@
             <a:fld id="{E21A05FE-0B33-4F78-AB7A-D99B19E23029}" type="datetime1">
               <a:rPr lang="ru-RU" smtClean="0"/>
               <a:pPr/>
-              <a:t>03.02.2021</a:t>
+              <a:t>07.02.2021</a:t>
             </a:fld>
             <a:endParaRPr lang="ru-RU"/>
           </a:p>
@@ -2411,7 +2608,7 @@
             <a:fld id="{D61B8A9C-BB22-462E-BF5D-4AE82610FA1F}" type="datetime1">
               <a:rPr lang="ru-RU" smtClean="0"/>
               <a:pPr/>
-              <a:t>03.02.2021</a:t>
+              <a:t>07.02.2021</a:t>
             </a:fld>
             <a:endParaRPr lang="ru-RU"/>
           </a:p>
@@ -2611,7 +2808,7 @@
             <a:fld id="{C7646B43-18C7-4E3B-A952-F7004B58246B}" type="datetime1">
               <a:rPr lang="ru-RU" smtClean="0"/>
               <a:pPr/>
-              <a:t>03.02.2021</a:t>
+              <a:t>07.02.2021</a:t>
             </a:fld>
             <a:endParaRPr lang="ru-RU"/>
           </a:p>
@@ -2862,7 +3059,7 @@
             <a:fld id="{3E0D06DB-A410-407F-944C-FB7F9E734F89}" type="datetime1">
               <a:rPr lang="ru-RU" smtClean="0"/>
               <a:pPr/>
-              <a:t>03.02.2021</a:t>
+              <a:t>07.02.2021</a:t>
             </a:fld>
             <a:endParaRPr lang="ru-RU"/>
           </a:p>
@@ -3144,7 +3341,7 @@
             <a:fld id="{4A274A88-F6BE-4E53-A077-8CD5B6A52E76}" type="datetime1">
               <a:rPr lang="ru-RU" smtClean="0"/>
               <a:pPr/>
-              <a:t>03.02.2021</a:t>
+              <a:t>07.02.2021</a:t>
             </a:fld>
             <a:endParaRPr lang="ru-RU"/>
           </a:p>
@@ -3560,7 +3757,7 @@
             <a:fld id="{45BE5B3D-5B6B-4ED7-9610-8CD1C9F72AD5}" type="datetime1">
               <a:rPr lang="ru-RU" smtClean="0"/>
               <a:pPr/>
-              <a:t>03.02.2021</a:t>
+              <a:t>07.02.2021</a:t>
             </a:fld>
             <a:endParaRPr lang="ru-RU"/>
           </a:p>
@@ -3674,7 +3871,7 @@
             <a:fld id="{4F458F28-CEB2-4BCF-B84A-AFE3CDBB760A}" type="datetime1">
               <a:rPr lang="ru-RU" smtClean="0"/>
               <a:pPr/>
-              <a:t>03.02.2021</a:t>
+              <a:t>07.02.2021</a:t>
             </a:fld>
             <a:endParaRPr lang="ru-RU"/>
           </a:p>
@@ -3766,7 +3963,7 @@
             <a:fld id="{6ADDAF7D-84B2-479A-8117-8F4952C3F13A}" type="datetime1">
               <a:rPr lang="ru-RU" smtClean="0"/>
               <a:pPr/>
-              <a:t>03.02.2021</a:t>
+              <a:t>07.02.2021</a:t>
             </a:fld>
             <a:endParaRPr lang="ru-RU"/>
           </a:p>
@@ -4038,7 +4235,7 @@
             <a:fld id="{DFF9433C-6AF1-46A7-99DE-D9F631D61764}" type="datetime1">
               <a:rPr lang="ru-RU" smtClean="0"/>
               <a:pPr/>
-              <a:t>03.02.2021</a:t>
+              <a:t>07.02.2021</a:t>
             </a:fld>
             <a:endParaRPr lang="ru-RU"/>
           </a:p>
@@ -4290,7 +4487,7 @@
             <a:fld id="{694F8DC1-D5E6-46A9-B8B8-49B16F8F3AD3}" type="datetime1">
               <a:rPr lang="ru-RU" smtClean="0"/>
               <a:pPr/>
-              <a:t>03.02.2021</a:t>
+              <a:t>07.02.2021</a:t>
             </a:fld>
             <a:endParaRPr lang="ru-RU"/>
           </a:p>
@@ -4550,7 +4747,7 @@
             <a:fld id="{58DCF173-78FE-474C-A588-52E452BE4892}" type="datetime1">
               <a:rPr lang="ru-RU" smtClean="0"/>
               <a:pPr/>
-              <a:t>03.02.2021</a:t>
+              <a:t>07.02.2021</a:t>
             </a:fld>
             <a:endParaRPr lang="ru-RU"/>
           </a:p>
@@ -5245,74 +5442,12 @@
           </a:p>
         </p:txBody>
       </p:sp>
-      <p:sp>
-        <p:nvSpPr>
-          <p:cNvPr id="4" name="Номер слайда 3"/>
-          <p:cNvSpPr>
-            <a:spLocks noGrp="1"/>
-          </p:cNvSpPr>
-          <p:nvPr>
-            <p:ph type="sldNum" sz="quarter" idx="12"/>
-          </p:nvPr>
-        </p:nvSpPr>
-        <p:spPr/>
-        <p:txBody>
-          <a:bodyPr/>
-          <a:lstStyle/>
-          <a:p>
-            <a:fld id="{0E98351F-33E5-4A3B-A99F-441E7915B955}" type="slidenum">
-              <a:rPr lang="ru-RU" smtClean="0"/>
-              <a:pPr/>
-              <a:t>10</a:t>
-            </a:fld>
-            <a:endParaRPr lang="ru-RU"/>
-          </a:p>
-        </p:txBody>
-      </p:sp>
-      <p:sp>
-        <p:nvSpPr>
-          <p:cNvPr id="5" name="Прямоугольник 4">
+      <p:graphicFrame>
+        <p:nvGraphicFramePr>
+          <p:cNvPr id="3" name="Таблица 4">
             <a:extLst>
               <a:ext uri="{FF2B5EF4-FFF2-40B4-BE49-F238E27FC236}">
-                <a16:creationId xmlns:a16="http://schemas.microsoft.com/office/drawing/2014/main" id="{830B413A-E1BC-4778-BC68-19D4F94E91AB}"/>
-              </a:ext>
-            </a:extLst>
-          </p:cNvPr>
-          <p:cNvSpPr/>
-          <p:nvPr/>
-        </p:nvSpPr>
-        <p:spPr>
-          <a:xfrm>
-            <a:off x="1789007" y="1498268"/>
-            <a:ext cx="5843674" cy="369332"/>
-          </a:xfrm>
-          <a:prstGeom prst="rect">
-            <a:avLst/>
-          </a:prstGeom>
-        </p:spPr>
-        <p:txBody>
-          <a:bodyPr wrap="square">
-            <a:spAutoFit/>
-          </a:bodyPr>
-          <a:lstStyle/>
-          <a:p>
-            <a:pPr algn="ctr"/>
-            <a:r>
-              <a:rPr lang="ru-RU" dirty="0">
-                <a:latin typeface="Times New Roman" panose="02020603050405020304" pitchFamily="18" charset="0"/>
-              </a:rPr>
-              <a:t>База данных</a:t>
-            </a:r>
-            <a:endParaRPr lang="ru-RU" dirty="0"/>
-          </a:p>
-        </p:txBody>
-      </p:sp>
-      <p:graphicFrame>
-        <p:nvGraphicFramePr>
-          <p:cNvPr id="8" name="Таблица 8">
-            <a:extLst>
-              <a:ext uri="{FF2B5EF4-FFF2-40B4-BE49-F238E27FC236}">
-                <a16:creationId xmlns:a16="http://schemas.microsoft.com/office/drawing/2014/main" id="{28D45C93-D541-4B31-B2EB-50091923C594}"/>
+                <a16:creationId xmlns:a16="http://schemas.microsoft.com/office/drawing/2014/main" id="{B8581100-94FF-4D67-A61E-1A4F30574AD8}"/>
               </a:ext>
             </a:extLst>
           </p:cNvPr>
@@ -5323,14 +5458,14 @@
             <p:ph idx="1"/>
             <p:extLst>
               <p:ext uri="{D42A27DB-BD31-4B8C-83A1-F6EECF244321}">
-                <p14:modId xmlns:p14="http://schemas.microsoft.com/office/powerpoint/2010/main" val="1118483289"/>
+                <p14:modId xmlns:p14="http://schemas.microsoft.com/office/powerpoint/2010/main" val="647438650"/>
               </p:ext>
             </p:extLst>
           </p:nvPr>
         </p:nvGraphicFramePr>
         <p:xfrm>
-          <a:off x="181928" y="2106236"/>
-          <a:ext cx="8785224" cy="1010920"/>
+          <a:off x="179264" y="2181860"/>
+          <a:ext cx="8785224" cy="3235960"/>
         </p:xfrm>
         <a:graphic>
           <a:graphicData uri="http://schemas.openxmlformats.org/drawingml/2006/table">
@@ -5339,249 +5474,24 @@
                 <a:tableStyleId>{5C22544A-7EE6-4342-B048-85BDC9FD1C3A}</a:tableStyleId>
               </a:tblPr>
               <a:tblGrid>
-                <a:gridCol w="2196306">
+                <a:gridCol w="2928408">
                   <a:extLst>
                     <a:ext uri="{9D8B030D-6E8A-4147-A177-3AD203B41FA5}">
-                      <a16:colId xmlns:a16="http://schemas.microsoft.com/office/drawing/2014/main" val="1968145598"/>
+                      <a16:colId xmlns:a16="http://schemas.microsoft.com/office/drawing/2014/main" val="2830660959"/>
                     </a:ext>
                   </a:extLst>
                 </a:gridCol>
-                <a:gridCol w="2196306">
+                <a:gridCol w="2928408">
                   <a:extLst>
                     <a:ext uri="{9D8B030D-6E8A-4147-A177-3AD203B41FA5}">
-                      <a16:colId xmlns:a16="http://schemas.microsoft.com/office/drawing/2014/main" val="1725846784"/>
+                      <a16:colId xmlns:a16="http://schemas.microsoft.com/office/drawing/2014/main" val="2978765592"/>
                     </a:ext>
                   </a:extLst>
                 </a:gridCol>
-                <a:gridCol w="2196306">
+                <a:gridCol w="2928408">
                   <a:extLst>
                     <a:ext uri="{9D8B030D-6E8A-4147-A177-3AD203B41FA5}">
-                      <a16:colId xmlns:a16="http://schemas.microsoft.com/office/drawing/2014/main" val="167513744"/>
-                    </a:ext>
-                  </a:extLst>
-                </a:gridCol>
-                <a:gridCol w="2196306">
-                  <a:extLst>
-                    <a:ext uri="{9D8B030D-6E8A-4147-A177-3AD203B41FA5}">
-                      <a16:colId xmlns:a16="http://schemas.microsoft.com/office/drawing/2014/main" val="1581799980"/>
-                    </a:ext>
-                  </a:extLst>
-                </a:gridCol>
-              </a:tblGrid>
-              <a:tr h="370840">
-                <a:tc>
-                  <a:txBody>
-                    <a:bodyPr/>
-                    <a:lstStyle/>
-                    <a:p>
-                      <a:r>
-                        <a:rPr lang="ru-RU" dirty="0"/>
-                        <a:t>Характеристики</a:t>
-                      </a:r>
-                      <a:endParaRPr lang="en-GB" dirty="0"/>
-                    </a:p>
-                  </a:txBody>
-                  <a:tcPr/>
-                </a:tc>
-                <a:tc>
-                  <a:txBody>
-                    <a:bodyPr/>
-                    <a:lstStyle/>
-                    <a:p>
-                      <a:r>
-                        <a:rPr lang="en-GB" dirty="0"/>
-                        <a:t>PostgreSQL</a:t>
-                      </a:r>
-                    </a:p>
-                  </a:txBody>
-                  <a:tcPr/>
-                </a:tc>
-                <a:tc>
-                  <a:txBody>
-                    <a:bodyPr/>
-                    <a:lstStyle/>
-                    <a:p>
-                      <a:r>
-                        <a:rPr lang="en-GB" dirty="0"/>
-                        <a:t>Oracle</a:t>
-                      </a:r>
-                    </a:p>
-                  </a:txBody>
-                  <a:tcPr/>
-                </a:tc>
-                <a:tc>
-                  <a:txBody>
-                    <a:bodyPr/>
-                    <a:lstStyle/>
-                    <a:p>
-                      <a:r>
-                        <a:rPr lang="en-GB" dirty="0"/>
-                        <a:t>Microsoft</a:t>
-                      </a:r>
-                    </a:p>
-                  </a:txBody>
-                  <a:tcPr/>
-                </a:tc>
-                <a:extLst>
-                  <a:ext uri="{0D108BD9-81ED-4DB2-BD59-A6C34878D82A}">
-                    <a16:rowId xmlns:a16="http://schemas.microsoft.com/office/drawing/2014/main" val="1437535377"/>
-                  </a:ext>
-                </a:extLst>
-              </a:tr>
-              <a:tr h="370840">
-                <a:tc>
-                  <a:txBody>
-                    <a:bodyPr/>
-                    <a:lstStyle/>
-                    <a:p>
-                      <a:r>
-                        <a:rPr lang="ru-RU" dirty="0"/>
-                        <a:t>Лицензия</a:t>
-                      </a:r>
-                      <a:endParaRPr lang="en-GB" dirty="0"/>
-                    </a:p>
-                  </a:txBody>
-                  <a:tcPr/>
-                </a:tc>
-                <a:tc>
-                  <a:txBody>
-                    <a:bodyPr/>
-                    <a:lstStyle/>
-                    <a:p>
-                      <a:r>
-                        <a:rPr lang="ru-RU" dirty="0"/>
-                        <a:t>Открытый исходный код</a:t>
-                      </a:r>
-                      <a:endParaRPr lang="en-GB" dirty="0"/>
-                    </a:p>
-                  </a:txBody>
-                  <a:tcPr/>
-                </a:tc>
-                <a:tc>
-                  <a:txBody>
-                    <a:bodyPr/>
-                    <a:lstStyle/>
-                    <a:p>
-                      <a:r>
-                        <a:rPr lang="ru-RU" dirty="0"/>
-                        <a:t>Коммерческая</a:t>
-                      </a:r>
-                      <a:endParaRPr lang="en-GB" dirty="0"/>
-                    </a:p>
-                  </a:txBody>
-                  <a:tcPr/>
-                </a:tc>
-                <a:tc>
-                  <a:txBody>
-                    <a:bodyPr/>
-                    <a:lstStyle/>
-                    <a:p>
-                      <a:r>
-                        <a:rPr lang="ru-RU" dirty="0"/>
-                        <a:t>Коммерческая</a:t>
-                      </a:r>
-                      <a:endParaRPr lang="en-GB" dirty="0"/>
-                    </a:p>
-                  </a:txBody>
-                  <a:tcPr/>
-                </a:tc>
-                <a:extLst>
-                  <a:ext uri="{0D108BD9-81ED-4DB2-BD59-A6C34878D82A}">
-                    <a16:rowId xmlns:a16="http://schemas.microsoft.com/office/drawing/2014/main" val="3871631936"/>
-                  </a:ext>
-                </a:extLst>
-              </a:tr>
-            </a:tbl>
-          </a:graphicData>
-        </a:graphic>
-      </p:graphicFrame>
-      <p:sp>
-        <p:nvSpPr>
-          <p:cNvPr id="9" name="Прямоугольник 8">
-            <a:extLst>
-              <a:ext uri="{FF2B5EF4-FFF2-40B4-BE49-F238E27FC236}">
-                <a16:creationId xmlns:a16="http://schemas.microsoft.com/office/drawing/2014/main" id="{2B59DB10-7CFA-42B5-AE41-538568F5C951}"/>
-              </a:ext>
-            </a:extLst>
-          </p:cNvPr>
-          <p:cNvSpPr/>
-          <p:nvPr/>
-        </p:nvSpPr>
-        <p:spPr>
-          <a:xfrm>
-            <a:off x="1785951" y="3353272"/>
-            <a:ext cx="5843674" cy="369332"/>
-          </a:xfrm>
-          <a:prstGeom prst="rect">
-            <a:avLst/>
-          </a:prstGeom>
-        </p:spPr>
-        <p:txBody>
-          <a:bodyPr wrap="square">
-            <a:spAutoFit/>
-          </a:bodyPr>
-          <a:lstStyle/>
-          <a:p>
-            <a:pPr algn="ctr"/>
-            <a:r>
-              <a:rPr lang="ru-RU" dirty="0">
-                <a:latin typeface="Times New Roman" panose="02020603050405020304" pitchFamily="18" charset="0"/>
-              </a:rPr>
-              <a:t>Сервер</a:t>
-            </a:r>
-            <a:endParaRPr lang="ru-RU" dirty="0"/>
-          </a:p>
-        </p:txBody>
-      </p:sp>
-      <p:graphicFrame>
-        <p:nvGraphicFramePr>
-          <p:cNvPr id="10" name="Таблица 10">
-            <a:extLst>
-              <a:ext uri="{FF2B5EF4-FFF2-40B4-BE49-F238E27FC236}">
-                <a16:creationId xmlns:a16="http://schemas.microsoft.com/office/drawing/2014/main" id="{D43A242F-019F-48B4-8FF9-2227D00B7796}"/>
-              </a:ext>
-            </a:extLst>
-          </p:cNvPr>
-          <p:cNvGraphicFramePr>
-            <a:graphicFrameLocks noGrp="1"/>
-          </p:cNvGraphicFramePr>
-          <p:nvPr>
-            <p:extLst>
-              <p:ext uri="{D42A27DB-BD31-4B8C-83A1-F6EECF244321}">
-                <p14:modId xmlns:p14="http://schemas.microsoft.com/office/powerpoint/2010/main" val="2540225783"/>
-              </p:ext>
-            </p:extLst>
-          </p:nvPr>
-        </p:nvGraphicFramePr>
-        <p:xfrm>
-          <a:off x="1659788" y="3740845"/>
-          <a:ext cx="6096000" cy="1112520"/>
-        </p:xfrm>
-        <a:graphic>
-          <a:graphicData uri="http://schemas.openxmlformats.org/drawingml/2006/table">
-            <a:tbl>
-              <a:tblPr firstRow="1" bandRow="1">
-                <a:tableStyleId>{5C22544A-7EE6-4342-B048-85BDC9FD1C3A}</a:tableStyleId>
-              </a:tblPr>
-              <a:tblGrid>
-                <a:gridCol w="2032000">
-                  <a:extLst>
-                    <a:ext uri="{9D8B030D-6E8A-4147-A177-3AD203B41FA5}">
-                      <a16:colId xmlns:a16="http://schemas.microsoft.com/office/drawing/2014/main" val="835256909"/>
-                    </a:ext>
-                  </a:extLst>
-                </a:gridCol>
-                <a:gridCol w="2032000">
-                  <a:extLst>
-                    <a:ext uri="{9D8B030D-6E8A-4147-A177-3AD203B41FA5}">
-                      <a16:colId xmlns:a16="http://schemas.microsoft.com/office/drawing/2014/main" val="3837963760"/>
-                    </a:ext>
-                  </a:extLst>
-                </a:gridCol>
-                <a:gridCol w="2032000">
-                  <a:extLst>
-                    <a:ext uri="{9D8B030D-6E8A-4147-A177-3AD203B41FA5}">
-                      <a16:colId xmlns:a16="http://schemas.microsoft.com/office/drawing/2014/main" val="3696243352"/>
+                      <a16:colId xmlns:a16="http://schemas.microsoft.com/office/drawing/2014/main" val="3275949338"/>
                     </a:ext>
                   </a:extLst>
                 </a:gridCol>
@@ -5621,7 +5531,7 @@
                     <a:p>
                       <a:r>
                         <a:rPr lang="en-GB" dirty="0"/>
-                        <a:t>C++</a:t>
+                        <a:t>C++	</a:t>
                       </a:r>
                     </a:p>
                   </a:txBody>
@@ -5629,7 +5539,7 @@
                 </a:tc>
                 <a:extLst>
                   <a:ext uri="{0D108BD9-81ED-4DB2-BD59-A6C34878D82A}">
-                    <a16:rowId xmlns:a16="http://schemas.microsoft.com/office/drawing/2014/main" val="315577870"/>
+                    <a16:rowId xmlns:a16="http://schemas.microsoft.com/office/drawing/2014/main" val="1499229526"/>
                   </a:ext>
                 </a:extLst>
               </a:tr>
@@ -5668,17 +5578,25 @@
                     <a:lstStyle/>
                     <a:p>
                       <a:r>
-                        <a:rPr lang="ru-RU" dirty="0"/>
+                        <a:rPr lang="ru-RU" dirty="0">
+                          <a:solidFill>
+                            <a:srgbClr val="FF0000"/>
+                          </a:solidFill>
+                        </a:rPr>
                         <a:t>Нет</a:t>
                       </a:r>
-                      <a:endParaRPr lang="en-GB" dirty="0"/>
+                      <a:endParaRPr lang="en-GB" dirty="0">
+                        <a:solidFill>
+                          <a:srgbClr val="FF0000"/>
+                        </a:solidFill>
+                      </a:endParaRPr>
                     </a:p>
                   </a:txBody>
                   <a:tcPr/>
                 </a:tc>
                 <a:extLst>
                   <a:ext uri="{0D108BD9-81ED-4DB2-BD59-A6C34878D82A}">
-                    <a16:rowId xmlns:a16="http://schemas.microsoft.com/office/drawing/2014/main" val="4241078653"/>
+                    <a16:rowId xmlns:a16="http://schemas.microsoft.com/office/drawing/2014/main" val="1258929155"/>
                   </a:ext>
                 </a:extLst>
               </a:tr>
@@ -5702,6 +5620,23 @@
                     <a:bodyPr/>
                     <a:lstStyle/>
                     <a:p>
+                      <a:pPr marL="0" marR="0" lvl="0" indent="0" algn="l" defTabSz="914400" rtl="0" eaLnBrk="1" fontAlgn="auto" latinLnBrk="0" hangingPunct="1">
+                        <a:lnSpc>
+                          <a:spcPct val="100000"/>
+                        </a:lnSpc>
+                        <a:spcBef>
+                          <a:spcPts val="0"/>
+                        </a:spcBef>
+                        <a:spcAft>
+                          <a:spcPts val="0"/>
+                        </a:spcAft>
+                        <a:buClrTx/>
+                        <a:buSzTx/>
+                        <a:buFontTx/>
+                        <a:buNone/>
+                        <a:tabLst/>
+                        <a:defRPr/>
+                      </a:pPr>
                       <a:r>
                         <a:rPr lang="ru-RU" dirty="0"/>
                         <a:t>Высокий уровень</a:t>
@@ -5716,9 +5651,83 @@
                     <a:bodyPr/>
                     <a:lstStyle/>
                     <a:p>
+                      <a:pPr marL="0" marR="0" lvl="0" indent="0" algn="l" defTabSz="914400" rtl="0" eaLnBrk="1" fontAlgn="auto" latinLnBrk="0" hangingPunct="1">
+                        <a:lnSpc>
+                          <a:spcPct val="100000"/>
+                        </a:lnSpc>
+                        <a:spcBef>
+                          <a:spcPts val="0"/>
+                        </a:spcBef>
+                        <a:spcAft>
+                          <a:spcPts val="0"/>
+                        </a:spcAft>
+                        <a:buClrTx/>
+                        <a:buSzTx/>
+                        <a:buFontTx/>
+                        <a:buNone/>
+                        <a:tabLst/>
+                        <a:defRPr/>
+                      </a:pPr>
+                      <a:r>
+                        <a:rPr lang="ru-RU" dirty="0">
+                          <a:solidFill>
+                            <a:srgbClr val="FF0000"/>
+                          </a:solidFill>
+                        </a:rPr>
+                        <a:t>Средний уровень</a:t>
+                      </a:r>
+                      <a:endParaRPr lang="en-GB" dirty="0">
+                        <a:solidFill>
+                          <a:srgbClr val="FF0000"/>
+                        </a:solidFill>
+                      </a:endParaRPr>
+                    </a:p>
+                  </a:txBody>
+                  <a:tcPr/>
+                </a:tc>
+                <a:extLst>
+                  <a:ext uri="{0D108BD9-81ED-4DB2-BD59-A6C34878D82A}">
+                    <a16:rowId xmlns:a16="http://schemas.microsoft.com/office/drawing/2014/main" val="712108682"/>
+                  </a:ext>
+                </a:extLst>
+              </a:tr>
+              <a:tr h="370840">
+                <a:tc>
+                  <a:txBody>
+                    <a:bodyPr/>
+                    <a:lstStyle/>
+                    <a:p>
                       <a:r>
                         <a:rPr lang="ru-RU" dirty="0"/>
-                        <a:t>Средний уровень</a:t>
+                        <a:t>Популярность</a:t>
+                      </a:r>
+                      <a:endParaRPr lang="en-GB" dirty="0"/>
+                    </a:p>
+                  </a:txBody>
+                  <a:tcPr/>
+                </a:tc>
+                <a:tc>
+                  <a:txBody>
+                    <a:bodyPr/>
+                    <a:lstStyle/>
+                    <a:p>
+                      <a:r>
+                        <a:rPr lang="ru-RU" dirty="0"/>
+                        <a:t>Высокая</a:t>
+                      </a:r>
+                      <a:endParaRPr lang="en-GB" dirty="0"/>
+                    </a:p>
+                  </a:txBody>
+                  <a:tcPr/>
+                </a:tc>
+                <a:tc>
+                  <a:txBody>
+                    <a:bodyPr/>
+                    <a:lstStyle/>
+                    <a:p>
+                      <a:r>
+                        <a:rPr lang="ru-RU" dirty="0"/>
+                        <a:t>Высокая</a:t>
                       </a:r>
                       <a:endParaRPr lang="en-GB" dirty="0"/>
                     </a:p>
@@ -5727,7 +5736,235 @@
                 </a:tc>
                 <a:extLst>
                   <a:ext uri="{0D108BD9-81ED-4DB2-BD59-A6C34878D82A}">
-                    <a16:rowId xmlns:a16="http://schemas.microsoft.com/office/drawing/2014/main" val="680714314"/>
+                    <a16:rowId xmlns:a16="http://schemas.microsoft.com/office/drawing/2014/main" val="279688544"/>
+                  </a:ext>
+                </a:extLst>
+              </a:tr>
+              <a:tr h="370840">
+                <a:tc>
+                  <a:txBody>
+                    <a:bodyPr/>
+                    <a:lstStyle/>
+                    <a:p>
+                      <a:r>
+                        <a:rPr lang="ru-RU" sz="1800" b="0" i="0" kern="1200" dirty="0">
+                          <a:solidFill>
+                            <a:schemeClr val="dk1"/>
+                          </a:solidFill>
+                          <a:effectLst/>
+                          <a:latin typeface="+mn-lt"/>
+                          <a:ea typeface="+mn-ea"/>
+                          <a:cs typeface="+mn-cs"/>
+                        </a:rPr>
+                        <a:t>Встроенная поддержка потоков</a:t>
+                      </a:r>
+                      <a:endParaRPr lang="en-GB" dirty="0"/>
+                    </a:p>
+                  </a:txBody>
+                  <a:tcPr/>
+                </a:tc>
+                <a:tc>
+                  <a:txBody>
+                    <a:bodyPr/>
+                    <a:lstStyle/>
+                    <a:p>
+                      <a:r>
+                        <a:rPr lang="ru-RU" dirty="0"/>
+                        <a:t>Есть</a:t>
+                      </a:r>
+                      <a:endParaRPr lang="en-GB" dirty="0"/>
+                    </a:p>
+                  </a:txBody>
+                  <a:tcPr/>
+                </a:tc>
+                <a:tc>
+                  <a:txBody>
+                    <a:bodyPr/>
+                    <a:lstStyle/>
+                    <a:p>
+                      <a:r>
+                        <a:rPr lang="ru-RU" dirty="0">
+                          <a:solidFill>
+                            <a:srgbClr val="FF0000"/>
+                          </a:solidFill>
+                        </a:rPr>
+                        <a:t>Нет</a:t>
+                      </a:r>
+                      <a:endParaRPr lang="en-GB" dirty="0">
+                        <a:solidFill>
+                          <a:srgbClr val="FF0000"/>
+                        </a:solidFill>
+                      </a:endParaRPr>
+                    </a:p>
+                  </a:txBody>
+                  <a:tcPr/>
+                </a:tc>
+                <a:extLst>
+                  <a:ext uri="{0D108BD9-81ED-4DB2-BD59-A6C34878D82A}">
+                    <a16:rowId xmlns:a16="http://schemas.microsoft.com/office/drawing/2014/main" val="341784219"/>
+                  </a:ext>
+                </a:extLst>
+              </a:tr>
+              <a:tr h="370840">
+                <a:tc>
+                  <a:txBody>
+                    <a:bodyPr/>
+                    <a:lstStyle/>
+                    <a:p>
+                      <a:r>
+                        <a:rPr lang="ru-RU" dirty="0"/>
+                        <a:t>Поддержка комментариев</a:t>
+                      </a:r>
+                      <a:endParaRPr lang="en-GB" dirty="0"/>
+                    </a:p>
+                  </a:txBody>
+                  <a:tcPr/>
+                </a:tc>
+                <a:tc>
+                  <a:txBody>
+                    <a:bodyPr/>
+                    <a:lstStyle/>
+                    <a:p>
+                      <a:r>
+                        <a:rPr lang="ru-RU" dirty="0"/>
+                        <a:t>Есть</a:t>
+                      </a:r>
+                      <a:endParaRPr lang="en-GB" dirty="0"/>
+                    </a:p>
+                  </a:txBody>
+                  <a:tcPr/>
+                </a:tc>
+                <a:tc>
+                  <a:txBody>
+                    <a:bodyPr/>
+                    <a:lstStyle/>
+                    <a:p>
+                      <a:r>
+                        <a:rPr lang="ru-RU" dirty="0">
+                          <a:solidFill>
+                            <a:srgbClr val="FF0000"/>
+                          </a:solidFill>
+                        </a:rPr>
+                        <a:t>Нет</a:t>
+                      </a:r>
+                      <a:endParaRPr lang="en-GB" dirty="0">
+                        <a:solidFill>
+                          <a:srgbClr val="FF0000"/>
+                        </a:solidFill>
+                      </a:endParaRPr>
+                    </a:p>
+                  </a:txBody>
+                  <a:tcPr/>
+                </a:tc>
+                <a:extLst>
+                  <a:ext uri="{0D108BD9-81ED-4DB2-BD59-A6C34878D82A}">
+                    <a16:rowId xmlns:a16="http://schemas.microsoft.com/office/drawing/2014/main" val="1123421226"/>
+                  </a:ext>
+                </a:extLst>
+              </a:tr>
+              <a:tr h="370840">
+                <a:tc>
+                  <a:txBody>
+                    <a:bodyPr/>
+                    <a:lstStyle/>
+                    <a:p>
+                      <a:r>
+                        <a:rPr lang="ru-RU" dirty="0"/>
+                        <a:t>Поддержка документации</a:t>
+                      </a:r>
+                      <a:endParaRPr lang="en-GB" dirty="0"/>
+                    </a:p>
+                  </a:txBody>
+                  <a:tcPr/>
+                </a:tc>
+                <a:tc>
+                  <a:txBody>
+                    <a:bodyPr/>
+                    <a:lstStyle/>
+                    <a:p>
+                      <a:r>
+                        <a:rPr lang="ru-RU" dirty="0"/>
+                        <a:t>Есть</a:t>
+                      </a:r>
+                      <a:endParaRPr lang="en-GB" dirty="0"/>
+                    </a:p>
+                  </a:txBody>
+                  <a:tcPr/>
+                </a:tc>
+                <a:tc>
+                  <a:txBody>
+                    <a:bodyPr/>
+                    <a:lstStyle/>
+                    <a:p>
+                      <a:r>
+                        <a:rPr lang="ru-RU" dirty="0">
+                          <a:solidFill>
+                            <a:srgbClr val="FF0000"/>
+                          </a:solidFill>
+                        </a:rPr>
+                        <a:t>Нет</a:t>
+                      </a:r>
+                      <a:endParaRPr lang="en-GB" dirty="0">
+                        <a:solidFill>
+                          <a:srgbClr val="FF0000"/>
+                        </a:solidFill>
+                      </a:endParaRPr>
+                    </a:p>
+                  </a:txBody>
+                  <a:tcPr/>
+                </a:tc>
+                <a:extLst>
+                  <a:ext uri="{0D108BD9-81ED-4DB2-BD59-A6C34878D82A}">
+                    <a16:rowId xmlns:a16="http://schemas.microsoft.com/office/drawing/2014/main" val="2105060105"/>
+                  </a:ext>
+                </a:extLst>
+              </a:tr>
+              <a:tr h="370840">
+                <a:tc>
+                  <a:txBody>
+                    <a:bodyPr/>
+                    <a:lstStyle/>
+                    <a:p>
+                      <a:r>
+                        <a:rPr lang="ru-RU" dirty="0"/>
+                        <a:t>Документация</a:t>
+                      </a:r>
+                      <a:endParaRPr lang="en-GB" dirty="0"/>
+                    </a:p>
+                  </a:txBody>
+                  <a:tcPr/>
+                </a:tc>
+                <a:tc>
+                  <a:txBody>
+                    <a:bodyPr/>
+                    <a:lstStyle/>
+                    <a:p>
+                      <a:r>
+                        <a:rPr lang="ru-RU" dirty="0"/>
+                        <a:t>Большая</a:t>
+                      </a:r>
+                      <a:endParaRPr lang="en-GB" dirty="0"/>
+                    </a:p>
+                  </a:txBody>
+                  <a:tcPr/>
+                </a:tc>
+                <a:tc>
+                  <a:txBody>
+                    <a:bodyPr/>
+                    <a:lstStyle/>
+                    <a:p>
+                      <a:r>
+                        <a:rPr lang="ru-RU" dirty="0"/>
+                        <a:t>Большая</a:t>
+                      </a:r>
+                      <a:endParaRPr lang="en-GB" dirty="0"/>
+                    </a:p>
+                  </a:txBody>
+                  <a:tcPr/>
+                </a:tc>
+                <a:extLst>
+                  <a:ext uri="{0D108BD9-81ED-4DB2-BD59-A6C34878D82A}">
+                    <a16:rowId xmlns:a16="http://schemas.microsoft.com/office/drawing/2014/main" val="969606316"/>
                   </a:ext>
                 </a:extLst>
               </a:tr>
@@ -5735,10 +5972,72 @@
           </a:graphicData>
         </a:graphic>
       </p:graphicFrame>
+      <p:sp>
+        <p:nvSpPr>
+          <p:cNvPr id="4" name="Номер слайда 3"/>
+          <p:cNvSpPr>
+            <a:spLocks noGrp="1"/>
+          </p:cNvSpPr>
+          <p:nvPr>
+            <p:ph type="sldNum" sz="quarter" idx="12"/>
+          </p:nvPr>
+        </p:nvSpPr>
+        <p:spPr/>
+        <p:txBody>
+          <a:bodyPr/>
+          <a:lstStyle/>
+          <a:p>
+            <a:fld id="{0E98351F-33E5-4A3B-A99F-441E7915B955}" type="slidenum">
+              <a:rPr lang="ru-RU" smtClean="0"/>
+              <a:pPr/>
+              <a:t>10</a:t>
+            </a:fld>
+            <a:endParaRPr lang="ru-RU"/>
+          </a:p>
+        </p:txBody>
+      </p:sp>
+      <p:sp>
+        <p:nvSpPr>
+          <p:cNvPr id="5" name="Прямоугольник 4">
+            <a:extLst>
+              <a:ext uri="{FF2B5EF4-FFF2-40B4-BE49-F238E27FC236}">
+                <a16:creationId xmlns:a16="http://schemas.microsoft.com/office/drawing/2014/main" id="{830B413A-E1BC-4778-BC68-19D4F94E91AB}"/>
+              </a:ext>
+            </a:extLst>
+          </p:cNvPr>
+          <p:cNvSpPr/>
+          <p:nvPr/>
+        </p:nvSpPr>
+        <p:spPr>
+          <a:xfrm>
+            <a:off x="1789007" y="1498268"/>
+            <a:ext cx="5843674" cy="369332"/>
+          </a:xfrm>
+          <a:prstGeom prst="rect">
+            <a:avLst/>
+          </a:prstGeom>
+        </p:spPr>
+        <p:txBody>
+          <a:bodyPr wrap="square">
+            <a:spAutoFit/>
+          </a:bodyPr>
+          <a:lstStyle/>
+          <a:p>
+            <a:pPr algn="ctr"/>
+            <a:r>
+              <a:rPr lang="ru-RU" dirty="0">
+                <a:latin typeface="Times New Roman" panose="02020603050405020304" pitchFamily="18" charset="0"/>
+              </a:rPr>
+              <a:t>Клиентская часть</a:t>
+            </a:r>
+            <a:endParaRPr lang="ru-RU" dirty="0"/>
+          </a:p>
+        </p:txBody>
+      </p:sp>
     </p:spTree>
     <p:extLst>
       <p:ext uri="{BB962C8B-B14F-4D97-AF65-F5344CB8AC3E}">
-        <p14:creationId xmlns:p14="http://schemas.microsoft.com/office/powerpoint/2010/main" val="3104210044"/>
+        <p14:creationId xmlns:p14="http://schemas.microsoft.com/office/powerpoint/2010/main" val="2221402640"/>
       </p:ext>
     </p:extLst>
   </p:cSld>
@@ -6446,13 +6745,31 @@
               <a:t>CCG (</a:t>
             </a:r>
             <a:r>
-              <a:rPr lang="en-GB" sz="2000" dirty="0" err="1">
+              <a:rPr lang="en-GB" sz="2000" dirty="0">
                 <a:solidFill>
                   <a:srgbClr val="202122"/>
                 </a:solidFill>
                 <a:latin typeface="Arial" panose="020B0604020202020204" pitchFamily="34" charset="0"/>
               </a:rPr>
-              <a:t>Collectuion</a:t>
+              <a:t>Collection</a:t>
+            </a:r>
+            <a:r>
+              <a:rPr lang="ru-RU" sz="2000" dirty="0">
+                <a:solidFill>
+                  <a:srgbClr val="202122"/>
+                </a:solidFill>
+                <a:latin typeface="Arial" panose="020B0604020202020204" pitchFamily="34" charset="0"/>
+              </a:rPr>
+              <a:t> </a:t>
+            </a:r>
+            <a:r>
+              <a:rPr lang="en-GB" sz="2000" dirty="0">
+                <a:solidFill>
+                  <a:srgbClr val="202122"/>
+                </a:solidFill>
+                <a:latin typeface="Arial" panose="020B0604020202020204" pitchFamily="34" charset="0"/>
+              </a:rPr>
+              <a:t>Card Games</a:t>
             </a:r>
             <a:r>
               <a:rPr lang="ru-RU" sz="2000" i="0" dirty="0">
@@ -6572,7 +6889,7 @@
           <p:nvPr/>
         </p:nvPicPr>
         <p:blipFill>
-          <a:blip r:embed="rId2" cstate="print">
+          <a:blip r:embed="rId3" cstate="print">
             <a:extLst>
               <a:ext uri="{28A0092B-C50C-407E-A947-70E740481C1C}">
                 <a14:useLocalDpi xmlns:a14="http://schemas.microsoft.com/office/drawing/2010/main" val="0"/>
@@ -6619,7 +6936,7 @@
           <p:nvPr/>
         </p:nvPicPr>
         <p:blipFill>
-          <a:blip r:embed="rId3" cstate="print">
+          <a:blip r:embed="rId4" cstate="print">
             <a:extLst>
               <a:ext uri="{28A0092B-C50C-407E-A947-70E740481C1C}">
                 <a14:useLocalDpi xmlns:a14="http://schemas.microsoft.com/office/drawing/2010/main" val="0"/>
@@ -6854,19 +7171,7 @@
           <a:p>
             <a:r>
               <a:rPr lang="ru-RU" dirty="0"/>
-              <a:t>В приложении в отличие от уже созданных игр, перед боем будет проходить раунд </a:t>
-            </a:r>
-            <a:r>
-              <a:rPr lang="ru-RU" dirty="0">
-                <a:highlight>
-                  <a:srgbClr val="FFFF00"/>
-                </a:highlight>
-              </a:rPr>
-              <a:t>подбора снаряжений</a:t>
-            </a:r>
-            <a:r>
-              <a:rPr lang="ru-RU" dirty="0"/>
-              <a:t>. Также приложение имеет хорошую оптимизацию под компьютеры с ограниченными ресурсами.</a:t>
+              <a:t>В приложении в отличие от уже созданных игр, перед боем будет проходить раунд подбора снаряжений. Также приложение имеет хорошую оптимизацию под компьютеры с ограниченными ресурсами.</a:t>
             </a:r>
           </a:p>
         </p:txBody>
@@ -6942,7 +7247,7 @@
           <a:p>
             <a:r>
               <a:rPr lang="ru-RU" dirty="0"/>
-              <a:t>В игре можно подключиться к системе подбора противника. После недолгого оживания, Вы и Ваш оппонент будете перенесены на локацию, где будете за ограниченное время добывать различные предметы, после чего Вас ждет поединок между собой.</a:t>
+              <a:t>В начале игры игрок и его оппонент будете перенесены на локацию, где за ограниченное время необходимо добывать различные предметы для поединка между собой. По истечении времени игроки будут перенесены на локацию, где пройдет сражение. Побеждает игрок, убивший соперника.</a:t>
             </a:r>
           </a:p>
         </p:txBody>
@@ -7336,14 +7641,14 @@
             <p:ph idx="1"/>
             <p:extLst>
               <p:ext uri="{D42A27DB-BD31-4B8C-83A1-F6EECF244321}">
-                <p14:modId xmlns:p14="http://schemas.microsoft.com/office/powerpoint/2010/main" val="4251274938"/>
+                <p14:modId xmlns:p14="http://schemas.microsoft.com/office/powerpoint/2010/main" val="4178678637"/>
               </p:ext>
             </p:extLst>
           </p:nvPr>
         </p:nvGraphicFramePr>
         <p:xfrm>
           <a:off x="179264" y="2181860"/>
-          <a:ext cx="8785224" cy="2494280"/>
+          <a:ext cx="8785224" cy="3774440"/>
         </p:xfrm>
         <a:graphic>
           <a:graphicData uri="http://schemas.openxmlformats.org/drawingml/2006/table">
@@ -7503,10 +7808,18 @@
                     <a:lstStyle/>
                     <a:p>
                       <a:r>
-                        <a:rPr lang="ru-RU" dirty="0"/>
+                        <a:rPr lang="ru-RU" dirty="0">
+                          <a:solidFill>
+                            <a:srgbClr val="FF0000"/>
+                          </a:solidFill>
+                        </a:rPr>
                         <a:t>Маленькая</a:t>
                       </a:r>
-                      <a:endParaRPr lang="en-GB" dirty="0"/>
+                      <a:endParaRPr lang="en-GB" dirty="0">
+                        <a:solidFill>
+                          <a:srgbClr val="FF0000"/>
+                        </a:solidFill>
+                      </a:endParaRPr>
                     </a:p>
                   </a:txBody>
                   <a:tcPr/>
@@ -7552,10 +7865,18 @@
                     <a:lstStyle/>
                     <a:p>
                       <a:r>
-                        <a:rPr lang="ru-RU" dirty="0"/>
+                        <a:rPr lang="ru-RU" dirty="0">
+                          <a:solidFill>
+                            <a:srgbClr val="FF0000"/>
+                          </a:solidFill>
+                        </a:rPr>
                         <a:t>Мало</a:t>
                       </a:r>
-                      <a:endParaRPr lang="en-GB" dirty="0"/>
+                      <a:endParaRPr lang="en-GB" dirty="0">
+                        <a:solidFill>
+                          <a:srgbClr val="FF0000"/>
+                        </a:solidFill>
+                      </a:endParaRPr>
                     </a:p>
                   </a:txBody>
                   <a:tcPr/>
@@ -7653,8 +7974,73 @@
                     <a:lstStyle/>
                     <a:p>
                       <a:r>
+                        <a:rPr lang="ru-RU" dirty="0">
+                          <a:solidFill>
+                            <a:srgbClr val="FF0000"/>
+                          </a:solidFill>
+                        </a:rPr>
+                        <a:t>Хорошее</a:t>
+                      </a:r>
+                      <a:endParaRPr lang="en-GB" dirty="0">
+                        <a:solidFill>
+                          <a:srgbClr val="FF0000"/>
+                        </a:solidFill>
+                      </a:endParaRPr>
+                    </a:p>
+                  </a:txBody>
+                  <a:tcPr/>
+                </a:tc>
+                <a:extLst>
+                  <a:ext uri="{0D108BD9-81ED-4DB2-BD59-A6C34878D82A}">
+                    <a16:rowId xmlns:a16="http://schemas.microsoft.com/office/drawing/2014/main" val="1123421226"/>
+                  </a:ext>
+                </a:extLst>
+              </a:tr>
+              <a:tr h="370840">
+                <a:tc>
+                  <a:txBody>
+                    <a:bodyPr/>
+                    <a:lstStyle/>
+                    <a:p>
+                      <a:r>
                         <a:rPr lang="ru-RU" dirty="0"/>
-                        <a:t>Хорошее</a:t>
+                        <a:t>Визуальное программирование</a:t>
+                      </a:r>
+                      <a:endParaRPr lang="en-GB" dirty="0"/>
+                    </a:p>
+                  </a:txBody>
+                  <a:tcPr/>
+                </a:tc>
+                <a:tc>
+                  <a:txBody>
+                    <a:bodyPr/>
+                    <a:lstStyle/>
+                    <a:p>
+                      <a:r>
+                        <a:rPr lang="ru-RU" dirty="0">
+                          <a:solidFill>
+                            <a:srgbClr val="FF0000"/>
+                          </a:solidFill>
+                        </a:rPr>
+                        <a:t>Нет</a:t>
+                      </a:r>
+                      <a:endParaRPr lang="en-GB" dirty="0">
+                        <a:solidFill>
+                          <a:srgbClr val="FF0000"/>
+                        </a:solidFill>
+                      </a:endParaRPr>
+                    </a:p>
+                  </a:txBody>
+                  <a:tcPr/>
+                </a:tc>
+                <a:tc>
+                  <a:txBody>
+                    <a:bodyPr/>
+                    <a:lstStyle/>
+                    <a:p>
+                      <a:r>
+                        <a:rPr lang="ru-RU" dirty="0"/>
+                        <a:t>Есть</a:t>
                       </a:r>
                       <a:endParaRPr lang="en-GB" dirty="0"/>
                     </a:p>
@@ -7663,7 +8049,72 @@
                 </a:tc>
                 <a:extLst>
                   <a:ext uri="{0D108BD9-81ED-4DB2-BD59-A6C34878D82A}">
-                    <a16:rowId xmlns:a16="http://schemas.microsoft.com/office/drawing/2014/main" val="1123421226"/>
+                    <a16:rowId xmlns:a16="http://schemas.microsoft.com/office/drawing/2014/main" val="1939012806"/>
+                  </a:ext>
+                </a:extLst>
+              </a:tr>
+              <a:tr h="370840">
+                <a:tc>
+                  <a:txBody>
+                    <a:bodyPr/>
+                    <a:lstStyle/>
+                    <a:p>
+                      <a:r>
+                        <a:rPr lang="ru-RU" dirty="0"/>
+                        <a:t>Нагрузка движка на компьютер</a:t>
+                      </a:r>
+                      <a:endParaRPr lang="en-GB" dirty="0"/>
+                    </a:p>
+                  </a:txBody>
+                  <a:tcPr/>
+                </a:tc>
+                <a:tc>
+                  <a:txBody>
+                    <a:bodyPr/>
+                    <a:lstStyle/>
+                    <a:p>
+                      <a:r>
+                        <a:rPr lang="ru-RU" dirty="0">
+                          <a:solidFill>
+                            <a:schemeClr val="tx1"/>
+                          </a:solidFill>
+                        </a:rPr>
+                        <a:t>Нормальная</a:t>
+                      </a:r>
+                      <a:endParaRPr lang="en-GB" dirty="0">
+                        <a:solidFill>
+                          <a:schemeClr val="tx1"/>
+                        </a:solidFill>
+                      </a:endParaRPr>
+                    </a:p>
+                  </a:txBody>
+                  <a:tcPr/>
+                </a:tc>
+                <a:tc>
+                  <a:txBody>
+                    <a:bodyPr/>
+                    <a:lstStyle/>
+                    <a:p>
+                      <a:r>
+                        <a:rPr lang="ru-RU" dirty="0">
+                          <a:solidFill>
+                            <a:srgbClr val="FF0000"/>
+                          </a:solidFill>
+                        </a:rPr>
+                        <a:t>Высокая</a:t>
+                      </a:r>
+                      <a:endParaRPr lang="en-GB" dirty="0">
+                        <a:solidFill>
+                          <a:srgbClr val="FF0000"/>
+                        </a:solidFill>
+                      </a:endParaRPr>
+                    </a:p>
+                  </a:txBody>
+                  <a:tcPr/>
+                </a:tc>
+                <a:extLst>
+                  <a:ext uri="{0D108BD9-81ED-4DB2-BD59-A6C34878D82A}">
+                    <a16:rowId xmlns:a16="http://schemas.microsoft.com/office/drawing/2014/main" val="1188889912"/>
                   </a:ext>
                 </a:extLst>
               </a:tr>
@@ -8583,6 +9034,68 @@
 </file>
 
 <file path=customXml/item2.xml><?xml version="1.0" encoding="utf-8"?>
+<p:properties xmlns:p="http://schemas.microsoft.com/office/2006/metadata/properties" xmlns:xsi="http://www.w3.org/2001/XMLSchema-instance" xmlns:pc="http://schemas.microsoft.com/office/infopath/2007/PartnerControls">
+  <documentManagement>
+    <_dlc_DocId xmlns="df41ab4a-b7e2-4865-b9a3-291840acfe6f">7VF5KMQTPTXY-6-2</_dlc_DocId>
+    <_dlc_DocIdUrl xmlns="df41ab4a-b7e2-4865-b9a3-291840acfe6f">
+      <Url>https://portal.petrocollege.ru/_layouts/15/DocIdRedir.aspx?ID=7VF5KMQTPTXY-6-2</Url>
+      <Description>7VF5KMQTPTXY-6-2</Description>
+    </_dlc_DocIdUrl>
+  </documentManagement>
+</p:properties>
+</file>
+
+<file path=customXml/item3.xml><?xml version="1.0" encoding="utf-8"?>
+<?mso-contentType ?>
+<spe:Receivers xmlns:spe="http://schemas.microsoft.com/sharepoint/events">
+  <Receiver>
+    <Name>Document ID Generator</Name>
+    <Synchronization>Synchronous</Synchronization>
+    <Type>10001</Type>
+    <SequenceNumber>1000</SequenceNumber>
+    <Url/>
+    <Assembly>Microsoft.Office.DocumentManagement, Version=15.0.0.0, Culture=neutral, PublicKeyToken=71e9bce111e9429c</Assembly>
+    <Class>Microsoft.Office.DocumentManagement.Internal.DocIdHandler</Class>
+    <Data/>
+    <Filter/>
+  </Receiver>
+  <Receiver>
+    <Name>Document ID Generator</Name>
+    <Synchronization>Synchronous</Synchronization>
+    <Type>10002</Type>
+    <SequenceNumber>1001</SequenceNumber>
+    <Url/>
+    <Assembly>Microsoft.Office.DocumentManagement, Version=15.0.0.0, Culture=neutral, PublicKeyToken=71e9bce111e9429c</Assembly>
+    <Class>Microsoft.Office.DocumentManagement.Internal.DocIdHandler</Class>
+    <Data/>
+    <Filter/>
+  </Receiver>
+  <Receiver>
+    <Name>Document ID Generator</Name>
+    <Synchronization>Synchronous</Synchronization>
+    <Type>10004</Type>
+    <SequenceNumber>1002</SequenceNumber>
+    <Url/>
+    <Assembly>Microsoft.Office.DocumentManagement, Version=15.0.0.0, Culture=neutral, PublicKeyToken=71e9bce111e9429c</Assembly>
+    <Class>Microsoft.Office.DocumentManagement.Internal.DocIdHandler</Class>
+    <Data/>
+    <Filter/>
+  </Receiver>
+  <Receiver>
+    <Name>Document ID Generator</Name>
+    <Synchronization>Synchronous</Synchronization>
+    <Type>10006</Type>
+    <SequenceNumber>1003</SequenceNumber>
+    <Url/>
+    <Assembly>Microsoft.Office.DocumentManagement, Version=15.0.0.0, Culture=neutral, PublicKeyToken=71e9bce111e9429c</Assembly>
+    <Class>Microsoft.Office.DocumentManagement.Internal.DocIdHandler</Class>
+    <Data/>
+    <Filter/>
+  </Receiver>
+</spe:Receivers>
+</file>
+
+<file path=customXml/item4.xml><?xml version="1.0" encoding="utf-8"?>
 <ct:contentTypeSchema xmlns:ct="http://schemas.microsoft.com/office/2006/metadata/contentType" xmlns:ma="http://schemas.microsoft.com/office/2006/metadata/properties/metaAttributes" ct:_="" ma:_="" ma:contentTypeName="Документ" ma:contentTypeID="0x010100A9DECAF42DF4C1448C93826D92A1631D" ma:contentTypeVersion="2" ma:contentTypeDescription="Создание документа." ma:contentTypeScope="" ma:versionID="3af4159342cf4ebf59299f419a4f4a66">
   <xsd:schema xmlns:xsd="http://www.w3.org/2001/XMLSchema" xmlns:xs="http://www.w3.org/2001/XMLSchema" xmlns:p="http://schemas.microsoft.com/office/2006/metadata/properties" xmlns:ns2="df41ab4a-b7e2-4865-b9a3-291840acfe6f" targetNamespace="http://schemas.microsoft.com/office/2006/metadata/properties" ma:root="true" ma:fieldsID="477a2e5a6968d71f865c2ee3fd8432b2" ns2:_="">
     <xsd:import namespace="df41ab4a-b7e2-4865-b9a3-291840acfe6f"/>
@@ -8727,68 +9240,6 @@
 </ct:contentTypeSchema>
 </file>
 
-<file path=customXml/item3.xml><?xml version="1.0" encoding="utf-8"?>
-<?mso-contentType ?>
-<spe:Receivers xmlns:spe="http://schemas.microsoft.com/sharepoint/events">
-  <Receiver>
-    <Name>Document ID Generator</Name>
-    <Synchronization>Synchronous</Synchronization>
-    <Type>10001</Type>
-    <SequenceNumber>1000</SequenceNumber>
-    <Url/>
-    <Assembly>Microsoft.Office.DocumentManagement, Version=15.0.0.0, Culture=neutral, PublicKeyToken=71e9bce111e9429c</Assembly>
-    <Class>Microsoft.Office.DocumentManagement.Internal.DocIdHandler</Class>
-    <Data/>
-    <Filter/>
-  </Receiver>
-  <Receiver>
-    <Name>Document ID Generator</Name>
-    <Synchronization>Synchronous</Synchronization>
-    <Type>10002</Type>
-    <SequenceNumber>1001</SequenceNumber>
-    <Url/>
-    <Assembly>Microsoft.Office.DocumentManagement, Version=15.0.0.0, Culture=neutral, PublicKeyToken=71e9bce111e9429c</Assembly>
-    <Class>Microsoft.Office.DocumentManagement.Internal.DocIdHandler</Class>
-    <Data/>
-    <Filter/>
-  </Receiver>
-  <Receiver>
-    <Name>Document ID Generator</Name>
-    <Synchronization>Synchronous</Synchronization>
-    <Type>10004</Type>
-    <SequenceNumber>1002</SequenceNumber>
-    <Url/>
-    <Assembly>Microsoft.Office.DocumentManagement, Version=15.0.0.0, Culture=neutral, PublicKeyToken=71e9bce111e9429c</Assembly>
-    <Class>Microsoft.Office.DocumentManagement.Internal.DocIdHandler</Class>
-    <Data/>
-    <Filter/>
-  </Receiver>
-  <Receiver>
-    <Name>Document ID Generator</Name>
-    <Synchronization>Synchronous</Synchronization>
-    <Type>10006</Type>
-    <SequenceNumber>1003</SequenceNumber>
-    <Url/>
-    <Assembly>Microsoft.Office.DocumentManagement, Version=15.0.0.0, Culture=neutral, PublicKeyToken=71e9bce111e9429c</Assembly>
-    <Class>Microsoft.Office.DocumentManagement.Internal.DocIdHandler</Class>
-    <Data/>
-    <Filter/>
-  </Receiver>
-</spe:Receivers>
-</file>
-
-<file path=customXml/item4.xml><?xml version="1.0" encoding="utf-8"?>
-<p:properties xmlns:p="http://schemas.microsoft.com/office/2006/metadata/properties" xmlns:xsi="http://www.w3.org/2001/XMLSchema-instance" xmlns:pc="http://schemas.microsoft.com/office/infopath/2007/PartnerControls">
-  <documentManagement>
-    <_dlc_DocId xmlns="df41ab4a-b7e2-4865-b9a3-291840acfe6f">7VF5KMQTPTXY-6-2</_dlc_DocId>
-    <_dlc_DocIdUrl xmlns="df41ab4a-b7e2-4865-b9a3-291840acfe6f">
-      <Url>https://portal.petrocollege.ru/_layouts/15/DocIdRedir.aspx?ID=7VF5KMQTPTXY-6-2</Url>
-      <Description>7VF5KMQTPTXY-6-2</Description>
-    </_dlc_DocIdUrl>
-  </documentManagement>
-</p:properties>
-</file>
-
 <file path=customXml/itemProps1.xml><?xml version="1.0" encoding="utf-8"?>
 <ds:datastoreItem xmlns:ds="http://schemas.openxmlformats.org/officeDocument/2006/customXml" ds:itemID="{5CC2C6A2-194A-4318-9983-705E098F29EB}">
   <ds:schemaRefs>
@@ -8798,6 +9249,30 @@
 </file>
 
 <file path=customXml/itemProps2.xml><?xml version="1.0" encoding="utf-8"?>
+<ds:datastoreItem xmlns:ds="http://schemas.openxmlformats.org/officeDocument/2006/customXml" ds:itemID="{0B62F19D-F597-4593-B760-DD0007729E5B}">
+  <ds:schemaRefs>
+    <ds:schemaRef ds:uri="http://schemas.microsoft.com/office/2006/documentManagement/types"/>
+    <ds:schemaRef ds:uri="http://purl.org/dc/elements/1.1/"/>
+    <ds:schemaRef ds:uri="http://purl.org/dc/terms/"/>
+    <ds:schemaRef ds:uri="http://schemas.microsoft.com/office/2006/metadata/properties"/>
+    <ds:schemaRef ds:uri="http://schemas.microsoft.com/office/infopath/2007/PartnerControls"/>
+    <ds:schemaRef ds:uri="http://www.w3.org/XML/1998/namespace"/>
+    <ds:schemaRef ds:uri="http://schemas.openxmlformats.org/package/2006/metadata/core-properties"/>
+    <ds:schemaRef ds:uri="df41ab4a-b7e2-4865-b9a3-291840acfe6f"/>
+    <ds:schemaRef ds:uri="http://purl.org/dc/dcmitype/"/>
+  </ds:schemaRefs>
+</ds:datastoreItem>
+</file>
+
+<file path=customXml/itemProps3.xml><?xml version="1.0" encoding="utf-8"?>
+<ds:datastoreItem xmlns:ds="http://schemas.openxmlformats.org/officeDocument/2006/customXml" ds:itemID="{4C40D707-170D-4583-9BC4-8BAD4042035F}">
+  <ds:schemaRefs>
+    <ds:schemaRef ds:uri="http://schemas.microsoft.com/sharepoint/events"/>
+  </ds:schemaRefs>
+</ds:datastoreItem>
+</file>
+
+<file path=customXml/itemProps4.xml><?xml version="1.0" encoding="utf-8"?>
 <ds:datastoreItem xmlns:ds="http://schemas.openxmlformats.org/officeDocument/2006/customXml" ds:itemID="{7BD44AB9-9713-4396-9527-2BD4E42BD2B5}">
   <ds:schemaRefs>
     <ds:schemaRef ds:uri="http://schemas.microsoft.com/office/2006/metadata/contentType"/>
@@ -8813,28 +9288,4 @@
     <ds:schemaRef ds:uri="http://schemas.microsoft.com/internal/obd"/>
   </ds:schemaRefs>
 </ds:datastoreItem>
-</file>
-
-<file path=customXml/itemProps3.xml><?xml version="1.0" encoding="utf-8"?>
-<ds:datastoreItem xmlns:ds="http://schemas.openxmlformats.org/officeDocument/2006/customXml" ds:itemID="{4C40D707-170D-4583-9BC4-8BAD4042035F}">
-  <ds:schemaRefs>
-    <ds:schemaRef ds:uri="http://schemas.microsoft.com/sharepoint/events"/>
-  </ds:schemaRefs>
-</ds:datastoreItem>
-</file>
-
-<file path=customXml/itemProps4.xml><?xml version="1.0" encoding="utf-8"?>
-<ds:datastoreItem xmlns:ds="http://schemas.openxmlformats.org/officeDocument/2006/customXml" ds:itemID="{0B62F19D-F597-4593-B760-DD0007729E5B}">
-  <ds:schemaRefs>
-    <ds:schemaRef ds:uri="http://schemas.microsoft.com/office/2006/documentManagement/types"/>
-    <ds:schemaRef ds:uri="http://purl.org/dc/elements/1.1/"/>
-    <ds:schemaRef ds:uri="http://purl.org/dc/terms/"/>
-    <ds:schemaRef ds:uri="http://schemas.microsoft.com/office/2006/metadata/properties"/>
-    <ds:schemaRef ds:uri="http://schemas.microsoft.com/office/infopath/2007/PartnerControls"/>
-    <ds:schemaRef ds:uri="http://www.w3.org/XML/1998/namespace"/>
-    <ds:schemaRef ds:uri="http://schemas.openxmlformats.org/package/2006/metadata/core-properties"/>
-    <ds:schemaRef ds:uri="df41ab4a-b7e2-4865-b9a3-291840acfe6f"/>
-    <ds:schemaRef ds:uri="http://purl.org/dc/dcmitype/"/>
-  </ds:schemaRefs>
-</ds:datastoreItem>
 </file>
--- a/Презентация_КП_3703.pptx
+++ b/Презентация_КП_3703.pptx
@@ -5,10 +5,10 @@
     <p:sldMasterId id="2147483648" r:id="rId5"/>
   </p:sldMasterIdLst>
   <p:notesMasterIdLst>
-    <p:notesMasterId r:id="rId17"/>
+    <p:notesMasterId r:id="rId19"/>
   </p:notesMasterIdLst>
   <p:handoutMasterIdLst>
-    <p:handoutMasterId r:id="rId18"/>
+    <p:handoutMasterId r:id="rId20"/>
   </p:handoutMasterIdLst>
   <p:sldIdLst>
     <p:sldId id="316" r:id="rId6"/>
@@ -18,10 +18,12 @@
     <p:sldId id="291" r:id="rId10"/>
     <p:sldId id="312" r:id="rId11"/>
     <p:sldId id="292" r:id="rId12"/>
-    <p:sldId id="317" r:id="rId13"/>
-    <p:sldId id="313" r:id="rId14"/>
-    <p:sldId id="321" r:id="rId15"/>
-    <p:sldId id="320" r:id="rId16"/>
+    <p:sldId id="322" r:id="rId13"/>
+    <p:sldId id="323" r:id="rId14"/>
+    <p:sldId id="317" r:id="rId15"/>
+    <p:sldId id="313" r:id="rId16"/>
+    <p:sldId id="321" r:id="rId17"/>
+    <p:sldId id="320" r:id="rId18"/>
   </p:sldIdLst>
   <p:sldSz cx="9144000" cy="6858000" type="screen4x3"/>
   <p:notesSz cx="6858000" cy="9144000"/>
@@ -132,6 +134,8 @@
             <p14:sldId id="291"/>
             <p14:sldId id="312"/>
             <p14:sldId id="292"/>
+            <p14:sldId id="322"/>
+            <p14:sldId id="323"/>
             <p14:sldId id="317"/>
             <p14:sldId id="313"/>
             <p14:sldId id="321"/>
@@ -987,7 +991,7 @@
             <a:fld id="{DE8C415B-D586-4617-A7CD-C505B94DB98C}" type="datetimeFigureOut">
               <a:rPr lang="ru-RU" smtClean="0"/>
               <a:pPr/>
-              <a:t>07.02.2021</a:t>
+              <a:t>03.03.2021</a:t>
             </a:fld>
             <a:endParaRPr lang="ru-RU"/>
           </a:p>
@@ -1154,7 +1158,7 @@
             <a:fld id="{AD96DD18-BCE0-4A3E-88A7-83470DD3C30C}" type="datetimeFigureOut">
               <a:rPr lang="ru-RU" smtClean="0"/>
               <a:pPr/>
-              <a:t>07.02.2021</a:t>
+              <a:t>03.03.2021</a:t>
             </a:fld>
             <a:endParaRPr lang="ru-RU"/>
           </a:p>
@@ -2069,7 +2073,7 @@
             <a:fld id="{BECF2865-D604-4CFC-B113-76ADD451E787}" type="slidenum">
               <a:rPr lang="ru-RU" smtClean="0"/>
               <a:pPr/>
-              <a:t>11</a:t>
+              <a:t>13</a:t>
             </a:fld>
             <a:endParaRPr lang="ru-RU"/>
           </a:p>
@@ -2268,7 +2272,7 @@
             <a:fld id="{9CCAB8F6-30EC-4352-A0EB-8808E33D58FE}" type="datetime1">
               <a:rPr lang="ru-RU" smtClean="0"/>
               <a:pPr/>
-              <a:t>07.02.2021</a:t>
+              <a:t>03.03.2021</a:t>
             </a:fld>
             <a:endParaRPr lang="ru-RU"/>
           </a:p>
@@ -2433,7 +2437,7 @@
             <a:fld id="{E21A05FE-0B33-4F78-AB7A-D99B19E23029}" type="datetime1">
               <a:rPr lang="ru-RU" smtClean="0"/>
               <a:pPr/>
-              <a:t>07.02.2021</a:t>
+              <a:t>03.03.2021</a:t>
             </a:fld>
             <a:endParaRPr lang="ru-RU"/>
           </a:p>
@@ -2608,7 +2612,7 @@
             <a:fld id="{D61B8A9C-BB22-462E-BF5D-4AE82610FA1F}" type="datetime1">
               <a:rPr lang="ru-RU" smtClean="0"/>
               <a:pPr/>
-              <a:t>07.02.2021</a:t>
+              <a:t>03.03.2021</a:t>
             </a:fld>
             <a:endParaRPr lang="ru-RU"/>
           </a:p>
@@ -2808,7 +2812,7 @@
             <a:fld id="{C7646B43-18C7-4E3B-A952-F7004B58246B}" type="datetime1">
               <a:rPr lang="ru-RU" smtClean="0"/>
               <a:pPr/>
-              <a:t>07.02.2021</a:t>
+              <a:t>03.03.2021</a:t>
             </a:fld>
             <a:endParaRPr lang="ru-RU"/>
           </a:p>
@@ -3059,7 +3063,7 @@
             <a:fld id="{3E0D06DB-A410-407F-944C-FB7F9E734F89}" type="datetime1">
               <a:rPr lang="ru-RU" smtClean="0"/>
               <a:pPr/>
-              <a:t>07.02.2021</a:t>
+              <a:t>03.03.2021</a:t>
             </a:fld>
             <a:endParaRPr lang="ru-RU"/>
           </a:p>
@@ -3341,7 +3345,7 @@
             <a:fld id="{4A274A88-F6BE-4E53-A077-8CD5B6A52E76}" type="datetime1">
               <a:rPr lang="ru-RU" smtClean="0"/>
               <a:pPr/>
-              <a:t>07.02.2021</a:t>
+              <a:t>03.03.2021</a:t>
             </a:fld>
             <a:endParaRPr lang="ru-RU"/>
           </a:p>
@@ -3757,7 +3761,7 @@
             <a:fld id="{45BE5B3D-5B6B-4ED7-9610-8CD1C9F72AD5}" type="datetime1">
               <a:rPr lang="ru-RU" smtClean="0"/>
               <a:pPr/>
-              <a:t>07.02.2021</a:t>
+              <a:t>03.03.2021</a:t>
             </a:fld>
             <a:endParaRPr lang="ru-RU"/>
           </a:p>
@@ -3871,7 +3875,7 @@
             <a:fld id="{4F458F28-CEB2-4BCF-B84A-AFE3CDBB760A}" type="datetime1">
               <a:rPr lang="ru-RU" smtClean="0"/>
               <a:pPr/>
-              <a:t>07.02.2021</a:t>
+              <a:t>03.03.2021</a:t>
             </a:fld>
             <a:endParaRPr lang="ru-RU"/>
           </a:p>
@@ -3963,7 +3967,7 @@
             <a:fld id="{6ADDAF7D-84B2-479A-8117-8F4952C3F13A}" type="datetime1">
               <a:rPr lang="ru-RU" smtClean="0"/>
               <a:pPr/>
-              <a:t>07.02.2021</a:t>
+              <a:t>03.03.2021</a:t>
             </a:fld>
             <a:endParaRPr lang="ru-RU"/>
           </a:p>
@@ -4235,7 +4239,7 @@
             <a:fld id="{DFF9433C-6AF1-46A7-99DE-D9F631D61764}" type="datetime1">
               <a:rPr lang="ru-RU" smtClean="0"/>
               <a:pPr/>
-              <a:t>07.02.2021</a:t>
+              <a:t>03.03.2021</a:t>
             </a:fld>
             <a:endParaRPr lang="ru-RU"/>
           </a:p>
@@ -4487,7 +4491,7 @@
             <a:fld id="{694F8DC1-D5E6-46A9-B8B8-49B16F8F3AD3}" type="datetime1">
               <a:rPr lang="ru-RU" smtClean="0"/>
               <a:pPr/>
-              <a:t>07.02.2021</a:t>
+              <a:t>03.03.2021</a:t>
             </a:fld>
             <a:endParaRPr lang="ru-RU"/>
           </a:p>
@@ -4747,7 +4751,7 @@
             <a:fld id="{58DCF173-78FE-474C-A588-52E452BE4892}" type="datetime1">
               <a:rPr lang="ru-RU" smtClean="0"/>
               <a:pPr/>
-              <a:t>07.02.2021</a:t>
+              <a:t>03.03.2021</a:t>
             </a:fld>
             <a:endParaRPr lang="ru-RU"/>
           </a:p>
@@ -5402,6 +5406,914 @@
 </file>
 
 <file path=ppt/slides/slide10.xml><?xml version="1.0" encoding="utf-8"?>
+<p:sld xmlns:a="http://schemas.openxmlformats.org/drawingml/2006/main" xmlns:r="http://schemas.openxmlformats.org/officeDocument/2006/relationships" xmlns:p="http://schemas.openxmlformats.org/presentationml/2006/main">
+  <p:cSld>
+    <p:spTree>
+      <p:nvGrpSpPr>
+        <p:cNvPr id="1" name=""/>
+        <p:cNvGrpSpPr/>
+        <p:nvPr/>
+      </p:nvGrpSpPr>
+      <p:grpSpPr>
+        <a:xfrm>
+          <a:off x="0" y="0"/>
+          <a:ext cx="0" cy="0"/>
+          <a:chOff x="0" y="0"/>
+          <a:chExt cx="0" cy="0"/>
+        </a:xfrm>
+      </p:grpSpPr>
+      <p:graphicFrame>
+        <p:nvGraphicFramePr>
+          <p:cNvPr id="12" name="Диаграмма 11">
+            <a:extLst>
+              <a:ext uri="{FF2B5EF4-FFF2-40B4-BE49-F238E27FC236}">
+                <a16:creationId xmlns:a16="http://schemas.microsoft.com/office/drawing/2014/main" id="{604308E0-2662-4495-82D9-EA2F7C6F43B5}"/>
+              </a:ext>
+            </a:extLst>
+          </p:cNvPr>
+          <p:cNvGraphicFramePr/>
+          <p:nvPr>
+            <p:extLst>
+              <p:ext uri="{D42A27DB-BD31-4B8C-83A1-F6EECF244321}">
+                <p14:modId xmlns:p14="http://schemas.microsoft.com/office/powerpoint/2010/main" val="2749553905"/>
+              </p:ext>
+            </p:extLst>
+          </p:nvPr>
+        </p:nvGraphicFramePr>
+        <p:xfrm>
+          <a:off x="1454287" y="1703444"/>
+          <a:ext cx="6955944" cy="4656022"/>
+        </p:xfrm>
+        <a:graphic>
+          <a:graphicData uri="http://schemas.openxmlformats.org/drawingml/2006/chart">
+            <c:chart xmlns:c="http://schemas.openxmlformats.org/drawingml/2006/chart" xmlns:r="http://schemas.openxmlformats.org/officeDocument/2006/relationships" r:id="rId2"/>
+          </a:graphicData>
+        </a:graphic>
+      </p:graphicFrame>
+      <p:sp>
+        <p:nvSpPr>
+          <p:cNvPr id="2" name="Заголовок 1"/>
+          <p:cNvSpPr>
+            <a:spLocks noGrp="1"/>
+          </p:cNvSpPr>
+          <p:nvPr>
+            <p:ph type="title"/>
+          </p:nvPr>
+        </p:nvSpPr>
+        <p:spPr/>
+        <p:txBody>
+          <a:bodyPr>
+            <a:normAutofit/>
+          </a:bodyPr>
+          <a:lstStyle/>
+          <a:p>
+            <a:r>
+              <a:rPr lang="ru-RU" dirty="0"/>
+              <a:t>Инструменты для разработки</a:t>
+            </a:r>
+          </a:p>
+        </p:txBody>
+      </p:sp>
+      <p:sp>
+        <p:nvSpPr>
+          <p:cNvPr id="4" name="Номер слайда 3"/>
+          <p:cNvSpPr>
+            <a:spLocks noGrp="1"/>
+          </p:cNvSpPr>
+          <p:nvPr>
+            <p:ph type="sldNum" sz="quarter" idx="12"/>
+          </p:nvPr>
+        </p:nvSpPr>
+        <p:spPr/>
+        <p:txBody>
+          <a:bodyPr/>
+          <a:lstStyle/>
+          <a:p>
+            <a:fld id="{0E98351F-33E5-4A3B-A99F-441E7915B955}" type="slidenum">
+              <a:rPr lang="ru-RU" smtClean="0"/>
+              <a:pPr/>
+              <a:t>10</a:t>
+            </a:fld>
+            <a:endParaRPr lang="ru-RU"/>
+          </a:p>
+        </p:txBody>
+      </p:sp>
+      <p:pic>
+        <p:nvPicPr>
+          <p:cNvPr id="1032" name="Picture 8">
+            <a:extLst>
+              <a:ext uri="{FF2B5EF4-FFF2-40B4-BE49-F238E27FC236}">
+                <a16:creationId xmlns:a16="http://schemas.microsoft.com/office/drawing/2014/main" id="{DEF59D09-DDA0-443A-826E-36E8080CF6F5}"/>
+              </a:ext>
+            </a:extLst>
+          </p:cNvPr>
+          <p:cNvPicPr>
+            <a:picLocks noChangeAspect="1" noChangeArrowheads="1"/>
+          </p:cNvPicPr>
+          <p:nvPr/>
+        </p:nvPicPr>
+        <p:blipFill>
+          <a:blip r:embed="rId3" cstate="print">
+            <a:biLevel thresh="75000"/>
+            <a:extLst>
+              <a:ext uri="{28A0092B-C50C-407E-A947-70E740481C1C}">
+                <a14:useLocalDpi xmlns:a14="http://schemas.microsoft.com/office/drawing/2010/main" val="0"/>
+              </a:ext>
+            </a:extLst>
+          </a:blip>
+          <a:srcRect/>
+          <a:stretch>
+            <a:fillRect/>
+          </a:stretch>
+        </p:blipFill>
+        <p:spPr bwMode="auto">
+          <a:xfrm>
+            <a:off x="2590696" y="2252500"/>
+            <a:ext cx="2032143" cy="2032143"/>
+          </a:xfrm>
+          <a:prstGeom prst="rect">
+            <a:avLst/>
+          </a:prstGeom>
+          <a:noFill/>
+          <a:extLst>
+            <a:ext uri="{909E8E84-426E-40DD-AFC4-6F175D3DCCD1}">
+              <a14:hiddenFill xmlns:a14="http://schemas.microsoft.com/office/drawing/2010/main">
+                <a:solidFill>
+                  <a:srgbClr val="FFFFFF"/>
+                </a:solidFill>
+              </a14:hiddenFill>
+            </a:ext>
+          </a:extLst>
+        </p:spPr>
+      </p:pic>
+      <p:pic>
+        <p:nvPicPr>
+          <p:cNvPr id="1034" name="Picture 10">
+            <a:extLst>
+              <a:ext uri="{FF2B5EF4-FFF2-40B4-BE49-F238E27FC236}">
+                <a16:creationId xmlns:a16="http://schemas.microsoft.com/office/drawing/2014/main" id="{17292EE5-7033-4851-9103-5286A69DB1CC}"/>
+              </a:ext>
+            </a:extLst>
+          </p:cNvPr>
+          <p:cNvPicPr>
+            <a:picLocks noChangeAspect="1" noChangeArrowheads="1"/>
+          </p:cNvPicPr>
+          <p:nvPr/>
+        </p:nvPicPr>
+        <p:blipFill>
+          <a:blip r:embed="rId4" cstate="print">
+            <a:biLevel thresh="75000"/>
+            <a:extLst>
+              <a:ext uri="{28A0092B-C50C-407E-A947-70E740481C1C}">
+                <a14:useLocalDpi xmlns:a14="http://schemas.microsoft.com/office/drawing/2010/main" val="0"/>
+              </a:ext>
+            </a:extLst>
+          </a:blip>
+          <a:srcRect/>
+          <a:stretch>
+            <a:fillRect/>
+          </a:stretch>
+        </p:blipFill>
+        <p:spPr bwMode="auto">
+          <a:xfrm>
+            <a:off x="5631395" y="1528436"/>
+            <a:ext cx="1518943" cy="2785159"/>
+          </a:xfrm>
+          <a:prstGeom prst="rect">
+            <a:avLst/>
+          </a:prstGeom>
+          <a:noFill/>
+          <a:extLst>
+            <a:ext uri="{909E8E84-426E-40DD-AFC4-6F175D3DCCD1}">
+              <a14:hiddenFill xmlns:a14="http://schemas.microsoft.com/office/drawing/2010/main">
+                <a:solidFill>
+                  <a:srgbClr val="FFFFFF"/>
+                </a:solidFill>
+              </a14:hiddenFill>
+            </a:ext>
+          </a:extLst>
+        </p:spPr>
+      </p:pic>
+      <p:sp>
+        <p:nvSpPr>
+          <p:cNvPr id="13" name="AutoShape 12">
+            <a:extLst>
+              <a:ext uri="{FF2B5EF4-FFF2-40B4-BE49-F238E27FC236}">
+                <a16:creationId xmlns:a16="http://schemas.microsoft.com/office/drawing/2014/main" id="{2603E3A5-B180-4A47-8322-AC6ACB1AFDEE}"/>
+              </a:ext>
+            </a:extLst>
+          </p:cNvPr>
+          <p:cNvSpPr>
+            <a:spLocks noChangeAspect="1" noChangeArrowheads="1"/>
+          </p:cNvSpPr>
+          <p:nvPr/>
+        </p:nvSpPr>
+        <p:spPr bwMode="auto">
+          <a:xfrm>
+            <a:off x="4419600" y="3276600"/>
+            <a:ext cx="304800" cy="304800"/>
+          </a:xfrm>
+          <a:prstGeom prst="rect">
+            <a:avLst/>
+          </a:prstGeom>
+          <a:noFill/>
+          <a:extLst>
+            <a:ext uri="{909E8E84-426E-40DD-AFC4-6F175D3DCCD1}">
+              <a14:hiddenFill xmlns:a14="http://schemas.microsoft.com/office/drawing/2010/main">
+                <a:solidFill>
+                  <a:srgbClr val="FFFFFF"/>
+                </a:solidFill>
+              </a14:hiddenFill>
+            </a:ext>
+          </a:extLst>
+        </p:spPr>
+        <p:txBody>
+          <a:bodyPr vert="horz" wrap="square" lIns="91440" tIns="45720" rIns="91440" bIns="45720" numCol="1" anchor="t" anchorCtr="0" compatLnSpc="1">
+            <a:prstTxWarp prst="textNoShape">
+              <a:avLst/>
+            </a:prstTxWarp>
+          </a:bodyPr>
+          <a:lstStyle/>
+          <a:p>
+            <a:endParaRPr lang="en-GB"/>
+          </a:p>
+        </p:txBody>
+      </p:sp>
+      <p:pic>
+        <p:nvPicPr>
+          <p:cNvPr id="1040" name="Picture 16">
+            <a:extLst>
+              <a:ext uri="{FF2B5EF4-FFF2-40B4-BE49-F238E27FC236}">
+                <a16:creationId xmlns:a16="http://schemas.microsoft.com/office/drawing/2014/main" id="{73E9552D-4C37-4D22-BDC9-4E13CBBEECDD}"/>
+              </a:ext>
+            </a:extLst>
+          </p:cNvPr>
+          <p:cNvPicPr>
+            <a:picLocks noChangeAspect="1" noChangeArrowheads="1"/>
+          </p:cNvPicPr>
+          <p:nvPr/>
+        </p:nvPicPr>
+        <p:blipFill>
+          <a:blip r:embed="rId5" cstate="print">
+            <a:biLevel thresh="75000"/>
+            <a:extLst>
+              <a:ext uri="{28A0092B-C50C-407E-A947-70E740481C1C}">
+                <a14:useLocalDpi xmlns:a14="http://schemas.microsoft.com/office/drawing/2010/main" val="0"/>
+              </a:ext>
+            </a:extLst>
+          </a:blip>
+          <a:srcRect/>
+          <a:stretch>
+            <a:fillRect/>
+          </a:stretch>
+        </p:blipFill>
+        <p:spPr bwMode="auto">
+          <a:xfrm>
+            <a:off x="3804140" y="4605500"/>
+            <a:ext cx="2256237" cy="1772816"/>
+          </a:xfrm>
+          <a:prstGeom prst="rect">
+            <a:avLst/>
+          </a:prstGeom>
+          <a:noFill/>
+          <a:extLst>
+            <a:ext uri="{909E8E84-426E-40DD-AFC4-6F175D3DCCD1}">
+              <a14:hiddenFill xmlns:a14="http://schemas.microsoft.com/office/drawing/2010/main">
+                <a:solidFill>
+                  <a:srgbClr val="FFFFFF"/>
+                </a:solidFill>
+              </a14:hiddenFill>
+            </a:ext>
+          </a:extLst>
+        </p:spPr>
+      </p:pic>
+    </p:spTree>
+    <p:extLst>
+      <p:ext uri="{BB962C8B-B14F-4D97-AF65-F5344CB8AC3E}">
+        <p14:creationId xmlns:p14="http://schemas.microsoft.com/office/powerpoint/2010/main" val="3207483193"/>
+      </p:ext>
+    </p:extLst>
+  </p:cSld>
+  <p:clrMapOvr>
+    <a:masterClrMapping/>
+  </p:clrMapOvr>
+</p:sld>
+</file>
+
+<file path=ppt/slides/slide11.xml><?xml version="1.0" encoding="utf-8"?>
+<p:sld xmlns:a="http://schemas.openxmlformats.org/drawingml/2006/main" xmlns:r="http://schemas.openxmlformats.org/officeDocument/2006/relationships" xmlns:p="http://schemas.openxmlformats.org/presentationml/2006/main">
+  <p:cSld>
+    <p:spTree>
+      <p:nvGrpSpPr>
+        <p:cNvPr id="1" name=""/>
+        <p:cNvGrpSpPr/>
+        <p:nvPr/>
+      </p:nvGrpSpPr>
+      <p:grpSpPr>
+        <a:xfrm>
+          <a:off x="0" y="0"/>
+          <a:ext cx="0" cy="0"/>
+          <a:chOff x="0" y="0"/>
+          <a:chExt cx="0" cy="0"/>
+        </a:xfrm>
+      </p:grpSpPr>
+      <p:sp>
+        <p:nvSpPr>
+          <p:cNvPr id="2" name="Заголовок 1"/>
+          <p:cNvSpPr>
+            <a:spLocks noGrp="1"/>
+          </p:cNvSpPr>
+          <p:nvPr>
+            <p:ph type="title"/>
+          </p:nvPr>
+        </p:nvSpPr>
+        <p:spPr/>
+        <p:txBody>
+          <a:bodyPr>
+            <a:normAutofit/>
+          </a:bodyPr>
+          <a:lstStyle/>
+          <a:p>
+            <a:r>
+              <a:rPr lang="ru-RU" dirty="0"/>
+              <a:t>Инструменты для разработки</a:t>
+            </a:r>
+          </a:p>
+        </p:txBody>
+      </p:sp>
+      <p:graphicFrame>
+        <p:nvGraphicFramePr>
+          <p:cNvPr id="3" name="Таблица 4">
+            <a:extLst>
+              <a:ext uri="{FF2B5EF4-FFF2-40B4-BE49-F238E27FC236}">
+                <a16:creationId xmlns:a16="http://schemas.microsoft.com/office/drawing/2014/main" id="{B8581100-94FF-4D67-A61E-1A4F30574AD8}"/>
+              </a:ext>
+            </a:extLst>
+          </p:cNvPr>
+          <p:cNvGraphicFramePr>
+            <a:graphicFrameLocks noGrp="1"/>
+          </p:cNvGraphicFramePr>
+          <p:nvPr>
+            <p:ph idx="1"/>
+            <p:extLst>
+              <p:ext uri="{D42A27DB-BD31-4B8C-83A1-F6EECF244321}">
+                <p14:modId xmlns:p14="http://schemas.microsoft.com/office/powerpoint/2010/main" val="4178678637"/>
+              </p:ext>
+            </p:extLst>
+          </p:nvPr>
+        </p:nvGraphicFramePr>
+        <p:xfrm>
+          <a:off x="179264" y="2181860"/>
+          <a:ext cx="8785224" cy="3774440"/>
+        </p:xfrm>
+        <a:graphic>
+          <a:graphicData uri="http://schemas.openxmlformats.org/drawingml/2006/table">
+            <a:tbl>
+              <a:tblPr firstRow="1" bandRow="1">
+                <a:tableStyleId>{5C22544A-7EE6-4342-B048-85BDC9FD1C3A}</a:tableStyleId>
+              </a:tblPr>
+              <a:tblGrid>
+                <a:gridCol w="2928408">
+                  <a:extLst>
+                    <a:ext uri="{9D8B030D-6E8A-4147-A177-3AD203B41FA5}">
+                      <a16:colId xmlns:a16="http://schemas.microsoft.com/office/drawing/2014/main" val="2830660959"/>
+                    </a:ext>
+                  </a:extLst>
+                </a:gridCol>
+                <a:gridCol w="2928408">
+                  <a:extLst>
+                    <a:ext uri="{9D8B030D-6E8A-4147-A177-3AD203B41FA5}">
+                      <a16:colId xmlns:a16="http://schemas.microsoft.com/office/drawing/2014/main" val="2978765592"/>
+                    </a:ext>
+                  </a:extLst>
+                </a:gridCol>
+                <a:gridCol w="2928408">
+                  <a:extLst>
+                    <a:ext uri="{9D8B030D-6E8A-4147-A177-3AD203B41FA5}">
+                      <a16:colId xmlns:a16="http://schemas.microsoft.com/office/drawing/2014/main" val="3275949338"/>
+                    </a:ext>
+                  </a:extLst>
+                </a:gridCol>
+              </a:tblGrid>
+              <a:tr h="370840">
+                <a:tc>
+                  <a:txBody>
+                    <a:bodyPr/>
+                    <a:lstStyle/>
+                    <a:p>
+                      <a:r>
+                        <a:rPr lang="ru-RU" dirty="0"/>
+                        <a:t>Характеристики</a:t>
+                      </a:r>
+                      <a:endParaRPr lang="en-GB" dirty="0"/>
+                    </a:p>
+                  </a:txBody>
+                  <a:tcPr/>
+                </a:tc>
+                <a:tc>
+                  <a:txBody>
+                    <a:bodyPr/>
+                    <a:lstStyle/>
+                    <a:p>
+                      <a:r>
+                        <a:rPr lang="en-GB" dirty="0"/>
+                        <a:t>UNITY</a:t>
+                      </a:r>
+                    </a:p>
+                  </a:txBody>
+                  <a:tcPr/>
+                </a:tc>
+                <a:tc>
+                  <a:txBody>
+                    <a:bodyPr/>
+                    <a:lstStyle/>
+                    <a:p>
+                      <a:r>
+                        <a:rPr lang="en-GB" dirty="0"/>
+                        <a:t>UNREAL ENGINE</a:t>
+                      </a:r>
+                    </a:p>
+                  </a:txBody>
+                  <a:tcPr/>
+                </a:tc>
+                <a:extLst>
+                  <a:ext uri="{0D108BD9-81ED-4DB2-BD59-A6C34878D82A}">
+                    <a16:rowId xmlns:a16="http://schemas.microsoft.com/office/drawing/2014/main" val="1499229526"/>
+                  </a:ext>
+                </a:extLst>
+              </a:tr>
+              <a:tr h="370840">
+                <a:tc>
+                  <a:txBody>
+                    <a:bodyPr/>
+                    <a:lstStyle/>
+                    <a:p>
+                      <a:r>
+                        <a:rPr lang="ru-RU" dirty="0"/>
+                        <a:t>Язык программирования</a:t>
+                      </a:r>
+                      <a:endParaRPr lang="en-GB" dirty="0"/>
+                    </a:p>
+                  </a:txBody>
+                  <a:tcPr/>
+                </a:tc>
+                <a:tc>
+                  <a:txBody>
+                    <a:bodyPr/>
+                    <a:lstStyle/>
+                    <a:p>
+                      <a:r>
+                        <a:rPr lang="en-GB" dirty="0"/>
+                        <a:t>C#</a:t>
+                      </a:r>
+                    </a:p>
+                  </a:txBody>
+                  <a:tcPr/>
+                </a:tc>
+                <a:tc>
+                  <a:txBody>
+                    <a:bodyPr/>
+                    <a:lstStyle/>
+                    <a:p>
+                      <a:r>
+                        <a:rPr lang="en-GB" dirty="0"/>
+                        <a:t>C++</a:t>
+                      </a:r>
+                    </a:p>
+                  </a:txBody>
+                  <a:tcPr/>
+                </a:tc>
+                <a:extLst>
+                  <a:ext uri="{0D108BD9-81ED-4DB2-BD59-A6C34878D82A}">
+                    <a16:rowId xmlns:a16="http://schemas.microsoft.com/office/drawing/2014/main" val="1258929155"/>
+                  </a:ext>
+                </a:extLst>
+              </a:tr>
+              <a:tr h="370840">
+                <a:tc>
+                  <a:txBody>
+                    <a:bodyPr/>
+                    <a:lstStyle/>
+                    <a:p>
+                      <a:r>
+                        <a:rPr lang="ru-RU" dirty="0"/>
+                        <a:t>Документация</a:t>
+                      </a:r>
+                      <a:endParaRPr lang="en-GB" dirty="0"/>
+                    </a:p>
+                  </a:txBody>
+                  <a:tcPr/>
+                </a:tc>
+                <a:tc>
+                  <a:txBody>
+                    <a:bodyPr/>
+                    <a:lstStyle/>
+                    <a:p>
+                      <a:r>
+                        <a:rPr lang="ru-RU" dirty="0"/>
+                        <a:t>Большая</a:t>
+                      </a:r>
+                      <a:endParaRPr lang="en-GB" dirty="0"/>
+                    </a:p>
+                  </a:txBody>
+                  <a:tcPr/>
+                </a:tc>
+                <a:tc>
+                  <a:txBody>
+                    <a:bodyPr/>
+                    <a:lstStyle/>
+                    <a:p>
+                      <a:r>
+                        <a:rPr lang="ru-RU" dirty="0">
+                          <a:solidFill>
+                            <a:srgbClr val="FF0000"/>
+                          </a:solidFill>
+                        </a:rPr>
+                        <a:t>Маленькая</a:t>
+                      </a:r>
+                      <a:endParaRPr lang="en-GB" dirty="0">
+                        <a:solidFill>
+                          <a:srgbClr val="FF0000"/>
+                        </a:solidFill>
+                      </a:endParaRPr>
+                    </a:p>
+                  </a:txBody>
+                  <a:tcPr/>
+                </a:tc>
+                <a:extLst>
+                  <a:ext uri="{0D108BD9-81ED-4DB2-BD59-A6C34878D82A}">
+                    <a16:rowId xmlns:a16="http://schemas.microsoft.com/office/drawing/2014/main" val="712108682"/>
+                  </a:ext>
+                </a:extLst>
+              </a:tr>
+              <a:tr h="370840">
+                <a:tc>
+                  <a:txBody>
+                    <a:bodyPr/>
+                    <a:lstStyle/>
+                    <a:p>
+                      <a:r>
+                        <a:rPr lang="ru-RU" dirty="0"/>
+                        <a:t>Количество разработанных игр</a:t>
+                      </a:r>
+                      <a:endParaRPr lang="en-GB" dirty="0"/>
+                    </a:p>
+                  </a:txBody>
+                  <a:tcPr/>
+                </a:tc>
+                <a:tc>
+                  <a:txBody>
+                    <a:bodyPr/>
+                    <a:lstStyle/>
+                    <a:p>
+                      <a:r>
+                        <a:rPr lang="ru-RU" dirty="0"/>
+                        <a:t>Много</a:t>
+                      </a:r>
+                      <a:endParaRPr lang="en-GB" dirty="0"/>
+                    </a:p>
+                  </a:txBody>
+                  <a:tcPr/>
+                </a:tc>
+                <a:tc>
+                  <a:txBody>
+                    <a:bodyPr/>
+                    <a:lstStyle/>
+                    <a:p>
+                      <a:r>
+                        <a:rPr lang="ru-RU" dirty="0">
+                          <a:solidFill>
+                            <a:srgbClr val="FF0000"/>
+                          </a:solidFill>
+                        </a:rPr>
+                        <a:t>Мало</a:t>
+                      </a:r>
+                      <a:endParaRPr lang="en-GB" dirty="0">
+                        <a:solidFill>
+                          <a:srgbClr val="FF0000"/>
+                        </a:solidFill>
+                      </a:endParaRPr>
+                    </a:p>
+                  </a:txBody>
+                  <a:tcPr/>
+                </a:tc>
+                <a:extLst>
+                  <a:ext uri="{0D108BD9-81ED-4DB2-BD59-A6C34878D82A}">
+                    <a16:rowId xmlns:a16="http://schemas.microsoft.com/office/drawing/2014/main" val="279688544"/>
+                  </a:ext>
+                </a:extLst>
+              </a:tr>
+              <a:tr h="370840">
+                <a:tc>
+                  <a:txBody>
+                    <a:bodyPr/>
+                    <a:lstStyle/>
+                    <a:p>
+                      <a:r>
+                        <a:rPr lang="ru-RU" dirty="0"/>
+                        <a:t>Поддержка </a:t>
+                      </a:r>
+                      <a:r>
+                        <a:rPr lang="en-GB" dirty="0"/>
+                        <a:t>3D</a:t>
+                      </a:r>
+                    </a:p>
+                  </a:txBody>
+                  <a:tcPr/>
+                </a:tc>
+                <a:tc>
+                  <a:txBody>
+                    <a:bodyPr/>
+                    <a:lstStyle/>
+                    <a:p>
+                      <a:r>
+                        <a:rPr lang="ru-RU" dirty="0"/>
+                        <a:t>Есть</a:t>
+                      </a:r>
+                      <a:endParaRPr lang="en-GB" dirty="0"/>
+                    </a:p>
+                  </a:txBody>
+                  <a:tcPr/>
+                </a:tc>
+                <a:tc>
+                  <a:txBody>
+                    <a:bodyPr/>
+                    <a:lstStyle/>
+                    <a:p>
+                      <a:r>
+                        <a:rPr lang="ru-RU" dirty="0"/>
+                        <a:t>Есть</a:t>
+                      </a:r>
+                      <a:endParaRPr lang="en-GB" dirty="0"/>
+                    </a:p>
+                  </a:txBody>
+                  <a:tcPr/>
+                </a:tc>
+                <a:extLst>
+                  <a:ext uri="{0D108BD9-81ED-4DB2-BD59-A6C34878D82A}">
+                    <a16:rowId xmlns:a16="http://schemas.microsoft.com/office/drawing/2014/main" val="341784219"/>
+                  </a:ext>
+                </a:extLst>
+              </a:tr>
+              <a:tr h="370840">
+                <a:tc>
+                  <a:txBody>
+                    <a:bodyPr/>
+                    <a:lstStyle/>
+                    <a:p>
+                      <a:r>
+                        <a:rPr lang="ru-RU" dirty="0"/>
+                        <a:t>Удобство работы</a:t>
+                      </a:r>
+                      <a:endParaRPr lang="en-GB" dirty="0"/>
+                    </a:p>
+                  </a:txBody>
+                  <a:tcPr/>
+                </a:tc>
+                <a:tc>
+                  <a:txBody>
+                    <a:bodyPr/>
+                    <a:lstStyle/>
+                    <a:p>
+                      <a:r>
+                        <a:rPr lang="ru-RU" dirty="0"/>
+                        <a:t>Отличное</a:t>
+                      </a:r>
+                      <a:endParaRPr lang="en-GB" dirty="0"/>
+                    </a:p>
+                  </a:txBody>
+                  <a:tcPr/>
+                </a:tc>
+                <a:tc>
+                  <a:txBody>
+                    <a:bodyPr/>
+                    <a:lstStyle/>
+                    <a:p>
+                      <a:r>
+                        <a:rPr lang="ru-RU" dirty="0">
+                          <a:solidFill>
+                            <a:srgbClr val="FF0000"/>
+                          </a:solidFill>
+                        </a:rPr>
+                        <a:t>Хорошее</a:t>
+                      </a:r>
+                      <a:endParaRPr lang="en-GB" dirty="0">
+                        <a:solidFill>
+                          <a:srgbClr val="FF0000"/>
+                        </a:solidFill>
+                      </a:endParaRPr>
+                    </a:p>
+                  </a:txBody>
+                  <a:tcPr/>
+                </a:tc>
+                <a:extLst>
+                  <a:ext uri="{0D108BD9-81ED-4DB2-BD59-A6C34878D82A}">
+                    <a16:rowId xmlns:a16="http://schemas.microsoft.com/office/drawing/2014/main" val="1123421226"/>
+                  </a:ext>
+                </a:extLst>
+              </a:tr>
+              <a:tr h="370840">
+                <a:tc>
+                  <a:txBody>
+                    <a:bodyPr/>
+                    <a:lstStyle/>
+                    <a:p>
+                      <a:r>
+                        <a:rPr lang="ru-RU" dirty="0"/>
+                        <a:t>Визуальное программирование</a:t>
+                      </a:r>
+                      <a:endParaRPr lang="en-GB" dirty="0"/>
+                    </a:p>
+                  </a:txBody>
+                  <a:tcPr/>
+                </a:tc>
+                <a:tc>
+                  <a:txBody>
+                    <a:bodyPr/>
+                    <a:lstStyle/>
+                    <a:p>
+                      <a:r>
+                        <a:rPr lang="ru-RU" dirty="0">
+                          <a:solidFill>
+                            <a:srgbClr val="FF0000"/>
+                          </a:solidFill>
+                        </a:rPr>
+                        <a:t>Нет</a:t>
+                      </a:r>
+                      <a:endParaRPr lang="en-GB" dirty="0">
+                        <a:solidFill>
+                          <a:srgbClr val="FF0000"/>
+                        </a:solidFill>
+                      </a:endParaRPr>
+                    </a:p>
+                  </a:txBody>
+                  <a:tcPr/>
+                </a:tc>
+                <a:tc>
+                  <a:txBody>
+                    <a:bodyPr/>
+                    <a:lstStyle/>
+                    <a:p>
+                      <a:r>
+                        <a:rPr lang="ru-RU" dirty="0"/>
+                        <a:t>Есть</a:t>
+                      </a:r>
+                      <a:endParaRPr lang="en-GB" dirty="0"/>
+                    </a:p>
+                  </a:txBody>
+                  <a:tcPr/>
+                </a:tc>
+                <a:extLst>
+                  <a:ext uri="{0D108BD9-81ED-4DB2-BD59-A6C34878D82A}">
+                    <a16:rowId xmlns:a16="http://schemas.microsoft.com/office/drawing/2014/main" val="1939012806"/>
+                  </a:ext>
+                </a:extLst>
+              </a:tr>
+              <a:tr h="370840">
+                <a:tc>
+                  <a:txBody>
+                    <a:bodyPr/>
+                    <a:lstStyle/>
+                    <a:p>
+                      <a:r>
+                        <a:rPr lang="ru-RU" dirty="0"/>
+                        <a:t>Нагрузка движка на компьютер</a:t>
+                      </a:r>
+                      <a:endParaRPr lang="en-GB" dirty="0"/>
+                    </a:p>
+                  </a:txBody>
+                  <a:tcPr/>
+                </a:tc>
+                <a:tc>
+                  <a:txBody>
+                    <a:bodyPr/>
+                    <a:lstStyle/>
+                    <a:p>
+                      <a:r>
+                        <a:rPr lang="ru-RU" dirty="0">
+                          <a:solidFill>
+                            <a:schemeClr val="tx1"/>
+                          </a:solidFill>
+                        </a:rPr>
+                        <a:t>Нормальная</a:t>
+                      </a:r>
+                      <a:endParaRPr lang="en-GB" dirty="0">
+                        <a:solidFill>
+                          <a:schemeClr val="tx1"/>
+                        </a:solidFill>
+                      </a:endParaRPr>
+                    </a:p>
+                  </a:txBody>
+                  <a:tcPr/>
+                </a:tc>
+                <a:tc>
+                  <a:txBody>
+                    <a:bodyPr/>
+                    <a:lstStyle/>
+                    <a:p>
+                      <a:r>
+                        <a:rPr lang="ru-RU" dirty="0">
+                          <a:solidFill>
+                            <a:srgbClr val="FF0000"/>
+                          </a:solidFill>
+                        </a:rPr>
+                        <a:t>Высокая</a:t>
+                      </a:r>
+                      <a:endParaRPr lang="en-GB" dirty="0">
+                        <a:solidFill>
+                          <a:srgbClr val="FF0000"/>
+                        </a:solidFill>
+                      </a:endParaRPr>
+                    </a:p>
+                  </a:txBody>
+                  <a:tcPr/>
+                </a:tc>
+                <a:extLst>
+                  <a:ext uri="{0D108BD9-81ED-4DB2-BD59-A6C34878D82A}">
+                    <a16:rowId xmlns:a16="http://schemas.microsoft.com/office/drawing/2014/main" val="1188889912"/>
+                  </a:ext>
+                </a:extLst>
+              </a:tr>
+            </a:tbl>
+          </a:graphicData>
+        </a:graphic>
+      </p:graphicFrame>
+      <p:sp>
+        <p:nvSpPr>
+          <p:cNvPr id="4" name="Номер слайда 3"/>
+          <p:cNvSpPr>
+            <a:spLocks noGrp="1"/>
+          </p:cNvSpPr>
+          <p:nvPr>
+            <p:ph type="sldNum" sz="quarter" idx="12"/>
+          </p:nvPr>
+        </p:nvSpPr>
+        <p:spPr/>
+        <p:txBody>
+          <a:bodyPr/>
+          <a:lstStyle/>
+          <a:p>
+            <a:fld id="{0E98351F-33E5-4A3B-A99F-441E7915B955}" type="slidenum">
+              <a:rPr lang="ru-RU" smtClean="0"/>
+              <a:pPr/>
+              <a:t>11</a:t>
+            </a:fld>
+            <a:endParaRPr lang="ru-RU"/>
+          </a:p>
+        </p:txBody>
+      </p:sp>
+      <p:sp>
+        <p:nvSpPr>
+          <p:cNvPr id="5" name="Прямоугольник 4">
+            <a:extLst>
+              <a:ext uri="{FF2B5EF4-FFF2-40B4-BE49-F238E27FC236}">
+                <a16:creationId xmlns:a16="http://schemas.microsoft.com/office/drawing/2014/main" id="{830B413A-E1BC-4778-BC68-19D4F94E91AB}"/>
+              </a:ext>
+            </a:extLst>
+          </p:cNvPr>
+          <p:cNvSpPr/>
+          <p:nvPr/>
+        </p:nvSpPr>
+        <p:spPr>
+          <a:xfrm>
+            <a:off x="1789007" y="1498268"/>
+            <a:ext cx="5843674" cy="369332"/>
+          </a:xfrm>
+          <a:prstGeom prst="rect">
+            <a:avLst/>
+          </a:prstGeom>
+        </p:spPr>
+        <p:txBody>
+          <a:bodyPr wrap="square">
+            <a:spAutoFit/>
+          </a:bodyPr>
+          <a:lstStyle/>
+          <a:p>
+            <a:pPr algn="ctr"/>
+            <a:r>
+              <a:rPr lang="ru-RU" dirty="0">
+                <a:latin typeface="Times New Roman" panose="02020603050405020304" pitchFamily="18" charset="0"/>
+              </a:rPr>
+              <a:t>Клиентская часть</a:t>
+            </a:r>
+            <a:endParaRPr lang="ru-RU" dirty="0"/>
+          </a:p>
+        </p:txBody>
+      </p:sp>
+    </p:spTree>
+    <p:extLst>
+      <p:ext uri="{BB962C8B-B14F-4D97-AF65-F5344CB8AC3E}">
+        <p14:creationId xmlns:p14="http://schemas.microsoft.com/office/powerpoint/2010/main" val="2545161560"/>
+      </p:ext>
+    </p:extLst>
+  </p:cSld>
+  <p:clrMapOvr>
+    <a:masterClrMapping/>
+  </p:clrMapOvr>
+</p:sld>
+</file>
+
+<file path=ppt/slides/slide12.xml><?xml version="1.0" encoding="utf-8"?>
 <p:sld xmlns:a="http://schemas.openxmlformats.org/drawingml/2006/main" xmlns:r="http://schemas.openxmlformats.org/officeDocument/2006/relationships" xmlns:p="http://schemas.openxmlformats.org/presentationml/2006/main">
   <p:cSld>
     <p:spTree>
@@ -5990,7 +6902,7 @@
             <a:fld id="{0E98351F-33E5-4A3B-A99F-441E7915B955}" type="slidenum">
               <a:rPr lang="ru-RU" smtClean="0"/>
               <a:pPr/>
-              <a:t>10</a:t>
+              <a:t>12</a:t>
             </a:fld>
             <a:endParaRPr lang="ru-RU"/>
           </a:p>
@@ -6047,7 +6959,7 @@
 </p:sld>
 </file>
 
-<file path=ppt/slides/slide11.xml><?xml version="1.0" encoding="utf-8"?>
+<file path=ppt/slides/slide13.xml><?xml version="1.0" encoding="utf-8"?>
 <p:sld xmlns:a="http://schemas.openxmlformats.org/drawingml/2006/main" xmlns:r="http://schemas.openxmlformats.org/officeDocument/2006/relationships" xmlns:p="http://schemas.openxmlformats.org/presentationml/2006/main">
   <p:cSld>
     <p:spTree>
@@ -6527,36 +7439,6 @@
           <a:chExt cx="0" cy="0"/>
         </a:xfrm>
       </p:grpSpPr>
-      <p:pic>
-        <p:nvPicPr>
-          <p:cNvPr id="5" name="Рисунок 4">
-            <a:extLst>
-              <a:ext uri="{FF2B5EF4-FFF2-40B4-BE49-F238E27FC236}">
-                <a16:creationId xmlns:a16="http://schemas.microsoft.com/office/drawing/2014/main" id="{1C04DC3B-71E8-4857-815D-06DA23C0ED72}"/>
-              </a:ext>
-            </a:extLst>
-          </p:cNvPr>
-          <p:cNvPicPr>
-            <a:picLocks noChangeAspect="1"/>
-          </p:cNvPicPr>
-          <p:nvPr/>
-        </p:nvPicPr>
-        <p:blipFill>
-          <a:blip r:embed="rId3"/>
-          <a:stretch>
-            <a:fillRect/>
-          </a:stretch>
-        </p:blipFill>
-        <p:spPr>
-          <a:xfrm>
-            <a:off x="2265749" y="1539450"/>
-            <a:ext cx="4890188" cy="4537082"/>
-          </a:xfrm>
-          <a:prstGeom prst="rect">
-            <a:avLst/>
-          </a:prstGeom>
-        </p:spPr>
-      </p:pic>
       <p:sp>
         <p:nvSpPr>
           <p:cNvPr id="2" name="Заголовок 1"/>
@@ -6642,6 +7524,53 @@
           </a:p>
         </p:txBody>
       </p:sp>
+      <p:pic>
+        <p:nvPicPr>
+          <p:cNvPr id="7" name="Picture 2">
+            <a:extLst>
+              <a:ext uri="{FF2B5EF4-FFF2-40B4-BE49-F238E27FC236}">
+                <a16:creationId xmlns:a16="http://schemas.microsoft.com/office/drawing/2014/main" id="{27B3DD6E-FCA4-4ACF-8109-47605A6EE923}"/>
+              </a:ext>
+            </a:extLst>
+          </p:cNvPr>
+          <p:cNvPicPr>
+            <a:picLocks noChangeAspect="1" noChangeArrowheads="1"/>
+          </p:cNvPicPr>
+          <p:nvPr/>
+        </p:nvPicPr>
+        <p:blipFill>
+          <a:blip r:embed="rId3" cstate="print">
+            <a:extLst>
+              <a:ext uri="{28A0092B-C50C-407E-A947-70E740481C1C}">
+                <a14:useLocalDpi xmlns:a14="http://schemas.microsoft.com/office/drawing/2010/main" val="0"/>
+              </a:ext>
+            </a:extLst>
+          </a:blip>
+          <a:srcRect/>
+          <a:stretch>
+            <a:fillRect/>
+          </a:stretch>
+        </p:blipFill>
+        <p:spPr bwMode="auto">
+          <a:xfrm>
+            <a:off x="732655" y="1570950"/>
+            <a:ext cx="7956376" cy="4474081"/>
+          </a:xfrm>
+          <a:prstGeom prst="rect">
+            <a:avLst/>
+          </a:prstGeom>
+          <a:noFill/>
+          <a:extLst>
+            <a:ext uri="{909E8E84-426E-40DD-AFC4-6F175D3DCCD1}">
+              <a14:hiddenFill xmlns:a14="http://schemas.microsoft.com/office/drawing/2010/main">
+                <a:solidFill>
+                  <a:srgbClr val="FFFFFF"/>
+                </a:solidFill>
+              </a14:hiddenFill>
+            </a:ext>
+          </a:extLst>
+        </p:spPr>
+      </p:pic>
     </p:spTree>
     <p:extLst>
       <p:ext uri="{BB962C8B-B14F-4D97-AF65-F5344CB8AC3E}">
@@ -7038,7 +7967,7 @@
           <a:p>
             <a:r>
               <a:rPr lang="ru-RU" dirty="0"/>
-              <a:t>Игровое приложение, суть которого - добыча ресурсов игроком и сражение с противником добытыми ресурсами.</a:t>
+              <a:t>Игровое приложение, суть которого - добыча ресурсов игроком сражаясь с противниками-ботами и поединок с оппонентом добытыми ресурсами.</a:t>
             </a:r>
           </a:p>
         </p:txBody>
@@ -7232,28 +8161,6 @@
       </p:sp>
       <p:sp>
         <p:nvSpPr>
-          <p:cNvPr id="9" name="Объект 8"/>
-          <p:cNvSpPr>
-            <a:spLocks noGrp="1"/>
-          </p:cNvSpPr>
-          <p:nvPr>
-            <p:ph idx="1"/>
-          </p:nvPr>
-        </p:nvSpPr>
-        <p:spPr/>
-        <p:txBody>
-          <a:bodyPr/>
-          <a:lstStyle/>
-          <a:p>
-            <a:r>
-              <a:rPr lang="ru-RU" dirty="0"/>
-              <a:t>В начале игры игрок и его оппонент будете перенесены на локацию, где за ограниченное время необходимо добывать различные предметы для поединка между собой. По истечении времени игроки будут перенесены на локацию, где пройдет сражение. Побеждает игрок, убивший соперника.</a:t>
-            </a:r>
-          </a:p>
-        </p:txBody>
-      </p:sp>
-      <p:sp>
-        <p:nvSpPr>
           <p:cNvPr id="4" name="Номер слайда 3"/>
           <p:cNvSpPr>
             <a:spLocks noGrp="1"/>
@@ -7276,6 +8183,34 @@
           </a:p>
         </p:txBody>
       </p:sp>
+      <p:pic>
+        <p:nvPicPr>
+          <p:cNvPr id="8" name="Рисунок 7">
+            <a:extLst>
+              <a:ext uri="{FF2B5EF4-FFF2-40B4-BE49-F238E27FC236}">
+                <a16:creationId xmlns:a16="http://schemas.microsoft.com/office/drawing/2014/main" id="{55995F70-B125-4105-A445-293D8A01CDD5}"/>
+              </a:ext>
+            </a:extLst>
+          </p:cNvPr>
+          <p:cNvPicPr/>
+          <p:nvPr/>
+        </p:nvPicPr>
+        <p:blipFill>
+          <a:blip r:embed="rId2"/>
+          <a:stretch>
+            <a:fillRect/>
+          </a:stretch>
+        </p:blipFill>
+        <p:spPr>
+          <a:xfrm>
+            <a:off x="732656" y="1412970"/>
+            <a:ext cx="7956376" cy="4032060"/>
+          </a:xfrm>
+          <a:prstGeom prst="rect">
+            <a:avLst/>
+          </a:prstGeom>
+        </p:spPr>
+      </p:pic>
     </p:spTree>
     <p:extLst>
       <p:ext uri="{BB962C8B-B14F-4D97-AF65-F5344CB8AC3E}">
@@ -7306,37 +8241,15 @@
           <a:chExt cx="0" cy="0"/>
         </a:xfrm>
       </p:grpSpPr>
-      <p:graphicFrame>
-        <p:nvGraphicFramePr>
-          <p:cNvPr id="12" name="Диаграмма 11">
+      <p:sp>
+        <p:nvSpPr>
+          <p:cNvPr id="2" name="Заголовок 1">
             <a:extLst>
               <a:ext uri="{FF2B5EF4-FFF2-40B4-BE49-F238E27FC236}">
-                <a16:creationId xmlns:a16="http://schemas.microsoft.com/office/drawing/2014/main" id="{604308E0-2662-4495-82D9-EA2F7C6F43B5}"/>
+                <a16:creationId xmlns:a16="http://schemas.microsoft.com/office/drawing/2014/main" id="{714BB66A-D39F-4110-A5EA-76756EEAA499}"/>
               </a:ext>
             </a:extLst>
           </p:cNvPr>
-          <p:cNvGraphicFramePr/>
-          <p:nvPr>
-            <p:extLst>
-              <p:ext uri="{D42A27DB-BD31-4B8C-83A1-F6EECF244321}">
-                <p14:modId xmlns:p14="http://schemas.microsoft.com/office/powerpoint/2010/main" val="4142342982"/>
-              </p:ext>
-            </p:extLst>
-          </p:nvPr>
-        </p:nvGraphicFramePr>
-        <p:xfrm>
-          <a:off x="1454287" y="1703444"/>
-          <a:ext cx="6955944" cy="4656022"/>
-        </p:xfrm>
-        <a:graphic>
-          <a:graphicData uri="http://schemas.openxmlformats.org/drawingml/2006/chart">
-            <c:chart xmlns:c="http://schemas.openxmlformats.org/drawingml/2006/chart" xmlns:r="http://schemas.openxmlformats.org/officeDocument/2006/relationships" r:id="rId2"/>
-          </a:graphicData>
-        </a:graphic>
-      </p:graphicFrame>
-      <p:sp>
-        <p:nvSpPr>
-          <p:cNvPr id="2" name="Заголовок 1"/>
           <p:cNvSpPr>
             <a:spLocks noGrp="1"/>
           </p:cNvSpPr>
@@ -7346,21 +8259,26 @@
         </p:nvSpPr>
         <p:spPr/>
         <p:txBody>
-          <a:bodyPr>
-            <a:normAutofit/>
-          </a:bodyPr>
+          <a:bodyPr/>
           <a:lstStyle/>
           <a:p>
             <a:r>
               <a:rPr lang="ru-RU" dirty="0"/>
-              <a:t>Инструменты для разработки</a:t>
-            </a:r>
-          </a:p>
-        </p:txBody>
-      </p:sp>
-      <p:sp>
-        <p:nvSpPr>
-          <p:cNvPr id="4" name="Номер слайда 3"/>
+              <a:t>Игровой интерфейс</a:t>
+            </a:r>
+            <a:endParaRPr lang="en-GB" dirty="0"/>
+          </a:p>
+        </p:txBody>
+      </p:sp>
+      <p:sp>
+        <p:nvSpPr>
+          <p:cNvPr id="4" name="Номер слайда 3">
+            <a:extLst>
+              <a:ext uri="{FF2B5EF4-FFF2-40B4-BE49-F238E27FC236}">
+                <a16:creationId xmlns:a16="http://schemas.microsoft.com/office/drawing/2014/main" id="{D58B2765-C40A-42F9-9D3E-8B6947CFC2AE}"/>
+              </a:ext>
+            </a:extLst>
+          </p:cNvPr>
           <p:cNvSpPr>
             <a:spLocks noGrp="1"/>
           </p:cNvSpPr>
@@ -7384,197 +8302,38 @@
       </p:sp>
       <p:pic>
         <p:nvPicPr>
-          <p:cNvPr id="1032" name="Picture 8">
+          <p:cNvPr id="13" name="Рисунок 12">
             <a:extLst>
               <a:ext uri="{FF2B5EF4-FFF2-40B4-BE49-F238E27FC236}">
-                <a16:creationId xmlns:a16="http://schemas.microsoft.com/office/drawing/2014/main" id="{DEF59D09-DDA0-443A-826E-36E8080CF6F5}"/>
+                <a16:creationId xmlns:a16="http://schemas.microsoft.com/office/drawing/2014/main" id="{9903223B-15FE-4F32-931D-FCEE7A2CE768}"/>
               </a:ext>
             </a:extLst>
           </p:cNvPr>
           <p:cNvPicPr>
-            <a:picLocks noChangeAspect="1" noChangeArrowheads="1"/>
+            <a:picLocks noChangeAspect="1"/>
           </p:cNvPicPr>
           <p:nvPr/>
         </p:nvPicPr>
         <p:blipFill>
-          <a:blip r:embed="rId3" cstate="print">
-            <a:biLevel thresh="75000"/>
-            <a:extLst>
-              <a:ext uri="{28A0092B-C50C-407E-A947-70E740481C1C}">
-                <a14:useLocalDpi xmlns:a14="http://schemas.microsoft.com/office/drawing/2010/main" val="0"/>
-              </a:ext>
-            </a:extLst>
-          </a:blip>
-          <a:srcRect/>
+          <a:blip r:embed="rId2"/>
           <a:stretch>
             <a:fillRect/>
           </a:stretch>
         </p:blipFill>
-        <p:spPr bwMode="auto">
+        <p:spPr>
           <a:xfrm>
-            <a:off x="2590696" y="2252500"/>
-            <a:ext cx="2032143" cy="2032143"/>
+            <a:off x="732656" y="1412970"/>
+            <a:ext cx="7956376" cy="4032060"/>
           </a:xfrm>
           <a:prstGeom prst="rect">
             <a:avLst/>
           </a:prstGeom>
-          <a:noFill/>
-          <a:extLst>
-            <a:ext uri="{909E8E84-426E-40DD-AFC4-6F175D3DCCD1}">
-              <a14:hiddenFill xmlns:a14="http://schemas.microsoft.com/office/drawing/2010/main">
-                <a:solidFill>
-                  <a:srgbClr val="FFFFFF"/>
-                </a:solidFill>
-              </a14:hiddenFill>
-            </a:ext>
-          </a:extLst>
-        </p:spPr>
-      </p:pic>
-      <p:pic>
-        <p:nvPicPr>
-          <p:cNvPr id="1034" name="Picture 10">
-            <a:extLst>
-              <a:ext uri="{FF2B5EF4-FFF2-40B4-BE49-F238E27FC236}">
-                <a16:creationId xmlns:a16="http://schemas.microsoft.com/office/drawing/2014/main" id="{17292EE5-7033-4851-9103-5286A69DB1CC}"/>
-              </a:ext>
-            </a:extLst>
-          </p:cNvPr>
-          <p:cNvPicPr>
-            <a:picLocks noChangeAspect="1" noChangeArrowheads="1"/>
-          </p:cNvPicPr>
-          <p:nvPr/>
-        </p:nvPicPr>
-        <p:blipFill>
-          <a:blip r:embed="rId4" cstate="print">
-            <a:biLevel thresh="75000"/>
-            <a:extLst>
-              <a:ext uri="{28A0092B-C50C-407E-A947-70E740481C1C}">
-                <a14:useLocalDpi xmlns:a14="http://schemas.microsoft.com/office/drawing/2010/main" val="0"/>
-              </a:ext>
-            </a:extLst>
-          </a:blip>
-          <a:srcRect/>
-          <a:stretch>
-            <a:fillRect/>
-          </a:stretch>
-        </p:blipFill>
-        <p:spPr bwMode="auto">
-          <a:xfrm>
-            <a:off x="5631395" y="1528436"/>
-            <a:ext cx="1518943" cy="2785159"/>
-          </a:xfrm>
-          <a:prstGeom prst="rect">
-            <a:avLst/>
-          </a:prstGeom>
-          <a:noFill/>
-          <a:extLst>
-            <a:ext uri="{909E8E84-426E-40DD-AFC4-6F175D3DCCD1}">
-              <a14:hiddenFill xmlns:a14="http://schemas.microsoft.com/office/drawing/2010/main">
-                <a:solidFill>
-                  <a:srgbClr val="FFFFFF"/>
-                </a:solidFill>
-              </a14:hiddenFill>
-            </a:ext>
-          </a:extLst>
-        </p:spPr>
-      </p:pic>
-      <p:sp>
-        <p:nvSpPr>
-          <p:cNvPr id="13" name="AutoShape 12">
-            <a:extLst>
-              <a:ext uri="{FF2B5EF4-FFF2-40B4-BE49-F238E27FC236}">
-                <a16:creationId xmlns:a16="http://schemas.microsoft.com/office/drawing/2014/main" id="{2603E3A5-B180-4A47-8322-AC6ACB1AFDEE}"/>
-              </a:ext>
-            </a:extLst>
-          </p:cNvPr>
-          <p:cNvSpPr>
-            <a:spLocks noChangeAspect="1" noChangeArrowheads="1"/>
-          </p:cNvSpPr>
-          <p:nvPr/>
-        </p:nvSpPr>
-        <p:spPr bwMode="auto">
-          <a:xfrm>
-            <a:off x="4419600" y="3276600"/>
-            <a:ext cx="304800" cy="304800"/>
-          </a:xfrm>
-          <a:prstGeom prst="rect">
-            <a:avLst/>
-          </a:prstGeom>
-          <a:noFill/>
-          <a:extLst>
-            <a:ext uri="{909E8E84-426E-40DD-AFC4-6F175D3DCCD1}">
-              <a14:hiddenFill xmlns:a14="http://schemas.microsoft.com/office/drawing/2010/main">
-                <a:solidFill>
-                  <a:srgbClr val="FFFFFF"/>
-                </a:solidFill>
-              </a14:hiddenFill>
-            </a:ext>
-          </a:extLst>
-        </p:spPr>
-        <p:txBody>
-          <a:bodyPr vert="horz" wrap="square" lIns="91440" tIns="45720" rIns="91440" bIns="45720" numCol="1" anchor="t" anchorCtr="0" compatLnSpc="1">
-            <a:prstTxWarp prst="textNoShape">
-              <a:avLst/>
-            </a:prstTxWarp>
-          </a:bodyPr>
-          <a:lstStyle/>
-          <a:p>
-            <a:endParaRPr lang="en-GB"/>
-          </a:p>
-        </p:txBody>
-      </p:sp>
-      <p:pic>
-        <p:nvPicPr>
-          <p:cNvPr id="1040" name="Picture 16">
-            <a:extLst>
-              <a:ext uri="{FF2B5EF4-FFF2-40B4-BE49-F238E27FC236}">
-                <a16:creationId xmlns:a16="http://schemas.microsoft.com/office/drawing/2014/main" id="{73E9552D-4C37-4D22-BDC9-4E13CBBEECDD}"/>
-              </a:ext>
-            </a:extLst>
-          </p:cNvPr>
-          <p:cNvPicPr>
-            <a:picLocks noChangeAspect="1" noChangeArrowheads="1"/>
-          </p:cNvPicPr>
-          <p:nvPr/>
-        </p:nvPicPr>
-        <p:blipFill>
-          <a:blip r:embed="rId5" cstate="print">
-            <a:biLevel thresh="75000"/>
-            <a:extLst>
-              <a:ext uri="{28A0092B-C50C-407E-A947-70E740481C1C}">
-                <a14:useLocalDpi xmlns:a14="http://schemas.microsoft.com/office/drawing/2010/main" val="0"/>
-              </a:ext>
-            </a:extLst>
-          </a:blip>
-          <a:srcRect/>
-          <a:stretch>
-            <a:fillRect/>
-          </a:stretch>
-        </p:blipFill>
-        <p:spPr bwMode="auto">
-          <a:xfrm>
-            <a:off x="3923928" y="4628836"/>
-            <a:ext cx="2256237" cy="1772816"/>
-          </a:xfrm>
-          <a:prstGeom prst="rect">
-            <a:avLst/>
-          </a:prstGeom>
-          <a:noFill/>
-          <a:extLst>
-            <a:ext uri="{909E8E84-426E-40DD-AFC4-6F175D3DCCD1}">
-              <a14:hiddenFill xmlns:a14="http://schemas.microsoft.com/office/drawing/2010/main">
-                <a:solidFill>
-                  <a:srgbClr val="FFFFFF"/>
-                </a:solidFill>
-              </a14:hiddenFill>
-            </a:ext>
-          </a:extLst>
         </p:spPr>
       </p:pic>
     </p:spTree>
     <p:extLst>
       <p:ext uri="{BB962C8B-B14F-4D97-AF65-F5344CB8AC3E}">
-        <p14:creationId xmlns:p14="http://schemas.microsoft.com/office/powerpoint/2010/main" val="3207483193"/>
+        <p14:creationId xmlns:p14="http://schemas.microsoft.com/office/powerpoint/2010/main" val="3606317259"/>
       </p:ext>
     </p:extLst>
   </p:cSld>
@@ -7603,528 +8362,42 @@
       </p:grpSpPr>
       <p:sp>
         <p:nvSpPr>
-          <p:cNvPr id="2" name="Заголовок 1"/>
-          <p:cNvSpPr>
-            <a:spLocks noGrp="1"/>
-          </p:cNvSpPr>
-          <p:nvPr>
-            <p:ph type="title"/>
-          </p:nvPr>
-        </p:nvSpPr>
-        <p:spPr/>
-        <p:txBody>
-          <a:bodyPr>
-            <a:normAutofit/>
-          </a:bodyPr>
-          <a:lstStyle/>
-          <a:p>
-            <a:r>
-              <a:rPr lang="ru-RU" dirty="0"/>
-              <a:t>Инструменты для разработки</a:t>
-            </a:r>
-          </a:p>
-        </p:txBody>
-      </p:sp>
-      <p:graphicFrame>
-        <p:nvGraphicFramePr>
-          <p:cNvPr id="3" name="Таблица 4">
+          <p:cNvPr id="2" name="Заголовок 1">
             <a:extLst>
               <a:ext uri="{FF2B5EF4-FFF2-40B4-BE49-F238E27FC236}">
-                <a16:creationId xmlns:a16="http://schemas.microsoft.com/office/drawing/2014/main" id="{B8581100-94FF-4D67-A61E-1A4F30574AD8}"/>
+                <a16:creationId xmlns:a16="http://schemas.microsoft.com/office/drawing/2014/main" id="{062ED329-18BA-4A13-954C-76BC6D9EF86B}"/>
               </a:ext>
             </a:extLst>
           </p:cNvPr>
-          <p:cNvGraphicFramePr>
-            <a:graphicFrameLocks noGrp="1"/>
-          </p:cNvGraphicFramePr>
-          <p:nvPr>
-            <p:ph idx="1"/>
-            <p:extLst>
-              <p:ext uri="{D42A27DB-BD31-4B8C-83A1-F6EECF244321}">
-                <p14:modId xmlns:p14="http://schemas.microsoft.com/office/powerpoint/2010/main" val="4178678637"/>
-              </p:ext>
-            </p:extLst>
-          </p:nvPr>
-        </p:nvGraphicFramePr>
-        <p:xfrm>
-          <a:off x="179264" y="2181860"/>
-          <a:ext cx="8785224" cy="3774440"/>
-        </p:xfrm>
-        <a:graphic>
-          <a:graphicData uri="http://schemas.openxmlformats.org/drawingml/2006/table">
-            <a:tbl>
-              <a:tblPr firstRow="1" bandRow="1">
-                <a:tableStyleId>{5C22544A-7EE6-4342-B048-85BDC9FD1C3A}</a:tableStyleId>
-              </a:tblPr>
-              <a:tblGrid>
-                <a:gridCol w="2928408">
-                  <a:extLst>
-                    <a:ext uri="{9D8B030D-6E8A-4147-A177-3AD203B41FA5}">
-                      <a16:colId xmlns:a16="http://schemas.microsoft.com/office/drawing/2014/main" val="2830660959"/>
-                    </a:ext>
-                  </a:extLst>
-                </a:gridCol>
-                <a:gridCol w="2928408">
-                  <a:extLst>
-                    <a:ext uri="{9D8B030D-6E8A-4147-A177-3AD203B41FA5}">
-                      <a16:colId xmlns:a16="http://schemas.microsoft.com/office/drawing/2014/main" val="2978765592"/>
-                    </a:ext>
-                  </a:extLst>
-                </a:gridCol>
-                <a:gridCol w="2928408">
-                  <a:extLst>
-                    <a:ext uri="{9D8B030D-6E8A-4147-A177-3AD203B41FA5}">
-                      <a16:colId xmlns:a16="http://schemas.microsoft.com/office/drawing/2014/main" val="3275949338"/>
-                    </a:ext>
-                  </a:extLst>
-                </a:gridCol>
-              </a:tblGrid>
-              <a:tr h="370840">
-                <a:tc>
-                  <a:txBody>
-                    <a:bodyPr/>
-                    <a:lstStyle/>
-                    <a:p>
-                      <a:r>
-                        <a:rPr lang="ru-RU" dirty="0"/>
-                        <a:t>Характеристики</a:t>
-                      </a:r>
-                      <a:endParaRPr lang="en-GB" dirty="0"/>
-                    </a:p>
-                  </a:txBody>
-                  <a:tcPr/>
-                </a:tc>
-                <a:tc>
-                  <a:txBody>
-                    <a:bodyPr/>
-                    <a:lstStyle/>
-                    <a:p>
-                      <a:r>
-                        <a:rPr lang="en-GB" dirty="0"/>
-                        <a:t>UNITY</a:t>
-                      </a:r>
-                    </a:p>
-                  </a:txBody>
-                  <a:tcPr/>
-                </a:tc>
-                <a:tc>
-                  <a:txBody>
-                    <a:bodyPr/>
-                    <a:lstStyle/>
-                    <a:p>
-                      <a:r>
-                        <a:rPr lang="en-GB" dirty="0"/>
-                        <a:t>UNREAL ENGINE</a:t>
-                      </a:r>
-                    </a:p>
-                  </a:txBody>
-                  <a:tcPr/>
-                </a:tc>
-                <a:extLst>
-                  <a:ext uri="{0D108BD9-81ED-4DB2-BD59-A6C34878D82A}">
-                    <a16:rowId xmlns:a16="http://schemas.microsoft.com/office/drawing/2014/main" val="1499229526"/>
-                  </a:ext>
-                </a:extLst>
-              </a:tr>
-              <a:tr h="370840">
-                <a:tc>
-                  <a:txBody>
-                    <a:bodyPr/>
-                    <a:lstStyle/>
-                    <a:p>
-                      <a:r>
-                        <a:rPr lang="ru-RU" dirty="0"/>
-                        <a:t>Язык программирования</a:t>
-                      </a:r>
-                      <a:endParaRPr lang="en-GB" dirty="0"/>
-                    </a:p>
-                  </a:txBody>
-                  <a:tcPr/>
-                </a:tc>
-                <a:tc>
-                  <a:txBody>
-                    <a:bodyPr/>
-                    <a:lstStyle/>
-                    <a:p>
-                      <a:r>
-                        <a:rPr lang="en-GB" dirty="0"/>
-                        <a:t>C#</a:t>
-                      </a:r>
-                    </a:p>
-                  </a:txBody>
-                  <a:tcPr/>
-                </a:tc>
-                <a:tc>
-                  <a:txBody>
-                    <a:bodyPr/>
-                    <a:lstStyle/>
-                    <a:p>
-                      <a:r>
-                        <a:rPr lang="en-GB" dirty="0"/>
-                        <a:t>C++</a:t>
-                      </a:r>
-                    </a:p>
-                  </a:txBody>
-                  <a:tcPr/>
-                </a:tc>
-                <a:extLst>
-                  <a:ext uri="{0D108BD9-81ED-4DB2-BD59-A6C34878D82A}">
-                    <a16:rowId xmlns:a16="http://schemas.microsoft.com/office/drawing/2014/main" val="1258929155"/>
-                  </a:ext>
-                </a:extLst>
-              </a:tr>
-              <a:tr h="370840">
-                <a:tc>
-                  <a:txBody>
-                    <a:bodyPr/>
-                    <a:lstStyle/>
-                    <a:p>
-                      <a:r>
-                        <a:rPr lang="ru-RU" dirty="0"/>
-                        <a:t>Документация</a:t>
-                      </a:r>
-                      <a:endParaRPr lang="en-GB" dirty="0"/>
-                    </a:p>
-                  </a:txBody>
-                  <a:tcPr/>
-                </a:tc>
-                <a:tc>
-                  <a:txBody>
-                    <a:bodyPr/>
-                    <a:lstStyle/>
-                    <a:p>
-                      <a:r>
-                        <a:rPr lang="ru-RU" dirty="0"/>
-                        <a:t>Большая</a:t>
-                      </a:r>
-                      <a:endParaRPr lang="en-GB" dirty="0"/>
-                    </a:p>
-                  </a:txBody>
-                  <a:tcPr/>
-                </a:tc>
-                <a:tc>
-                  <a:txBody>
-                    <a:bodyPr/>
-                    <a:lstStyle/>
-                    <a:p>
-                      <a:r>
-                        <a:rPr lang="ru-RU" dirty="0">
-                          <a:solidFill>
-                            <a:srgbClr val="FF0000"/>
-                          </a:solidFill>
-                        </a:rPr>
-                        <a:t>Маленькая</a:t>
-                      </a:r>
-                      <a:endParaRPr lang="en-GB" dirty="0">
-                        <a:solidFill>
-                          <a:srgbClr val="FF0000"/>
-                        </a:solidFill>
-                      </a:endParaRPr>
-                    </a:p>
-                  </a:txBody>
-                  <a:tcPr/>
-                </a:tc>
-                <a:extLst>
-                  <a:ext uri="{0D108BD9-81ED-4DB2-BD59-A6C34878D82A}">
-                    <a16:rowId xmlns:a16="http://schemas.microsoft.com/office/drawing/2014/main" val="712108682"/>
-                  </a:ext>
-                </a:extLst>
-              </a:tr>
-              <a:tr h="370840">
-                <a:tc>
-                  <a:txBody>
-                    <a:bodyPr/>
-                    <a:lstStyle/>
-                    <a:p>
-                      <a:r>
-                        <a:rPr lang="ru-RU" dirty="0"/>
-                        <a:t>Количество разработанных игр</a:t>
-                      </a:r>
-                      <a:endParaRPr lang="en-GB" dirty="0"/>
-                    </a:p>
-                  </a:txBody>
-                  <a:tcPr/>
-                </a:tc>
-                <a:tc>
-                  <a:txBody>
-                    <a:bodyPr/>
-                    <a:lstStyle/>
-                    <a:p>
-                      <a:r>
-                        <a:rPr lang="ru-RU" dirty="0"/>
-                        <a:t>Много</a:t>
-                      </a:r>
-                      <a:endParaRPr lang="en-GB" dirty="0"/>
-                    </a:p>
-                  </a:txBody>
-                  <a:tcPr/>
-                </a:tc>
-                <a:tc>
-                  <a:txBody>
-                    <a:bodyPr/>
-                    <a:lstStyle/>
-                    <a:p>
-                      <a:r>
-                        <a:rPr lang="ru-RU" dirty="0">
-                          <a:solidFill>
-                            <a:srgbClr val="FF0000"/>
-                          </a:solidFill>
-                        </a:rPr>
-                        <a:t>Мало</a:t>
-                      </a:r>
-                      <a:endParaRPr lang="en-GB" dirty="0">
-                        <a:solidFill>
-                          <a:srgbClr val="FF0000"/>
-                        </a:solidFill>
-                      </a:endParaRPr>
-                    </a:p>
-                  </a:txBody>
-                  <a:tcPr/>
-                </a:tc>
-                <a:extLst>
-                  <a:ext uri="{0D108BD9-81ED-4DB2-BD59-A6C34878D82A}">
-                    <a16:rowId xmlns:a16="http://schemas.microsoft.com/office/drawing/2014/main" val="279688544"/>
-                  </a:ext>
-                </a:extLst>
-              </a:tr>
-              <a:tr h="370840">
-                <a:tc>
-                  <a:txBody>
-                    <a:bodyPr/>
-                    <a:lstStyle/>
-                    <a:p>
-                      <a:r>
-                        <a:rPr lang="ru-RU" dirty="0"/>
-                        <a:t>Поддержка </a:t>
-                      </a:r>
-                      <a:r>
-                        <a:rPr lang="en-GB" dirty="0"/>
-                        <a:t>3D</a:t>
-                      </a:r>
-                    </a:p>
-                  </a:txBody>
-                  <a:tcPr/>
-                </a:tc>
-                <a:tc>
-                  <a:txBody>
-                    <a:bodyPr/>
-                    <a:lstStyle/>
-                    <a:p>
-                      <a:r>
-                        <a:rPr lang="ru-RU" dirty="0"/>
-                        <a:t>Есть</a:t>
-                      </a:r>
-                      <a:endParaRPr lang="en-GB" dirty="0"/>
-                    </a:p>
-                  </a:txBody>
-                  <a:tcPr/>
-                </a:tc>
-                <a:tc>
-                  <a:txBody>
-                    <a:bodyPr/>
-                    <a:lstStyle/>
-                    <a:p>
-                      <a:r>
-                        <a:rPr lang="ru-RU" dirty="0"/>
-                        <a:t>Есть</a:t>
-                      </a:r>
-                      <a:endParaRPr lang="en-GB" dirty="0"/>
-                    </a:p>
-                  </a:txBody>
-                  <a:tcPr/>
-                </a:tc>
-                <a:extLst>
-                  <a:ext uri="{0D108BD9-81ED-4DB2-BD59-A6C34878D82A}">
-                    <a16:rowId xmlns:a16="http://schemas.microsoft.com/office/drawing/2014/main" val="341784219"/>
-                  </a:ext>
-                </a:extLst>
-              </a:tr>
-              <a:tr h="370840">
-                <a:tc>
-                  <a:txBody>
-                    <a:bodyPr/>
-                    <a:lstStyle/>
-                    <a:p>
-                      <a:r>
-                        <a:rPr lang="ru-RU" dirty="0"/>
-                        <a:t>Удобство работы</a:t>
-                      </a:r>
-                      <a:endParaRPr lang="en-GB" dirty="0"/>
-                    </a:p>
-                  </a:txBody>
-                  <a:tcPr/>
-                </a:tc>
-                <a:tc>
-                  <a:txBody>
-                    <a:bodyPr/>
-                    <a:lstStyle/>
-                    <a:p>
-                      <a:r>
-                        <a:rPr lang="ru-RU" dirty="0"/>
-                        <a:t>Отличное</a:t>
-                      </a:r>
-                      <a:endParaRPr lang="en-GB" dirty="0"/>
-                    </a:p>
-                  </a:txBody>
-                  <a:tcPr/>
-                </a:tc>
-                <a:tc>
-                  <a:txBody>
-                    <a:bodyPr/>
-                    <a:lstStyle/>
-                    <a:p>
-                      <a:r>
-                        <a:rPr lang="ru-RU" dirty="0">
-                          <a:solidFill>
-                            <a:srgbClr val="FF0000"/>
-                          </a:solidFill>
-                        </a:rPr>
-                        <a:t>Хорошее</a:t>
-                      </a:r>
-                      <a:endParaRPr lang="en-GB" dirty="0">
-                        <a:solidFill>
-                          <a:srgbClr val="FF0000"/>
-                        </a:solidFill>
-                      </a:endParaRPr>
-                    </a:p>
-                  </a:txBody>
-                  <a:tcPr/>
-                </a:tc>
-                <a:extLst>
-                  <a:ext uri="{0D108BD9-81ED-4DB2-BD59-A6C34878D82A}">
-                    <a16:rowId xmlns:a16="http://schemas.microsoft.com/office/drawing/2014/main" val="1123421226"/>
-                  </a:ext>
-                </a:extLst>
-              </a:tr>
-              <a:tr h="370840">
-                <a:tc>
-                  <a:txBody>
-                    <a:bodyPr/>
-                    <a:lstStyle/>
-                    <a:p>
-                      <a:r>
-                        <a:rPr lang="ru-RU" dirty="0"/>
-                        <a:t>Визуальное программирование</a:t>
-                      </a:r>
-                      <a:endParaRPr lang="en-GB" dirty="0"/>
-                    </a:p>
-                  </a:txBody>
-                  <a:tcPr/>
-                </a:tc>
-                <a:tc>
-                  <a:txBody>
-                    <a:bodyPr/>
-                    <a:lstStyle/>
-                    <a:p>
-                      <a:r>
-                        <a:rPr lang="ru-RU" dirty="0">
-                          <a:solidFill>
-                            <a:srgbClr val="FF0000"/>
-                          </a:solidFill>
-                        </a:rPr>
-                        <a:t>Нет</a:t>
-                      </a:r>
-                      <a:endParaRPr lang="en-GB" dirty="0">
-                        <a:solidFill>
-                          <a:srgbClr val="FF0000"/>
-                        </a:solidFill>
-                      </a:endParaRPr>
-                    </a:p>
-                  </a:txBody>
-                  <a:tcPr/>
-                </a:tc>
-                <a:tc>
-                  <a:txBody>
-                    <a:bodyPr/>
-                    <a:lstStyle/>
-                    <a:p>
-                      <a:r>
-                        <a:rPr lang="ru-RU" dirty="0"/>
-                        <a:t>Есть</a:t>
-                      </a:r>
-                      <a:endParaRPr lang="en-GB" dirty="0"/>
-                    </a:p>
-                  </a:txBody>
-                  <a:tcPr/>
-                </a:tc>
-                <a:extLst>
-                  <a:ext uri="{0D108BD9-81ED-4DB2-BD59-A6C34878D82A}">
-                    <a16:rowId xmlns:a16="http://schemas.microsoft.com/office/drawing/2014/main" val="1939012806"/>
-                  </a:ext>
-                </a:extLst>
-              </a:tr>
-              <a:tr h="370840">
-                <a:tc>
-                  <a:txBody>
-                    <a:bodyPr/>
-                    <a:lstStyle/>
-                    <a:p>
-                      <a:r>
-                        <a:rPr lang="ru-RU" dirty="0"/>
-                        <a:t>Нагрузка движка на компьютер</a:t>
-                      </a:r>
-                      <a:endParaRPr lang="en-GB" dirty="0"/>
-                    </a:p>
-                  </a:txBody>
-                  <a:tcPr/>
-                </a:tc>
-                <a:tc>
-                  <a:txBody>
-                    <a:bodyPr/>
-                    <a:lstStyle/>
-                    <a:p>
-                      <a:r>
-                        <a:rPr lang="ru-RU" dirty="0">
-                          <a:solidFill>
-                            <a:schemeClr val="tx1"/>
-                          </a:solidFill>
-                        </a:rPr>
-                        <a:t>Нормальная</a:t>
-                      </a:r>
-                      <a:endParaRPr lang="en-GB" dirty="0">
-                        <a:solidFill>
-                          <a:schemeClr val="tx1"/>
-                        </a:solidFill>
-                      </a:endParaRPr>
-                    </a:p>
-                  </a:txBody>
-                  <a:tcPr/>
-                </a:tc>
-                <a:tc>
-                  <a:txBody>
-                    <a:bodyPr/>
-                    <a:lstStyle/>
-                    <a:p>
-                      <a:r>
-                        <a:rPr lang="ru-RU" dirty="0">
-                          <a:solidFill>
-                            <a:srgbClr val="FF0000"/>
-                          </a:solidFill>
-                        </a:rPr>
-                        <a:t>Высокая</a:t>
-                      </a:r>
-                      <a:endParaRPr lang="en-GB" dirty="0">
-                        <a:solidFill>
-                          <a:srgbClr val="FF0000"/>
-                        </a:solidFill>
-                      </a:endParaRPr>
-                    </a:p>
-                  </a:txBody>
-                  <a:tcPr/>
-                </a:tc>
-                <a:extLst>
-                  <a:ext uri="{0D108BD9-81ED-4DB2-BD59-A6C34878D82A}">
-                    <a16:rowId xmlns:a16="http://schemas.microsoft.com/office/drawing/2014/main" val="1188889912"/>
-                  </a:ext>
-                </a:extLst>
-              </a:tr>
-            </a:tbl>
-          </a:graphicData>
-        </a:graphic>
-      </p:graphicFrame>
-      <p:sp>
-        <p:nvSpPr>
-          <p:cNvPr id="4" name="Номер слайда 3"/>
+          <p:cNvSpPr>
+            <a:spLocks noGrp="1"/>
+          </p:cNvSpPr>
+          <p:nvPr>
+            <p:ph type="title"/>
+          </p:nvPr>
+        </p:nvSpPr>
+        <p:spPr/>
+        <p:txBody>
+          <a:bodyPr/>
+          <a:lstStyle/>
+          <a:p>
+            <a:r>
+              <a:rPr lang="ru-RU" dirty="0"/>
+              <a:t>Игровой интерфейс</a:t>
+            </a:r>
+            <a:endParaRPr lang="en-GB" dirty="0"/>
+          </a:p>
+        </p:txBody>
+      </p:sp>
+      <p:sp>
+        <p:nvSpPr>
+          <p:cNvPr id="4" name="Номер слайда 3">
+            <a:extLst>
+              <a:ext uri="{FF2B5EF4-FFF2-40B4-BE49-F238E27FC236}">
+                <a16:creationId xmlns:a16="http://schemas.microsoft.com/office/drawing/2014/main" id="{9B836162-437F-402B-A023-A765C325A58C}"/>
+              </a:ext>
+            </a:extLst>
+          </p:cNvPr>
           <p:cNvSpPr>
             <a:spLocks noGrp="1"/>
           </p:cNvSpPr>
@@ -8146,48 +8419,40 @@
           </a:p>
         </p:txBody>
       </p:sp>
-      <p:sp>
-        <p:nvSpPr>
-          <p:cNvPr id="5" name="Прямоугольник 4">
+      <p:pic>
+        <p:nvPicPr>
+          <p:cNvPr id="13" name="Рисунок 12">
             <a:extLst>
               <a:ext uri="{FF2B5EF4-FFF2-40B4-BE49-F238E27FC236}">
-                <a16:creationId xmlns:a16="http://schemas.microsoft.com/office/drawing/2014/main" id="{830B413A-E1BC-4778-BC68-19D4F94E91AB}"/>
+                <a16:creationId xmlns:a16="http://schemas.microsoft.com/office/drawing/2014/main" id="{BB710391-44FC-493B-982A-E3A03CF49B58}"/>
               </a:ext>
             </a:extLst>
           </p:cNvPr>
-          <p:cNvSpPr/>
+          <p:cNvPicPr>
+            <a:picLocks noChangeAspect="1"/>
+          </p:cNvPicPr>
           <p:nvPr/>
-        </p:nvSpPr>
+        </p:nvPicPr>
+        <p:blipFill>
+          <a:blip r:embed="rId2"/>
+          <a:stretch>
+            <a:fillRect/>
+          </a:stretch>
+        </p:blipFill>
         <p:spPr>
           <a:xfrm>
-            <a:off x="1789007" y="1498268"/>
-            <a:ext cx="5843674" cy="369332"/>
+            <a:off x="593811" y="1396394"/>
+            <a:ext cx="7956377" cy="4065211"/>
           </a:xfrm>
           <a:prstGeom prst="rect">
             <a:avLst/>
           </a:prstGeom>
         </p:spPr>
-        <p:txBody>
-          <a:bodyPr wrap="square">
-            <a:spAutoFit/>
-          </a:bodyPr>
-          <a:lstStyle/>
-          <a:p>
-            <a:pPr algn="ctr"/>
-            <a:r>
-              <a:rPr lang="ru-RU" dirty="0">
-                <a:latin typeface="Times New Roman" panose="02020603050405020304" pitchFamily="18" charset="0"/>
-              </a:rPr>
-              <a:t>Клиентская часть</a:t>
-            </a:r>
-            <a:endParaRPr lang="ru-RU" dirty="0"/>
-          </a:p>
-        </p:txBody>
-      </p:sp>
+      </p:pic>
     </p:spTree>
     <p:extLst>
       <p:ext uri="{BB962C8B-B14F-4D97-AF65-F5344CB8AC3E}">
-        <p14:creationId xmlns:p14="http://schemas.microsoft.com/office/powerpoint/2010/main" val="2545161560"/>
+        <p14:creationId xmlns:p14="http://schemas.microsoft.com/office/powerpoint/2010/main" val="3777162305"/>
       </p:ext>
     </p:extLst>
   </p:cSld>
@@ -9034,68 +9299,6 @@
 </file>
 
 <file path=customXml/item2.xml><?xml version="1.0" encoding="utf-8"?>
-<p:properties xmlns:p="http://schemas.microsoft.com/office/2006/metadata/properties" xmlns:xsi="http://www.w3.org/2001/XMLSchema-instance" xmlns:pc="http://schemas.microsoft.com/office/infopath/2007/PartnerControls">
-  <documentManagement>
-    <_dlc_DocId xmlns="df41ab4a-b7e2-4865-b9a3-291840acfe6f">7VF5KMQTPTXY-6-2</_dlc_DocId>
-    <_dlc_DocIdUrl xmlns="df41ab4a-b7e2-4865-b9a3-291840acfe6f">
-      <Url>https://portal.petrocollege.ru/_layouts/15/DocIdRedir.aspx?ID=7VF5KMQTPTXY-6-2</Url>
-      <Description>7VF5KMQTPTXY-6-2</Description>
-    </_dlc_DocIdUrl>
-  </documentManagement>
-</p:properties>
-</file>
-
-<file path=customXml/item3.xml><?xml version="1.0" encoding="utf-8"?>
-<?mso-contentType ?>
-<spe:Receivers xmlns:spe="http://schemas.microsoft.com/sharepoint/events">
-  <Receiver>
-    <Name>Document ID Generator</Name>
-    <Synchronization>Synchronous</Synchronization>
-    <Type>10001</Type>
-    <SequenceNumber>1000</SequenceNumber>
-    <Url/>
-    <Assembly>Microsoft.Office.DocumentManagement, Version=15.0.0.0, Culture=neutral, PublicKeyToken=71e9bce111e9429c</Assembly>
-    <Class>Microsoft.Office.DocumentManagement.Internal.DocIdHandler</Class>
-    <Data/>
-    <Filter/>
-  </Receiver>
-  <Receiver>
-    <Name>Document ID Generator</Name>
-    <Synchronization>Synchronous</Synchronization>
-    <Type>10002</Type>
-    <SequenceNumber>1001</SequenceNumber>
-    <Url/>
-    <Assembly>Microsoft.Office.DocumentManagement, Version=15.0.0.0, Culture=neutral, PublicKeyToken=71e9bce111e9429c</Assembly>
-    <Class>Microsoft.Office.DocumentManagement.Internal.DocIdHandler</Class>
-    <Data/>
-    <Filter/>
-  </Receiver>
-  <Receiver>
-    <Name>Document ID Generator</Name>
-    <Synchronization>Synchronous</Synchronization>
-    <Type>10004</Type>
-    <SequenceNumber>1002</SequenceNumber>
-    <Url/>
-    <Assembly>Microsoft.Office.DocumentManagement, Version=15.0.0.0, Culture=neutral, PublicKeyToken=71e9bce111e9429c</Assembly>
-    <Class>Microsoft.Office.DocumentManagement.Internal.DocIdHandler</Class>
-    <Data/>
-    <Filter/>
-  </Receiver>
-  <Receiver>
-    <Name>Document ID Generator</Name>
-    <Synchronization>Synchronous</Synchronization>
-    <Type>10006</Type>
-    <SequenceNumber>1003</SequenceNumber>
-    <Url/>
-    <Assembly>Microsoft.Office.DocumentManagement, Version=15.0.0.0, Culture=neutral, PublicKeyToken=71e9bce111e9429c</Assembly>
-    <Class>Microsoft.Office.DocumentManagement.Internal.DocIdHandler</Class>
-    <Data/>
-    <Filter/>
-  </Receiver>
-</spe:Receivers>
-</file>
-
-<file path=customXml/item4.xml><?xml version="1.0" encoding="utf-8"?>
 <ct:contentTypeSchema xmlns:ct="http://schemas.microsoft.com/office/2006/metadata/contentType" xmlns:ma="http://schemas.microsoft.com/office/2006/metadata/properties/metaAttributes" ct:_="" ma:_="" ma:contentTypeName="Документ" ma:contentTypeID="0x010100A9DECAF42DF4C1448C93826D92A1631D" ma:contentTypeVersion="2" ma:contentTypeDescription="Создание документа." ma:contentTypeScope="" ma:versionID="3af4159342cf4ebf59299f419a4f4a66">
   <xsd:schema xmlns:xsd="http://www.w3.org/2001/XMLSchema" xmlns:xs="http://www.w3.org/2001/XMLSchema" xmlns:p="http://schemas.microsoft.com/office/2006/metadata/properties" xmlns:ns2="df41ab4a-b7e2-4865-b9a3-291840acfe6f" targetNamespace="http://schemas.microsoft.com/office/2006/metadata/properties" ma:root="true" ma:fieldsID="477a2e5a6968d71f865c2ee3fd8432b2" ns2:_="">
     <xsd:import namespace="df41ab4a-b7e2-4865-b9a3-291840acfe6f"/>
@@ -9240,6 +9443,68 @@
 </ct:contentTypeSchema>
 </file>
 
+<file path=customXml/item3.xml><?xml version="1.0" encoding="utf-8"?>
+<?mso-contentType ?>
+<spe:Receivers xmlns:spe="http://schemas.microsoft.com/sharepoint/events">
+  <Receiver>
+    <Name>Document ID Generator</Name>
+    <Synchronization>Synchronous</Synchronization>
+    <Type>10001</Type>
+    <SequenceNumber>1000</SequenceNumber>
+    <Url/>
+    <Assembly>Microsoft.Office.DocumentManagement, Version=15.0.0.0, Culture=neutral, PublicKeyToken=71e9bce111e9429c</Assembly>
+    <Class>Microsoft.Office.DocumentManagement.Internal.DocIdHandler</Class>
+    <Data/>
+    <Filter/>
+  </Receiver>
+  <Receiver>
+    <Name>Document ID Generator</Name>
+    <Synchronization>Synchronous</Synchronization>
+    <Type>10002</Type>
+    <SequenceNumber>1001</SequenceNumber>
+    <Url/>
+    <Assembly>Microsoft.Office.DocumentManagement, Version=15.0.0.0, Culture=neutral, PublicKeyToken=71e9bce111e9429c</Assembly>
+    <Class>Microsoft.Office.DocumentManagement.Internal.DocIdHandler</Class>
+    <Data/>
+    <Filter/>
+  </Receiver>
+  <Receiver>
+    <Name>Document ID Generator</Name>
+    <Synchronization>Synchronous</Synchronization>
+    <Type>10004</Type>
+    <SequenceNumber>1002</SequenceNumber>
+    <Url/>
+    <Assembly>Microsoft.Office.DocumentManagement, Version=15.0.0.0, Culture=neutral, PublicKeyToken=71e9bce111e9429c</Assembly>
+    <Class>Microsoft.Office.DocumentManagement.Internal.DocIdHandler</Class>
+    <Data/>
+    <Filter/>
+  </Receiver>
+  <Receiver>
+    <Name>Document ID Generator</Name>
+    <Synchronization>Synchronous</Synchronization>
+    <Type>10006</Type>
+    <SequenceNumber>1003</SequenceNumber>
+    <Url/>
+    <Assembly>Microsoft.Office.DocumentManagement, Version=15.0.0.0, Culture=neutral, PublicKeyToken=71e9bce111e9429c</Assembly>
+    <Class>Microsoft.Office.DocumentManagement.Internal.DocIdHandler</Class>
+    <Data/>
+    <Filter/>
+  </Receiver>
+</spe:Receivers>
+</file>
+
+<file path=customXml/item4.xml><?xml version="1.0" encoding="utf-8"?>
+<p:properties xmlns:p="http://schemas.microsoft.com/office/2006/metadata/properties" xmlns:xsi="http://www.w3.org/2001/XMLSchema-instance" xmlns:pc="http://schemas.microsoft.com/office/infopath/2007/PartnerControls">
+  <documentManagement>
+    <_dlc_DocId xmlns="df41ab4a-b7e2-4865-b9a3-291840acfe6f">7VF5KMQTPTXY-6-2</_dlc_DocId>
+    <_dlc_DocIdUrl xmlns="df41ab4a-b7e2-4865-b9a3-291840acfe6f">
+      <Url>https://portal.petrocollege.ru/_layouts/15/DocIdRedir.aspx?ID=7VF5KMQTPTXY-6-2</Url>
+      <Description>7VF5KMQTPTXY-6-2</Description>
+    </_dlc_DocIdUrl>
+  </documentManagement>
+</p:properties>
+</file>
+
 <file path=customXml/itemProps1.xml><?xml version="1.0" encoding="utf-8"?>
 <ds:datastoreItem xmlns:ds="http://schemas.openxmlformats.org/officeDocument/2006/customXml" ds:itemID="{5CC2C6A2-194A-4318-9983-705E098F29EB}">
   <ds:schemaRefs>
@@ -9249,30 +9514,6 @@
 </file>
 
 <file path=customXml/itemProps2.xml><?xml version="1.0" encoding="utf-8"?>
-<ds:datastoreItem xmlns:ds="http://schemas.openxmlformats.org/officeDocument/2006/customXml" ds:itemID="{0B62F19D-F597-4593-B760-DD0007729E5B}">
-  <ds:schemaRefs>
-    <ds:schemaRef ds:uri="http://schemas.microsoft.com/office/2006/documentManagement/types"/>
-    <ds:schemaRef ds:uri="http://purl.org/dc/elements/1.1/"/>
-    <ds:schemaRef ds:uri="http://purl.org/dc/terms/"/>
-    <ds:schemaRef ds:uri="http://schemas.microsoft.com/office/2006/metadata/properties"/>
-    <ds:schemaRef ds:uri="http://schemas.microsoft.com/office/infopath/2007/PartnerControls"/>
-    <ds:schemaRef ds:uri="http://www.w3.org/XML/1998/namespace"/>
-    <ds:schemaRef ds:uri="http://schemas.openxmlformats.org/package/2006/metadata/core-properties"/>
-    <ds:schemaRef ds:uri="df41ab4a-b7e2-4865-b9a3-291840acfe6f"/>
-    <ds:schemaRef ds:uri="http://purl.org/dc/dcmitype/"/>
-  </ds:schemaRefs>
-</ds:datastoreItem>
-</file>
-
-<file path=customXml/itemProps3.xml><?xml version="1.0" encoding="utf-8"?>
-<ds:datastoreItem xmlns:ds="http://schemas.openxmlformats.org/officeDocument/2006/customXml" ds:itemID="{4C40D707-170D-4583-9BC4-8BAD4042035F}">
-  <ds:schemaRefs>
-    <ds:schemaRef ds:uri="http://schemas.microsoft.com/sharepoint/events"/>
-  </ds:schemaRefs>
-</ds:datastoreItem>
-</file>
-
-<file path=customXml/itemProps4.xml><?xml version="1.0" encoding="utf-8"?>
 <ds:datastoreItem xmlns:ds="http://schemas.openxmlformats.org/officeDocument/2006/customXml" ds:itemID="{7BD44AB9-9713-4396-9527-2BD4E42BD2B5}">
   <ds:schemaRefs>
     <ds:schemaRef ds:uri="http://schemas.microsoft.com/office/2006/metadata/contentType"/>
@@ -9288,4 +9529,28 @@
     <ds:schemaRef ds:uri="http://schemas.microsoft.com/internal/obd"/>
   </ds:schemaRefs>
 </ds:datastoreItem>
+</file>
+
+<file path=customXml/itemProps3.xml><?xml version="1.0" encoding="utf-8"?>
+<ds:datastoreItem xmlns:ds="http://schemas.openxmlformats.org/officeDocument/2006/customXml" ds:itemID="{4C40D707-170D-4583-9BC4-8BAD4042035F}">
+  <ds:schemaRefs>
+    <ds:schemaRef ds:uri="http://schemas.microsoft.com/sharepoint/events"/>
+  </ds:schemaRefs>
+</ds:datastoreItem>
+</file>
+
+<file path=customXml/itemProps4.xml><?xml version="1.0" encoding="utf-8"?>
+<ds:datastoreItem xmlns:ds="http://schemas.openxmlformats.org/officeDocument/2006/customXml" ds:itemID="{0B62F19D-F597-4593-B760-DD0007729E5B}">
+  <ds:schemaRefs>
+    <ds:schemaRef ds:uri="http://schemas.microsoft.com/office/2006/documentManagement/types"/>
+    <ds:schemaRef ds:uri="http://purl.org/dc/elements/1.1/"/>
+    <ds:schemaRef ds:uri="http://purl.org/dc/terms/"/>
+    <ds:schemaRef ds:uri="http://schemas.microsoft.com/office/2006/metadata/properties"/>
+    <ds:schemaRef ds:uri="http://schemas.microsoft.com/office/infopath/2007/PartnerControls"/>
+    <ds:schemaRef ds:uri="http://www.w3.org/XML/1998/namespace"/>
+    <ds:schemaRef ds:uri="http://schemas.openxmlformats.org/package/2006/metadata/core-properties"/>
+    <ds:schemaRef ds:uri="df41ab4a-b7e2-4865-b9a3-291840acfe6f"/>
+    <ds:schemaRef ds:uri="http://purl.org/dc/dcmitype/"/>
+  </ds:schemaRefs>
+</ds:datastoreItem>
 </file>
--- a/Презентация_КП_3703.pptx
+++ b/Презентация_КП_3703.pptx
@@ -5,25 +5,24 @@
     <p:sldMasterId id="2147483648" r:id="rId5"/>
   </p:sldMasterIdLst>
   <p:notesMasterIdLst>
-    <p:notesMasterId r:id="rId19"/>
+    <p:notesMasterId r:id="rId18"/>
   </p:notesMasterIdLst>
   <p:handoutMasterIdLst>
-    <p:handoutMasterId r:id="rId20"/>
+    <p:handoutMasterId r:id="rId19"/>
   </p:handoutMasterIdLst>
   <p:sldIdLst>
     <p:sldId id="316" r:id="rId6"/>
     <p:sldId id="288" r:id="rId7"/>
-    <p:sldId id="289" r:id="rId8"/>
-    <p:sldId id="314" r:id="rId9"/>
+    <p:sldId id="314" r:id="rId8"/>
+    <p:sldId id="289" r:id="rId9"/>
     <p:sldId id="291" r:id="rId10"/>
-    <p:sldId id="312" r:id="rId11"/>
-    <p:sldId id="292" r:id="rId12"/>
-    <p:sldId id="322" r:id="rId13"/>
-    <p:sldId id="323" r:id="rId14"/>
-    <p:sldId id="317" r:id="rId15"/>
-    <p:sldId id="313" r:id="rId16"/>
-    <p:sldId id="321" r:id="rId17"/>
-    <p:sldId id="320" r:id="rId18"/>
+    <p:sldId id="292" r:id="rId11"/>
+    <p:sldId id="322" r:id="rId12"/>
+    <p:sldId id="323" r:id="rId13"/>
+    <p:sldId id="317" r:id="rId14"/>
+    <p:sldId id="313" r:id="rId15"/>
+    <p:sldId id="321" r:id="rId16"/>
+    <p:sldId id="320" r:id="rId17"/>
   </p:sldIdLst>
   <p:sldSz cx="9144000" cy="6858000" type="screen4x3"/>
   <p:notesSz cx="6858000" cy="9144000"/>
@@ -129,10 +128,9 @@
           <p14:sldIdLst>
             <p14:sldId id="316"/>
             <p14:sldId id="288"/>
+            <p14:sldId id="314"/>
             <p14:sldId id="289"/>
-            <p14:sldId id="314"/>
             <p14:sldId id="291"/>
-            <p14:sldId id="312"/>
             <p14:sldId id="292"/>
             <p14:sldId id="322"/>
             <p14:sldId id="323"/>
@@ -402,6 +400,7 @@
     </c:plotArea>
     <c:plotVisOnly val="1"/>
     <c:dispBlanksAs val="gap"/>
+    <c:showDLblsOverMax val="0"/>
     <c:extLst>
       <c:ext xmlns:c16r3="http://schemas.microsoft.com/office/drawing/2017/03/chart" uri="{56B9EC1D-385E-4148-901F-78D8002777C0}">
         <c16r3:dataDisplayOptions16>
@@ -409,7 +408,6 @@
         </c16r3:dataDisplayOptions16>
       </c:ext>
     </c:extLst>
-    <c:showDLblsOverMax val="0"/>
   </c:chart>
   <c:spPr>
     <a:noFill/>
@@ -425,7 +423,7 @@
       <a:pPr>
         <a:defRPr/>
       </a:pPr>
-      <a:endParaRPr lang="en-US"/>
+      <a:endParaRPr lang="ru-RU"/>
     </a:p>
   </c:txPr>
   <c:externalData r:id="rId3">
@@ -991,7 +989,7 @@
             <a:fld id="{DE8C415B-D586-4617-A7CD-C505B94DB98C}" type="datetimeFigureOut">
               <a:rPr lang="ru-RU" smtClean="0"/>
               <a:pPr/>
-              <a:t>03.03.2021</a:t>
+              <a:t>04.03.2021</a:t>
             </a:fld>
             <a:endParaRPr lang="ru-RU"/>
           </a:p>
@@ -1158,7 +1156,7 @@
             <a:fld id="{AD96DD18-BCE0-4A3E-88A7-83470DD3C30C}" type="datetimeFigureOut">
               <a:rPr lang="ru-RU" smtClean="0"/>
               <a:pPr/>
-              <a:t>03.03.2021</a:t>
+              <a:t>04.03.2021</a:t>
             </a:fld>
             <a:endParaRPr lang="ru-RU"/>
           </a:p>
@@ -1654,7 +1652,15 @@
           <a:p>
             <a:r>
               <a:rPr lang="ru-RU" dirty="0"/>
-              <a:t>После анализа игровой индустрии в 2020 году, было выявлено, что компьютерные игры входят в тройку самых востребованных игр на планете.</a:t>
+              <a:t>При выборе жанра необходимо было учитывать максимально простой и несложный интерфейс. Одним из таких жанров является жанр </a:t>
+            </a:r>
+            <a:r>
+              <a:rPr lang="en-GB" dirty="0"/>
+              <a:t>CCG</a:t>
+            </a:r>
+            <a:r>
+              <a:rPr lang="ru-RU" dirty="0"/>
+              <a:t>. Это жанр в котором игроку необходимо победить противника, сражаясь с помощью имеющихся у него колоды карт. Выкладывая карты с различными героями и заклинаниями игрок должен атаковать ими противника.</a:t>
             </a:r>
             <a:endParaRPr lang="en-GB" dirty="0"/>
           </a:p>
@@ -1687,7 +1693,7 @@
     </p:spTree>
     <p:extLst>
       <p:ext uri="{BB962C8B-B14F-4D97-AF65-F5344CB8AC3E}">
-        <p14:creationId xmlns:p14="http://schemas.microsoft.com/office/powerpoint/2010/main" val="2587032185"/>
+        <p14:creationId xmlns:p14="http://schemas.microsoft.com/office/powerpoint/2010/main" val="1367606842"/>
       </p:ext>
     </p:extLst>
   </p:cSld>
@@ -1743,15 +1749,7 @@
           <a:p>
             <a:r>
               <a:rPr lang="ru-RU" dirty="0"/>
-              <a:t>При выборе жанра необходимо было учитывать максимально простой и несложный интерфейс. Одним из таких жанров является жанр </a:t>
-            </a:r>
-            <a:r>
-              <a:rPr lang="en-GB" dirty="0"/>
-              <a:t>CCG</a:t>
-            </a:r>
-            <a:r>
-              <a:rPr lang="ru-RU" dirty="0"/>
-              <a:t>. Это жанр в котором игроку необходимо победить противника, сражаясь с помощью имеющихся у него колоды карт. Выкладывая карты с различными героями и заклинаниями игрок должен атаковать ими противника.</a:t>
+              <a:t>После анализа игровой индустрии в 2020 году, было выявлено, что компьютерные игры входят в тройку самых востребованных игр на планете.</a:t>
             </a:r>
             <a:endParaRPr lang="en-GB" dirty="0"/>
           </a:p>
@@ -1784,7 +1782,7 @@
     </p:spTree>
     <p:extLst>
       <p:ext uri="{BB962C8B-B14F-4D97-AF65-F5344CB8AC3E}">
-        <p14:creationId xmlns:p14="http://schemas.microsoft.com/office/powerpoint/2010/main" val="1367606842"/>
+        <p14:creationId xmlns:p14="http://schemas.microsoft.com/office/powerpoint/2010/main" val="2587032185"/>
       </p:ext>
     </p:extLst>
   </p:cSld>
@@ -1926,47 +1924,7 @@
           <a:bodyPr/>
           <a:lstStyle/>
           <a:p>
-            <a:pPr marL="0" marR="0" lvl="0" indent="0" algn="l" defTabSz="914400" rtl="0" eaLnBrk="1" fontAlgn="auto" latinLnBrk="0" hangingPunct="1">
-              <a:lnSpc>
-                <a:spcPct val="100000"/>
-              </a:lnSpc>
-              <a:spcBef>
-                <a:spcPts val="0"/>
-              </a:spcBef>
-              <a:spcAft>
-                <a:spcPts val="0"/>
-              </a:spcAft>
-              <a:buClrTx/>
-              <a:buSzTx/>
-              <a:buFontTx/>
-              <a:buNone/>
-              <a:tabLst/>
-              <a:defRPr/>
-            </a:pPr>
-            <a:r>
-              <a:rPr lang="ru-RU" dirty="0"/>
-              <a:t>Главными конкурентными являются такие игры как, </a:t>
-            </a:r>
-            <a:r>
-              <a:rPr lang="en-GB" dirty="0"/>
-              <a:t>Gwent </a:t>
-            </a:r>
-            <a:r>
-              <a:rPr lang="ru-RU" dirty="0"/>
-              <a:t>и </a:t>
-            </a:r>
-            <a:r>
-              <a:rPr lang="en-GB" dirty="0" err="1"/>
-              <a:t>HeartStone</a:t>
-            </a:r>
-            <a:r>
-              <a:rPr lang="en-GB" dirty="0"/>
-              <a:t>. </a:t>
-            </a:r>
-            <a:r>
-              <a:rPr lang="ru-RU" dirty="0"/>
-              <a:t>Но, в этих играх используется один вид боя. У игрока постоянно стандартная собранная им колода карт, из-за недостатка креативности разработчиков, аудитория стала резко снижаться. Поэтому было принято решение создать игру, в которой игроку будет необходимо добыть карты перед сражением. Также приложение имеет хорошую оптимизацию под компьютеры с ограниченными ресурсами в отличие от вышеупомянутых игр.</a:t>
-            </a:r>
+            <a:endParaRPr lang="ru-RU"/>
           </a:p>
         </p:txBody>
       </p:sp>
@@ -1988,92 +1946,7 @@
             <a:fld id="{BECF2865-D604-4CFC-B113-76ADD451E787}" type="slidenum">
               <a:rPr lang="ru-RU" smtClean="0"/>
               <a:pPr/>
-              <a:t>6</a:t>
-            </a:fld>
-            <a:endParaRPr lang="ru-RU"/>
-          </a:p>
-        </p:txBody>
-      </p:sp>
-    </p:spTree>
-    <p:extLst>
-      <p:ext uri="{BB962C8B-B14F-4D97-AF65-F5344CB8AC3E}">
-        <p14:creationId xmlns:p14="http://schemas.microsoft.com/office/powerpoint/2010/main" val="4178897952"/>
-      </p:ext>
-    </p:extLst>
-  </p:cSld>
-  <p:clrMapOvr>
-    <a:masterClrMapping/>
-  </p:clrMapOvr>
-</p:notes>
-</file>
-
-<file path=ppt/notesSlides/notesSlide7.xml><?xml version="1.0" encoding="utf-8"?>
-<p:notes xmlns:a="http://schemas.openxmlformats.org/drawingml/2006/main" xmlns:r="http://schemas.openxmlformats.org/officeDocument/2006/relationships" xmlns:p="http://schemas.openxmlformats.org/presentationml/2006/main">
-  <p:cSld>
-    <p:spTree>
-      <p:nvGrpSpPr>
-        <p:cNvPr id="1" name=""/>
-        <p:cNvGrpSpPr/>
-        <p:nvPr/>
-      </p:nvGrpSpPr>
-      <p:grpSpPr>
-        <a:xfrm>
-          <a:off x="0" y="0"/>
-          <a:ext cx="0" cy="0"/>
-          <a:chOff x="0" y="0"/>
-          <a:chExt cx="0" cy="0"/>
-        </a:xfrm>
-      </p:grpSpPr>
-      <p:sp>
-        <p:nvSpPr>
-          <p:cNvPr id="2" name="Образ слайда 1"/>
-          <p:cNvSpPr>
-            <a:spLocks noGrp="1" noRot="1" noChangeAspect="1"/>
-          </p:cNvSpPr>
-          <p:nvPr>
-            <p:ph type="sldImg"/>
-          </p:nvPr>
-        </p:nvSpPr>
-        <p:spPr/>
-      </p:sp>
-      <p:sp>
-        <p:nvSpPr>
-          <p:cNvPr id="3" name="Заметки 2"/>
-          <p:cNvSpPr>
-            <a:spLocks noGrp="1"/>
-          </p:cNvSpPr>
-          <p:nvPr>
-            <p:ph type="body" idx="1"/>
-          </p:nvPr>
-        </p:nvSpPr>
-        <p:spPr/>
-        <p:txBody>
-          <a:bodyPr/>
-          <a:lstStyle/>
-          <a:p>
-            <a:endParaRPr lang="ru-RU"/>
-          </a:p>
-        </p:txBody>
-      </p:sp>
-      <p:sp>
-        <p:nvSpPr>
-          <p:cNvPr id="4" name="Номер слайда 3"/>
-          <p:cNvSpPr>
-            <a:spLocks noGrp="1"/>
-          </p:cNvSpPr>
-          <p:nvPr>
-            <p:ph type="sldNum" sz="quarter" idx="5"/>
-          </p:nvPr>
-        </p:nvSpPr>
-        <p:spPr/>
-        <p:txBody>
-          <a:bodyPr/>
-          <a:lstStyle/>
-          <a:p>
-            <a:fld id="{BECF2865-D604-4CFC-B113-76ADD451E787}" type="slidenum">
-              <a:rPr lang="ru-RU" smtClean="0"/>
-              <a:pPr/>
-              <a:t>13</a:t>
+              <a:t>12</a:t>
             </a:fld>
             <a:endParaRPr lang="ru-RU"/>
           </a:p>
@@ -2272,7 +2145,7 @@
             <a:fld id="{9CCAB8F6-30EC-4352-A0EB-8808E33D58FE}" type="datetime1">
               <a:rPr lang="ru-RU" smtClean="0"/>
               <a:pPr/>
-              <a:t>03.03.2021</a:t>
+              <a:t>04.03.2021</a:t>
             </a:fld>
             <a:endParaRPr lang="ru-RU"/>
           </a:p>
@@ -2437,7 +2310,7 @@
             <a:fld id="{E21A05FE-0B33-4F78-AB7A-D99B19E23029}" type="datetime1">
               <a:rPr lang="ru-RU" smtClean="0"/>
               <a:pPr/>
-              <a:t>03.03.2021</a:t>
+              <a:t>04.03.2021</a:t>
             </a:fld>
             <a:endParaRPr lang="ru-RU"/>
           </a:p>
@@ -2612,7 +2485,7 @@
             <a:fld id="{D61B8A9C-BB22-462E-BF5D-4AE82610FA1F}" type="datetime1">
               <a:rPr lang="ru-RU" smtClean="0"/>
               <a:pPr/>
-              <a:t>03.03.2021</a:t>
+              <a:t>04.03.2021</a:t>
             </a:fld>
             <a:endParaRPr lang="ru-RU"/>
           </a:p>
@@ -2812,7 +2685,7 @@
             <a:fld id="{C7646B43-18C7-4E3B-A952-F7004B58246B}" type="datetime1">
               <a:rPr lang="ru-RU" smtClean="0"/>
               <a:pPr/>
-              <a:t>03.03.2021</a:t>
+              <a:t>04.03.2021</a:t>
             </a:fld>
             <a:endParaRPr lang="ru-RU"/>
           </a:p>
@@ -3063,7 +2936,7 @@
             <a:fld id="{3E0D06DB-A410-407F-944C-FB7F9E734F89}" type="datetime1">
               <a:rPr lang="ru-RU" smtClean="0"/>
               <a:pPr/>
-              <a:t>03.03.2021</a:t>
+              <a:t>04.03.2021</a:t>
             </a:fld>
             <a:endParaRPr lang="ru-RU"/>
           </a:p>
@@ -3345,7 +3218,7 @@
             <a:fld id="{4A274A88-F6BE-4E53-A077-8CD5B6A52E76}" type="datetime1">
               <a:rPr lang="ru-RU" smtClean="0"/>
               <a:pPr/>
-              <a:t>03.03.2021</a:t>
+              <a:t>04.03.2021</a:t>
             </a:fld>
             <a:endParaRPr lang="ru-RU"/>
           </a:p>
@@ -3761,7 +3634,7 @@
             <a:fld id="{45BE5B3D-5B6B-4ED7-9610-8CD1C9F72AD5}" type="datetime1">
               <a:rPr lang="ru-RU" smtClean="0"/>
               <a:pPr/>
-              <a:t>03.03.2021</a:t>
+              <a:t>04.03.2021</a:t>
             </a:fld>
             <a:endParaRPr lang="ru-RU"/>
           </a:p>
@@ -3875,7 +3748,7 @@
             <a:fld id="{4F458F28-CEB2-4BCF-B84A-AFE3CDBB760A}" type="datetime1">
               <a:rPr lang="ru-RU" smtClean="0"/>
               <a:pPr/>
-              <a:t>03.03.2021</a:t>
+              <a:t>04.03.2021</a:t>
             </a:fld>
             <a:endParaRPr lang="ru-RU"/>
           </a:p>
@@ -3967,7 +3840,7 @@
             <a:fld id="{6ADDAF7D-84B2-479A-8117-8F4952C3F13A}" type="datetime1">
               <a:rPr lang="ru-RU" smtClean="0"/>
               <a:pPr/>
-              <a:t>03.03.2021</a:t>
+              <a:t>04.03.2021</a:t>
             </a:fld>
             <a:endParaRPr lang="ru-RU"/>
           </a:p>
@@ -4239,7 +4112,7 @@
             <a:fld id="{DFF9433C-6AF1-46A7-99DE-D9F631D61764}" type="datetime1">
               <a:rPr lang="ru-RU" smtClean="0"/>
               <a:pPr/>
-              <a:t>03.03.2021</a:t>
+              <a:t>04.03.2021</a:t>
             </a:fld>
             <a:endParaRPr lang="ru-RU"/>
           </a:p>
@@ -4491,7 +4364,7 @@
             <a:fld id="{694F8DC1-D5E6-46A9-B8B8-49B16F8F3AD3}" type="datetime1">
               <a:rPr lang="ru-RU" smtClean="0"/>
               <a:pPr/>
-              <a:t>03.03.2021</a:t>
+              <a:t>04.03.2021</a:t>
             </a:fld>
             <a:endParaRPr lang="ru-RU"/>
           </a:p>
@@ -4751,7 +4624,7 @@
             <a:fld id="{58DCF173-78FE-474C-A588-52E452BE4892}" type="datetime1">
               <a:rPr lang="ru-RU" smtClean="0"/>
               <a:pPr/>
-              <a:t>03.03.2021</a:t>
+              <a:t>04.03.2021</a:t>
             </a:fld>
             <a:endParaRPr lang="ru-RU"/>
           </a:p>
@@ -5222,8 +5095,8 @@
         </p:nvSpPr>
         <p:spPr>
           <a:xfrm>
-            <a:off x="1075093" y="2854694"/>
-            <a:ext cx="7704856" cy="954107"/>
+            <a:off x="1079612" y="2570129"/>
+            <a:ext cx="7704856" cy="1384995"/>
           </a:xfrm>
           <a:prstGeom prst="rect">
             <a:avLst/>
@@ -5238,7 +5111,15 @@
             <a:pPr algn="ctr"/>
             <a:r>
               <a:rPr lang="ru-RU" sz="2800" dirty="0"/>
-              <a:t>ТЕМА КУРСОВОГО ПРОЕКТА</a:t>
+              <a:t>ТЕМА </a:t>
+            </a:r>
+            <a:r>
+              <a:rPr lang="ru-RU" sz="2800" dirty="0" smtClean="0"/>
+              <a:t>ПРОЕКТА</a:t>
+            </a:r>
+            <a:r>
+              <a:rPr lang="ru-RU" sz="2800" dirty="0"/>
+              <a:t/>
             </a:r>
             <a:br>
               <a:rPr lang="ru-RU" sz="2800" dirty="0"/>
@@ -5251,10 +5132,30 @@
                 <a:effectLst/>
                 <a:latin typeface="-apple-system"/>
               </a:rPr>
-              <a:t>РАЗРАБОТКА ОНЛАЙН ИГРЫ ЖАНРА «</a:t>
-            </a:r>
-            <a:r>
-              <a:rPr lang="en-GB" sz="2800" dirty="0">
+              <a:t>РАЗРАБОТКА ОНЛАЙН ИГРЫ ЖАНРА </a:t>
+            </a:r>
+            <a:endParaRPr lang="en-US" sz="2800" b="0" i="0" dirty="0" smtClean="0">
+              <a:solidFill>
+                <a:srgbClr val="000000"/>
+              </a:solidFill>
+              <a:effectLst/>
+              <a:latin typeface="-apple-system"/>
+            </a:endParaRPr>
+          </a:p>
+          <a:p>
+            <a:pPr algn="ctr"/>
+            <a:r>
+              <a:rPr lang="ru-RU" sz="2800" b="0" i="0" dirty="0" smtClean="0">
+                <a:solidFill>
+                  <a:srgbClr val="000000"/>
+                </a:solidFill>
+                <a:effectLst/>
+                <a:latin typeface="-apple-system"/>
+              </a:rPr>
+              <a:t>«</a:t>
+            </a:r>
+            <a:r>
+              <a:rPr lang="en-GB" sz="2800" dirty="0" smtClean="0">
                 <a:solidFill>
                   <a:srgbClr val="000000"/>
                 </a:solidFill>
@@ -5263,7 +5164,25 @@
               <a:t>CCG</a:t>
             </a:r>
             <a:r>
-              <a:rPr lang="ru-RU" sz="2800" b="0" i="0" dirty="0">
+              <a:rPr lang="ru-RU" sz="2800" dirty="0" smtClean="0">
+                <a:solidFill>
+                  <a:srgbClr val="000000"/>
+                </a:solidFill>
+                <a:latin typeface="-apple-system"/>
+              </a:rPr>
+              <a:t> и </a:t>
+            </a:r>
+            <a:r>
+              <a:rPr lang="en-US" sz="2800" dirty="0" smtClean="0">
+                <a:solidFill>
+                  <a:srgbClr val="000000"/>
+                </a:solidFill>
+                <a:latin typeface="-apple-system"/>
+              </a:rPr>
+              <a:t>RPG</a:t>
+            </a:r>
+            <a:r>
+              <a:rPr lang="ru-RU" sz="2800" b="0" i="0" dirty="0" smtClean="0">
                 <a:solidFill>
                   <a:srgbClr val="000000"/>
                 </a:solidFill>
@@ -5290,8 +5209,8 @@
         </p:nvSpPr>
         <p:spPr>
           <a:xfrm>
-            <a:off x="4716016" y="4232122"/>
-            <a:ext cx="4063933" cy="1477328"/>
+            <a:off x="4716016" y="3955124"/>
+            <a:ext cx="4063933" cy="2031325"/>
           </a:xfrm>
           <a:prstGeom prst="rect">
             <a:avLst/>
@@ -5306,22 +5225,49 @@
           <a:p>
             <a:pPr algn="r"/>
             <a:r>
+              <a:rPr lang="ru-RU" dirty="0" smtClean="0"/>
+              <a:t>Выполнили:  </a:t>
+            </a:r>
+            <a:r>
               <a:rPr lang="ru-RU" dirty="0"/>
-              <a:t>Выполнил:  Газман Алексей</a:t>
+              <a:t>Газман Алексей</a:t>
             </a:r>
           </a:p>
           <a:p>
             <a:pPr algn="r"/>
             <a:r>
+              <a:rPr lang="ru-RU" dirty="0" smtClean="0"/>
+              <a:t>Михайлович</a:t>
+            </a:r>
+          </a:p>
+          <a:p>
+            <a:pPr algn="r"/>
+            <a:r>
+              <a:rPr lang="ru-RU" dirty="0" smtClean="0"/>
+              <a:t>Орлов Максим Евгеньевич</a:t>
+            </a:r>
+          </a:p>
+          <a:p>
+            <a:pPr algn="r"/>
+            <a:r>
+              <a:rPr lang="ru-RU" dirty="0" err="1" smtClean="0"/>
+              <a:t>Галишин</a:t>
+            </a:r>
+            <a:r>
+              <a:rPr lang="ru-RU" dirty="0" smtClean="0"/>
+              <a:t> Павел Михайлович </a:t>
+            </a:r>
+            <a:endParaRPr lang="ru-RU" dirty="0"/>
+          </a:p>
+          <a:p>
+            <a:pPr algn="r"/>
+            <a:r>
+              <a:rPr lang="ru-RU" dirty="0" smtClean="0"/>
+              <a:t>Студенты </a:t>
+            </a:r>
+            <a:r>
               <a:rPr lang="ru-RU" dirty="0"/>
-              <a:t>Михайлович </a:t>
-            </a:r>
-          </a:p>
-          <a:p>
-            <a:pPr algn="r"/>
-            <a:r>
-              <a:rPr lang="ru-RU" dirty="0"/>
-              <a:t>Студент группы 3703</a:t>
+              <a:t>группы 3703</a:t>
             </a:r>
           </a:p>
           <a:p>
@@ -5331,9 +5277,18 @@
           <a:p>
             <a:pPr algn="r"/>
             <a:r>
-              <a:rPr lang="ru-RU" dirty="0"/>
-              <a:t>Руководитель: Ерина М.А.</a:t>
-            </a:r>
+              <a:rPr lang="ru-RU" dirty="0" smtClean="0"/>
+              <a:t>Руководитель</a:t>
+            </a:r>
+            <a:r>
+              <a:rPr lang="en-US" dirty="0" smtClean="0"/>
+              <a:t>: </a:t>
+            </a:r>
+            <a:r>
+              <a:rPr lang="ru-RU" dirty="0" smtClean="0"/>
+              <a:t>Глебов Г.А.</a:t>
+            </a:r>
+            <a:endParaRPr lang="ru-RU" dirty="0"/>
           </a:p>
         </p:txBody>
       </p:sp>
@@ -5406,301 +5361,6 @@
 </file>
 
 <file path=ppt/slides/slide10.xml><?xml version="1.0" encoding="utf-8"?>
-<p:sld xmlns:a="http://schemas.openxmlformats.org/drawingml/2006/main" xmlns:r="http://schemas.openxmlformats.org/officeDocument/2006/relationships" xmlns:p="http://schemas.openxmlformats.org/presentationml/2006/main">
-  <p:cSld>
-    <p:spTree>
-      <p:nvGrpSpPr>
-        <p:cNvPr id="1" name=""/>
-        <p:cNvGrpSpPr/>
-        <p:nvPr/>
-      </p:nvGrpSpPr>
-      <p:grpSpPr>
-        <a:xfrm>
-          <a:off x="0" y="0"/>
-          <a:ext cx="0" cy="0"/>
-          <a:chOff x="0" y="0"/>
-          <a:chExt cx="0" cy="0"/>
-        </a:xfrm>
-      </p:grpSpPr>
-      <p:graphicFrame>
-        <p:nvGraphicFramePr>
-          <p:cNvPr id="12" name="Диаграмма 11">
-            <a:extLst>
-              <a:ext uri="{FF2B5EF4-FFF2-40B4-BE49-F238E27FC236}">
-                <a16:creationId xmlns:a16="http://schemas.microsoft.com/office/drawing/2014/main" id="{604308E0-2662-4495-82D9-EA2F7C6F43B5}"/>
-              </a:ext>
-            </a:extLst>
-          </p:cNvPr>
-          <p:cNvGraphicFramePr/>
-          <p:nvPr>
-            <p:extLst>
-              <p:ext uri="{D42A27DB-BD31-4B8C-83A1-F6EECF244321}">
-                <p14:modId xmlns:p14="http://schemas.microsoft.com/office/powerpoint/2010/main" val="2749553905"/>
-              </p:ext>
-            </p:extLst>
-          </p:nvPr>
-        </p:nvGraphicFramePr>
-        <p:xfrm>
-          <a:off x="1454287" y="1703444"/>
-          <a:ext cx="6955944" cy="4656022"/>
-        </p:xfrm>
-        <a:graphic>
-          <a:graphicData uri="http://schemas.openxmlformats.org/drawingml/2006/chart">
-            <c:chart xmlns:c="http://schemas.openxmlformats.org/drawingml/2006/chart" xmlns:r="http://schemas.openxmlformats.org/officeDocument/2006/relationships" r:id="rId2"/>
-          </a:graphicData>
-        </a:graphic>
-      </p:graphicFrame>
-      <p:sp>
-        <p:nvSpPr>
-          <p:cNvPr id="2" name="Заголовок 1"/>
-          <p:cNvSpPr>
-            <a:spLocks noGrp="1"/>
-          </p:cNvSpPr>
-          <p:nvPr>
-            <p:ph type="title"/>
-          </p:nvPr>
-        </p:nvSpPr>
-        <p:spPr/>
-        <p:txBody>
-          <a:bodyPr>
-            <a:normAutofit/>
-          </a:bodyPr>
-          <a:lstStyle/>
-          <a:p>
-            <a:r>
-              <a:rPr lang="ru-RU" dirty="0"/>
-              <a:t>Инструменты для разработки</a:t>
-            </a:r>
-          </a:p>
-        </p:txBody>
-      </p:sp>
-      <p:sp>
-        <p:nvSpPr>
-          <p:cNvPr id="4" name="Номер слайда 3"/>
-          <p:cNvSpPr>
-            <a:spLocks noGrp="1"/>
-          </p:cNvSpPr>
-          <p:nvPr>
-            <p:ph type="sldNum" sz="quarter" idx="12"/>
-          </p:nvPr>
-        </p:nvSpPr>
-        <p:spPr/>
-        <p:txBody>
-          <a:bodyPr/>
-          <a:lstStyle/>
-          <a:p>
-            <a:fld id="{0E98351F-33E5-4A3B-A99F-441E7915B955}" type="slidenum">
-              <a:rPr lang="ru-RU" smtClean="0"/>
-              <a:pPr/>
-              <a:t>10</a:t>
-            </a:fld>
-            <a:endParaRPr lang="ru-RU"/>
-          </a:p>
-        </p:txBody>
-      </p:sp>
-      <p:pic>
-        <p:nvPicPr>
-          <p:cNvPr id="1032" name="Picture 8">
-            <a:extLst>
-              <a:ext uri="{FF2B5EF4-FFF2-40B4-BE49-F238E27FC236}">
-                <a16:creationId xmlns:a16="http://schemas.microsoft.com/office/drawing/2014/main" id="{DEF59D09-DDA0-443A-826E-36E8080CF6F5}"/>
-              </a:ext>
-            </a:extLst>
-          </p:cNvPr>
-          <p:cNvPicPr>
-            <a:picLocks noChangeAspect="1" noChangeArrowheads="1"/>
-          </p:cNvPicPr>
-          <p:nvPr/>
-        </p:nvPicPr>
-        <p:blipFill>
-          <a:blip r:embed="rId3" cstate="print">
-            <a:biLevel thresh="75000"/>
-            <a:extLst>
-              <a:ext uri="{28A0092B-C50C-407E-A947-70E740481C1C}">
-                <a14:useLocalDpi xmlns:a14="http://schemas.microsoft.com/office/drawing/2010/main" val="0"/>
-              </a:ext>
-            </a:extLst>
-          </a:blip>
-          <a:srcRect/>
-          <a:stretch>
-            <a:fillRect/>
-          </a:stretch>
-        </p:blipFill>
-        <p:spPr bwMode="auto">
-          <a:xfrm>
-            <a:off x="2590696" y="2252500"/>
-            <a:ext cx="2032143" cy="2032143"/>
-          </a:xfrm>
-          <a:prstGeom prst="rect">
-            <a:avLst/>
-          </a:prstGeom>
-          <a:noFill/>
-          <a:extLst>
-            <a:ext uri="{909E8E84-426E-40DD-AFC4-6F175D3DCCD1}">
-              <a14:hiddenFill xmlns:a14="http://schemas.microsoft.com/office/drawing/2010/main">
-                <a:solidFill>
-                  <a:srgbClr val="FFFFFF"/>
-                </a:solidFill>
-              </a14:hiddenFill>
-            </a:ext>
-          </a:extLst>
-        </p:spPr>
-      </p:pic>
-      <p:pic>
-        <p:nvPicPr>
-          <p:cNvPr id="1034" name="Picture 10">
-            <a:extLst>
-              <a:ext uri="{FF2B5EF4-FFF2-40B4-BE49-F238E27FC236}">
-                <a16:creationId xmlns:a16="http://schemas.microsoft.com/office/drawing/2014/main" id="{17292EE5-7033-4851-9103-5286A69DB1CC}"/>
-              </a:ext>
-            </a:extLst>
-          </p:cNvPr>
-          <p:cNvPicPr>
-            <a:picLocks noChangeAspect="1" noChangeArrowheads="1"/>
-          </p:cNvPicPr>
-          <p:nvPr/>
-        </p:nvPicPr>
-        <p:blipFill>
-          <a:blip r:embed="rId4" cstate="print">
-            <a:biLevel thresh="75000"/>
-            <a:extLst>
-              <a:ext uri="{28A0092B-C50C-407E-A947-70E740481C1C}">
-                <a14:useLocalDpi xmlns:a14="http://schemas.microsoft.com/office/drawing/2010/main" val="0"/>
-              </a:ext>
-            </a:extLst>
-          </a:blip>
-          <a:srcRect/>
-          <a:stretch>
-            <a:fillRect/>
-          </a:stretch>
-        </p:blipFill>
-        <p:spPr bwMode="auto">
-          <a:xfrm>
-            <a:off x="5631395" y="1528436"/>
-            <a:ext cx="1518943" cy="2785159"/>
-          </a:xfrm>
-          <a:prstGeom prst="rect">
-            <a:avLst/>
-          </a:prstGeom>
-          <a:noFill/>
-          <a:extLst>
-            <a:ext uri="{909E8E84-426E-40DD-AFC4-6F175D3DCCD1}">
-              <a14:hiddenFill xmlns:a14="http://schemas.microsoft.com/office/drawing/2010/main">
-                <a:solidFill>
-                  <a:srgbClr val="FFFFFF"/>
-                </a:solidFill>
-              </a14:hiddenFill>
-            </a:ext>
-          </a:extLst>
-        </p:spPr>
-      </p:pic>
-      <p:sp>
-        <p:nvSpPr>
-          <p:cNvPr id="13" name="AutoShape 12">
-            <a:extLst>
-              <a:ext uri="{FF2B5EF4-FFF2-40B4-BE49-F238E27FC236}">
-                <a16:creationId xmlns:a16="http://schemas.microsoft.com/office/drawing/2014/main" id="{2603E3A5-B180-4A47-8322-AC6ACB1AFDEE}"/>
-              </a:ext>
-            </a:extLst>
-          </p:cNvPr>
-          <p:cNvSpPr>
-            <a:spLocks noChangeAspect="1" noChangeArrowheads="1"/>
-          </p:cNvSpPr>
-          <p:nvPr/>
-        </p:nvSpPr>
-        <p:spPr bwMode="auto">
-          <a:xfrm>
-            <a:off x="4419600" y="3276600"/>
-            <a:ext cx="304800" cy="304800"/>
-          </a:xfrm>
-          <a:prstGeom prst="rect">
-            <a:avLst/>
-          </a:prstGeom>
-          <a:noFill/>
-          <a:extLst>
-            <a:ext uri="{909E8E84-426E-40DD-AFC4-6F175D3DCCD1}">
-              <a14:hiddenFill xmlns:a14="http://schemas.microsoft.com/office/drawing/2010/main">
-                <a:solidFill>
-                  <a:srgbClr val="FFFFFF"/>
-                </a:solidFill>
-              </a14:hiddenFill>
-            </a:ext>
-          </a:extLst>
-        </p:spPr>
-        <p:txBody>
-          <a:bodyPr vert="horz" wrap="square" lIns="91440" tIns="45720" rIns="91440" bIns="45720" numCol="1" anchor="t" anchorCtr="0" compatLnSpc="1">
-            <a:prstTxWarp prst="textNoShape">
-              <a:avLst/>
-            </a:prstTxWarp>
-          </a:bodyPr>
-          <a:lstStyle/>
-          <a:p>
-            <a:endParaRPr lang="en-GB"/>
-          </a:p>
-        </p:txBody>
-      </p:sp>
-      <p:pic>
-        <p:nvPicPr>
-          <p:cNvPr id="1040" name="Picture 16">
-            <a:extLst>
-              <a:ext uri="{FF2B5EF4-FFF2-40B4-BE49-F238E27FC236}">
-                <a16:creationId xmlns:a16="http://schemas.microsoft.com/office/drawing/2014/main" id="{73E9552D-4C37-4D22-BDC9-4E13CBBEECDD}"/>
-              </a:ext>
-            </a:extLst>
-          </p:cNvPr>
-          <p:cNvPicPr>
-            <a:picLocks noChangeAspect="1" noChangeArrowheads="1"/>
-          </p:cNvPicPr>
-          <p:nvPr/>
-        </p:nvPicPr>
-        <p:blipFill>
-          <a:blip r:embed="rId5" cstate="print">
-            <a:biLevel thresh="75000"/>
-            <a:extLst>
-              <a:ext uri="{28A0092B-C50C-407E-A947-70E740481C1C}">
-                <a14:useLocalDpi xmlns:a14="http://schemas.microsoft.com/office/drawing/2010/main" val="0"/>
-              </a:ext>
-            </a:extLst>
-          </a:blip>
-          <a:srcRect/>
-          <a:stretch>
-            <a:fillRect/>
-          </a:stretch>
-        </p:blipFill>
-        <p:spPr bwMode="auto">
-          <a:xfrm>
-            <a:off x="3804140" y="4605500"/>
-            <a:ext cx="2256237" cy="1772816"/>
-          </a:xfrm>
-          <a:prstGeom prst="rect">
-            <a:avLst/>
-          </a:prstGeom>
-          <a:noFill/>
-          <a:extLst>
-            <a:ext uri="{909E8E84-426E-40DD-AFC4-6F175D3DCCD1}">
-              <a14:hiddenFill xmlns:a14="http://schemas.microsoft.com/office/drawing/2010/main">
-                <a:solidFill>
-                  <a:srgbClr val="FFFFFF"/>
-                </a:solidFill>
-              </a14:hiddenFill>
-            </a:ext>
-          </a:extLst>
-        </p:spPr>
-      </p:pic>
-    </p:spTree>
-    <p:extLst>
-      <p:ext uri="{BB962C8B-B14F-4D97-AF65-F5344CB8AC3E}">
-        <p14:creationId xmlns:p14="http://schemas.microsoft.com/office/powerpoint/2010/main" val="3207483193"/>
-      </p:ext>
-    </p:extLst>
-  </p:cSld>
-  <p:clrMapOvr>
-    <a:masterClrMapping/>
-  </p:clrMapOvr>
-</p:sld>
-</file>
-
-<file path=ppt/slides/slide11.xml><?xml version="1.0" encoding="utf-8"?>
 <p:sld xmlns:a="http://schemas.openxmlformats.org/drawingml/2006/main" xmlns:r="http://schemas.openxmlformats.org/officeDocument/2006/relationships" xmlns:p="http://schemas.openxmlformats.org/presentationml/2006/main">
   <p:cSld>
     <p:spTree>
@@ -6256,7 +5916,7 @@
             <a:fld id="{0E98351F-33E5-4A3B-A99F-441E7915B955}" type="slidenum">
               <a:rPr lang="ru-RU" smtClean="0"/>
               <a:pPr/>
-              <a:t>11</a:t>
+              <a:t>10</a:t>
             </a:fld>
             <a:endParaRPr lang="ru-RU"/>
           </a:p>
@@ -6313,7 +5973,7 @@
 </p:sld>
 </file>
 
-<file path=ppt/slides/slide12.xml><?xml version="1.0" encoding="utf-8"?>
+<file path=ppt/slides/slide11.xml><?xml version="1.0" encoding="utf-8"?>
 <p:sld xmlns:a="http://schemas.openxmlformats.org/drawingml/2006/main" xmlns:r="http://schemas.openxmlformats.org/officeDocument/2006/relationships" xmlns:p="http://schemas.openxmlformats.org/presentationml/2006/main">
   <p:cSld>
     <p:spTree>
@@ -6902,7 +6562,7 @@
             <a:fld id="{0E98351F-33E5-4A3B-A99F-441E7915B955}" type="slidenum">
               <a:rPr lang="ru-RU" smtClean="0"/>
               <a:pPr/>
-              <a:t>12</a:t>
+              <a:t>11</a:t>
             </a:fld>
             <a:endParaRPr lang="ru-RU"/>
           </a:p>
@@ -6959,7 +6619,7 @@
 </p:sld>
 </file>
 
-<file path=ppt/slides/slide13.xml><?xml version="1.0" encoding="utf-8"?>
+<file path=ppt/slides/slide12.xml><?xml version="1.0" encoding="utf-8"?>
 <p:sld xmlns:a="http://schemas.openxmlformats.org/drawingml/2006/main" xmlns:r="http://schemas.openxmlformats.org/officeDocument/2006/relationships" xmlns:p="http://schemas.openxmlformats.org/presentationml/2006/main">
   <p:cSld>
     <p:spTree>
@@ -7311,7 +6971,7 @@
         <p:spPr/>
         <p:txBody>
           <a:bodyPr>
-            <a:normAutofit fontScale="77500" lnSpcReduction="20000"/>
+            <a:normAutofit lnSpcReduction="10000"/>
           </a:bodyPr>
           <a:lstStyle/>
           <a:p>
@@ -7337,51 +6997,36 @@
           <a:p>
             <a:pPr lvl="2"/>
             <a:r>
+              <a:rPr lang="ru-RU" dirty="0" smtClean="0"/>
+              <a:t>Выполнить </a:t>
+            </a:r>
+            <a:r>
               <a:rPr lang="ru-RU" dirty="0"/>
-              <a:t>Изучить предметную область</a:t>
+              <a:t>анализ актуальности разработки</a:t>
             </a:r>
           </a:p>
           <a:p>
             <a:pPr lvl="2"/>
             <a:r>
+              <a:rPr lang="ru-RU" dirty="0" smtClean="0"/>
+              <a:t>Осуществить </a:t>
+            </a:r>
+            <a:r>
               <a:rPr lang="ru-RU" dirty="0"/>
-              <a:t>Выполнить анализ актуальности разработки</a:t>
+              <a:t>анализ и сделать выбор средств разработки </a:t>
             </a:r>
           </a:p>
           <a:p>
             <a:pPr lvl="2"/>
             <a:r>
               <a:rPr lang="ru-RU" dirty="0"/>
-              <a:t>Разработать техническое задание на разработку модулей программного продукта</a:t>
-            </a:r>
-          </a:p>
-          <a:p>
-            <a:pPr lvl="2"/>
-            <a:r>
-              <a:rPr lang="ru-RU" dirty="0"/>
-              <a:t>Осуществить анализ и сделать выбор средств разработки </a:t>
-            </a:r>
-          </a:p>
-          <a:p>
-            <a:pPr lvl="2"/>
-            <a:r>
-              <a:rPr lang="ru-RU" dirty="0"/>
-              <a:t>Выполнить проектирование модулей программного продукта</a:t>
-            </a:r>
-          </a:p>
-          <a:p>
-            <a:pPr lvl="2"/>
-            <a:r>
-              <a:rPr lang="ru-RU" dirty="0"/>
-              <a:t>Разработать документацию для тестирования программных модулей</a:t>
-            </a:r>
-          </a:p>
-          <a:p>
-            <a:pPr lvl="2"/>
-            <a:r>
-              <a:rPr lang="ru-RU" dirty="0"/>
-              <a:t>Разработать техническую документацию на программный продукт</a:t>
-            </a:r>
+              <a:t>Выполнить проектирование модулей программного </a:t>
+            </a:r>
+            <a:r>
+              <a:rPr lang="ru-RU" dirty="0" smtClean="0"/>
+              <a:t>продукта</a:t>
+            </a:r>
+            <a:endParaRPr lang="ru-RU" dirty="0"/>
           </a:p>
         </p:txBody>
       </p:sp>
@@ -7455,10 +7100,9 @@
           <a:lstStyle/>
           <a:p>
             <a:r>
-              <a:rPr lang="ru-RU"/>
+              <a:rPr lang="ru-RU" dirty="0"/>
               <a:t>Актуальность</a:t>
             </a:r>
-            <a:endParaRPr lang="ru-RU" dirty="0"/>
           </a:p>
         </p:txBody>
       </p:sp>
@@ -7488,318 +7132,67 @@
       </p:sp>
       <p:sp>
         <p:nvSpPr>
-          <p:cNvPr id="9" name="Прямоугольник 8">
-            <a:extLst>
-              <a:ext uri="{FF2B5EF4-FFF2-40B4-BE49-F238E27FC236}">
-                <a16:creationId xmlns:a16="http://schemas.microsoft.com/office/drawing/2014/main" id="{85F93E1F-8FC3-4E24-A2D3-561601EA2A4C}"/>
-              </a:ext>
-            </a:extLst>
-          </p:cNvPr>
-          <p:cNvSpPr/>
-          <p:nvPr/>
+          <p:cNvPr id="11" name="Содержимое 10"/>
+          <p:cNvSpPr>
+            <a:spLocks noGrp="1"/>
+          </p:cNvSpPr>
+          <p:nvPr>
+            <p:ph idx="1"/>
+          </p:nvPr>
         </p:nvSpPr>
         <p:spPr>
           <a:xfrm>
-            <a:off x="1789006" y="1076890"/>
-            <a:ext cx="5843674" cy="369332"/>
+            <a:off x="179512" y="1340768"/>
+            <a:ext cx="4824536" cy="4896544"/>
           </a:xfrm>
-          <a:prstGeom prst="rect">
-            <a:avLst/>
-          </a:prstGeom>
         </p:spPr>
         <p:txBody>
-          <a:bodyPr wrap="square">
-            <a:spAutoFit/>
+          <a:bodyPr>
+            <a:normAutofit/>
           </a:bodyPr>
           <a:lstStyle/>
           <a:p>
-            <a:pPr algn="ctr"/>
-            <a:r>
-              <a:rPr lang="ru-RU" dirty="0">
-                <a:latin typeface="Times New Roman" panose="02020603050405020304" pitchFamily="18" charset="0"/>
-              </a:rPr>
-              <a:t>Обзор компьютерно-игровой индустрии 2020 год</a:t>
-            </a:r>
-            <a:endParaRPr lang="ru-RU" dirty="0"/>
-          </a:p>
-        </p:txBody>
-      </p:sp>
-      <p:pic>
-        <p:nvPicPr>
-          <p:cNvPr id="7" name="Picture 2">
-            <a:extLst>
-              <a:ext uri="{FF2B5EF4-FFF2-40B4-BE49-F238E27FC236}">
-                <a16:creationId xmlns:a16="http://schemas.microsoft.com/office/drawing/2014/main" id="{27B3DD6E-FCA4-4ACF-8109-47605A6EE923}"/>
-              </a:ext>
-            </a:extLst>
-          </p:cNvPr>
-          <p:cNvPicPr>
-            <a:picLocks noChangeAspect="1" noChangeArrowheads="1"/>
-          </p:cNvPicPr>
-          <p:nvPr/>
-        </p:nvPicPr>
-        <p:blipFill>
-          <a:blip r:embed="rId3" cstate="print">
-            <a:extLst>
-              <a:ext uri="{28A0092B-C50C-407E-A947-70E740481C1C}">
-                <a14:useLocalDpi xmlns:a14="http://schemas.microsoft.com/office/drawing/2010/main" val="0"/>
-              </a:ext>
-            </a:extLst>
-          </a:blip>
-          <a:srcRect/>
-          <a:stretch>
-            <a:fillRect/>
-          </a:stretch>
-        </p:blipFill>
-        <p:spPr bwMode="auto">
-          <a:xfrm>
-            <a:off x="732655" y="1570950"/>
-            <a:ext cx="7956376" cy="4474081"/>
-          </a:xfrm>
-          <a:prstGeom prst="rect">
-            <a:avLst/>
-          </a:prstGeom>
-          <a:noFill/>
-          <a:extLst>
-            <a:ext uri="{909E8E84-426E-40DD-AFC4-6F175D3DCCD1}">
-              <a14:hiddenFill xmlns:a14="http://schemas.microsoft.com/office/drawing/2010/main">
-                <a:solidFill>
-                  <a:srgbClr val="FFFFFF"/>
-                </a:solidFill>
-              </a14:hiddenFill>
-            </a:ext>
-          </a:extLst>
-        </p:spPr>
-      </p:pic>
-    </p:spTree>
-    <p:extLst>
-      <p:ext uri="{BB962C8B-B14F-4D97-AF65-F5344CB8AC3E}">
-        <p14:creationId xmlns:p14="http://schemas.microsoft.com/office/powerpoint/2010/main" val="2389552505"/>
-      </p:ext>
-    </p:extLst>
-  </p:cSld>
-  <p:clrMapOvr>
-    <a:masterClrMapping/>
-  </p:clrMapOvr>
-</p:sld>
-</file>
-
-<file path=ppt/slides/slide4.xml><?xml version="1.0" encoding="utf-8"?>
-<p:sld xmlns:a="http://schemas.openxmlformats.org/drawingml/2006/main" xmlns:r="http://schemas.openxmlformats.org/officeDocument/2006/relationships" xmlns:p="http://schemas.openxmlformats.org/presentationml/2006/main">
-  <p:cSld>
-    <p:spTree>
-      <p:nvGrpSpPr>
-        <p:cNvPr id="1" name=""/>
-        <p:cNvGrpSpPr/>
-        <p:nvPr/>
-      </p:nvGrpSpPr>
-      <p:grpSpPr>
-        <a:xfrm>
-          <a:off x="0" y="0"/>
-          <a:ext cx="0" cy="0"/>
-          <a:chOff x="0" y="0"/>
-          <a:chExt cx="0" cy="0"/>
-        </a:xfrm>
-      </p:grpSpPr>
-      <p:sp>
-        <p:nvSpPr>
-          <p:cNvPr id="2" name="Заголовок 1"/>
-          <p:cNvSpPr>
-            <a:spLocks noGrp="1"/>
-          </p:cNvSpPr>
-          <p:nvPr>
-            <p:ph type="title"/>
-          </p:nvPr>
-        </p:nvSpPr>
-        <p:spPr/>
-        <p:txBody>
-          <a:bodyPr/>
-          <a:lstStyle/>
-          <a:p>
-            <a:r>
-              <a:rPr lang="ru-RU"/>
-              <a:t>Актуальность</a:t>
-            </a:r>
-            <a:endParaRPr lang="ru-RU" dirty="0"/>
-          </a:p>
-        </p:txBody>
-      </p:sp>
-      <p:sp>
-        <p:nvSpPr>
-          <p:cNvPr id="4" name="Номер слайда 3"/>
-          <p:cNvSpPr>
-            <a:spLocks noGrp="1"/>
-          </p:cNvSpPr>
-          <p:nvPr>
-            <p:ph type="sldNum" sz="quarter" idx="12"/>
-          </p:nvPr>
-        </p:nvSpPr>
-        <p:spPr/>
-        <p:txBody>
-          <a:bodyPr/>
-          <a:lstStyle/>
-          <a:p>
-            <a:fld id="{0E98351F-33E5-4A3B-A99F-441E7915B955}" type="slidenum">
-              <a:rPr lang="ru-RU" smtClean="0"/>
-              <a:pPr/>
-              <a:t>4</a:t>
-            </a:fld>
-            <a:endParaRPr lang="ru-RU"/>
-          </a:p>
-        </p:txBody>
-      </p:sp>
-      <p:sp>
-        <p:nvSpPr>
-          <p:cNvPr id="11" name="Содержимое 10"/>
-          <p:cNvSpPr>
-            <a:spLocks noGrp="1"/>
-          </p:cNvSpPr>
-          <p:nvPr>
-            <p:ph idx="1"/>
-          </p:nvPr>
-        </p:nvSpPr>
-        <p:spPr/>
-        <p:txBody>
-          <a:bodyPr/>
-          <a:lstStyle/>
-          <a:p>
-            <a:r>
-              <a:rPr lang="ru-RU" sz="2000" i="0" dirty="0">
-                <a:solidFill>
-                  <a:srgbClr val="202122"/>
-                </a:solidFill>
-                <a:effectLst/>
-                <a:latin typeface="Arial" panose="020B0604020202020204" pitchFamily="34" charset="0"/>
-              </a:rPr>
-              <a:t>CCG (</a:t>
-            </a:r>
-            <a:r>
-              <a:rPr lang="en-GB" sz="2000" dirty="0">
-                <a:solidFill>
-                  <a:srgbClr val="202122"/>
-                </a:solidFill>
-                <a:latin typeface="Arial" panose="020B0604020202020204" pitchFamily="34" charset="0"/>
-              </a:rPr>
-              <a:t>Collection</a:t>
-            </a:r>
-            <a:r>
-              <a:rPr lang="ru-RU" sz="2000" dirty="0">
-                <a:solidFill>
-                  <a:srgbClr val="202122"/>
-                </a:solidFill>
-                <a:latin typeface="Arial" panose="020B0604020202020204" pitchFamily="34" charset="0"/>
-              </a:rPr>
-              <a:t> </a:t>
-            </a:r>
-            <a:r>
-              <a:rPr lang="en-GB" sz="2000" dirty="0">
-                <a:solidFill>
-                  <a:srgbClr val="202122"/>
-                </a:solidFill>
-                <a:latin typeface="Arial" panose="020B0604020202020204" pitchFamily="34" charset="0"/>
-              </a:rPr>
-              <a:t>Card Games</a:t>
-            </a:r>
-            <a:r>
-              <a:rPr lang="ru-RU" sz="2000" i="0" dirty="0">
-                <a:solidFill>
-                  <a:srgbClr val="202122"/>
-                </a:solidFill>
-                <a:effectLst/>
-                <a:latin typeface="Arial" panose="020B0604020202020204" pitchFamily="34" charset="0"/>
-              </a:rPr>
-              <a:t>) - Коллекционная карточная игра (CCG), также называемая торговой карточной игрой (TCG), среди других названий,</a:t>
-            </a:r>
-            <a:r>
-              <a:rPr lang="en-GB" sz="2000" i="0" dirty="0">
-                <a:solidFill>
-                  <a:srgbClr val="202122"/>
-                </a:solidFill>
-                <a:effectLst/>
-                <a:latin typeface="Arial" panose="020B0604020202020204" pitchFamily="34" charset="0"/>
-              </a:rPr>
-              <a:t> -</a:t>
-            </a:r>
-            <a:r>
-              <a:rPr lang="ru-RU" sz="2000" i="0" dirty="0">
-                <a:solidFill>
-                  <a:srgbClr val="202122"/>
-                </a:solidFill>
-                <a:effectLst/>
-                <a:latin typeface="Arial" panose="020B0604020202020204" pitchFamily="34" charset="0"/>
-              </a:rPr>
-              <a:t> это тип карточной игры, который смешивает стратегические элементы построения колоды с особенностями торговых карт, введенный с </a:t>
-            </a:r>
-            <a:r>
-              <a:rPr lang="ru-RU" sz="2000" i="0" dirty="0" err="1">
-                <a:solidFill>
-                  <a:srgbClr val="202122"/>
-                </a:solidFill>
-                <a:effectLst/>
-                <a:latin typeface="Arial" panose="020B0604020202020204" pitchFamily="34" charset="0"/>
-              </a:rPr>
-              <a:t>Magic</a:t>
-            </a:r>
-            <a:r>
-              <a:rPr lang="ru-RU" sz="2000" i="0" dirty="0">
-                <a:solidFill>
-                  <a:srgbClr val="202122"/>
-                </a:solidFill>
-                <a:effectLst/>
-                <a:latin typeface="Arial" panose="020B0604020202020204" pitchFamily="34" charset="0"/>
-              </a:rPr>
-              <a:t>: </a:t>
-            </a:r>
-            <a:r>
-              <a:rPr lang="ru-RU" sz="2000" i="0" dirty="0" err="1">
-                <a:solidFill>
-                  <a:srgbClr val="202122"/>
-                </a:solidFill>
-                <a:effectLst/>
-                <a:latin typeface="Arial" panose="020B0604020202020204" pitchFamily="34" charset="0"/>
-              </a:rPr>
-              <a:t>The</a:t>
-            </a:r>
-            <a:r>
-              <a:rPr lang="ru-RU" sz="2000" i="0" dirty="0">
-                <a:solidFill>
-                  <a:srgbClr val="202122"/>
-                </a:solidFill>
-                <a:effectLst/>
-                <a:latin typeface="Arial" panose="020B0604020202020204" pitchFamily="34" charset="0"/>
-              </a:rPr>
-              <a:t> </a:t>
-            </a:r>
-            <a:r>
-              <a:rPr lang="ru-RU" sz="2000" i="0" dirty="0" err="1">
-                <a:solidFill>
-                  <a:srgbClr val="202122"/>
-                </a:solidFill>
-                <a:effectLst/>
-                <a:latin typeface="Arial" panose="020B0604020202020204" pitchFamily="34" charset="0"/>
-              </a:rPr>
-              <a:t>Gathering</a:t>
-            </a:r>
-            <a:r>
-              <a:rPr lang="en-GB" sz="2000" dirty="0">
-                <a:solidFill>
-                  <a:srgbClr val="202122"/>
-                </a:solidFill>
-                <a:latin typeface="Arial" panose="020B0604020202020204" pitchFamily="34" charset="0"/>
-              </a:rPr>
-              <a:t> </a:t>
-            </a:r>
-            <a:r>
-              <a:rPr lang="ru-RU" sz="2000" i="0" dirty="0">
-                <a:solidFill>
-                  <a:srgbClr val="202122"/>
-                </a:solidFill>
-                <a:effectLst/>
-                <a:latin typeface="Arial" panose="020B0604020202020204" pitchFamily="34" charset="0"/>
-              </a:rPr>
-              <a:t>в 1993 году.</a:t>
-            </a:r>
-            <a:endParaRPr lang="ru-RU" dirty="0"/>
+            <a:r>
+              <a:rPr lang="ru-RU" sz="2000" dirty="0" smtClean="0"/>
+              <a:t>В жанре </a:t>
+            </a:r>
+            <a:r>
+              <a:rPr lang="en-US" sz="2000" dirty="0" smtClean="0"/>
+              <a:t>CCG </a:t>
+            </a:r>
+            <a:r>
+              <a:rPr lang="ru-RU" sz="2000" dirty="0" smtClean="0"/>
+              <a:t>существует большое количество игр, например </a:t>
+            </a:r>
+            <a:r>
+              <a:rPr lang="en-US" sz="2000" dirty="0" smtClean="0"/>
+              <a:t>Hearthstone </a:t>
+            </a:r>
+            <a:r>
+              <a:rPr lang="ru-RU" sz="2000" dirty="0" smtClean="0"/>
+              <a:t>или </a:t>
+            </a:r>
+            <a:r>
+              <a:rPr lang="en-US" sz="2000" dirty="0" smtClean="0"/>
+              <a:t>Gwent</a:t>
+            </a:r>
+            <a:r>
+              <a:rPr lang="ru-RU" sz="2000" dirty="0" smtClean="0"/>
+              <a:t>, но игр в которых одновременно реализовано несколько абсолютно разных жанров практически нет. Поэтому была выбрана тема разработать приложение с  жанром </a:t>
+            </a:r>
+            <a:r>
+              <a:rPr lang="en-US" sz="2000" dirty="0" smtClean="0"/>
+              <a:t>RPG </a:t>
+            </a:r>
+            <a:r>
+              <a:rPr lang="ru-RU" sz="2000" dirty="0" smtClean="0"/>
+              <a:t>и </a:t>
+            </a:r>
+            <a:r>
+              <a:rPr lang="en-US" sz="2000" dirty="0" smtClean="0"/>
+              <a:t>CCG.</a:t>
+            </a:r>
+            <a:endParaRPr lang="ru-RU" sz="2000" dirty="0"/>
           </a:p>
         </p:txBody>
       </p:sp>
@@ -7832,8 +7225,8 @@
         </p:blipFill>
         <p:spPr bwMode="auto">
           <a:xfrm>
-            <a:off x="323528" y="3645024"/>
-            <a:ext cx="4059943" cy="2283718"/>
+            <a:off x="179512" y="4077816"/>
+            <a:ext cx="4052049" cy="2279278"/>
           </a:xfrm>
           <a:prstGeom prst="rect">
             <a:avLst/>
@@ -7879,8 +7272,49 @@
         </p:blipFill>
         <p:spPr bwMode="auto">
           <a:xfrm>
-            <a:off x="4760531" y="3645024"/>
-            <a:ext cx="4059943" cy="2283718"/>
+            <a:off x="4915479" y="1259632"/>
+            <a:ext cx="3941636" cy="2217170"/>
+          </a:xfrm>
+          <a:prstGeom prst="rect">
+            <a:avLst/>
+          </a:prstGeom>
+          <a:noFill/>
+          <a:extLst>
+            <a:ext uri="{909E8E84-426E-40DD-AFC4-6F175D3DCCD1}">
+              <a14:hiddenFill xmlns:a14="http://schemas.microsoft.com/office/drawing/2010/main">
+                <a:solidFill>
+                  <a:srgbClr val="FFFFFF"/>
+                </a:solidFill>
+              </a14:hiddenFill>
+            </a:ext>
+          </a:extLst>
+        </p:spPr>
+      </p:pic>
+      <p:pic>
+        <p:nvPicPr>
+          <p:cNvPr id="1026" name="Picture 2" descr="http://s01.riotpixels.net/data/f0/7b/f07ba3ee-9996-4e99-a131-f7380e9a06de.jpg/screenshot.blackguards-2.1920x1080.2014-08-13.6.jpg"/>
+          <p:cNvPicPr>
+            <a:picLocks noChangeAspect="1" noChangeArrowheads="1"/>
+          </p:cNvPicPr>
+          <p:nvPr/>
+        </p:nvPicPr>
+        <p:blipFill>
+          <a:blip r:embed="rId5" cstate="print">
+            <a:extLst>
+              <a:ext uri="{28A0092B-C50C-407E-A947-70E740481C1C}">
+                <a14:useLocalDpi xmlns:a14="http://schemas.microsoft.com/office/drawing/2010/main" val="0"/>
+              </a:ext>
+            </a:extLst>
+          </a:blip>
+          <a:srcRect/>
+          <a:stretch>
+            <a:fillRect/>
+          </a:stretch>
+        </p:blipFill>
+        <p:spPr bwMode="auto">
+          <a:xfrm>
+            <a:off x="4738640" y="3861048"/>
+            <a:ext cx="4000994" cy="2250559"/>
           </a:xfrm>
           <a:prstGeom prst="rect">
             <a:avLst/>
@@ -7910,6 +7344,129 @@
 </p:sld>
 </file>
 
+<file path=ppt/slides/slide4.xml><?xml version="1.0" encoding="utf-8"?>
+<p:sld xmlns:a="http://schemas.openxmlformats.org/drawingml/2006/main" xmlns:r="http://schemas.openxmlformats.org/officeDocument/2006/relationships" xmlns:p="http://schemas.openxmlformats.org/presentationml/2006/main">
+  <p:cSld>
+    <p:spTree>
+      <p:nvGrpSpPr>
+        <p:cNvPr id="1" name=""/>
+        <p:cNvGrpSpPr/>
+        <p:nvPr/>
+      </p:nvGrpSpPr>
+      <p:grpSpPr>
+        <a:xfrm>
+          <a:off x="0" y="0"/>
+          <a:ext cx="0" cy="0"/>
+          <a:chOff x="0" y="0"/>
+          <a:chExt cx="0" cy="0"/>
+        </a:xfrm>
+      </p:grpSpPr>
+      <p:sp>
+        <p:nvSpPr>
+          <p:cNvPr id="4" name="Номер слайда 3"/>
+          <p:cNvSpPr>
+            <a:spLocks noGrp="1"/>
+          </p:cNvSpPr>
+          <p:nvPr>
+            <p:ph type="sldNum" sz="quarter" idx="12"/>
+          </p:nvPr>
+        </p:nvSpPr>
+        <p:spPr/>
+        <p:txBody>
+          <a:bodyPr/>
+          <a:lstStyle/>
+          <a:p>
+            <a:fld id="{0E98351F-33E5-4A3B-A99F-441E7915B955}" type="slidenum">
+              <a:rPr lang="ru-RU" smtClean="0"/>
+              <a:pPr/>
+              <a:t>4</a:t>
+            </a:fld>
+            <a:endParaRPr lang="ru-RU"/>
+          </a:p>
+        </p:txBody>
+      </p:sp>
+      <p:sp>
+        <p:nvSpPr>
+          <p:cNvPr id="8" name="Заголовок 1"/>
+          <p:cNvSpPr>
+            <a:spLocks noGrp="1"/>
+          </p:cNvSpPr>
+          <p:nvPr>
+            <p:ph type="title"/>
+          </p:nvPr>
+        </p:nvSpPr>
+        <p:spPr>
+          <a:xfrm>
+            <a:off x="457200" y="116632"/>
+            <a:ext cx="8507288" cy="1143000"/>
+          </a:xfrm>
+        </p:spPr>
+        <p:txBody>
+          <a:bodyPr/>
+          <a:lstStyle/>
+          <a:p>
+            <a:r>
+              <a:rPr lang="ru-RU" dirty="0" smtClean="0"/>
+              <a:t>Выбор ОС</a:t>
+            </a:r>
+            <a:endParaRPr lang="ru-RU" dirty="0"/>
+          </a:p>
+        </p:txBody>
+      </p:sp>
+      <p:pic>
+        <p:nvPicPr>
+          <p:cNvPr id="2050" name="Picture 2" descr="https://cdn.comss.net/img/012017/2017-09-04_08-49-03.png"/>
+          <p:cNvPicPr>
+            <a:picLocks noChangeAspect="1" noChangeArrowheads="1"/>
+          </p:cNvPicPr>
+          <p:nvPr/>
+        </p:nvPicPr>
+        <p:blipFill>
+          <a:blip r:embed="rId3">
+            <a:extLst>
+              <a:ext uri="{28A0092B-C50C-407E-A947-70E740481C1C}">
+                <a14:useLocalDpi xmlns:a14="http://schemas.microsoft.com/office/drawing/2010/main" val="0"/>
+              </a:ext>
+            </a:extLst>
+          </a:blip>
+          <a:srcRect/>
+          <a:stretch>
+            <a:fillRect/>
+          </a:stretch>
+        </p:blipFill>
+        <p:spPr bwMode="auto">
+          <a:xfrm>
+            <a:off x="395536" y="1556792"/>
+            <a:ext cx="8265703" cy="3560069"/>
+          </a:xfrm>
+          <a:prstGeom prst="rect">
+            <a:avLst/>
+          </a:prstGeom>
+          <a:noFill/>
+          <a:extLst>
+            <a:ext uri="{909E8E84-426E-40DD-AFC4-6F175D3DCCD1}">
+              <a14:hiddenFill xmlns:a14="http://schemas.microsoft.com/office/drawing/2010/main">
+                <a:solidFill>
+                  <a:srgbClr val="FFFFFF"/>
+                </a:solidFill>
+              </a14:hiddenFill>
+            </a:ext>
+          </a:extLst>
+        </p:spPr>
+      </p:pic>
+    </p:spTree>
+    <p:extLst>
+      <p:ext uri="{BB962C8B-B14F-4D97-AF65-F5344CB8AC3E}">
+        <p14:creationId xmlns:p14="http://schemas.microsoft.com/office/powerpoint/2010/main" val="2389552505"/>
+      </p:ext>
+    </p:extLst>
+  </p:cSld>
+  <p:clrMapOvr>
+    <a:masterClrMapping/>
+  </p:clrMapOvr>
+</p:sld>
+</file>
+
 <file path=ppt/slides/slide5.xml><?xml version="1.0" encoding="utf-8"?>
 <p:sld xmlns:a="http://schemas.openxmlformats.org/drawingml/2006/main" xmlns:r="http://schemas.openxmlformats.org/officeDocument/2006/relationships" xmlns:p="http://schemas.openxmlformats.org/presentationml/2006/main">
   <p:cSld>
@@ -7943,10 +7500,9 @@
           <a:lstStyle/>
           <a:p>
             <a:r>
-              <a:rPr lang="ru-RU"/>
+              <a:rPr lang="ru-RU" dirty="0"/>
               <a:t>Описание предметной области</a:t>
             </a:r>
-            <a:endParaRPr lang="ru-RU" dirty="0"/>
           </a:p>
         </p:txBody>
       </p:sp>
@@ -7966,9 +7522,18 @@
           <a:lstStyle/>
           <a:p>
             <a:r>
-              <a:rPr lang="ru-RU" dirty="0"/>
-              <a:t>Игровое приложение, суть которого - добыча ресурсов игроком сражаясь с противниками-ботами и поединок с оппонентом добытыми ресурсами.</a:t>
-            </a:r>
+              <a:rPr lang="ru-RU" dirty="0" smtClean="0"/>
+              <a:t>Игровое приложение, </a:t>
+            </a:r>
+            <a:r>
+              <a:rPr lang="ru-RU" dirty="0" smtClean="0"/>
+              <a:t>в котором одни из главных идей - </a:t>
+            </a:r>
+            <a:r>
+              <a:rPr lang="ru-RU" dirty="0" smtClean="0"/>
+              <a:t>добыча ресурсов и сражение с другими игроками после окончания определенного времени.</a:t>
+            </a:r>
+            <a:endParaRPr lang="ru-RU" dirty="0"/>
           </a:p>
         </p:txBody>
       </p:sp>
@@ -8038,12 +7603,14 @@
         </p:nvSpPr>
         <p:spPr/>
         <p:txBody>
-          <a:bodyPr/>
+          <a:bodyPr>
+            <a:normAutofit fontScale="90000"/>
+          </a:bodyPr>
           <a:lstStyle/>
           <a:p>
             <a:r>
               <a:rPr lang="ru-RU" dirty="0"/>
-              <a:t>Анализ рынка</a:t>
+              <a:t>Функционал программного продукта</a:t>
             </a:r>
           </a:p>
         </p:txBody>
@@ -8067,117 +7634,6 @@
               <a:rPr lang="ru-RU" smtClean="0"/>
               <a:pPr/>
               <a:t>6</a:t>
-            </a:fld>
-            <a:endParaRPr lang="ru-RU"/>
-          </a:p>
-        </p:txBody>
-      </p:sp>
-      <p:sp>
-        <p:nvSpPr>
-          <p:cNvPr id="6" name="Объект 7">
-            <a:extLst>
-              <a:ext uri="{FF2B5EF4-FFF2-40B4-BE49-F238E27FC236}">
-                <a16:creationId xmlns:a16="http://schemas.microsoft.com/office/drawing/2014/main" id="{32564CF9-8DEE-4D3F-AD3E-28FF35070E00}"/>
-              </a:ext>
-            </a:extLst>
-          </p:cNvPr>
-          <p:cNvSpPr>
-            <a:spLocks noGrp="1"/>
-          </p:cNvSpPr>
-          <p:nvPr>
-            <p:ph idx="1"/>
-          </p:nvPr>
-        </p:nvSpPr>
-        <p:spPr>
-          <a:xfrm>
-            <a:off x="179512" y="1340768"/>
-            <a:ext cx="8784976" cy="4896544"/>
-          </a:xfrm>
-        </p:spPr>
-        <p:txBody>
-          <a:bodyPr/>
-          <a:lstStyle/>
-          <a:p>
-            <a:r>
-              <a:rPr lang="ru-RU" dirty="0"/>
-              <a:t>В приложении в отличие от уже созданных игр, перед боем будет проходить раунд подбора снаряжений. Также приложение имеет хорошую оптимизацию под компьютеры с ограниченными ресурсами.</a:t>
-            </a:r>
-          </a:p>
-        </p:txBody>
-      </p:sp>
-    </p:spTree>
-    <p:extLst>
-      <p:ext uri="{BB962C8B-B14F-4D97-AF65-F5344CB8AC3E}">
-        <p14:creationId xmlns:p14="http://schemas.microsoft.com/office/powerpoint/2010/main" val="2545161560"/>
-      </p:ext>
-    </p:extLst>
-  </p:cSld>
-  <p:clrMapOvr>
-    <a:masterClrMapping/>
-  </p:clrMapOvr>
-</p:sld>
-</file>
-
-<file path=ppt/slides/slide7.xml><?xml version="1.0" encoding="utf-8"?>
-<p:sld xmlns:a="http://schemas.openxmlformats.org/drawingml/2006/main" xmlns:r="http://schemas.openxmlformats.org/officeDocument/2006/relationships" xmlns:p="http://schemas.openxmlformats.org/presentationml/2006/main">
-  <p:cSld>
-    <p:spTree>
-      <p:nvGrpSpPr>
-        <p:cNvPr id="1" name=""/>
-        <p:cNvGrpSpPr/>
-        <p:nvPr/>
-      </p:nvGrpSpPr>
-      <p:grpSpPr>
-        <a:xfrm>
-          <a:off x="0" y="0"/>
-          <a:ext cx="0" cy="0"/>
-          <a:chOff x="0" y="0"/>
-          <a:chExt cx="0" cy="0"/>
-        </a:xfrm>
-      </p:grpSpPr>
-      <p:sp>
-        <p:nvSpPr>
-          <p:cNvPr id="2" name="Заголовок 1"/>
-          <p:cNvSpPr>
-            <a:spLocks noGrp="1"/>
-          </p:cNvSpPr>
-          <p:nvPr>
-            <p:ph type="title"/>
-          </p:nvPr>
-        </p:nvSpPr>
-        <p:spPr/>
-        <p:txBody>
-          <a:bodyPr>
-            <a:normAutofit fontScale="90000"/>
-          </a:bodyPr>
-          <a:lstStyle/>
-          <a:p>
-            <a:r>
-              <a:rPr lang="ru-RU" dirty="0"/>
-              <a:t>Функционал программного продукта</a:t>
-            </a:r>
-          </a:p>
-        </p:txBody>
-      </p:sp>
-      <p:sp>
-        <p:nvSpPr>
-          <p:cNvPr id="4" name="Номер слайда 3"/>
-          <p:cNvSpPr>
-            <a:spLocks noGrp="1"/>
-          </p:cNvSpPr>
-          <p:nvPr>
-            <p:ph type="sldNum" sz="quarter" idx="12"/>
-          </p:nvPr>
-        </p:nvSpPr>
-        <p:spPr/>
-        <p:txBody>
-          <a:bodyPr/>
-          <a:lstStyle/>
-          <a:p>
-            <a:fld id="{0E98351F-33E5-4A3B-A99F-441E7915B955}" type="slidenum">
-              <a:rPr lang="ru-RU" smtClean="0"/>
-              <a:pPr/>
-              <a:t>7</a:t>
             </a:fld>
             <a:endParaRPr lang="ru-RU"/>
           </a:p>
@@ -8224,7 +7680,7 @@
 </p:sld>
 </file>
 
-<file path=ppt/slides/slide8.xml><?xml version="1.0" encoding="utf-8"?>
+<file path=ppt/slides/slide7.xml><?xml version="1.0" encoding="utf-8"?>
 <p:sld xmlns:a="http://schemas.openxmlformats.org/drawingml/2006/main" xmlns:r="http://schemas.openxmlformats.org/officeDocument/2006/relationships" xmlns:p="http://schemas.openxmlformats.org/presentationml/2006/main">
   <p:cSld>
     <p:spTree>
@@ -8294,7 +7750,7 @@
             <a:fld id="{0E98351F-33E5-4A3B-A99F-441E7915B955}" type="slidenum">
               <a:rPr lang="ru-RU" smtClean="0"/>
               <a:pPr/>
-              <a:t>8</a:t>
+              <a:t>7</a:t>
             </a:fld>
             <a:endParaRPr lang="ru-RU"/>
           </a:p>
@@ -8343,7 +7799,7 @@
 </p:sld>
 </file>
 
-<file path=ppt/slides/slide9.xml><?xml version="1.0" encoding="utf-8"?>
+<file path=ppt/slides/slide8.xml><?xml version="1.0" encoding="utf-8"?>
 <p:sld xmlns:a="http://schemas.openxmlformats.org/drawingml/2006/main" xmlns:r="http://schemas.openxmlformats.org/officeDocument/2006/relationships" xmlns:p="http://schemas.openxmlformats.org/presentationml/2006/main">
   <p:cSld>
     <p:spTree>
@@ -8413,7 +7869,7 @@
             <a:fld id="{0E98351F-33E5-4A3B-A99F-441E7915B955}" type="slidenum">
               <a:rPr lang="ru-RU" smtClean="0"/>
               <a:pPr/>
-              <a:t>9</a:t>
+              <a:t>8</a:t>
             </a:fld>
             <a:endParaRPr lang="ru-RU"/>
           </a:p>
@@ -8453,6 +7909,301 @@
     <p:extLst>
       <p:ext uri="{BB962C8B-B14F-4D97-AF65-F5344CB8AC3E}">
         <p14:creationId xmlns:p14="http://schemas.microsoft.com/office/powerpoint/2010/main" val="3777162305"/>
+      </p:ext>
+    </p:extLst>
+  </p:cSld>
+  <p:clrMapOvr>
+    <a:masterClrMapping/>
+  </p:clrMapOvr>
+</p:sld>
+</file>
+
+<file path=ppt/slides/slide9.xml><?xml version="1.0" encoding="utf-8"?>
+<p:sld xmlns:a="http://schemas.openxmlformats.org/drawingml/2006/main" xmlns:r="http://schemas.openxmlformats.org/officeDocument/2006/relationships" xmlns:p="http://schemas.openxmlformats.org/presentationml/2006/main">
+  <p:cSld>
+    <p:spTree>
+      <p:nvGrpSpPr>
+        <p:cNvPr id="1" name=""/>
+        <p:cNvGrpSpPr/>
+        <p:nvPr/>
+      </p:nvGrpSpPr>
+      <p:grpSpPr>
+        <a:xfrm>
+          <a:off x="0" y="0"/>
+          <a:ext cx="0" cy="0"/>
+          <a:chOff x="0" y="0"/>
+          <a:chExt cx="0" cy="0"/>
+        </a:xfrm>
+      </p:grpSpPr>
+      <p:graphicFrame>
+        <p:nvGraphicFramePr>
+          <p:cNvPr id="12" name="Диаграмма 11">
+            <a:extLst>
+              <a:ext uri="{FF2B5EF4-FFF2-40B4-BE49-F238E27FC236}">
+                <a16:creationId xmlns:a16="http://schemas.microsoft.com/office/drawing/2014/main" id="{604308E0-2662-4495-82D9-EA2F7C6F43B5}"/>
+              </a:ext>
+            </a:extLst>
+          </p:cNvPr>
+          <p:cNvGraphicFramePr/>
+          <p:nvPr>
+            <p:extLst>
+              <p:ext uri="{D42A27DB-BD31-4B8C-83A1-F6EECF244321}">
+                <p14:modId xmlns:p14="http://schemas.microsoft.com/office/powerpoint/2010/main" val="2749553905"/>
+              </p:ext>
+            </p:extLst>
+          </p:nvPr>
+        </p:nvGraphicFramePr>
+        <p:xfrm>
+          <a:off x="1454287" y="1703444"/>
+          <a:ext cx="6955944" cy="4656022"/>
+        </p:xfrm>
+        <a:graphic>
+          <a:graphicData uri="http://schemas.openxmlformats.org/drawingml/2006/chart">
+            <c:chart xmlns:c="http://schemas.openxmlformats.org/drawingml/2006/chart" xmlns:r="http://schemas.openxmlformats.org/officeDocument/2006/relationships" r:id="rId2"/>
+          </a:graphicData>
+        </a:graphic>
+      </p:graphicFrame>
+      <p:sp>
+        <p:nvSpPr>
+          <p:cNvPr id="2" name="Заголовок 1"/>
+          <p:cNvSpPr>
+            <a:spLocks noGrp="1"/>
+          </p:cNvSpPr>
+          <p:nvPr>
+            <p:ph type="title"/>
+          </p:nvPr>
+        </p:nvSpPr>
+        <p:spPr/>
+        <p:txBody>
+          <a:bodyPr>
+            <a:normAutofit/>
+          </a:bodyPr>
+          <a:lstStyle/>
+          <a:p>
+            <a:r>
+              <a:rPr lang="ru-RU" dirty="0"/>
+              <a:t>Инструменты для разработки</a:t>
+            </a:r>
+          </a:p>
+        </p:txBody>
+      </p:sp>
+      <p:sp>
+        <p:nvSpPr>
+          <p:cNvPr id="4" name="Номер слайда 3"/>
+          <p:cNvSpPr>
+            <a:spLocks noGrp="1"/>
+          </p:cNvSpPr>
+          <p:nvPr>
+            <p:ph type="sldNum" sz="quarter" idx="12"/>
+          </p:nvPr>
+        </p:nvSpPr>
+        <p:spPr/>
+        <p:txBody>
+          <a:bodyPr/>
+          <a:lstStyle/>
+          <a:p>
+            <a:fld id="{0E98351F-33E5-4A3B-A99F-441E7915B955}" type="slidenum">
+              <a:rPr lang="ru-RU" smtClean="0"/>
+              <a:pPr/>
+              <a:t>9</a:t>
+            </a:fld>
+            <a:endParaRPr lang="ru-RU"/>
+          </a:p>
+        </p:txBody>
+      </p:sp>
+      <p:pic>
+        <p:nvPicPr>
+          <p:cNvPr id="1032" name="Picture 8">
+            <a:extLst>
+              <a:ext uri="{FF2B5EF4-FFF2-40B4-BE49-F238E27FC236}">
+                <a16:creationId xmlns:a16="http://schemas.microsoft.com/office/drawing/2014/main" id="{DEF59D09-DDA0-443A-826E-36E8080CF6F5}"/>
+              </a:ext>
+            </a:extLst>
+          </p:cNvPr>
+          <p:cNvPicPr>
+            <a:picLocks noChangeAspect="1" noChangeArrowheads="1"/>
+          </p:cNvPicPr>
+          <p:nvPr/>
+        </p:nvPicPr>
+        <p:blipFill>
+          <a:blip r:embed="rId3" cstate="print">
+            <a:biLevel thresh="75000"/>
+            <a:extLst>
+              <a:ext uri="{28A0092B-C50C-407E-A947-70E740481C1C}">
+                <a14:useLocalDpi xmlns:a14="http://schemas.microsoft.com/office/drawing/2010/main" val="0"/>
+              </a:ext>
+            </a:extLst>
+          </a:blip>
+          <a:srcRect/>
+          <a:stretch>
+            <a:fillRect/>
+          </a:stretch>
+        </p:blipFill>
+        <p:spPr bwMode="auto">
+          <a:xfrm>
+            <a:off x="2590696" y="2252500"/>
+            <a:ext cx="2032143" cy="2032143"/>
+          </a:xfrm>
+          <a:prstGeom prst="rect">
+            <a:avLst/>
+          </a:prstGeom>
+          <a:noFill/>
+          <a:extLst>
+            <a:ext uri="{909E8E84-426E-40DD-AFC4-6F175D3DCCD1}">
+              <a14:hiddenFill xmlns:a14="http://schemas.microsoft.com/office/drawing/2010/main">
+                <a:solidFill>
+                  <a:srgbClr val="FFFFFF"/>
+                </a:solidFill>
+              </a14:hiddenFill>
+            </a:ext>
+          </a:extLst>
+        </p:spPr>
+      </p:pic>
+      <p:pic>
+        <p:nvPicPr>
+          <p:cNvPr id="1034" name="Picture 10">
+            <a:extLst>
+              <a:ext uri="{FF2B5EF4-FFF2-40B4-BE49-F238E27FC236}">
+                <a16:creationId xmlns:a16="http://schemas.microsoft.com/office/drawing/2014/main" id="{17292EE5-7033-4851-9103-5286A69DB1CC}"/>
+              </a:ext>
+            </a:extLst>
+          </p:cNvPr>
+          <p:cNvPicPr>
+            <a:picLocks noChangeAspect="1" noChangeArrowheads="1"/>
+          </p:cNvPicPr>
+          <p:nvPr/>
+        </p:nvPicPr>
+        <p:blipFill>
+          <a:blip r:embed="rId4" cstate="print">
+            <a:biLevel thresh="75000"/>
+            <a:extLst>
+              <a:ext uri="{28A0092B-C50C-407E-A947-70E740481C1C}">
+                <a14:useLocalDpi xmlns:a14="http://schemas.microsoft.com/office/drawing/2010/main" val="0"/>
+              </a:ext>
+            </a:extLst>
+          </a:blip>
+          <a:srcRect/>
+          <a:stretch>
+            <a:fillRect/>
+          </a:stretch>
+        </p:blipFill>
+        <p:spPr bwMode="auto">
+          <a:xfrm>
+            <a:off x="5631395" y="1528436"/>
+            <a:ext cx="1518943" cy="2785159"/>
+          </a:xfrm>
+          <a:prstGeom prst="rect">
+            <a:avLst/>
+          </a:prstGeom>
+          <a:noFill/>
+          <a:extLst>
+            <a:ext uri="{909E8E84-426E-40DD-AFC4-6F175D3DCCD1}">
+              <a14:hiddenFill xmlns:a14="http://schemas.microsoft.com/office/drawing/2010/main">
+                <a:solidFill>
+                  <a:srgbClr val="FFFFFF"/>
+                </a:solidFill>
+              </a14:hiddenFill>
+            </a:ext>
+          </a:extLst>
+        </p:spPr>
+      </p:pic>
+      <p:sp>
+        <p:nvSpPr>
+          <p:cNvPr id="13" name="AutoShape 12">
+            <a:extLst>
+              <a:ext uri="{FF2B5EF4-FFF2-40B4-BE49-F238E27FC236}">
+                <a16:creationId xmlns:a16="http://schemas.microsoft.com/office/drawing/2014/main" id="{2603E3A5-B180-4A47-8322-AC6ACB1AFDEE}"/>
+              </a:ext>
+            </a:extLst>
+          </p:cNvPr>
+          <p:cNvSpPr>
+            <a:spLocks noChangeAspect="1" noChangeArrowheads="1"/>
+          </p:cNvSpPr>
+          <p:nvPr/>
+        </p:nvSpPr>
+        <p:spPr bwMode="auto">
+          <a:xfrm>
+            <a:off x="4419600" y="3276600"/>
+            <a:ext cx="304800" cy="304800"/>
+          </a:xfrm>
+          <a:prstGeom prst="rect">
+            <a:avLst/>
+          </a:prstGeom>
+          <a:noFill/>
+          <a:extLst>
+            <a:ext uri="{909E8E84-426E-40DD-AFC4-6F175D3DCCD1}">
+              <a14:hiddenFill xmlns:a14="http://schemas.microsoft.com/office/drawing/2010/main">
+                <a:solidFill>
+                  <a:srgbClr val="FFFFFF"/>
+                </a:solidFill>
+              </a14:hiddenFill>
+            </a:ext>
+          </a:extLst>
+        </p:spPr>
+        <p:txBody>
+          <a:bodyPr vert="horz" wrap="square" lIns="91440" tIns="45720" rIns="91440" bIns="45720" numCol="1" anchor="t" anchorCtr="0" compatLnSpc="1">
+            <a:prstTxWarp prst="textNoShape">
+              <a:avLst/>
+            </a:prstTxWarp>
+          </a:bodyPr>
+          <a:lstStyle/>
+          <a:p>
+            <a:endParaRPr lang="en-GB"/>
+          </a:p>
+        </p:txBody>
+      </p:sp>
+      <p:pic>
+        <p:nvPicPr>
+          <p:cNvPr id="1040" name="Picture 16">
+            <a:extLst>
+              <a:ext uri="{FF2B5EF4-FFF2-40B4-BE49-F238E27FC236}">
+                <a16:creationId xmlns:a16="http://schemas.microsoft.com/office/drawing/2014/main" id="{73E9552D-4C37-4D22-BDC9-4E13CBBEECDD}"/>
+              </a:ext>
+            </a:extLst>
+          </p:cNvPr>
+          <p:cNvPicPr>
+            <a:picLocks noChangeAspect="1" noChangeArrowheads="1"/>
+          </p:cNvPicPr>
+          <p:nvPr/>
+        </p:nvPicPr>
+        <p:blipFill>
+          <a:blip r:embed="rId5" cstate="print">
+            <a:biLevel thresh="75000"/>
+            <a:extLst>
+              <a:ext uri="{28A0092B-C50C-407E-A947-70E740481C1C}">
+                <a14:useLocalDpi xmlns:a14="http://schemas.microsoft.com/office/drawing/2010/main" val="0"/>
+              </a:ext>
+            </a:extLst>
+          </a:blip>
+          <a:srcRect/>
+          <a:stretch>
+            <a:fillRect/>
+          </a:stretch>
+        </p:blipFill>
+        <p:spPr bwMode="auto">
+          <a:xfrm>
+            <a:off x="3804140" y="4605500"/>
+            <a:ext cx="2256237" cy="1772816"/>
+          </a:xfrm>
+          <a:prstGeom prst="rect">
+            <a:avLst/>
+          </a:prstGeom>
+          <a:noFill/>
+          <a:extLst>
+            <a:ext uri="{909E8E84-426E-40DD-AFC4-6F175D3DCCD1}">
+              <a14:hiddenFill xmlns:a14="http://schemas.microsoft.com/office/drawing/2010/main">
+                <a:solidFill>
+                  <a:srgbClr val="FFFFFF"/>
+                </a:solidFill>
+              </a14:hiddenFill>
+            </a:ext>
+          </a:extLst>
+        </p:spPr>
+      </p:pic>
+    </p:spTree>
+    <p:extLst>
+      <p:ext uri="{BB962C8B-B14F-4D97-AF65-F5344CB8AC3E}">
+        <p14:creationId xmlns:p14="http://schemas.microsoft.com/office/powerpoint/2010/main" val="3207483193"/>
       </p:ext>
     </p:extLst>
   </p:cSld>
@@ -9299,6 +9050,68 @@
 </file>
 
 <file path=customXml/item2.xml><?xml version="1.0" encoding="utf-8"?>
+<p:properties xmlns:p="http://schemas.microsoft.com/office/2006/metadata/properties" xmlns:xsi="http://www.w3.org/2001/XMLSchema-instance" xmlns:pc="http://schemas.microsoft.com/office/infopath/2007/PartnerControls">
+  <documentManagement>
+    <_dlc_DocId xmlns="df41ab4a-b7e2-4865-b9a3-291840acfe6f">7VF5KMQTPTXY-6-2</_dlc_DocId>
+    <_dlc_DocIdUrl xmlns="df41ab4a-b7e2-4865-b9a3-291840acfe6f">
+      <Url>https://portal.petrocollege.ru/_layouts/15/DocIdRedir.aspx?ID=7VF5KMQTPTXY-6-2</Url>
+      <Description>7VF5KMQTPTXY-6-2</Description>
+    </_dlc_DocIdUrl>
+  </documentManagement>
+</p:properties>
+</file>
+
+<file path=customXml/item3.xml><?xml version="1.0" encoding="utf-8"?>
+<?mso-contentType ?>
+<spe:Receivers xmlns:spe="http://schemas.microsoft.com/sharepoint/events">
+  <Receiver>
+    <Name>Document ID Generator</Name>
+    <Synchronization>Synchronous</Synchronization>
+    <Type>10001</Type>
+    <SequenceNumber>1000</SequenceNumber>
+    <Url/>
+    <Assembly>Microsoft.Office.DocumentManagement, Version=15.0.0.0, Culture=neutral, PublicKeyToken=71e9bce111e9429c</Assembly>
+    <Class>Microsoft.Office.DocumentManagement.Internal.DocIdHandler</Class>
+    <Data/>
+    <Filter/>
+  </Receiver>
+  <Receiver>
+    <Name>Document ID Generator</Name>
+    <Synchronization>Synchronous</Synchronization>
+    <Type>10002</Type>
+    <SequenceNumber>1001</SequenceNumber>
+    <Url/>
+    <Assembly>Microsoft.Office.DocumentManagement, Version=15.0.0.0, Culture=neutral, PublicKeyToken=71e9bce111e9429c</Assembly>
+    <Class>Microsoft.Office.DocumentManagement.Internal.DocIdHandler</Class>
+    <Data/>
+    <Filter/>
+  </Receiver>
+  <Receiver>
+    <Name>Document ID Generator</Name>
+    <Synchronization>Synchronous</Synchronization>
+    <Type>10004</Type>
+    <SequenceNumber>1002</SequenceNumber>
+    <Url/>
+    <Assembly>Microsoft.Office.DocumentManagement, Version=15.0.0.0, Culture=neutral, PublicKeyToken=71e9bce111e9429c</Assembly>
+    <Class>Microsoft.Office.DocumentManagement.Internal.DocIdHandler</Class>
+    <Data/>
+    <Filter/>
+  </Receiver>
+  <Receiver>
+    <Name>Document ID Generator</Name>
+    <Synchronization>Synchronous</Synchronization>
+    <Type>10006</Type>
+    <SequenceNumber>1003</SequenceNumber>
+    <Url/>
+    <Assembly>Microsoft.Office.DocumentManagement, Version=15.0.0.0, Culture=neutral, PublicKeyToken=71e9bce111e9429c</Assembly>
+    <Class>Microsoft.Office.DocumentManagement.Internal.DocIdHandler</Class>
+    <Data/>
+    <Filter/>
+  </Receiver>
+</spe:Receivers>
+</file>
+
+<file path=customXml/item4.xml><?xml version="1.0" encoding="utf-8"?>
 <ct:contentTypeSchema xmlns:ct="http://schemas.microsoft.com/office/2006/metadata/contentType" xmlns:ma="http://schemas.microsoft.com/office/2006/metadata/properties/metaAttributes" ct:_="" ma:_="" ma:contentTypeName="Документ" ma:contentTypeID="0x010100A9DECAF42DF4C1448C93826D92A1631D" ma:contentTypeVersion="2" ma:contentTypeDescription="Создание документа." ma:contentTypeScope="" ma:versionID="3af4159342cf4ebf59299f419a4f4a66">
   <xsd:schema xmlns:xsd="http://www.w3.org/2001/XMLSchema" xmlns:xs="http://www.w3.org/2001/XMLSchema" xmlns:p="http://schemas.microsoft.com/office/2006/metadata/properties" xmlns:ns2="df41ab4a-b7e2-4865-b9a3-291840acfe6f" targetNamespace="http://schemas.microsoft.com/office/2006/metadata/properties" ma:root="true" ma:fieldsID="477a2e5a6968d71f865c2ee3fd8432b2" ns2:_="">
     <xsd:import namespace="df41ab4a-b7e2-4865-b9a3-291840acfe6f"/>
@@ -9443,68 +9256,6 @@
 </ct:contentTypeSchema>
 </file>
 
-<file path=customXml/item3.xml><?xml version="1.0" encoding="utf-8"?>
-<?mso-contentType ?>
-<spe:Receivers xmlns:spe="http://schemas.microsoft.com/sharepoint/events">
-  <Receiver>
-    <Name>Document ID Generator</Name>
-    <Synchronization>Synchronous</Synchronization>
-    <Type>10001</Type>
-    <SequenceNumber>1000</SequenceNumber>
-    <Url/>
-    <Assembly>Microsoft.Office.DocumentManagement, Version=15.0.0.0, Culture=neutral, PublicKeyToken=71e9bce111e9429c</Assembly>
-    <Class>Microsoft.Office.DocumentManagement.Internal.DocIdHandler</Class>
-    <Data/>
-    <Filter/>
-  </Receiver>
-  <Receiver>
-    <Name>Document ID Generator</Name>
-    <Synchronization>Synchronous</Synchronization>
-    <Type>10002</Type>
-    <SequenceNumber>1001</SequenceNumber>
-    <Url/>
-    <Assembly>Microsoft.Office.DocumentManagement, Version=15.0.0.0, Culture=neutral, PublicKeyToken=71e9bce111e9429c</Assembly>
-    <Class>Microsoft.Office.DocumentManagement.Internal.DocIdHandler</Class>
-    <Data/>
-    <Filter/>
-  </Receiver>
-  <Receiver>
-    <Name>Document ID Generator</Name>
-    <Synchronization>Synchronous</Synchronization>
-    <Type>10004</Type>
-    <SequenceNumber>1002</SequenceNumber>
-    <Url/>
-    <Assembly>Microsoft.Office.DocumentManagement, Version=15.0.0.0, Culture=neutral, PublicKeyToken=71e9bce111e9429c</Assembly>
-    <Class>Microsoft.Office.DocumentManagement.Internal.DocIdHandler</Class>
-    <Data/>
-    <Filter/>
-  </Receiver>
-  <Receiver>
-    <Name>Document ID Generator</Name>
-    <Synchronization>Synchronous</Synchronization>
-    <Type>10006</Type>
-    <SequenceNumber>1003</SequenceNumber>
-    <Url/>
-    <Assembly>Microsoft.Office.DocumentManagement, Version=15.0.0.0, Culture=neutral, PublicKeyToken=71e9bce111e9429c</Assembly>
-    <Class>Microsoft.Office.DocumentManagement.Internal.DocIdHandler</Class>
-    <Data/>
-    <Filter/>
-  </Receiver>
-</spe:Receivers>
-</file>
-
-<file path=customXml/item4.xml><?xml version="1.0" encoding="utf-8"?>
-<p:properties xmlns:p="http://schemas.microsoft.com/office/2006/metadata/properties" xmlns:xsi="http://www.w3.org/2001/XMLSchema-instance" xmlns:pc="http://schemas.microsoft.com/office/infopath/2007/PartnerControls">
-  <documentManagement>
-    <_dlc_DocId xmlns="df41ab4a-b7e2-4865-b9a3-291840acfe6f">7VF5KMQTPTXY-6-2</_dlc_DocId>
-    <_dlc_DocIdUrl xmlns="df41ab4a-b7e2-4865-b9a3-291840acfe6f">
-      <Url>https://portal.petrocollege.ru/_layouts/15/DocIdRedir.aspx?ID=7VF5KMQTPTXY-6-2</Url>
-      <Description>7VF5KMQTPTXY-6-2</Description>
-    </_dlc_DocIdUrl>
-  </documentManagement>
-</p:properties>
-</file>
-
 <file path=customXml/itemProps1.xml><?xml version="1.0" encoding="utf-8"?>
 <ds:datastoreItem xmlns:ds="http://schemas.openxmlformats.org/officeDocument/2006/customXml" ds:itemID="{5CC2C6A2-194A-4318-9983-705E098F29EB}">
   <ds:schemaRefs>
@@ -9514,6 +9265,30 @@
 </file>
 
 <file path=customXml/itemProps2.xml><?xml version="1.0" encoding="utf-8"?>
+<ds:datastoreItem xmlns:ds="http://schemas.openxmlformats.org/officeDocument/2006/customXml" ds:itemID="{0B62F19D-F597-4593-B760-DD0007729E5B}">
+  <ds:schemaRefs>
+    <ds:schemaRef ds:uri="http://schemas.microsoft.com/office/2006/documentManagement/types"/>
+    <ds:schemaRef ds:uri="http://purl.org/dc/elements/1.1/"/>
+    <ds:schemaRef ds:uri="http://purl.org/dc/terms/"/>
+    <ds:schemaRef ds:uri="http://schemas.microsoft.com/office/2006/metadata/properties"/>
+    <ds:schemaRef ds:uri="http://schemas.microsoft.com/office/infopath/2007/PartnerControls"/>
+    <ds:schemaRef ds:uri="http://www.w3.org/XML/1998/namespace"/>
+    <ds:schemaRef ds:uri="http://schemas.openxmlformats.org/package/2006/metadata/core-properties"/>
+    <ds:schemaRef ds:uri="df41ab4a-b7e2-4865-b9a3-291840acfe6f"/>
+    <ds:schemaRef ds:uri="http://purl.org/dc/dcmitype/"/>
+  </ds:schemaRefs>
+</ds:datastoreItem>
+</file>
+
+<file path=customXml/itemProps3.xml><?xml version="1.0" encoding="utf-8"?>
+<ds:datastoreItem xmlns:ds="http://schemas.openxmlformats.org/officeDocument/2006/customXml" ds:itemID="{4C40D707-170D-4583-9BC4-8BAD4042035F}">
+  <ds:schemaRefs>
+    <ds:schemaRef ds:uri="http://schemas.microsoft.com/sharepoint/events"/>
+  </ds:schemaRefs>
+</ds:datastoreItem>
+</file>
+
+<file path=customXml/itemProps4.xml><?xml version="1.0" encoding="utf-8"?>
 <ds:datastoreItem xmlns:ds="http://schemas.openxmlformats.org/officeDocument/2006/customXml" ds:itemID="{7BD44AB9-9713-4396-9527-2BD4E42BD2B5}">
   <ds:schemaRefs>
     <ds:schemaRef ds:uri="http://schemas.microsoft.com/office/2006/metadata/contentType"/>
@@ -9529,28 +9304,4 @@
     <ds:schemaRef ds:uri="http://schemas.microsoft.com/internal/obd"/>
   </ds:schemaRefs>
 </ds:datastoreItem>
-</file>
-
-<file path=customXml/itemProps3.xml><?xml version="1.0" encoding="utf-8"?>
-<ds:datastoreItem xmlns:ds="http://schemas.openxmlformats.org/officeDocument/2006/customXml" ds:itemID="{4C40D707-170D-4583-9BC4-8BAD4042035F}">
-  <ds:schemaRefs>
-    <ds:schemaRef ds:uri="http://schemas.microsoft.com/sharepoint/events"/>
-  </ds:schemaRefs>
-</ds:datastoreItem>
-</file>
-
-<file path=customXml/itemProps4.xml><?xml version="1.0" encoding="utf-8"?>
-<ds:datastoreItem xmlns:ds="http://schemas.openxmlformats.org/officeDocument/2006/customXml" ds:itemID="{0B62F19D-F597-4593-B760-DD0007729E5B}">
-  <ds:schemaRefs>
-    <ds:schemaRef ds:uri="http://schemas.microsoft.com/office/2006/documentManagement/types"/>
-    <ds:schemaRef ds:uri="http://purl.org/dc/elements/1.1/"/>
-    <ds:schemaRef ds:uri="http://purl.org/dc/terms/"/>
-    <ds:schemaRef ds:uri="http://schemas.microsoft.com/office/2006/metadata/properties"/>
-    <ds:schemaRef ds:uri="http://schemas.microsoft.com/office/infopath/2007/PartnerControls"/>
-    <ds:schemaRef ds:uri="http://www.w3.org/XML/1998/namespace"/>
-    <ds:schemaRef ds:uri="http://schemas.openxmlformats.org/package/2006/metadata/core-properties"/>
-    <ds:schemaRef ds:uri="df41ab4a-b7e2-4865-b9a3-291840acfe6f"/>
-    <ds:schemaRef ds:uri="http://purl.org/dc/dcmitype/"/>
-  </ds:schemaRefs>
-</ds:datastoreItem>
 </file>